--- a/Are Housing Prices Affected by Natural Disasters.pptx
+++ b/Are Housing Prices Affected by Natural Disasters.pptx
@@ -111,6 +111,11 @@
       </a:defRPr>
     </a:lvl9pPr>
   </p:defaultTextStyle>
+  <p:extLst>
+    <p:ext uri="{EFAFB233-063F-42B5-8137-9DF3F51BA10A}">
+      <p15:sldGuideLst xmlns:p15="http://schemas.microsoft.com/office/powerpoint/2012/main"/>
+    </p:ext>
+  </p:extLst>
 </p:presentation>
 </file>
 
@@ -261,7 +266,7 @@
           <a:p>
             <a:fld id="{5D63FE85-95CD-40DC-BFF3-BE62C2A435E5}" type="datetimeFigureOut">
               <a:rPr lang="en-US" smtClean="0"/>
-              <a:t>1/23/2019</a:t>
+              <a:t>1/24/2019</a:t>
             </a:fld>
             <a:endParaRPr lang="en-US" dirty="0"/>
           </a:p>
@@ -459,7 +464,7 @@
           <a:p>
             <a:fld id="{5D63FE85-95CD-40DC-BFF3-BE62C2A435E5}" type="datetimeFigureOut">
               <a:rPr lang="en-US" smtClean="0"/>
-              <a:t>1/23/2019</a:t>
+              <a:t>1/24/2019</a:t>
             </a:fld>
             <a:endParaRPr lang="en-US" dirty="0"/>
           </a:p>
@@ -667,7 +672,7 @@
           <a:p>
             <a:fld id="{5D63FE85-95CD-40DC-BFF3-BE62C2A435E5}" type="datetimeFigureOut">
               <a:rPr lang="en-US" smtClean="0"/>
-              <a:t>1/23/2019</a:t>
+              <a:t>1/24/2019</a:t>
             </a:fld>
             <a:endParaRPr lang="en-US" dirty="0"/>
           </a:p>
@@ -865,7 +870,7 @@
           <a:p>
             <a:fld id="{5D63FE85-95CD-40DC-BFF3-BE62C2A435E5}" type="datetimeFigureOut">
               <a:rPr lang="en-US" smtClean="0"/>
-              <a:t>1/23/2019</a:t>
+              <a:t>1/24/2019</a:t>
             </a:fld>
             <a:endParaRPr lang="en-US" dirty="0"/>
           </a:p>
@@ -1140,7 +1145,7 @@
           <a:p>
             <a:fld id="{5D63FE85-95CD-40DC-BFF3-BE62C2A435E5}" type="datetimeFigureOut">
               <a:rPr lang="en-US" smtClean="0"/>
-              <a:t>1/23/2019</a:t>
+              <a:t>1/24/2019</a:t>
             </a:fld>
             <a:endParaRPr lang="en-US" dirty="0"/>
           </a:p>
@@ -1405,7 +1410,7 @@
           <a:p>
             <a:fld id="{5D63FE85-95CD-40DC-BFF3-BE62C2A435E5}" type="datetimeFigureOut">
               <a:rPr lang="en-US" smtClean="0"/>
-              <a:t>1/23/2019</a:t>
+              <a:t>1/24/2019</a:t>
             </a:fld>
             <a:endParaRPr lang="en-US" dirty="0"/>
           </a:p>
@@ -1817,7 +1822,7 @@
           <a:p>
             <a:fld id="{5D63FE85-95CD-40DC-BFF3-BE62C2A435E5}" type="datetimeFigureOut">
               <a:rPr lang="en-US" smtClean="0"/>
-              <a:t>1/23/2019</a:t>
+              <a:t>1/24/2019</a:t>
             </a:fld>
             <a:endParaRPr lang="en-US" dirty="0"/>
           </a:p>
@@ -1958,7 +1963,7 @@
           <a:p>
             <a:fld id="{5D63FE85-95CD-40DC-BFF3-BE62C2A435E5}" type="datetimeFigureOut">
               <a:rPr lang="en-US" smtClean="0"/>
-              <a:t>1/23/2019</a:t>
+              <a:t>1/24/2019</a:t>
             </a:fld>
             <a:endParaRPr lang="en-US" dirty="0"/>
           </a:p>
@@ -2071,7 +2076,7 @@
           <a:p>
             <a:fld id="{5D63FE85-95CD-40DC-BFF3-BE62C2A435E5}" type="datetimeFigureOut">
               <a:rPr lang="en-US" smtClean="0"/>
-              <a:t>1/23/2019</a:t>
+              <a:t>1/24/2019</a:t>
             </a:fld>
             <a:endParaRPr lang="en-US" dirty="0"/>
           </a:p>
@@ -2382,7 +2387,7 @@
           <a:p>
             <a:fld id="{5D63FE85-95CD-40DC-BFF3-BE62C2A435E5}" type="datetimeFigureOut">
               <a:rPr lang="en-US" smtClean="0"/>
-              <a:t>1/23/2019</a:t>
+              <a:t>1/24/2019</a:t>
             </a:fld>
             <a:endParaRPr lang="en-US" dirty="0"/>
           </a:p>
@@ -2670,7 +2675,7 @@
           <a:p>
             <a:fld id="{5D63FE85-95CD-40DC-BFF3-BE62C2A435E5}" type="datetimeFigureOut">
               <a:rPr lang="en-US" smtClean="0"/>
-              <a:t>1/23/2019</a:t>
+              <a:t>1/24/2019</a:t>
             </a:fld>
             <a:endParaRPr lang="en-US" dirty="0"/>
           </a:p>
@@ -2911,7 +2916,7 @@
           <a:p>
             <a:fld id="{5D63FE85-95CD-40DC-BFF3-BE62C2A435E5}" type="datetimeFigureOut">
               <a:rPr lang="en-US" smtClean="0"/>
-              <a:t>1/23/2019</a:t>
+              <a:t>1/24/2019</a:t>
             </a:fld>
             <a:endParaRPr lang="en-US" dirty="0"/>
           </a:p>
@@ -4070,7 +4075,7 @@
           <a:p>
             <a:r>
               <a:rPr lang="en-US" dirty="0"/>
-              <a:t>One possibility for the higher home price growth in the this data set could be due to a lower supply of homes, with little to no change in demand. Further research is required. </a:t>
+              <a:t>One possibility for the higher home price growth in this data set could be due to a lower supply of homes, with little to no change in demand. Further research is required. </a:t>
             </a:r>
           </a:p>
         </p:txBody>

--- a/Are Housing Prices Affected by Natural Disasters.pptx
+++ b/Are Housing Prices Affected by Natural Disasters.pptx
@@ -8,11 +8,13 @@
     <p:sldId id="256" r:id="rId2"/>
     <p:sldId id="257" r:id="rId3"/>
     <p:sldId id="259" r:id="rId4"/>
-    <p:sldId id="258" r:id="rId5"/>
-    <p:sldId id="260" r:id="rId6"/>
-    <p:sldId id="261" r:id="rId7"/>
-    <p:sldId id="262" r:id="rId8"/>
-    <p:sldId id="263" r:id="rId9"/>
+    <p:sldId id="265" r:id="rId5"/>
+    <p:sldId id="266" r:id="rId6"/>
+    <p:sldId id="260" r:id="rId7"/>
+    <p:sldId id="261" r:id="rId8"/>
+    <p:sldId id="262" r:id="rId9"/>
+    <p:sldId id="263" r:id="rId10"/>
+    <p:sldId id="264" r:id="rId11"/>
   </p:sldIdLst>
   <p:sldSz cx="12192000" cy="6858000"/>
   <p:notesSz cx="6858000" cy="9144000"/>
@@ -117,6 +119,3675 @@
     </p:ext>
   </p:extLst>
 </p:presentation>
+</file>
+
+<file path=ppt/diagrams/colors1.xml><?xml version="1.0" encoding="utf-8"?>
+<dgm:colorsDef xmlns:dgm="http://schemas.openxmlformats.org/drawingml/2006/diagram" xmlns:a="http://schemas.openxmlformats.org/drawingml/2006/main" uniqueId="urn:microsoft.com/office/officeart/2005/8/colors/colorful1">
+  <dgm:title val=""/>
+  <dgm:desc val=""/>
+  <dgm:catLst>
+    <dgm:cat type="colorful" pri="10100"/>
+  </dgm:catLst>
+  <dgm:styleLbl name="node0">
+    <dgm:fillClrLst meth="repeat">
+      <a:schemeClr val="accent1"/>
+    </dgm:fillClrLst>
+    <dgm:linClrLst meth="repeat">
+      <a:schemeClr val="lt1"/>
+    </dgm:linClrLst>
+    <dgm:effectClrLst/>
+    <dgm:txLinClrLst/>
+    <dgm:txFillClrLst/>
+    <dgm:txEffectClrLst/>
+  </dgm:styleLbl>
+  <dgm:styleLbl name="node1">
+    <dgm:fillClrLst meth="repeat">
+      <a:schemeClr val="accent2"/>
+      <a:schemeClr val="accent3"/>
+      <a:schemeClr val="accent4"/>
+      <a:schemeClr val="accent5"/>
+      <a:schemeClr val="accent6"/>
+    </dgm:fillClrLst>
+    <dgm:linClrLst meth="repeat">
+      <a:schemeClr val="lt1"/>
+    </dgm:linClrLst>
+    <dgm:effectClrLst/>
+    <dgm:txLinClrLst/>
+    <dgm:txFillClrLst/>
+    <dgm:txEffectClrLst/>
+  </dgm:styleLbl>
+  <dgm:styleLbl name="alignNode1">
+    <dgm:fillClrLst meth="repeat">
+      <a:schemeClr val="accent2"/>
+      <a:schemeClr val="accent3"/>
+      <a:schemeClr val="accent4"/>
+      <a:schemeClr val="accent5"/>
+      <a:schemeClr val="accent6"/>
+    </dgm:fillClrLst>
+    <dgm:linClrLst meth="repeat">
+      <a:schemeClr val="accent2"/>
+      <a:schemeClr val="accent3"/>
+      <a:schemeClr val="accent4"/>
+      <a:schemeClr val="accent5"/>
+      <a:schemeClr val="accent6"/>
+    </dgm:linClrLst>
+    <dgm:effectClrLst/>
+    <dgm:txLinClrLst/>
+    <dgm:txFillClrLst/>
+    <dgm:txEffectClrLst/>
+  </dgm:styleLbl>
+  <dgm:styleLbl name="lnNode1">
+    <dgm:fillClrLst meth="repeat">
+      <a:schemeClr val="accent2"/>
+      <a:schemeClr val="accent3"/>
+      <a:schemeClr val="accent4"/>
+      <a:schemeClr val="accent5"/>
+      <a:schemeClr val="accent6"/>
+    </dgm:fillClrLst>
+    <dgm:linClrLst meth="repeat">
+      <a:schemeClr val="lt1"/>
+    </dgm:linClrLst>
+    <dgm:effectClrLst/>
+    <dgm:txLinClrLst/>
+    <dgm:txFillClrLst/>
+    <dgm:txEffectClrLst/>
+  </dgm:styleLbl>
+  <dgm:styleLbl name="vennNode1">
+    <dgm:fillClrLst meth="repeat">
+      <a:schemeClr val="accent2">
+        <a:alpha val="50000"/>
+      </a:schemeClr>
+      <a:schemeClr val="accent3">
+        <a:alpha val="50000"/>
+      </a:schemeClr>
+      <a:schemeClr val="accent4">
+        <a:alpha val="50000"/>
+      </a:schemeClr>
+      <a:schemeClr val="accent5">
+        <a:alpha val="50000"/>
+      </a:schemeClr>
+      <a:schemeClr val="accent6">
+        <a:alpha val="50000"/>
+      </a:schemeClr>
+    </dgm:fillClrLst>
+    <dgm:linClrLst meth="repeat">
+      <a:schemeClr val="lt1"/>
+    </dgm:linClrLst>
+    <dgm:effectClrLst/>
+    <dgm:txLinClrLst/>
+    <dgm:txFillClrLst/>
+    <dgm:txEffectClrLst/>
+  </dgm:styleLbl>
+  <dgm:styleLbl name="node2">
+    <dgm:fillClrLst>
+      <a:schemeClr val="accent2"/>
+    </dgm:fillClrLst>
+    <dgm:linClrLst meth="repeat">
+      <a:schemeClr val="lt1"/>
+    </dgm:linClrLst>
+    <dgm:effectClrLst/>
+    <dgm:txLinClrLst/>
+    <dgm:txFillClrLst/>
+    <dgm:txEffectClrLst/>
+  </dgm:styleLbl>
+  <dgm:styleLbl name="node3">
+    <dgm:fillClrLst>
+      <a:schemeClr val="accent3"/>
+    </dgm:fillClrLst>
+    <dgm:linClrLst meth="repeat">
+      <a:schemeClr val="lt1"/>
+    </dgm:linClrLst>
+    <dgm:effectClrLst/>
+    <dgm:txLinClrLst/>
+    <dgm:txFillClrLst/>
+    <dgm:txEffectClrLst/>
+  </dgm:styleLbl>
+  <dgm:styleLbl name="node4">
+    <dgm:fillClrLst>
+      <a:schemeClr val="accent4"/>
+    </dgm:fillClrLst>
+    <dgm:linClrLst meth="repeat">
+      <a:schemeClr val="lt1"/>
+    </dgm:linClrLst>
+    <dgm:effectClrLst/>
+    <dgm:txLinClrLst/>
+    <dgm:txFillClrLst/>
+    <dgm:txEffectClrLst/>
+  </dgm:styleLbl>
+  <dgm:styleLbl name="fgImgPlace1">
+    <dgm:fillClrLst meth="repeat">
+      <a:schemeClr val="accent2">
+        <a:tint val="50000"/>
+      </a:schemeClr>
+      <a:schemeClr val="accent3">
+        <a:tint val="50000"/>
+      </a:schemeClr>
+      <a:schemeClr val="accent4">
+        <a:tint val="50000"/>
+      </a:schemeClr>
+      <a:schemeClr val="accent5">
+        <a:tint val="50000"/>
+      </a:schemeClr>
+      <a:schemeClr val="accent6">
+        <a:tint val="50000"/>
+      </a:schemeClr>
+    </dgm:fillClrLst>
+    <dgm:linClrLst meth="repeat">
+      <a:schemeClr val="lt1"/>
+    </dgm:linClrLst>
+    <dgm:effectClrLst/>
+    <dgm:txLinClrLst/>
+    <dgm:txFillClrLst meth="repeat">
+      <a:schemeClr val="lt1"/>
+    </dgm:txFillClrLst>
+    <dgm:txEffectClrLst/>
+  </dgm:styleLbl>
+  <dgm:styleLbl name="alignImgPlace1">
+    <dgm:fillClrLst>
+      <a:schemeClr val="accent1">
+        <a:tint val="50000"/>
+      </a:schemeClr>
+      <a:schemeClr val="accent2">
+        <a:tint val="20000"/>
+      </a:schemeClr>
+    </dgm:fillClrLst>
+    <dgm:linClrLst meth="repeat">
+      <a:schemeClr val="lt1"/>
+    </dgm:linClrLst>
+    <dgm:effectClrLst/>
+    <dgm:txLinClrLst/>
+    <dgm:txFillClrLst meth="repeat">
+      <a:schemeClr val="lt1"/>
+    </dgm:txFillClrLst>
+    <dgm:txEffectClrLst/>
+  </dgm:styleLbl>
+  <dgm:styleLbl name="bgImgPlace1">
+    <dgm:fillClrLst>
+      <a:schemeClr val="accent1">
+        <a:tint val="50000"/>
+      </a:schemeClr>
+      <a:schemeClr val="accent2">
+        <a:tint val="20000"/>
+      </a:schemeClr>
+    </dgm:fillClrLst>
+    <dgm:linClrLst meth="repeat">
+      <a:schemeClr val="lt1"/>
+    </dgm:linClrLst>
+    <dgm:effectClrLst/>
+    <dgm:txLinClrLst/>
+    <dgm:txFillClrLst meth="repeat">
+      <a:schemeClr val="lt1"/>
+    </dgm:txFillClrLst>
+    <dgm:txEffectClrLst/>
+  </dgm:styleLbl>
+  <dgm:styleLbl name="sibTrans2D1">
+    <dgm:fillClrLst meth="repeat">
+      <a:schemeClr val="accent2"/>
+      <a:schemeClr val="accent3"/>
+      <a:schemeClr val="accent4"/>
+      <a:schemeClr val="accent5"/>
+      <a:schemeClr val="accent6"/>
+    </dgm:fillClrLst>
+    <dgm:linClrLst meth="cycle">
+      <a:schemeClr val="lt1"/>
+    </dgm:linClrLst>
+    <dgm:effectClrLst/>
+    <dgm:txLinClrLst/>
+    <dgm:txFillClrLst/>
+    <dgm:txEffectClrLst/>
+  </dgm:styleLbl>
+  <dgm:styleLbl name="fgSibTrans2D1">
+    <dgm:fillClrLst meth="repeat">
+      <a:schemeClr val="accent2"/>
+      <a:schemeClr val="accent3"/>
+      <a:schemeClr val="accent4"/>
+      <a:schemeClr val="accent5"/>
+      <a:schemeClr val="accent6"/>
+    </dgm:fillClrLst>
+    <dgm:linClrLst meth="cycle">
+      <a:schemeClr val="lt1"/>
+    </dgm:linClrLst>
+    <dgm:effectClrLst/>
+    <dgm:txLinClrLst/>
+    <dgm:txFillClrLst meth="repeat">
+      <a:schemeClr val="lt1"/>
+    </dgm:txFillClrLst>
+    <dgm:txEffectClrLst/>
+  </dgm:styleLbl>
+  <dgm:styleLbl name="bgSibTrans2D1">
+    <dgm:fillClrLst meth="repeat">
+      <a:schemeClr val="accent2"/>
+      <a:schemeClr val="accent3"/>
+      <a:schemeClr val="accent4"/>
+      <a:schemeClr val="accent5"/>
+      <a:schemeClr val="accent6"/>
+    </dgm:fillClrLst>
+    <dgm:linClrLst meth="cycle">
+      <a:schemeClr val="lt1"/>
+    </dgm:linClrLst>
+    <dgm:effectClrLst/>
+    <dgm:txLinClrLst/>
+    <dgm:txFillClrLst meth="repeat">
+      <a:schemeClr val="lt1"/>
+    </dgm:txFillClrLst>
+    <dgm:txEffectClrLst/>
+  </dgm:styleLbl>
+  <dgm:styleLbl name="sibTrans1D1">
+    <dgm:fillClrLst meth="repeat">
+      <a:schemeClr val="accent2"/>
+      <a:schemeClr val="accent3"/>
+      <a:schemeClr val="accent4"/>
+      <a:schemeClr val="accent5"/>
+      <a:schemeClr val="accent6"/>
+    </dgm:fillClrLst>
+    <dgm:linClrLst meth="repeat">
+      <a:schemeClr val="accent2"/>
+      <a:schemeClr val="accent3"/>
+      <a:schemeClr val="accent4"/>
+      <a:schemeClr val="accent5"/>
+      <a:schemeClr val="accent6"/>
+    </dgm:linClrLst>
+    <dgm:effectClrLst/>
+    <dgm:txLinClrLst/>
+    <dgm:txFillClrLst meth="repeat">
+      <a:schemeClr val="tx1"/>
+    </dgm:txFillClrLst>
+    <dgm:txEffectClrLst/>
+  </dgm:styleLbl>
+  <dgm:styleLbl name="callout">
+    <dgm:fillClrLst meth="repeat">
+      <a:schemeClr val="accent2"/>
+    </dgm:fillClrLst>
+    <dgm:linClrLst meth="repeat">
+      <a:schemeClr val="accent2">
+        <a:tint val="50000"/>
+      </a:schemeClr>
+    </dgm:linClrLst>
+    <dgm:effectClrLst/>
+    <dgm:txLinClrLst/>
+    <dgm:txFillClrLst meth="repeat">
+      <a:schemeClr val="tx1"/>
+    </dgm:txFillClrLst>
+    <dgm:txEffectClrLst/>
+  </dgm:styleLbl>
+  <dgm:styleLbl name="asst0">
+    <dgm:fillClrLst meth="repeat">
+      <a:schemeClr val="accent1"/>
+    </dgm:fillClrLst>
+    <dgm:linClrLst meth="repeat">
+      <a:schemeClr val="lt1"/>
+    </dgm:linClrLst>
+    <dgm:effectClrLst/>
+    <dgm:txLinClrLst/>
+    <dgm:txFillClrLst/>
+    <dgm:txEffectClrLst/>
+  </dgm:styleLbl>
+  <dgm:styleLbl name="asst1">
+    <dgm:fillClrLst meth="repeat">
+      <a:schemeClr val="accent2"/>
+    </dgm:fillClrLst>
+    <dgm:linClrLst meth="repeat">
+      <a:schemeClr val="lt1"/>
+    </dgm:linClrLst>
+    <dgm:effectClrLst/>
+    <dgm:txLinClrLst/>
+    <dgm:txFillClrLst/>
+    <dgm:txEffectClrLst/>
+  </dgm:styleLbl>
+  <dgm:styleLbl name="asst2">
+    <dgm:fillClrLst>
+      <a:schemeClr val="accent3"/>
+    </dgm:fillClrLst>
+    <dgm:linClrLst meth="repeat">
+      <a:schemeClr val="lt1"/>
+    </dgm:linClrLst>
+    <dgm:effectClrLst/>
+    <dgm:txLinClrLst/>
+    <dgm:txFillClrLst/>
+    <dgm:txEffectClrLst/>
+  </dgm:styleLbl>
+  <dgm:styleLbl name="asst3">
+    <dgm:fillClrLst>
+      <a:schemeClr val="accent4"/>
+    </dgm:fillClrLst>
+    <dgm:linClrLst meth="repeat">
+      <a:schemeClr val="lt1"/>
+    </dgm:linClrLst>
+    <dgm:effectClrLst/>
+    <dgm:txLinClrLst/>
+    <dgm:txFillClrLst/>
+    <dgm:txEffectClrLst/>
+  </dgm:styleLbl>
+  <dgm:styleLbl name="asst4">
+    <dgm:fillClrLst>
+      <a:schemeClr val="accent5"/>
+    </dgm:fillClrLst>
+    <dgm:linClrLst meth="repeat">
+      <a:schemeClr val="lt1"/>
+    </dgm:linClrLst>
+    <dgm:effectClrLst/>
+    <dgm:txLinClrLst/>
+    <dgm:txFillClrLst/>
+    <dgm:txEffectClrLst/>
+  </dgm:styleLbl>
+  <dgm:styleLbl name="parChTrans2D1">
+    <dgm:fillClrLst meth="repeat">
+      <a:schemeClr val="accent2"/>
+    </dgm:fillClrLst>
+    <dgm:linClrLst meth="repeat">
+      <a:schemeClr val="lt1"/>
+    </dgm:linClrLst>
+    <dgm:effectClrLst/>
+    <dgm:txLinClrLst/>
+    <dgm:txFillClrLst meth="repeat">
+      <a:schemeClr val="lt1"/>
+    </dgm:txFillClrLst>
+    <dgm:txEffectClrLst/>
+  </dgm:styleLbl>
+  <dgm:styleLbl name="parChTrans2D2">
+    <dgm:fillClrLst meth="repeat">
+      <a:schemeClr val="accent3"/>
+    </dgm:fillClrLst>
+    <dgm:linClrLst meth="repeat">
+      <a:schemeClr val="lt1"/>
+    </dgm:linClrLst>
+    <dgm:effectClrLst/>
+    <dgm:txLinClrLst/>
+    <dgm:txFillClrLst/>
+    <dgm:txEffectClrLst/>
+  </dgm:styleLbl>
+  <dgm:styleLbl name="parChTrans2D3">
+    <dgm:fillClrLst meth="repeat">
+      <a:schemeClr val="accent4"/>
+    </dgm:fillClrLst>
+    <dgm:linClrLst meth="repeat">
+      <a:schemeClr val="lt1"/>
+    </dgm:linClrLst>
+    <dgm:effectClrLst/>
+    <dgm:txLinClrLst/>
+    <dgm:txFillClrLst/>
+    <dgm:txEffectClrLst/>
+  </dgm:styleLbl>
+  <dgm:styleLbl name="parChTrans2D4">
+    <dgm:fillClrLst meth="repeat">
+      <a:schemeClr val="accent5"/>
+    </dgm:fillClrLst>
+    <dgm:linClrLst meth="repeat">
+      <a:schemeClr val="lt1"/>
+    </dgm:linClrLst>
+    <dgm:effectClrLst/>
+    <dgm:txLinClrLst/>
+    <dgm:txFillClrLst meth="repeat">
+      <a:schemeClr val="lt1"/>
+    </dgm:txFillClrLst>
+    <dgm:txEffectClrLst/>
+  </dgm:styleLbl>
+  <dgm:styleLbl name="parChTrans1D1">
+    <dgm:fillClrLst meth="repeat">
+      <a:schemeClr val="accent2"/>
+    </dgm:fillClrLst>
+    <dgm:linClrLst meth="repeat">
+      <a:schemeClr val="accent1"/>
+    </dgm:linClrLst>
+    <dgm:effectClrLst/>
+    <dgm:txLinClrLst/>
+    <dgm:txFillClrLst meth="repeat">
+      <a:schemeClr val="tx1"/>
+    </dgm:txFillClrLst>
+    <dgm:txEffectClrLst/>
+  </dgm:styleLbl>
+  <dgm:styleLbl name="parChTrans1D2">
+    <dgm:fillClrLst meth="repeat">
+      <a:schemeClr val="accent3">
+        <a:tint val="90000"/>
+      </a:schemeClr>
+    </dgm:fillClrLst>
+    <dgm:linClrLst meth="repeat">
+      <a:schemeClr val="accent2"/>
+    </dgm:linClrLst>
+    <dgm:effectClrLst/>
+    <dgm:txLinClrLst/>
+    <dgm:txFillClrLst meth="repeat">
+      <a:schemeClr val="tx1"/>
+    </dgm:txFillClrLst>
+    <dgm:txEffectClrLst/>
+  </dgm:styleLbl>
+  <dgm:styleLbl name="parChTrans1D3">
+    <dgm:fillClrLst meth="repeat">
+      <a:schemeClr val="accent4">
+        <a:tint val="70000"/>
+      </a:schemeClr>
+    </dgm:fillClrLst>
+    <dgm:linClrLst meth="repeat">
+      <a:schemeClr val="accent3"/>
+    </dgm:linClrLst>
+    <dgm:effectClrLst/>
+    <dgm:txLinClrLst/>
+    <dgm:txFillClrLst meth="repeat">
+      <a:schemeClr val="tx1"/>
+    </dgm:txFillClrLst>
+    <dgm:txEffectClrLst/>
+  </dgm:styleLbl>
+  <dgm:styleLbl name="parChTrans1D4">
+    <dgm:fillClrLst meth="repeat">
+      <a:schemeClr val="accent5">
+        <a:tint val="50000"/>
+      </a:schemeClr>
+    </dgm:fillClrLst>
+    <dgm:linClrLst meth="repeat">
+      <a:schemeClr val="accent4"/>
+    </dgm:linClrLst>
+    <dgm:effectClrLst/>
+    <dgm:txLinClrLst/>
+    <dgm:txFillClrLst meth="repeat">
+      <a:schemeClr val="tx1"/>
+    </dgm:txFillClrLst>
+    <dgm:txEffectClrLst/>
+  </dgm:styleLbl>
+  <dgm:styleLbl name="fgAcc1">
+    <dgm:fillClrLst meth="repeat">
+      <a:schemeClr val="lt1">
+        <a:alpha val="90000"/>
+      </a:schemeClr>
+    </dgm:fillClrLst>
+    <dgm:linClrLst meth="repeat">
+      <a:schemeClr val="accent2"/>
+      <a:schemeClr val="accent3"/>
+      <a:schemeClr val="accent4"/>
+      <a:schemeClr val="accent5"/>
+      <a:schemeClr val="accent6"/>
+    </dgm:linClrLst>
+    <dgm:effectClrLst/>
+    <dgm:txLinClrLst/>
+    <dgm:txFillClrLst meth="repeat">
+      <a:schemeClr val="dk1"/>
+    </dgm:txFillClrLst>
+    <dgm:txEffectClrLst/>
+  </dgm:styleLbl>
+  <dgm:styleLbl name="conFgAcc1">
+    <dgm:fillClrLst meth="repeat">
+      <a:schemeClr val="lt1">
+        <a:alpha val="90000"/>
+      </a:schemeClr>
+    </dgm:fillClrLst>
+    <dgm:linClrLst meth="repeat">
+      <a:schemeClr val="accent2"/>
+      <a:schemeClr val="accent3"/>
+      <a:schemeClr val="accent4"/>
+      <a:schemeClr val="accent5"/>
+      <a:schemeClr val="accent6"/>
+    </dgm:linClrLst>
+    <dgm:effectClrLst/>
+    <dgm:txLinClrLst/>
+    <dgm:txFillClrLst meth="repeat">
+      <a:schemeClr val="dk1"/>
+    </dgm:txFillClrLst>
+    <dgm:txEffectClrLst/>
+  </dgm:styleLbl>
+  <dgm:styleLbl name="alignAcc1">
+    <dgm:fillClrLst meth="repeat">
+      <a:schemeClr val="lt1">
+        <a:alpha val="90000"/>
+      </a:schemeClr>
+    </dgm:fillClrLst>
+    <dgm:linClrLst meth="repeat">
+      <a:schemeClr val="accent2"/>
+      <a:schemeClr val="accent3"/>
+      <a:schemeClr val="accent4"/>
+      <a:schemeClr val="accent5"/>
+      <a:schemeClr val="accent6"/>
+    </dgm:linClrLst>
+    <dgm:effectClrLst/>
+    <dgm:txLinClrLst/>
+    <dgm:txFillClrLst meth="repeat">
+      <a:schemeClr val="dk1"/>
+    </dgm:txFillClrLst>
+    <dgm:txEffectClrLst/>
+  </dgm:styleLbl>
+  <dgm:styleLbl name="trAlignAcc1">
+    <dgm:fillClrLst meth="repeat">
+      <a:schemeClr val="lt1">
+        <a:alpha val="40000"/>
+      </a:schemeClr>
+    </dgm:fillClrLst>
+    <dgm:linClrLst meth="repeat">
+      <a:schemeClr val="accent1"/>
+    </dgm:linClrLst>
+    <dgm:effectClrLst/>
+    <dgm:txLinClrLst/>
+    <dgm:txFillClrLst meth="repeat">
+      <a:schemeClr val="dk1"/>
+    </dgm:txFillClrLst>
+    <dgm:txEffectClrLst/>
+  </dgm:styleLbl>
+  <dgm:styleLbl name="bgAcc1">
+    <dgm:fillClrLst meth="repeat">
+      <a:schemeClr val="lt1">
+        <a:alpha val="90000"/>
+      </a:schemeClr>
+    </dgm:fillClrLst>
+    <dgm:linClrLst meth="repeat">
+      <a:schemeClr val="accent2"/>
+      <a:schemeClr val="accent3"/>
+      <a:schemeClr val="accent4"/>
+      <a:schemeClr val="accent5"/>
+      <a:schemeClr val="accent6"/>
+    </dgm:linClrLst>
+    <dgm:effectClrLst/>
+    <dgm:txLinClrLst/>
+    <dgm:txFillClrLst meth="repeat">
+      <a:schemeClr val="dk1"/>
+    </dgm:txFillClrLst>
+    <dgm:txEffectClrLst/>
+  </dgm:styleLbl>
+  <dgm:styleLbl name="solidFgAcc1">
+    <dgm:fillClrLst meth="repeat">
+      <a:schemeClr val="lt1"/>
+    </dgm:fillClrLst>
+    <dgm:linClrLst meth="repeat">
+      <a:schemeClr val="accent2"/>
+      <a:schemeClr val="accent3"/>
+      <a:schemeClr val="accent4"/>
+      <a:schemeClr val="accent5"/>
+      <a:schemeClr val="accent6"/>
+    </dgm:linClrLst>
+    <dgm:effectClrLst/>
+    <dgm:txLinClrLst/>
+    <dgm:txFillClrLst meth="repeat">
+      <a:schemeClr val="dk1"/>
+    </dgm:txFillClrLst>
+    <dgm:txEffectClrLst/>
+  </dgm:styleLbl>
+  <dgm:styleLbl name="solidAlignAcc1">
+    <dgm:fillClrLst meth="repeat">
+      <a:schemeClr val="lt1"/>
+    </dgm:fillClrLst>
+    <dgm:linClrLst meth="repeat">
+      <a:schemeClr val="accent2"/>
+      <a:schemeClr val="accent3"/>
+      <a:schemeClr val="accent4"/>
+      <a:schemeClr val="accent5"/>
+      <a:schemeClr val="accent6"/>
+    </dgm:linClrLst>
+    <dgm:effectClrLst/>
+    <dgm:txLinClrLst/>
+    <dgm:txFillClrLst meth="repeat">
+      <a:schemeClr val="dk1"/>
+    </dgm:txFillClrLst>
+    <dgm:txEffectClrLst/>
+  </dgm:styleLbl>
+  <dgm:styleLbl name="solidBgAcc1">
+    <dgm:fillClrLst meth="repeat">
+      <a:schemeClr val="lt1"/>
+    </dgm:fillClrLst>
+    <dgm:linClrLst meth="repeat">
+      <a:schemeClr val="accent2"/>
+      <a:schemeClr val="accent3"/>
+      <a:schemeClr val="accent4"/>
+      <a:schemeClr val="accent5"/>
+      <a:schemeClr val="accent6"/>
+    </dgm:linClrLst>
+    <dgm:effectClrLst/>
+    <dgm:txLinClrLst/>
+    <dgm:txFillClrLst meth="repeat">
+      <a:schemeClr val="dk1"/>
+    </dgm:txFillClrLst>
+    <dgm:txEffectClrLst/>
+  </dgm:styleLbl>
+  <dgm:styleLbl name="fgAccFollowNode1">
+    <dgm:fillClrLst meth="repeat">
+      <a:schemeClr val="accent2">
+        <a:tint val="40000"/>
+        <a:alpha val="90000"/>
+      </a:schemeClr>
+      <a:schemeClr val="accent3">
+        <a:tint val="40000"/>
+        <a:alpha val="90000"/>
+      </a:schemeClr>
+      <a:schemeClr val="accent4">
+        <a:tint val="40000"/>
+        <a:alpha val="90000"/>
+      </a:schemeClr>
+      <a:schemeClr val="accent5">
+        <a:tint val="40000"/>
+        <a:alpha val="90000"/>
+      </a:schemeClr>
+      <a:schemeClr val="accent6">
+        <a:tint val="40000"/>
+        <a:alpha val="90000"/>
+      </a:schemeClr>
+    </dgm:fillClrLst>
+    <dgm:linClrLst meth="repeat">
+      <a:schemeClr val="accent2">
+        <a:tint val="40000"/>
+        <a:alpha val="90000"/>
+      </a:schemeClr>
+      <a:schemeClr val="accent3">
+        <a:tint val="40000"/>
+        <a:alpha val="90000"/>
+      </a:schemeClr>
+      <a:schemeClr val="accent4">
+        <a:tint val="40000"/>
+        <a:alpha val="90000"/>
+      </a:schemeClr>
+      <a:schemeClr val="accent5">
+        <a:tint val="40000"/>
+        <a:alpha val="90000"/>
+      </a:schemeClr>
+      <a:schemeClr val="accent6">
+        <a:tint val="40000"/>
+        <a:alpha val="90000"/>
+      </a:schemeClr>
+    </dgm:linClrLst>
+    <dgm:effectClrLst/>
+    <dgm:txLinClrLst/>
+    <dgm:txFillClrLst meth="repeat">
+      <a:schemeClr val="dk1"/>
+    </dgm:txFillClrLst>
+    <dgm:txEffectClrLst/>
+  </dgm:styleLbl>
+  <dgm:styleLbl name="alignAccFollowNode1">
+    <dgm:fillClrLst meth="repeat">
+      <a:schemeClr val="accent2">
+        <a:tint val="40000"/>
+        <a:alpha val="90000"/>
+      </a:schemeClr>
+      <a:schemeClr val="accent3">
+        <a:tint val="40000"/>
+        <a:alpha val="90000"/>
+      </a:schemeClr>
+      <a:schemeClr val="accent4">
+        <a:tint val="40000"/>
+        <a:alpha val="90000"/>
+      </a:schemeClr>
+      <a:schemeClr val="accent5">
+        <a:tint val="40000"/>
+        <a:alpha val="90000"/>
+      </a:schemeClr>
+      <a:schemeClr val="accent6">
+        <a:tint val="40000"/>
+        <a:alpha val="90000"/>
+      </a:schemeClr>
+    </dgm:fillClrLst>
+    <dgm:linClrLst meth="repeat">
+      <a:schemeClr val="accent2">
+        <a:tint val="40000"/>
+        <a:alpha val="90000"/>
+      </a:schemeClr>
+      <a:schemeClr val="accent3">
+        <a:tint val="40000"/>
+        <a:alpha val="90000"/>
+      </a:schemeClr>
+      <a:schemeClr val="accent4">
+        <a:tint val="40000"/>
+        <a:alpha val="90000"/>
+      </a:schemeClr>
+      <a:schemeClr val="accent5">
+        <a:tint val="40000"/>
+        <a:alpha val="90000"/>
+      </a:schemeClr>
+      <a:schemeClr val="accent6">
+        <a:tint val="40000"/>
+        <a:alpha val="90000"/>
+      </a:schemeClr>
+    </dgm:linClrLst>
+    <dgm:effectClrLst/>
+    <dgm:txLinClrLst/>
+    <dgm:txFillClrLst meth="repeat">
+      <a:schemeClr val="dk1"/>
+    </dgm:txFillClrLst>
+    <dgm:txEffectClrLst/>
+  </dgm:styleLbl>
+  <dgm:styleLbl name="bgAccFollowNode1">
+    <dgm:fillClrLst meth="repeat">
+      <a:schemeClr val="accent2">
+        <a:tint val="40000"/>
+        <a:alpha val="90000"/>
+      </a:schemeClr>
+      <a:schemeClr val="accent3">
+        <a:tint val="40000"/>
+        <a:alpha val="90000"/>
+      </a:schemeClr>
+      <a:schemeClr val="accent4">
+        <a:tint val="40000"/>
+        <a:alpha val="90000"/>
+      </a:schemeClr>
+      <a:schemeClr val="accent5">
+        <a:tint val="40000"/>
+        <a:alpha val="90000"/>
+      </a:schemeClr>
+      <a:schemeClr val="accent6">
+        <a:tint val="40000"/>
+        <a:alpha val="90000"/>
+      </a:schemeClr>
+    </dgm:fillClrLst>
+    <dgm:linClrLst meth="repeat">
+      <a:schemeClr val="accent2">
+        <a:tint val="40000"/>
+        <a:alpha val="90000"/>
+      </a:schemeClr>
+      <a:schemeClr val="accent3">
+        <a:tint val="40000"/>
+        <a:alpha val="90000"/>
+      </a:schemeClr>
+      <a:schemeClr val="accent4">
+        <a:tint val="40000"/>
+        <a:alpha val="90000"/>
+      </a:schemeClr>
+      <a:schemeClr val="accent5">
+        <a:tint val="40000"/>
+        <a:alpha val="90000"/>
+      </a:schemeClr>
+      <a:schemeClr val="accent6">
+        <a:tint val="40000"/>
+        <a:alpha val="90000"/>
+      </a:schemeClr>
+    </dgm:linClrLst>
+    <dgm:effectClrLst/>
+    <dgm:txLinClrLst/>
+    <dgm:txFillClrLst meth="repeat">
+      <a:schemeClr val="dk1"/>
+    </dgm:txFillClrLst>
+    <dgm:txEffectClrLst/>
+  </dgm:styleLbl>
+  <dgm:styleLbl name="fgAcc0">
+    <dgm:fillClrLst meth="repeat">
+      <a:schemeClr val="lt1">
+        <a:alpha val="90000"/>
+      </a:schemeClr>
+    </dgm:fillClrLst>
+    <dgm:linClrLst>
+      <a:schemeClr val="accent1"/>
+    </dgm:linClrLst>
+    <dgm:effectClrLst/>
+    <dgm:txLinClrLst/>
+    <dgm:txFillClrLst meth="repeat">
+      <a:schemeClr val="dk1"/>
+    </dgm:txFillClrLst>
+    <dgm:txEffectClrLst/>
+  </dgm:styleLbl>
+  <dgm:styleLbl name="fgAcc2">
+    <dgm:fillClrLst meth="repeat">
+      <a:schemeClr val="lt1">
+        <a:alpha val="90000"/>
+      </a:schemeClr>
+    </dgm:fillClrLst>
+    <dgm:linClrLst>
+      <a:schemeClr val="accent2"/>
+    </dgm:linClrLst>
+    <dgm:effectClrLst/>
+    <dgm:txLinClrLst/>
+    <dgm:txFillClrLst meth="repeat">
+      <a:schemeClr val="dk1"/>
+    </dgm:txFillClrLst>
+    <dgm:txEffectClrLst/>
+  </dgm:styleLbl>
+  <dgm:styleLbl name="fgAcc3">
+    <dgm:fillClrLst meth="repeat">
+      <a:schemeClr val="lt1">
+        <a:alpha val="90000"/>
+      </a:schemeClr>
+    </dgm:fillClrLst>
+    <dgm:linClrLst>
+      <a:schemeClr val="accent3"/>
+    </dgm:linClrLst>
+    <dgm:effectClrLst/>
+    <dgm:txLinClrLst/>
+    <dgm:txFillClrLst meth="repeat">
+      <a:schemeClr val="dk1"/>
+    </dgm:txFillClrLst>
+    <dgm:txEffectClrLst/>
+  </dgm:styleLbl>
+  <dgm:styleLbl name="fgAcc4">
+    <dgm:fillClrLst meth="repeat">
+      <a:schemeClr val="lt1">
+        <a:alpha val="90000"/>
+      </a:schemeClr>
+    </dgm:fillClrLst>
+    <dgm:linClrLst>
+      <a:schemeClr val="accent4"/>
+    </dgm:linClrLst>
+    <dgm:effectClrLst/>
+    <dgm:txLinClrLst/>
+    <dgm:txFillClrLst meth="repeat">
+      <a:schemeClr val="dk1"/>
+    </dgm:txFillClrLst>
+    <dgm:txEffectClrLst/>
+  </dgm:styleLbl>
+  <dgm:styleLbl name="bgShp">
+    <dgm:fillClrLst meth="repeat">
+      <a:schemeClr val="accent2">
+        <a:tint val="40000"/>
+      </a:schemeClr>
+    </dgm:fillClrLst>
+    <dgm:linClrLst meth="repeat">
+      <a:schemeClr val="dk1"/>
+    </dgm:linClrLst>
+    <dgm:effectClrLst/>
+    <dgm:txLinClrLst/>
+    <dgm:txFillClrLst meth="repeat">
+      <a:schemeClr val="dk1"/>
+    </dgm:txFillClrLst>
+    <dgm:txEffectClrLst/>
+  </dgm:styleLbl>
+  <dgm:styleLbl name="dkBgShp">
+    <dgm:fillClrLst meth="repeat">
+      <a:schemeClr val="accent2">
+        <a:shade val="90000"/>
+      </a:schemeClr>
+    </dgm:fillClrLst>
+    <dgm:linClrLst meth="repeat">
+      <a:schemeClr val="dk1"/>
+    </dgm:linClrLst>
+    <dgm:effectClrLst/>
+    <dgm:txLinClrLst/>
+    <dgm:txFillClrLst meth="repeat">
+      <a:schemeClr val="lt1"/>
+    </dgm:txFillClrLst>
+    <dgm:txEffectClrLst/>
+  </dgm:styleLbl>
+  <dgm:styleLbl name="trBgShp">
+    <dgm:fillClrLst meth="repeat">
+      <a:schemeClr val="accent1">
+        <a:tint val="50000"/>
+        <a:alpha val="40000"/>
+      </a:schemeClr>
+    </dgm:fillClrLst>
+    <dgm:linClrLst meth="repeat">
+      <a:schemeClr val="accent2"/>
+    </dgm:linClrLst>
+    <dgm:effectClrLst/>
+    <dgm:txLinClrLst/>
+    <dgm:txFillClrLst meth="repeat">
+      <a:schemeClr val="lt1"/>
+    </dgm:txFillClrLst>
+    <dgm:txEffectClrLst/>
+  </dgm:styleLbl>
+  <dgm:styleLbl name="fgShp">
+    <dgm:fillClrLst meth="repeat">
+      <a:schemeClr val="accent2">
+        <a:tint val="40000"/>
+      </a:schemeClr>
+    </dgm:fillClrLst>
+    <dgm:linClrLst meth="repeat">
+      <a:schemeClr val="lt1"/>
+    </dgm:linClrLst>
+    <dgm:effectClrLst/>
+    <dgm:txLinClrLst/>
+    <dgm:txFillClrLst meth="repeat">
+      <a:schemeClr val="dk1"/>
+    </dgm:txFillClrLst>
+    <dgm:txEffectClrLst/>
+  </dgm:styleLbl>
+  <dgm:styleLbl name="revTx">
+    <dgm:fillClrLst meth="repeat">
+      <a:schemeClr val="lt1">
+        <a:alpha val="0"/>
+      </a:schemeClr>
+    </dgm:fillClrLst>
+    <dgm:linClrLst meth="repeat">
+      <a:schemeClr val="dk1">
+        <a:alpha val="0"/>
+      </a:schemeClr>
+    </dgm:linClrLst>
+    <dgm:effectClrLst/>
+    <dgm:txLinClrLst/>
+    <dgm:txFillClrLst meth="repeat">
+      <a:schemeClr val="tx1"/>
+    </dgm:txFillClrLst>
+    <dgm:txEffectClrLst/>
+  </dgm:styleLbl>
+</dgm:colorsDef>
+</file>
+
+<file path=ppt/diagrams/data1.xml><?xml version="1.0" encoding="utf-8"?>
+<dgm:dataModel xmlns:dgm="http://schemas.openxmlformats.org/drawingml/2006/diagram" xmlns:a="http://schemas.openxmlformats.org/drawingml/2006/main">
+  <dgm:ptLst>
+    <dgm:pt modelId="{FDF78E5B-080A-40C9-BF30-C0C18E9C186A}" type="doc">
+      <dgm:prSet loTypeId="urn:microsoft.com/office/officeart/2016/7/layout/ChevronBlockProcess" loCatId="process" qsTypeId="urn:microsoft.com/office/officeart/2005/8/quickstyle/simple4" qsCatId="simple" csTypeId="urn:microsoft.com/office/officeart/2005/8/colors/colorful1" csCatId="colorful"/>
+      <dgm:spPr/>
+      <dgm:t>
+        <a:bodyPr/>
+        <a:lstStyle/>
+        <a:p>
+          <a:endParaRPr lang="en-US"/>
+        </a:p>
+      </dgm:t>
+    </dgm:pt>
+    <dgm:pt modelId="{1FF65FF9-3848-443A-8996-9C5698135A77}">
+      <dgm:prSet/>
+      <dgm:spPr/>
+      <dgm:t>
+        <a:bodyPr/>
+        <a:lstStyle/>
+        <a:p>
+          <a:r>
+            <a:rPr lang="en-US"/>
+            <a:t>Mine and clean</a:t>
+          </a:r>
+        </a:p>
+      </dgm:t>
+    </dgm:pt>
+    <dgm:pt modelId="{F35A0789-80A4-4568-B22C-121337DC083C}" type="parTrans" cxnId="{1ABE2EAA-F311-4D36-BE49-263EE04E6C69}">
+      <dgm:prSet/>
+      <dgm:spPr/>
+      <dgm:t>
+        <a:bodyPr/>
+        <a:lstStyle/>
+        <a:p>
+          <a:endParaRPr lang="en-US"/>
+        </a:p>
+      </dgm:t>
+    </dgm:pt>
+    <dgm:pt modelId="{9B32A370-A4C8-42CC-B317-FACD1EEE5E6D}" type="sibTrans" cxnId="{1ABE2EAA-F311-4D36-BE49-263EE04E6C69}">
+      <dgm:prSet/>
+      <dgm:spPr/>
+      <dgm:t>
+        <a:bodyPr/>
+        <a:lstStyle/>
+        <a:p>
+          <a:endParaRPr lang="en-US"/>
+        </a:p>
+      </dgm:t>
+    </dgm:pt>
+    <dgm:pt modelId="{02EA15E0-02C5-47A4-98B6-02F969B1078D}">
+      <dgm:prSet/>
+      <dgm:spPr/>
+      <dgm:t>
+        <a:bodyPr/>
+        <a:lstStyle/>
+        <a:p>
+          <a:r>
+            <a:rPr lang="en-US"/>
+            <a:t>Mine and clean data from FEMA and Zillow</a:t>
+          </a:r>
+        </a:p>
+      </dgm:t>
+    </dgm:pt>
+    <dgm:pt modelId="{F8ED8D1B-2653-4557-B751-760959A0396D}" type="parTrans" cxnId="{F7C0654E-4782-4B2B-A3DD-5BE51E431874}">
+      <dgm:prSet/>
+      <dgm:spPr/>
+      <dgm:t>
+        <a:bodyPr/>
+        <a:lstStyle/>
+        <a:p>
+          <a:endParaRPr lang="en-US"/>
+        </a:p>
+      </dgm:t>
+    </dgm:pt>
+    <dgm:pt modelId="{335368F6-EA98-4923-9BA0-35F8E5B318B8}" type="sibTrans" cxnId="{F7C0654E-4782-4B2B-A3DD-5BE51E431874}">
+      <dgm:prSet/>
+      <dgm:spPr/>
+      <dgm:t>
+        <a:bodyPr/>
+        <a:lstStyle/>
+        <a:p>
+          <a:endParaRPr lang="en-US"/>
+        </a:p>
+      </dgm:t>
+    </dgm:pt>
+    <dgm:pt modelId="{5BDCFC5A-24DF-4327-9A97-1EDC73690A98}">
+      <dgm:prSet/>
+      <dgm:spPr/>
+      <dgm:t>
+        <a:bodyPr/>
+        <a:lstStyle/>
+        <a:p>
+          <a:r>
+            <a:rPr lang="en-US"/>
+            <a:t>Create</a:t>
+          </a:r>
+        </a:p>
+      </dgm:t>
+    </dgm:pt>
+    <dgm:pt modelId="{EE49F5F6-B8B7-46B2-9251-559571981E50}" type="parTrans" cxnId="{527326D9-885B-4118-B614-9342E2DFB158}">
+      <dgm:prSet/>
+      <dgm:spPr/>
+      <dgm:t>
+        <a:bodyPr/>
+        <a:lstStyle/>
+        <a:p>
+          <a:endParaRPr lang="en-US"/>
+        </a:p>
+      </dgm:t>
+    </dgm:pt>
+    <dgm:pt modelId="{CC251482-4D08-46AD-907A-A16DA370EDA3}" type="sibTrans" cxnId="{527326D9-885B-4118-B614-9342E2DFB158}">
+      <dgm:prSet/>
+      <dgm:spPr/>
+      <dgm:t>
+        <a:bodyPr/>
+        <a:lstStyle/>
+        <a:p>
+          <a:endParaRPr lang="en-US"/>
+        </a:p>
+      </dgm:t>
+    </dgm:pt>
+    <dgm:pt modelId="{06CA17B5-277B-404F-9D1D-964F88FB6B0A}">
+      <dgm:prSet/>
+      <dgm:spPr/>
+      <dgm:t>
+        <a:bodyPr/>
+        <a:lstStyle/>
+        <a:p>
+          <a:r>
+            <a:rPr lang="en-US"/>
+            <a:t>Create a control group by taking the population average for each month.</a:t>
+          </a:r>
+        </a:p>
+      </dgm:t>
+    </dgm:pt>
+    <dgm:pt modelId="{2A7E0E97-A3B1-4A2C-80C2-38153F7CF920}" type="parTrans" cxnId="{AC303404-333F-4542-81E9-25E41BD120F0}">
+      <dgm:prSet/>
+      <dgm:spPr/>
+      <dgm:t>
+        <a:bodyPr/>
+        <a:lstStyle/>
+        <a:p>
+          <a:endParaRPr lang="en-US"/>
+        </a:p>
+      </dgm:t>
+    </dgm:pt>
+    <dgm:pt modelId="{35C4D09D-A5AD-451C-900A-677E05D635FE}" type="sibTrans" cxnId="{AC303404-333F-4542-81E9-25E41BD120F0}">
+      <dgm:prSet/>
+      <dgm:spPr/>
+      <dgm:t>
+        <a:bodyPr/>
+        <a:lstStyle/>
+        <a:p>
+          <a:endParaRPr lang="en-US"/>
+        </a:p>
+      </dgm:t>
+    </dgm:pt>
+    <dgm:pt modelId="{06A70047-F9AC-44E2-BEB5-91EDFC5B89A1}">
+      <dgm:prSet/>
+      <dgm:spPr/>
+      <dgm:t>
+        <a:bodyPr/>
+        <a:lstStyle/>
+        <a:p>
+          <a:r>
+            <a:rPr lang="en-US"/>
+            <a:t>Merge</a:t>
+          </a:r>
+        </a:p>
+      </dgm:t>
+    </dgm:pt>
+    <dgm:pt modelId="{1B3C3B97-63BE-4FB7-878A-6BD332682652}" type="parTrans" cxnId="{30470073-30AA-4FAA-A28F-A1E1CD44B2F4}">
+      <dgm:prSet/>
+      <dgm:spPr/>
+      <dgm:t>
+        <a:bodyPr/>
+        <a:lstStyle/>
+        <a:p>
+          <a:endParaRPr lang="en-US"/>
+        </a:p>
+      </dgm:t>
+    </dgm:pt>
+    <dgm:pt modelId="{17FE97D9-09D0-4E78-8CFB-AFBBD168B0FE}" type="sibTrans" cxnId="{30470073-30AA-4FAA-A28F-A1E1CD44B2F4}">
+      <dgm:prSet/>
+      <dgm:spPr/>
+      <dgm:t>
+        <a:bodyPr/>
+        <a:lstStyle/>
+        <a:p>
+          <a:endParaRPr lang="en-US"/>
+        </a:p>
+      </dgm:t>
+    </dgm:pt>
+    <dgm:pt modelId="{2B1CF7A4-2923-496A-8BC8-3777C5541229}">
+      <dgm:prSet/>
+      <dgm:spPr/>
+      <dgm:t>
+        <a:bodyPr/>
+        <a:lstStyle/>
+        <a:p>
+          <a:r>
+            <a:rPr lang="en-US"/>
+            <a:t>Merge the FEMA and total Zillow data sets together based on County and State.</a:t>
+          </a:r>
+        </a:p>
+      </dgm:t>
+    </dgm:pt>
+    <dgm:pt modelId="{29CDCFC0-6BF4-424A-8ECC-28552F338F44}" type="parTrans" cxnId="{0D51C3E5-33BF-46BD-BA6A-4A3FA3507263}">
+      <dgm:prSet/>
+      <dgm:spPr/>
+      <dgm:t>
+        <a:bodyPr/>
+        <a:lstStyle/>
+        <a:p>
+          <a:endParaRPr lang="en-US"/>
+        </a:p>
+      </dgm:t>
+    </dgm:pt>
+    <dgm:pt modelId="{096C9155-5373-4720-B424-5EB5E21860D3}" type="sibTrans" cxnId="{0D51C3E5-33BF-46BD-BA6A-4A3FA3507263}">
+      <dgm:prSet/>
+      <dgm:spPr/>
+      <dgm:t>
+        <a:bodyPr/>
+        <a:lstStyle/>
+        <a:p>
+          <a:endParaRPr lang="en-US"/>
+        </a:p>
+      </dgm:t>
+    </dgm:pt>
+    <dgm:pt modelId="{37A7C0ED-28FD-4876-AEF3-86D16367E55A}">
+      <dgm:prSet/>
+      <dgm:spPr/>
+      <dgm:t>
+        <a:bodyPr/>
+        <a:lstStyle/>
+        <a:p>
+          <a:r>
+            <a:rPr lang="en-US"/>
+            <a:t>Loop through</a:t>
+          </a:r>
+        </a:p>
+      </dgm:t>
+    </dgm:pt>
+    <dgm:pt modelId="{5AA59E35-D1C0-4B78-8F11-4EA8A765F21A}" type="parTrans" cxnId="{B8033036-E52A-4D54-8D0D-24E64AEE80F8}">
+      <dgm:prSet/>
+      <dgm:spPr/>
+      <dgm:t>
+        <a:bodyPr/>
+        <a:lstStyle/>
+        <a:p>
+          <a:endParaRPr lang="en-US"/>
+        </a:p>
+      </dgm:t>
+    </dgm:pt>
+    <dgm:pt modelId="{E5766598-4B6C-4C42-AE30-EB6CFACD1789}" type="sibTrans" cxnId="{B8033036-E52A-4D54-8D0D-24E64AEE80F8}">
+      <dgm:prSet/>
+      <dgm:spPr/>
+      <dgm:t>
+        <a:bodyPr/>
+        <a:lstStyle/>
+        <a:p>
+          <a:endParaRPr lang="en-US"/>
+        </a:p>
+      </dgm:t>
+    </dgm:pt>
+    <dgm:pt modelId="{7E27BBD7-C1EC-45E1-8AE0-16775344EFDC}">
+      <dgm:prSet/>
+      <dgm:spPr/>
+      <dgm:t>
+        <a:bodyPr/>
+        <a:lstStyle/>
+        <a:p>
+          <a:r>
+            <a:rPr lang="en-US"/>
+            <a:t>Loop through the data set to find 6 months returns for each zip code affected by an event, as well as for the control group. </a:t>
+          </a:r>
+        </a:p>
+      </dgm:t>
+    </dgm:pt>
+    <dgm:pt modelId="{8937E006-0FBC-45CF-9BE5-A41DB85D3FA9}" type="parTrans" cxnId="{B45E6868-06FE-4A94-B758-C2B31A1B08B3}">
+      <dgm:prSet/>
+      <dgm:spPr/>
+      <dgm:t>
+        <a:bodyPr/>
+        <a:lstStyle/>
+        <a:p>
+          <a:endParaRPr lang="en-US"/>
+        </a:p>
+      </dgm:t>
+    </dgm:pt>
+    <dgm:pt modelId="{5D4048F7-B186-4925-A7AE-0B82854ABB3D}" type="sibTrans" cxnId="{B45E6868-06FE-4A94-B758-C2B31A1B08B3}">
+      <dgm:prSet/>
+      <dgm:spPr/>
+      <dgm:t>
+        <a:bodyPr/>
+        <a:lstStyle/>
+        <a:p>
+          <a:endParaRPr lang="en-US"/>
+        </a:p>
+      </dgm:t>
+    </dgm:pt>
+    <dgm:pt modelId="{B6016292-BDBF-4DCD-A3DD-4B43123267C5}">
+      <dgm:prSet/>
+      <dgm:spPr/>
+      <dgm:t>
+        <a:bodyPr/>
+        <a:lstStyle/>
+        <a:p>
+          <a:r>
+            <a:rPr lang="en-US"/>
+            <a:t>Conduct</a:t>
+          </a:r>
+        </a:p>
+      </dgm:t>
+    </dgm:pt>
+    <dgm:pt modelId="{6A04B660-AC7D-42AD-9EE4-1B0028AD9E42}" type="parTrans" cxnId="{22061F8C-EF85-4094-B712-3E075B692055}">
+      <dgm:prSet/>
+      <dgm:spPr/>
+      <dgm:t>
+        <a:bodyPr/>
+        <a:lstStyle/>
+        <a:p>
+          <a:endParaRPr lang="en-US"/>
+        </a:p>
+      </dgm:t>
+    </dgm:pt>
+    <dgm:pt modelId="{35172662-885A-440A-9D3D-A662096A0D1F}" type="sibTrans" cxnId="{22061F8C-EF85-4094-B712-3E075B692055}">
+      <dgm:prSet/>
+      <dgm:spPr/>
+      <dgm:t>
+        <a:bodyPr/>
+        <a:lstStyle/>
+        <a:p>
+          <a:endParaRPr lang="en-US"/>
+        </a:p>
+      </dgm:t>
+    </dgm:pt>
+    <dgm:pt modelId="{64529FC8-511F-4ED9-9A33-E0F3743CA545}">
+      <dgm:prSet/>
+      <dgm:spPr/>
+      <dgm:t>
+        <a:bodyPr/>
+        <a:lstStyle/>
+        <a:p>
+          <a:r>
+            <a:rPr lang="en-US"/>
+            <a:t>Conduct Moods Median test to find if we were able to “prove” a positive or negative effect. </a:t>
+          </a:r>
+        </a:p>
+      </dgm:t>
+    </dgm:pt>
+    <dgm:pt modelId="{3791D55B-A9E6-4466-9E50-0C856FD5DB7F}" type="parTrans" cxnId="{74A0A5CE-B741-4086-B672-BA32CB2B7713}">
+      <dgm:prSet/>
+      <dgm:spPr/>
+      <dgm:t>
+        <a:bodyPr/>
+        <a:lstStyle/>
+        <a:p>
+          <a:endParaRPr lang="en-US"/>
+        </a:p>
+      </dgm:t>
+    </dgm:pt>
+    <dgm:pt modelId="{05B1774E-26E8-4441-9B50-6D01F3564985}" type="sibTrans" cxnId="{74A0A5CE-B741-4086-B672-BA32CB2B7713}">
+      <dgm:prSet/>
+      <dgm:spPr/>
+      <dgm:t>
+        <a:bodyPr/>
+        <a:lstStyle/>
+        <a:p>
+          <a:endParaRPr lang="en-US"/>
+        </a:p>
+      </dgm:t>
+    </dgm:pt>
+    <dgm:pt modelId="{9D776DA2-9E47-4DA1-9373-F97AB155A19B}" type="pres">
+      <dgm:prSet presAssocID="{FDF78E5B-080A-40C9-BF30-C0C18E9C186A}" presName="Name0" presStyleCnt="0">
+        <dgm:presLayoutVars>
+          <dgm:dir/>
+          <dgm:animLvl val="lvl"/>
+          <dgm:resizeHandles val="exact"/>
+        </dgm:presLayoutVars>
+      </dgm:prSet>
+      <dgm:spPr/>
+    </dgm:pt>
+    <dgm:pt modelId="{4669D94B-8603-4830-8AEB-0DCAFC664250}" type="pres">
+      <dgm:prSet presAssocID="{1FF65FF9-3848-443A-8996-9C5698135A77}" presName="composite" presStyleCnt="0"/>
+      <dgm:spPr/>
+    </dgm:pt>
+    <dgm:pt modelId="{BDE36F06-FAB7-4880-9FC8-D09CBE1BC535}" type="pres">
+      <dgm:prSet presAssocID="{1FF65FF9-3848-443A-8996-9C5698135A77}" presName="parTx" presStyleLbl="alignNode1" presStyleIdx="0" presStyleCnt="5">
+        <dgm:presLayoutVars>
+          <dgm:chMax val="0"/>
+          <dgm:chPref val="0"/>
+        </dgm:presLayoutVars>
+      </dgm:prSet>
+      <dgm:spPr/>
+    </dgm:pt>
+    <dgm:pt modelId="{B1AC219F-C735-49FE-8EFB-ABC43321F810}" type="pres">
+      <dgm:prSet presAssocID="{1FF65FF9-3848-443A-8996-9C5698135A77}" presName="desTx" presStyleLbl="alignAccFollowNode1" presStyleIdx="0" presStyleCnt="5">
+        <dgm:presLayoutVars/>
+      </dgm:prSet>
+      <dgm:spPr/>
+    </dgm:pt>
+    <dgm:pt modelId="{6445B10B-B7DE-429D-95B3-E5F93AE25FDF}" type="pres">
+      <dgm:prSet presAssocID="{9B32A370-A4C8-42CC-B317-FACD1EEE5E6D}" presName="space" presStyleCnt="0"/>
+      <dgm:spPr/>
+    </dgm:pt>
+    <dgm:pt modelId="{023DF3D1-8781-4518-AB55-CEC0791C4AC2}" type="pres">
+      <dgm:prSet presAssocID="{5BDCFC5A-24DF-4327-9A97-1EDC73690A98}" presName="composite" presStyleCnt="0"/>
+      <dgm:spPr/>
+    </dgm:pt>
+    <dgm:pt modelId="{26CF5FBA-32B6-46A9-9F0A-ED69207C9F21}" type="pres">
+      <dgm:prSet presAssocID="{5BDCFC5A-24DF-4327-9A97-1EDC73690A98}" presName="parTx" presStyleLbl="alignNode1" presStyleIdx="1" presStyleCnt="5">
+        <dgm:presLayoutVars>
+          <dgm:chMax val="0"/>
+          <dgm:chPref val="0"/>
+        </dgm:presLayoutVars>
+      </dgm:prSet>
+      <dgm:spPr/>
+    </dgm:pt>
+    <dgm:pt modelId="{342E5186-0FCC-4526-BFF7-6E1D10B40C37}" type="pres">
+      <dgm:prSet presAssocID="{5BDCFC5A-24DF-4327-9A97-1EDC73690A98}" presName="desTx" presStyleLbl="alignAccFollowNode1" presStyleIdx="1" presStyleCnt="5">
+        <dgm:presLayoutVars/>
+      </dgm:prSet>
+      <dgm:spPr/>
+    </dgm:pt>
+    <dgm:pt modelId="{7A15BA72-00FF-4545-BFC5-4140AA2E5EDD}" type="pres">
+      <dgm:prSet presAssocID="{CC251482-4D08-46AD-907A-A16DA370EDA3}" presName="space" presStyleCnt="0"/>
+      <dgm:spPr/>
+    </dgm:pt>
+    <dgm:pt modelId="{CC54E219-F584-42B4-A764-5D7763291A4C}" type="pres">
+      <dgm:prSet presAssocID="{06A70047-F9AC-44E2-BEB5-91EDFC5B89A1}" presName="composite" presStyleCnt="0"/>
+      <dgm:spPr/>
+    </dgm:pt>
+    <dgm:pt modelId="{1B91FF8B-8EC3-4A6A-9C6B-9F02750B3C7C}" type="pres">
+      <dgm:prSet presAssocID="{06A70047-F9AC-44E2-BEB5-91EDFC5B89A1}" presName="parTx" presStyleLbl="alignNode1" presStyleIdx="2" presStyleCnt="5">
+        <dgm:presLayoutVars>
+          <dgm:chMax val="0"/>
+          <dgm:chPref val="0"/>
+        </dgm:presLayoutVars>
+      </dgm:prSet>
+      <dgm:spPr/>
+    </dgm:pt>
+    <dgm:pt modelId="{79892189-8BD5-4254-8422-5AD17EA8D6CD}" type="pres">
+      <dgm:prSet presAssocID="{06A70047-F9AC-44E2-BEB5-91EDFC5B89A1}" presName="desTx" presStyleLbl="alignAccFollowNode1" presStyleIdx="2" presStyleCnt="5">
+        <dgm:presLayoutVars/>
+      </dgm:prSet>
+      <dgm:spPr/>
+    </dgm:pt>
+    <dgm:pt modelId="{1CBD8062-EC1F-4860-9A83-BF02B17B695B}" type="pres">
+      <dgm:prSet presAssocID="{17FE97D9-09D0-4E78-8CFB-AFBBD168B0FE}" presName="space" presStyleCnt="0"/>
+      <dgm:spPr/>
+    </dgm:pt>
+    <dgm:pt modelId="{225A6893-1DBD-4A10-91C1-A4A013EFEF5A}" type="pres">
+      <dgm:prSet presAssocID="{37A7C0ED-28FD-4876-AEF3-86D16367E55A}" presName="composite" presStyleCnt="0"/>
+      <dgm:spPr/>
+    </dgm:pt>
+    <dgm:pt modelId="{E65B64E7-D04D-4E81-9AF5-0FC44DCC588C}" type="pres">
+      <dgm:prSet presAssocID="{37A7C0ED-28FD-4876-AEF3-86D16367E55A}" presName="parTx" presStyleLbl="alignNode1" presStyleIdx="3" presStyleCnt="5">
+        <dgm:presLayoutVars>
+          <dgm:chMax val="0"/>
+          <dgm:chPref val="0"/>
+        </dgm:presLayoutVars>
+      </dgm:prSet>
+      <dgm:spPr/>
+    </dgm:pt>
+    <dgm:pt modelId="{24FEA414-C0A0-47A5-9DA8-94C4241551F1}" type="pres">
+      <dgm:prSet presAssocID="{37A7C0ED-28FD-4876-AEF3-86D16367E55A}" presName="desTx" presStyleLbl="alignAccFollowNode1" presStyleIdx="3" presStyleCnt="5">
+        <dgm:presLayoutVars/>
+      </dgm:prSet>
+      <dgm:spPr/>
+    </dgm:pt>
+    <dgm:pt modelId="{A2618F6D-3114-4F85-8847-F92F8B630E6F}" type="pres">
+      <dgm:prSet presAssocID="{E5766598-4B6C-4C42-AE30-EB6CFACD1789}" presName="space" presStyleCnt="0"/>
+      <dgm:spPr/>
+    </dgm:pt>
+    <dgm:pt modelId="{D5D99395-E82E-43E2-841C-215150AE7B59}" type="pres">
+      <dgm:prSet presAssocID="{B6016292-BDBF-4DCD-A3DD-4B43123267C5}" presName="composite" presStyleCnt="0"/>
+      <dgm:spPr/>
+    </dgm:pt>
+    <dgm:pt modelId="{70BA5F09-8C09-4C24-A9DF-E75F82B54176}" type="pres">
+      <dgm:prSet presAssocID="{B6016292-BDBF-4DCD-A3DD-4B43123267C5}" presName="parTx" presStyleLbl="alignNode1" presStyleIdx="4" presStyleCnt="5">
+        <dgm:presLayoutVars>
+          <dgm:chMax val="0"/>
+          <dgm:chPref val="0"/>
+        </dgm:presLayoutVars>
+      </dgm:prSet>
+      <dgm:spPr/>
+    </dgm:pt>
+    <dgm:pt modelId="{30C3E030-4545-46D8-9044-A55AF1582ED3}" type="pres">
+      <dgm:prSet presAssocID="{B6016292-BDBF-4DCD-A3DD-4B43123267C5}" presName="desTx" presStyleLbl="alignAccFollowNode1" presStyleIdx="4" presStyleCnt="5">
+        <dgm:presLayoutVars/>
+      </dgm:prSet>
+      <dgm:spPr/>
+    </dgm:pt>
+  </dgm:ptLst>
+  <dgm:cxnLst>
+    <dgm:cxn modelId="{AC303404-333F-4542-81E9-25E41BD120F0}" srcId="{5BDCFC5A-24DF-4327-9A97-1EDC73690A98}" destId="{06CA17B5-277B-404F-9D1D-964F88FB6B0A}" srcOrd="0" destOrd="0" parTransId="{2A7E0E97-A3B1-4A2C-80C2-38153F7CF920}" sibTransId="{35C4D09D-A5AD-451C-900A-677E05D635FE}"/>
+    <dgm:cxn modelId="{20420709-42BB-4112-A730-C332C173A8DB}" type="presOf" srcId="{64529FC8-511F-4ED9-9A33-E0F3743CA545}" destId="{30C3E030-4545-46D8-9044-A55AF1582ED3}" srcOrd="0" destOrd="0" presId="urn:microsoft.com/office/officeart/2016/7/layout/ChevronBlockProcess"/>
+    <dgm:cxn modelId="{8BCF3310-AC5A-44E2-ADC1-9B7FBF31E478}" type="presOf" srcId="{7E27BBD7-C1EC-45E1-8AE0-16775344EFDC}" destId="{24FEA414-C0A0-47A5-9DA8-94C4241551F1}" srcOrd="0" destOrd="0" presId="urn:microsoft.com/office/officeart/2016/7/layout/ChevronBlockProcess"/>
+    <dgm:cxn modelId="{B8033036-E52A-4D54-8D0D-24E64AEE80F8}" srcId="{FDF78E5B-080A-40C9-BF30-C0C18E9C186A}" destId="{37A7C0ED-28FD-4876-AEF3-86D16367E55A}" srcOrd="3" destOrd="0" parTransId="{5AA59E35-D1C0-4B78-8F11-4EA8A765F21A}" sibTransId="{E5766598-4B6C-4C42-AE30-EB6CFACD1789}"/>
+    <dgm:cxn modelId="{562A4340-38F2-4BC5-B9E1-8E1335CDF334}" type="presOf" srcId="{02EA15E0-02C5-47A4-98B6-02F969B1078D}" destId="{B1AC219F-C735-49FE-8EFB-ABC43321F810}" srcOrd="0" destOrd="0" presId="urn:microsoft.com/office/officeart/2016/7/layout/ChevronBlockProcess"/>
+    <dgm:cxn modelId="{B45E6868-06FE-4A94-B758-C2B31A1B08B3}" srcId="{37A7C0ED-28FD-4876-AEF3-86D16367E55A}" destId="{7E27BBD7-C1EC-45E1-8AE0-16775344EFDC}" srcOrd="0" destOrd="0" parTransId="{8937E006-0FBC-45CF-9BE5-A41DB85D3FA9}" sibTransId="{5D4048F7-B186-4925-A7AE-0B82854ABB3D}"/>
+    <dgm:cxn modelId="{F3A9D749-8518-4044-A837-01959E1A4C99}" type="presOf" srcId="{06A70047-F9AC-44E2-BEB5-91EDFC5B89A1}" destId="{1B91FF8B-8EC3-4A6A-9C6B-9F02750B3C7C}" srcOrd="0" destOrd="0" presId="urn:microsoft.com/office/officeart/2016/7/layout/ChevronBlockProcess"/>
+    <dgm:cxn modelId="{F7C0654E-4782-4B2B-A3DD-5BE51E431874}" srcId="{1FF65FF9-3848-443A-8996-9C5698135A77}" destId="{02EA15E0-02C5-47A4-98B6-02F969B1078D}" srcOrd="0" destOrd="0" parTransId="{F8ED8D1B-2653-4557-B751-760959A0396D}" sibTransId="{335368F6-EA98-4923-9BA0-35F8E5B318B8}"/>
+    <dgm:cxn modelId="{30470073-30AA-4FAA-A28F-A1E1CD44B2F4}" srcId="{FDF78E5B-080A-40C9-BF30-C0C18E9C186A}" destId="{06A70047-F9AC-44E2-BEB5-91EDFC5B89A1}" srcOrd="2" destOrd="0" parTransId="{1B3C3B97-63BE-4FB7-878A-6BD332682652}" sibTransId="{17FE97D9-09D0-4E78-8CFB-AFBBD168B0FE}"/>
+    <dgm:cxn modelId="{ED12F173-1771-4C8F-9700-652E385C03CF}" type="presOf" srcId="{FDF78E5B-080A-40C9-BF30-C0C18E9C186A}" destId="{9D776DA2-9E47-4DA1-9373-F97AB155A19B}" srcOrd="0" destOrd="0" presId="urn:microsoft.com/office/officeart/2016/7/layout/ChevronBlockProcess"/>
+    <dgm:cxn modelId="{43905F7B-4C39-45A5-AD07-0A3E8CAE5420}" type="presOf" srcId="{B6016292-BDBF-4DCD-A3DD-4B43123267C5}" destId="{70BA5F09-8C09-4C24-A9DF-E75F82B54176}" srcOrd="0" destOrd="0" presId="urn:microsoft.com/office/officeart/2016/7/layout/ChevronBlockProcess"/>
+    <dgm:cxn modelId="{55348886-25F3-4548-AD20-E02ACEEA74C5}" type="presOf" srcId="{5BDCFC5A-24DF-4327-9A97-1EDC73690A98}" destId="{26CF5FBA-32B6-46A9-9F0A-ED69207C9F21}" srcOrd="0" destOrd="0" presId="urn:microsoft.com/office/officeart/2016/7/layout/ChevronBlockProcess"/>
+    <dgm:cxn modelId="{22061F8C-EF85-4094-B712-3E075B692055}" srcId="{FDF78E5B-080A-40C9-BF30-C0C18E9C186A}" destId="{B6016292-BDBF-4DCD-A3DD-4B43123267C5}" srcOrd="4" destOrd="0" parTransId="{6A04B660-AC7D-42AD-9EE4-1B0028AD9E42}" sibTransId="{35172662-885A-440A-9D3D-A662096A0D1F}"/>
+    <dgm:cxn modelId="{1ABE2EAA-F311-4D36-BE49-263EE04E6C69}" srcId="{FDF78E5B-080A-40C9-BF30-C0C18E9C186A}" destId="{1FF65FF9-3848-443A-8996-9C5698135A77}" srcOrd="0" destOrd="0" parTransId="{F35A0789-80A4-4568-B22C-121337DC083C}" sibTransId="{9B32A370-A4C8-42CC-B317-FACD1EEE5E6D}"/>
+    <dgm:cxn modelId="{D98517B0-AD4B-4FD6-ADBA-19BF37E0C2FD}" type="presOf" srcId="{37A7C0ED-28FD-4876-AEF3-86D16367E55A}" destId="{E65B64E7-D04D-4E81-9AF5-0FC44DCC588C}" srcOrd="0" destOrd="0" presId="urn:microsoft.com/office/officeart/2016/7/layout/ChevronBlockProcess"/>
+    <dgm:cxn modelId="{9FB53FB2-351B-4992-9DD2-917FE3548F51}" type="presOf" srcId="{06CA17B5-277B-404F-9D1D-964F88FB6B0A}" destId="{342E5186-0FCC-4526-BFF7-6E1D10B40C37}" srcOrd="0" destOrd="0" presId="urn:microsoft.com/office/officeart/2016/7/layout/ChevronBlockProcess"/>
+    <dgm:cxn modelId="{B89F9EBC-0BB6-4278-B5E1-0A5F615925C8}" type="presOf" srcId="{2B1CF7A4-2923-496A-8BC8-3777C5541229}" destId="{79892189-8BD5-4254-8422-5AD17EA8D6CD}" srcOrd="0" destOrd="0" presId="urn:microsoft.com/office/officeart/2016/7/layout/ChevronBlockProcess"/>
+    <dgm:cxn modelId="{3B83BDCA-3DEC-4B75-BAD6-4AF239A969EE}" type="presOf" srcId="{1FF65FF9-3848-443A-8996-9C5698135A77}" destId="{BDE36F06-FAB7-4880-9FC8-D09CBE1BC535}" srcOrd="0" destOrd="0" presId="urn:microsoft.com/office/officeart/2016/7/layout/ChevronBlockProcess"/>
+    <dgm:cxn modelId="{74A0A5CE-B741-4086-B672-BA32CB2B7713}" srcId="{B6016292-BDBF-4DCD-A3DD-4B43123267C5}" destId="{64529FC8-511F-4ED9-9A33-E0F3743CA545}" srcOrd="0" destOrd="0" parTransId="{3791D55B-A9E6-4466-9E50-0C856FD5DB7F}" sibTransId="{05B1774E-26E8-4441-9B50-6D01F3564985}"/>
+    <dgm:cxn modelId="{527326D9-885B-4118-B614-9342E2DFB158}" srcId="{FDF78E5B-080A-40C9-BF30-C0C18E9C186A}" destId="{5BDCFC5A-24DF-4327-9A97-1EDC73690A98}" srcOrd="1" destOrd="0" parTransId="{EE49F5F6-B8B7-46B2-9251-559571981E50}" sibTransId="{CC251482-4D08-46AD-907A-A16DA370EDA3}"/>
+    <dgm:cxn modelId="{0D51C3E5-33BF-46BD-BA6A-4A3FA3507263}" srcId="{06A70047-F9AC-44E2-BEB5-91EDFC5B89A1}" destId="{2B1CF7A4-2923-496A-8BC8-3777C5541229}" srcOrd="0" destOrd="0" parTransId="{29CDCFC0-6BF4-424A-8ECC-28552F338F44}" sibTransId="{096C9155-5373-4720-B424-5EB5E21860D3}"/>
+    <dgm:cxn modelId="{EF6D8511-ECA3-4459-A411-4AE522481CA1}" type="presParOf" srcId="{9D776DA2-9E47-4DA1-9373-F97AB155A19B}" destId="{4669D94B-8603-4830-8AEB-0DCAFC664250}" srcOrd="0" destOrd="0" presId="urn:microsoft.com/office/officeart/2016/7/layout/ChevronBlockProcess"/>
+    <dgm:cxn modelId="{68C06281-18D1-4668-9895-0B6E402D841A}" type="presParOf" srcId="{4669D94B-8603-4830-8AEB-0DCAFC664250}" destId="{BDE36F06-FAB7-4880-9FC8-D09CBE1BC535}" srcOrd="0" destOrd="0" presId="urn:microsoft.com/office/officeart/2016/7/layout/ChevronBlockProcess"/>
+    <dgm:cxn modelId="{C3E470F4-848C-4C4E-AB7F-E116DE97B7B4}" type="presParOf" srcId="{4669D94B-8603-4830-8AEB-0DCAFC664250}" destId="{B1AC219F-C735-49FE-8EFB-ABC43321F810}" srcOrd="1" destOrd="0" presId="urn:microsoft.com/office/officeart/2016/7/layout/ChevronBlockProcess"/>
+    <dgm:cxn modelId="{2D5F9893-7C85-465A-B8A0-5B688454BC16}" type="presParOf" srcId="{9D776DA2-9E47-4DA1-9373-F97AB155A19B}" destId="{6445B10B-B7DE-429D-95B3-E5F93AE25FDF}" srcOrd="1" destOrd="0" presId="urn:microsoft.com/office/officeart/2016/7/layout/ChevronBlockProcess"/>
+    <dgm:cxn modelId="{54D6C90F-B2E5-4D92-BD2B-42A4E2405759}" type="presParOf" srcId="{9D776DA2-9E47-4DA1-9373-F97AB155A19B}" destId="{023DF3D1-8781-4518-AB55-CEC0791C4AC2}" srcOrd="2" destOrd="0" presId="urn:microsoft.com/office/officeart/2016/7/layout/ChevronBlockProcess"/>
+    <dgm:cxn modelId="{8E7BAFB5-D6C3-42D0-A165-302145448B24}" type="presParOf" srcId="{023DF3D1-8781-4518-AB55-CEC0791C4AC2}" destId="{26CF5FBA-32B6-46A9-9F0A-ED69207C9F21}" srcOrd="0" destOrd="0" presId="urn:microsoft.com/office/officeart/2016/7/layout/ChevronBlockProcess"/>
+    <dgm:cxn modelId="{E95D56CC-CCEF-4C0A-B7F9-CD967C14DCB3}" type="presParOf" srcId="{023DF3D1-8781-4518-AB55-CEC0791C4AC2}" destId="{342E5186-0FCC-4526-BFF7-6E1D10B40C37}" srcOrd="1" destOrd="0" presId="urn:microsoft.com/office/officeart/2016/7/layout/ChevronBlockProcess"/>
+    <dgm:cxn modelId="{07ABEC8D-3488-4580-AAE8-C08DFEC1CFE0}" type="presParOf" srcId="{9D776DA2-9E47-4DA1-9373-F97AB155A19B}" destId="{7A15BA72-00FF-4545-BFC5-4140AA2E5EDD}" srcOrd="3" destOrd="0" presId="urn:microsoft.com/office/officeart/2016/7/layout/ChevronBlockProcess"/>
+    <dgm:cxn modelId="{34399E54-766D-4DEB-B266-83F96263206C}" type="presParOf" srcId="{9D776DA2-9E47-4DA1-9373-F97AB155A19B}" destId="{CC54E219-F584-42B4-A764-5D7763291A4C}" srcOrd="4" destOrd="0" presId="urn:microsoft.com/office/officeart/2016/7/layout/ChevronBlockProcess"/>
+    <dgm:cxn modelId="{4361C001-6ECD-4421-941C-4A86475B7F3F}" type="presParOf" srcId="{CC54E219-F584-42B4-A764-5D7763291A4C}" destId="{1B91FF8B-8EC3-4A6A-9C6B-9F02750B3C7C}" srcOrd="0" destOrd="0" presId="urn:microsoft.com/office/officeart/2016/7/layout/ChevronBlockProcess"/>
+    <dgm:cxn modelId="{A3FB3F09-D592-458B-B2E6-67C50321E78E}" type="presParOf" srcId="{CC54E219-F584-42B4-A764-5D7763291A4C}" destId="{79892189-8BD5-4254-8422-5AD17EA8D6CD}" srcOrd="1" destOrd="0" presId="urn:microsoft.com/office/officeart/2016/7/layout/ChevronBlockProcess"/>
+    <dgm:cxn modelId="{816C20F1-5702-4D55-9EEB-6D8C81678CC0}" type="presParOf" srcId="{9D776DA2-9E47-4DA1-9373-F97AB155A19B}" destId="{1CBD8062-EC1F-4860-9A83-BF02B17B695B}" srcOrd="5" destOrd="0" presId="urn:microsoft.com/office/officeart/2016/7/layout/ChevronBlockProcess"/>
+    <dgm:cxn modelId="{137F3430-DD4A-4701-A804-2C787F647CB3}" type="presParOf" srcId="{9D776DA2-9E47-4DA1-9373-F97AB155A19B}" destId="{225A6893-1DBD-4A10-91C1-A4A013EFEF5A}" srcOrd="6" destOrd="0" presId="urn:microsoft.com/office/officeart/2016/7/layout/ChevronBlockProcess"/>
+    <dgm:cxn modelId="{29A3EC8A-EB24-4D54-9989-EAAE8F3BCA61}" type="presParOf" srcId="{225A6893-1DBD-4A10-91C1-A4A013EFEF5A}" destId="{E65B64E7-D04D-4E81-9AF5-0FC44DCC588C}" srcOrd="0" destOrd="0" presId="urn:microsoft.com/office/officeart/2016/7/layout/ChevronBlockProcess"/>
+    <dgm:cxn modelId="{5B07DAEA-A375-4F19-9793-1A5AD638BE05}" type="presParOf" srcId="{225A6893-1DBD-4A10-91C1-A4A013EFEF5A}" destId="{24FEA414-C0A0-47A5-9DA8-94C4241551F1}" srcOrd="1" destOrd="0" presId="urn:microsoft.com/office/officeart/2016/7/layout/ChevronBlockProcess"/>
+    <dgm:cxn modelId="{5D08C246-4285-421D-9C86-61D6E7D8B8DE}" type="presParOf" srcId="{9D776DA2-9E47-4DA1-9373-F97AB155A19B}" destId="{A2618F6D-3114-4F85-8847-F92F8B630E6F}" srcOrd="7" destOrd="0" presId="urn:microsoft.com/office/officeart/2016/7/layout/ChevronBlockProcess"/>
+    <dgm:cxn modelId="{3061D83B-B563-4FD9-B55F-D22FA23ADF40}" type="presParOf" srcId="{9D776DA2-9E47-4DA1-9373-F97AB155A19B}" destId="{D5D99395-E82E-43E2-841C-215150AE7B59}" srcOrd="8" destOrd="0" presId="urn:microsoft.com/office/officeart/2016/7/layout/ChevronBlockProcess"/>
+    <dgm:cxn modelId="{228555B0-99D7-4613-BCFF-33273D9FEE77}" type="presParOf" srcId="{D5D99395-E82E-43E2-841C-215150AE7B59}" destId="{70BA5F09-8C09-4C24-A9DF-E75F82B54176}" srcOrd="0" destOrd="0" presId="urn:microsoft.com/office/officeart/2016/7/layout/ChevronBlockProcess"/>
+    <dgm:cxn modelId="{D2B14029-D5D3-4CC5-BAEE-7D81421C0D54}" type="presParOf" srcId="{D5D99395-E82E-43E2-841C-215150AE7B59}" destId="{30C3E030-4545-46D8-9044-A55AF1582ED3}" srcOrd="1" destOrd="0" presId="urn:microsoft.com/office/officeart/2016/7/layout/ChevronBlockProcess"/>
+  </dgm:cxnLst>
+  <dgm:bg/>
+  <dgm:whole/>
+  <dgm:extLst>
+    <a:ext uri="http://schemas.microsoft.com/office/drawing/2008/diagram">
+      <dsp:dataModelExt xmlns:dsp="http://schemas.microsoft.com/office/drawing/2008/diagram" relId="rId6" minVer="http://schemas.openxmlformats.org/drawingml/2006/diagram"/>
+    </a:ext>
+  </dgm:extLst>
+</dgm:dataModel>
+</file>
+
+<file path=ppt/diagrams/drawing1.xml><?xml version="1.0" encoding="utf-8"?>
+<dsp:drawing xmlns:dgm="http://schemas.openxmlformats.org/drawingml/2006/diagram" xmlns:dsp="http://schemas.microsoft.com/office/drawing/2008/diagram" xmlns:a="http://schemas.openxmlformats.org/drawingml/2006/main">
+  <dsp:spTree>
+    <dsp:nvGrpSpPr>
+      <dsp:cNvPr id="0" name=""/>
+      <dsp:cNvGrpSpPr/>
+    </dsp:nvGrpSpPr>
+    <dsp:grpSpPr/>
+    <dsp:sp modelId="{BDE36F06-FAB7-4880-9FC8-D09CBE1BC535}">
+      <dsp:nvSpPr>
+        <dsp:cNvPr id="0" name=""/>
+        <dsp:cNvSpPr/>
+      </dsp:nvSpPr>
+      <dsp:spPr>
+        <a:xfrm>
+          <a:off x="8879" y="773078"/>
+          <a:ext cx="2141589" cy="642476"/>
+        </a:xfrm>
+        <a:prstGeom prst="chevron">
+          <a:avLst>
+            <a:gd name="adj" fmla="val 30000"/>
+          </a:avLst>
+        </a:prstGeom>
+        <a:gradFill rotWithShape="0">
+          <a:gsLst>
+            <a:gs pos="0">
+              <a:schemeClr val="accent2">
+                <a:hueOff val="0"/>
+                <a:satOff val="0"/>
+                <a:lumOff val="0"/>
+                <a:alphaOff val="0"/>
+                <a:satMod val="103000"/>
+                <a:lumMod val="102000"/>
+                <a:tint val="94000"/>
+              </a:schemeClr>
+            </a:gs>
+            <a:gs pos="50000">
+              <a:schemeClr val="accent2">
+                <a:hueOff val="0"/>
+                <a:satOff val="0"/>
+                <a:lumOff val="0"/>
+                <a:alphaOff val="0"/>
+                <a:satMod val="110000"/>
+                <a:lumMod val="100000"/>
+                <a:shade val="100000"/>
+              </a:schemeClr>
+            </a:gs>
+            <a:gs pos="100000">
+              <a:schemeClr val="accent2">
+                <a:hueOff val="0"/>
+                <a:satOff val="0"/>
+                <a:lumOff val="0"/>
+                <a:alphaOff val="0"/>
+                <a:lumMod val="99000"/>
+                <a:satMod val="120000"/>
+                <a:shade val="78000"/>
+              </a:schemeClr>
+            </a:gs>
+          </a:gsLst>
+          <a:lin ang="5400000" scaled="0"/>
+        </a:gradFill>
+        <a:ln w="6350" cap="flat" cmpd="sng" algn="ctr">
+          <a:solidFill>
+            <a:schemeClr val="accent2">
+              <a:hueOff val="0"/>
+              <a:satOff val="0"/>
+              <a:lumOff val="0"/>
+              <a:alphaOff val="0"/>
+            </a:schemeClr>
+          </a:solidFill>
+          <a:prstDash val="solid"/>
+          <a:miter lim="800000"/>
+        </a:ln>
+        <a:effectLst/>
+      </dsp:spPr>
+      <dsp:style>
+        <a:lnRef idx="1">
+          <a:scrgbClr r="0" g="0" b="0"/>
+        </a:lnRef>
+        <a:fillRef idx="3">
+          <a:scrgbClr r="0" g="0" b="0"/>
+        </a:fillRef>
+        <a:effectRef idx="2">
+          <a:scrgbClr r="0" g="0" b="0"/>
+        </a:effectRef>
+        <a:fontRef idx="minor">
+          <a:schemeClr val="lt1"/>
+        </a:fontRef>
+      </dsp:style>
+      <dsp:txBody>
+        <a:bodyPr spcFirstLastPara="0" vert="horz" wrap="square" lIns="79328" tIns="79328" rIns="79328" bIns="79328" numCol="1" spcCol="1270" anchor="ctr" anchorCtr="0">
+          <a:noAutofit/>
+        </a:bodyPr>
+        <a:lstStyle/>
+        <a:p>
+          <a:pPr marL="0" lvl="0" indent="0" algn="ctr" defTabSz="889000">
+            <a:lnSpc>
+              <a:spcPct val="90000"/>
+            </a:lnSpc>
+            <a:spcBef>
+              <a:spcPct val="0"/>
+            </a:spcBef>
+            <a:spcAft>
+              <a:spcPct val="35000"/>
+            </a:spcAft>
+            <a:buNone/>
+          </a:pPr>
+          <a:r>
+            <a:rPr lang="en-US" sz="2000" kern="1200"/>
+            <a:t>Mine and clean</a:t>
+          </a:r>
+        </a:p>
+      </dsp:txBody>
+      <dsp:txXfrm>
+        <a:off x="201622" y="773078"/>
+        <a:ext cx="1756103" cy="642476"/>
+      </dsp:txXfrm>
+    </dsp:sp>
+    <dsp:sp modelId="{B1AC219F-C735-49FE-8EFB-ABC43321F810}">
+      <dsp:nvSpPr>
+        <dsp:cNvPr id="0" name=""/>
+        <dsp:cNvSpPr/>
+      </dsp:nvSpPr>
+      <dsp:spPr>
+        <a:xfrm>
+          <a:off x="8879" y="1415555"/>
+          <a:ext cx="1948846" cy="1965854"/>
+        </a:xfrm>
+        <a:prstGeom prst="rect">
+          <a:avLst/>
+        </a:prstGeom>
+        <a:solidFill>
+          <a:schemeClr val="accent2">
+            <a:tint val="40000"/>
+            <a:alpha val="90000"/>
+            <a:hueOff val="0"/>
+            <a:satOff val="0"/>
+            <a:lumOff val="0"/>
+            <a:alphaOff val="0"/>
+          </a:schemeClr>
+        </a:solidFill>
+        <a:ln w="6350" cap="flat" cmpd="sng" algn="ctr">
+          <a:solidFill>
+            <a:schemeClr val="accent2">
+              <a:tint val="40000"/>
+              <a:alpha val="90000"/>
+              <a:hueOff val="0"/>
+              <a:satOff val="0"/>
+              <a:lumOff val="0"/>
+              <a:alphaOff val="0"/>
+            </a:schemeClr>
+          </a:solidFill>
+          <a:prstDash val="solid"/>
+          <a:miter lim="800000"/>
+        </a:ln>
+        <a:effectLst/>
+      </dsp:spPr>
+      <dsp:style>
+        <a:lnRef idx="1">
+          <a:scrgbClr r="0" g="0" b="0"/>
+        </a:lnRef>
+        <a:fillRef idx="1">
+          <a:scrgbClr r="0" g="0" b="0"/>
+        </a:fillRef>
+        <a:effectRef idx="0">
+          <a:scrgbClr r="0" g="0" b="0"/>
+        </a:effectRef>
+        <a:fontRef idx="minor"/>
+      </dsp:style>
+      <dsp:txBody>
+        <a:bodyPr spcFirstLastPara="0" vert="horz" wrap="square" lIns="154002" tIns="154002" rIns="154002" bIns="308004" numCol="1" spcCol="1270" anchor="t" anchorCtr="0">
+          <a:noAutofit/>
+        </a:bodyPr>
+        <a:lstStyle/>
+        <a:p>
+          <a:pPr marL="0" lvl="0" indent="0" algn="l" defTabSz="666750">
+            <a:lnSpc>
+              <a:spcPct val="90000"/>
+            </a:lnSpc>
+            <a:spcBef>
+              <a:spcPct val="0"/>
+            </a:spcBef>
+            <a:spcAft>
+              <a:spcPct val="35000"/>
+            </a:spcAft>
+            <a:buNone/>
+          </a:pPr>
+          <a:r>
+            <a:rPr lang="en-US" sz="1500" kern="1200"/>
+            <a:t>Mine and clean data from FEMA and Zillow</a:t>
+          </a:r>
+        </a:p>
+      </dsp:txBody>
+      <dsp:txXfrm>
+        <a:off x="8879" y="1415555"/>
+        <a:ext cx="1948846" cy="1965854"/>
+      </dsp:txXfrm>
+    </dsp:sp>
+    <dsp:sp modelId="{26CF5FBA-32B6-46A9-9F0A-ED69207C9F21}">
+      <dsp:nvSpPr>
+        <dsp:cNvPr id="0" name=""/>
+        <dsp:cNvSpPr/>
+      </dsp:nvSpPr>
+      <dsp:spPr>
+        <a:xfrm>
+          <a:off x="2097942" y="773078"/>
+          <a:ext cx="2141589" cy="642476"/>
+        </a:xfrm>
+        <a:prstGeom prst="chevron">
+          <a:avLst>
+            <a:gd name="adj" fmla="val 30000"/>
+          </a:avLst>
+        </a:prstGeom>
+        <a:gradFill rotWithShape="0">
+          <a:gsLst>
+            <a:gs pos="0">
+              <a:schemeClr val="accent3">
+                <a:hueOff val="0"/>
+                <a:satOff val="0"/>
+                <a:lumOff val="0"/>
+                <a:alphaOff val="0"/>
+                <a:satMod val="103000"/>
+                <a:lumMod val="102000"/>
+                <a:tint val="94000"/>
+              </a:schemeClr>
+            </a:gs>
+            <a:gs pos="50000">
+              <a:schemeClr val="accent3">
+                <a:hueOff val="0"/>
+                <a:satOff val="0"/>
+                <a:lumOff val="0"/>
+                <a:alphaOff val="0"/>
+                <a:satMod val="110000"/>
+                <a:lumMod val="100000"/>
+                <a:shade val="100000"/>
+              </a:schemeClr>
+            </a:gs>
+            <a:gs pos="100000">
+              <a:schemeClr val="accent3">
+                <a:hueOff val="0"/>
+                <a:satOff val="0"/>
+                <a:lumOff val="0"/>
+                <a:alphaOff val="0"/>
+                <a:lumMod val="99000"/>
+                <a:satMod val="120000"/>
+                <a:shade val="78000"/>
+              </a:schemeClr>
+            </a:gs>
+          </a:gsLst>
+          <a:lin ang="5400000" scaled="0"/>
+        </a:gradFill>
+        <a:ln w="6350" cap="flat" cmpd="sng" algn="ctr">
+          <a:solidFill>
+            <a:schemeClr val="accent3">
+              <a:hueOff val="0"/>
+              <a:satOff val="0"/>
+              <a:lumOff val="0"/>
+              <a:alphaOff val="0"/>
+            </a:schemeClr>
+          </a:solidFill>
+          <a:prstDash val="solid"/>
+          <a:miter lim="800000"/>
+        </a:ln>
+        <a:effectLst/>
+      </dsp:spPr>
+      <dsp:style>
+        <a:lnRef idx="1">
+          <a:scrgbClr r="0" g="0" b="0"/>
+        </a:lnRef>
+        <a:fillRef idx="3">
+          <a:scrgbClr r="0" g="0" b="0"/>
+        </a:fillRef>
+        <a:effectRef idx="2">
+          <a:scrgbClr r="0" g="0" b="0"/>
+        </a:effectRef>
+        <a:fontRef idx="minor">
+          <a:schemeClr val="lt1"/>
+        </a:fontRef>
+      </dsp:style>
+      <dsp:txBody>
+        <a:bodyPr spcFirstLastPara="0" vert="horz" wrap="square" lIns="79328" tIns="79328" rIns="79328" bIns="79328" numCol="1" spcCol="1270" anchor="ctr" anchorCtr="0">
+          <a:noAutofit/>
+        </a:bodyPr>
+        <a:lstStyle/>
+        <a:p>
+          <a:pPr marL="0" lvl="0" indent="0" algn="ctr" defTabSz="889000">
+            <a:lnSpc>
+              <a:spcPct val="90000"/>
+            </a:lnSpc>
+            <a:spcBef>
+              <a:spcPct val="0"/>
+            </a:spcBef>
+            <a:spcAft>
+              <a:spcPct val="35000"/>
+            </a:spcAft>
+            <a:buNone/>
+          </a:pPr>
+          <a:r>
+            <a:rPr lang="en-US" sz="2000" kern="1200"/>
+            <a:t>Create</a:t>
+          </a:r>
+        </a:p>
+      </dsp:txBody>
+      <dsp:txXfrm>
+        <a:off x="2290685" y="773078"/>
+        <a:ext cx="1756103" cy="642476"/>
+      </dsp:txXfrm>
+    </dsp:sp>
+    <dsp:sp modelId="{342E5186-0FCC-4526-BFF7-6E1D10B40C37}">
+      <dsp:nvSpPr>
+        <dsp:cNvPr id="0" name=""/>
+        <dsp:cNvSpPr/>
+      </dsp:nvSpPr>
+      <dsp:spPr>
+        <a:xfrm>
+          <a:off x="2097942" y="1415555"/>
+          <a:ext cx="1948846" cy="1965854"/>
+        </a:xfrm>
+        <a:prstGeom prst="rect">
+          <a:avLst/>
+        </a:prstGeom>
+        <a:solidFill>
+          <a:schemeClr val="accent3">
+            <a:tint val="40000"/>
+            <a:alpha val="90000"/>
+            <a:hueOff val="0"/>
+            <a:satOff val="0"/>
+            <a:lumOff val="0"/>
+            <a:alphaOff val="0"/>
+          </a:schemeClr>
+        </a:solidFill>
+        <a:ln w="6350" cap="flat" cmpd="sng" algn="ctr">
+          <a:solidFill>
+            <a:schemeClr val="accent3">
+              <a:tint val="40000"/>
+              <a:alpha val="90000"/>
+              <a:hueOff val="0"/>
+              <a:satOff val="0"/>
+              <a:lumOff val="0"/>
+              <a:alphaOff val="0"/>
+            </a:schemeClr>
+          </a:solidFill>
+          <a:prstDash val="solid"/>
+          <a:miter lim="800000"/>
+        </a:ln>
+        <a:effectLst/>
+      </dsp:spPr>
+      <dsp:style>
+        <a:lnRef idx="1">
+          <a:scrgbClr r="0" g="0" b="0"/>
+        </a:lnRef>
+        <a:fillRef idx="1">
+          <a:scrgbClr r="0" g="0" b="0"/>
+        </a:fillRef>
+        <a:effectRef idx="0">
+          <a:scrgbClr r="0" g="0" b="0"/>
+        </a:effectRef>
+        <a:fontRef idx="minor"/>
+      </dsp:style>
+      <dsp:txBody>
+        <a:bodyPr spcFirstLastPara="0" vert="horz" wrap="square" lIns="154002" tIns="154002" rIns="154002" bIns="308004" numCol="1" spcCol="1270" anchor="t" anchorCtr="0">
+          <a:noAutofit/>
+        </a:bodyPr>
+        <a:lstStyle/>
+        <a:p>
+          <a:pPr marL="0" lvl="0" indent="0" algn="l" defTabSz="666750">
+            <a:lnSpc>
+              <a:spcPct val="90000"/>
+            </a:lnSpc>
+            <a:spcBef>
+              <a:spcPct val="0"/>
+            </a:spcBef>
+            <a:spcAft>
+              <a:spcPct val="35000"/>
+            </a:spcAft>
+            <a:buNone/>
+          </a:pPr>
+          <a:r>
+            <a:rPr lang="en-US" sz="1500" kern="1200"/>
+            <a:t>Create a control group by taking the population average for each month.</a:t>
+          </a:r>
+        </a:p>
+      </dsp:txBody>
+      <dsp:txXfrm>
+        <a:off x="2097942" y="1415555"/>
+        <a:ext cx="1948846" cy="1965854"/>
+      </dsp:txXfrm>
+    </dsp:sp>
+    <dsp:sp modelId="{1B91FF8B-8EC3-4A6A-9C6B-9F02750B3C7C}">
+      <dsp:nvSpPr>
+        <dsp:cNvPr id="0" name=""/>
+        <dsp:cNvSpPr/>
+      </dsp:nvSpPr>
+      <dsp:spPr>
+        <a:xfrm>
+          <a:off x="4187005" y="773078"/>
+          <a:ext cx="2141589" cy="642476"/>
+        </a:xfrm>
+        <a:prstGeom prst="chevron">
+          <a:avLst>
+            <a:gd name="adj" fmla="val 30000"/>
+          </a:avLst>
+        </a:prstGeom>
+        <a:gradFill rotWithShape="0">
+          <a:gsLst>
+            <a:gs pos="0">
+              <a:schemeClr val="accent4">
+                <a:hueOff val="0"/>
+                <a:satOff val="0"/>
+                <a:lumOff val="0"/>
+                <a:alphaOff val="0"/>
+                <a:satMod val="103000"/>
+                <a:lumMod val="102000"/>
+                <a:tint val="94000"/>
+              </a:schemeClr>
+            </a:gs>
+            <a:gs pos="50000">
+              <a:schemeClr val="accent4">
+                <a:hueOff val="0"/>
+                <a:satOff val="0"/>
+                <a:lumOff val="0"/>
+                <a:alphaOff val="0"/>
+                <a:satMod val="110000"/>
+                <a:lumMod val="100000"/>
+                <a:shade val="100000"/>
+              </a:schemeClr>
+            </a:gs>
+            <a:gs pos="100000">
+              <a:schemeClr val="accent4">
+                <a:hueOff val="0"/>
+                <a:satOff val="0"/>
+                <a:lumOff val="0"/>
+                <a:alphaOff val="0"/>
+                <a:lumMod val="99000"/>
+                <a:satMod val="120000"/>
+                <a:shade val="78000"/>
+              </a:schemeClr>
+            </a:gs>
+          </a:gsLst>
+          <a:lin ang="5400000" scaled="0"/>
+        </a:gradFill>
+        <a:ln w="6350" cap="flat" cmpd="sng" algn="ctr">
+          <a:solidFill>
+            <a:schemeClr val="accent4">
+              <a:hueOff val="0"/>
+              <a:satOff val="0"/>
+              <a:lumOff val="0"/>
+              <a:alphaOff val="0"/>
+            </a:schemeClr>
+          </a:solidFill>
+          <a:prstDash val="solid"/>
+          <a:miter lim="800000"/>
+        </a:ln>
+        <a:effectLst/>
+      </dsp:spPr>
+      <dsp:style>
+        <a:lnRef idx="1">
+          <a:scrgbClr r="0" g="0" b="0"/>
+        </a:lnRef>
+        <a:fillRef idx="3">
+          <a:scrgbClr r="0" g="0" b="0"/>
+        </a:fillRef>
+        <a:effectRef idx="2">
+          <a:scrgbClr r="0" g="0" b="0"/>
+        </a:effectRef>
+        <a:fontRef idx="minor">
+          <a:schemeClr val="lt1"/>
+        </a:fontRef>
+      </dsp:style>
+      <dsp:txBody>
+        <a:bodyPr spcFirstLastPara="0" vert="horz" wrap="square" lIns="79328" tIns="79328" rIns="79328" bIns="79328" numCol="1" spcCol="1270" anchor="ctr" anchorCtr="0">
+          <a:noAutofit/>
+        </a:bodyPr>
+        <a:lstStyle/>
+        <a:p>
+          <a:pPr marL="0" lvl="0" indent="0" algn="ctr" defTabSz="889000">
+            <a:lnSpc>
+              <a:spcPct val="90000"/>
+            </a:lnSpc>
+            <a:spcBef>
+              <a:spcPct val="0"/>
+            </a:spcBef>
+            <a:spcAft>
+              <a:spcPct val="35000"/>
+            </a:spcAft>
+            <a:buNone/>
+          </a:pPr>
+          <a:r>
+            <a:rPr lang="en-US" sz="2000" kern="1200"/>
+            <a:t>Merge</a:t>
+          </a:r>
+        </a:p>
+      </dsp:txBody>
+      <dsp:txXfrm>
+        <a:off x="4379748" y="773078"/>
+        <a:ext cx="1756103" cy="642476"/>
+      </dsp:txXfrm>
+    </dsp:sp>
+    <dsp:sp modelId="{79892189-8BD5-4254-8422-5AD17EA8D6CD}">
+      <dsp:nvSpPr>
+        <dsp:cNvPr id="0" name=""/>
+        <dsp:cNvSpPr/>
+      </dsp:nvSpPr>
+      <dsp:spPr>
+        <a:xfrm>
+          <a:off x="4187005" y="1415555"/>
+          <a:ext cx="1948846" cy="1965854"/>
+        </a:xfrm>
+        <a:prstGeom prst="rect">
+          <a:avLst/>
+        </a:prstGeom>
+        <a:solidFill>
+          <a:schemeClr val="accent4">
+            <a:tint val="40000"/>
+            <a:alpha val="90000"/>
+            <a:hueOff val="0"/>
+            <a:satOff val="0"/>
+            <a:lumOff val="0"/>
+            <a:alphaOff val="0"/>
+          </a:schemeClr>
+        </a:solidFill>
+        <a:ln w="6350" cap="flat" cmpd="sng" algn="ctr">
+          <a:solidFill>
+            <a:schemeClr val="accent4">
+              <a:tint val="40000"/>
+              <a:alpha val="90000"/>
+              <a:hueOff val="0"/>
+              <a:satOff val="0"/>
+              <a:lumOff val="0"/>
+              <a:alphaOff val="0"/>
+            </a:schemeClr>
+          </a:solidFill>
+          <a:prstDash val="solid"/>
+          <a:miter lim="800000"/>
+        </a:ln>
+        <a:effectLst/>
+      </dsp:spPr>
+      <dsp:style>
+        <a:lnRef idx="1">
+          <a:scrgbClr r="0" g="0" b="0"/>
+        </a:lnRef>
+        <a:fillRef idx="1">
+          <a:scrgbClr r="0" g="0" b="0"/>
+        </a:fillRef>
+        <a:effectRef idx="0">
+          <a:scrgbClr r="0" g="0" b="0"/>
+        </a:effectRef>
+        <a:fontRef idx="minor"/>
+      </dsp:style>
+      <dsp:txBody>
+        <a:bodyPr spcFirstLastPara="0" vert="horz" wrap="square" lIns="154002" tIns="154002" rIns="154002" bIns="308004" numCol="1" spcCol="1270" anchor="t" anchorCtr="0">
+          <a:noAutofit/>
+        </a:bodyPr>
+        <a:lstStyle/>
+        <a:p>
+          <a:pPr marL="0" lvl="0" indent="0" algn="l" defTabSz="666750">
+            <a:lnSpc>
+              <a:spcPct val="90000"/>
+            </a:lnSpc>
+            <a:spcBef>
+              <a:spcPct val="0"/>
+            </a:spcBef>
+            <a:spcAft>
+              <a:spcPct val="35000"/>
+            </a:spcAft>
+            <a:buNone/>
+          </a:pPr>
+          <a:r>
+            <a:rPr lang="en-US" sz="1500" kern="1200"/>
+            <a:t>Merge the FEMA and total Zillow data sets together based on County and State.</a:t>
+          </a:r>
+        </a:p>
+      </dsp:txBody>
+      <dsp:txXfrm>
+        <a:off x="4187005" y="1415555"/>
+        <a:ext cx="1948846" cy="1965854"/>
+      </dsp:txXfrm>
+    </dsp:sp>
+    <dsp:sp modelId="{E65B64E7-D04D-4E81-9AF5-0FC44DCC588C}">
+      <dsp:nvSpPr>
+        <dsp:cNvPr id="0" name=""/>
+        <dsp:cNvSpPr/>
+      </dsp:nvSpPr>
+      <dsp:spPr>
+        <a:xfrm>
+          <a:off x="6276068" y="773078"/>
+          <a:ext cx="2141589" cy="642476"/>
+        </a:xfrm>
+        <a:prstGeom prst="chevron">
+          <a:avLst>
+            <a:gd name="adj" fmla="val 30000"/>
+          </a:avLst>
+        </a:prstGeom>
+        <a:gradFill rotWithShape="0">
+          <a:gsLst>
+            <a:gs pos="0">
+              <a:schemeClr val="accent5">
+                <a:hueOff val="0"/>
+                <a:satOff val="0"/>
+                <a:lumOff val="0"/>
+                <a:alphaOff val="0"/>
+                <a:satMod val="103000"/>
+                <a:lumMod val="102000"/>
+                <a:tint val="94000"/>
+              </a:schemeClr>
+            </a:gs>
+            <a:gs pos="50000">
+              <a:schemeClr val="accent5">
+                <a:hueOff val="0"/>
+                <a:satOff val="0"/>
+                <a:lumOff val="0"/>
+                <a:alphaOff val="0"/>
+                <a:satMod val="110000"/>
+                <a:lumMod val="100000"/>
+                <a:shade val="100000"/>
+              </a:schemeClr>
+            </a:gs>
+            <a:gs pos="100000">
+              <a:schemeClr val="accent5">
+                <a:hueOff val="0"/>
+                <a:satOff val="0"/>
+                <a:lumOff val="0"/>
+                <a:alphaOff val="0"/>
+                <a:lumMod val="99000"/>
+                <a:satMod val="120000"/>
+                <a:shade val="78000"/>
+              </a:schemeClr>
+            </a:gs>
+          </a:gsLst>
+          <a:lin ang="5400000" scaled="0"/>
+        </a:gradFill>
+        <a:ln w="6350" cap="flat" cmpd="sng" algn="ctr">
+          <a:solidFill>
+            <a:schemeClr val="accent5">
+              <a:hueOff val="0"/>
+              <a:satOff val="0"/>
+              <a:lumOff val="0"/>
+              <a:alphaOff val="0"/>
+            </a:schemeClr>
+          </a:solidFill>
+          <a:prstDash val="solid"/>
+          <a:miter lim="800000"/>
+        </a:ln>
+        <a:effectLst/>
+      </dsp:spPr>
+      <dsp:style>
+        <a:lnRef idx="1">
+          <a:scrgbClr r="0" g="0" b="0"/>
+        </a:lnRef>
+        <a:fillRef idx="3">
+          <a:scrgbClr r="0" g="0" b="0"/>
+        </a:fillRef>
+        <a:effectRef idx="2">
+          <a:scrgbClr r="0" g="0" b="0"/>
+        </a:effectRef>
+        <a:fontRef idx="minor">
+          <a:schemeClr val="lt1"/>
+        </a:fontRef>
+      </dsp:style>
+      <dsp:txBody>
+        <a:bodyPr spcFirstLastPara="0" vert="horz" wrap="square" lIns="79328" tIns="79328" rIns="79328" bIns="79328" numCol="1" spcCol="1270" anchor="ctr" anchorCtr="0">
+          <a:noAutofit/>
+        </a:bodyPr>
+        <a:lstStyle/>
+        <a:p>
+          <a:pPr marL="0" lvl="0" indent="0" algn="ctr" defTabSz="889000">
+            <a:lnSpc>
+              <a:spcPct val="90000"/>
+            </a:lnSpc>
+            <a:spcBef>
+              <a:spcPct val="0"/>
+            </a:spcBef>
+            <a:spcAft>
+              <a:spcPct val="35000"/>
+            </a:spcAft>
+            <a:buNone/>
+          </a:pPr>
+          <a:r>
+            <a:rPr lang="en-US" sz="2000" kern="1200"/>
+            <a:t>Loop through</a:t>
+          </a:r>
+        </a:p>
+      </dsp:txBody>
+      <dsp:txXfrm>
+        <a:off x="6468811" y="773078"/>
+        <a:ext cx="1756103" cy="642476"/>
+      </dsp:txXfrm>
+    </dsp:sp>
+    <dsp:sp modelId="{24FEA414-C0A0-47A5-9DA8-94C4241551F1}">
+      <dsp:nvSpPr>
+        <dsp:cNvPr id="0" name=""/>
+        <dsp:cNvSpPr/>
+      </dsp:nvSpPr>
+      <dsp:spPr>
+        <a:xfrm>
+          <a:off x="6276068" y="1415555"/>
+          <a:ext cx="1948846" cy="1965854"/>
+        </a:xfrm>
+        <a:prstGeom prst="rect">
+          <a:avLst/>
+        </a:prstGeom>
+        <a:solidFill>
+          <a:schemeClr val="accent5">
+            <a:tint val="40000"/>
+            <a:alpha val="90000"/>
+            <a:hueOff val="0"/>
+            <a:satOff val="0"/>
+            <a:lumOff val="0"/>
+            <a:alphaOff val="0"/>
+          </a:schemeClr>
+        </a:solidFill>
+        <a:ln w="6350" cap="flat" cmpd="sng" algn="ctr">
+          <a:solidFill>
+            <a:schemeClr val="accent5">
+              <a:tint val="40000"/>
+              <a:alpha val="90000"/>
+              <a:hueOff val="0"/>
+              <a:satOff val="0"/>
+              <a:lumOff val="0"/>
+              <a:alphaOff val="0"/>
+            </a:schemeClr>
+          </a:solidFill>
+          <a:prstDash val="solid"/>
+          <a:miter lim="800000"/>
+        </a:ln>
+        <a:effectLst/>
+      </dsp:spPr>
+      <dsp:style>
+        <a:lnRef idx="1">
+          <a:scrgbClr r="0" g="0" b="0"/>
+        </a:lnRef>
+        <a:fillRef idx="1">
+          <a:scrgbClr r="0" g="0" b="0"/>
+        </a:fillRef>
+        <a:effectRef idx="0">
+          <a:scrgbClr r="0" g="0" b="0"/>
+        </a:effectRef>
+        <a:fontRef idx="minor"/>
+      </dsp:style>
+      <dsp:txBody>
+        <a:bodyPr spcFirstLastPara="0" vert="horz" wrap="square" lIns="154002" tIns="154002" rIns="154002" bIns="308004" numCol="1" spcCol="1270" anchor="t" anchorCtr="0">
+          <a:noAutofit/>
+        </a:bodyPr>
+        <a:lstStyle/>
+        <a:p>
+          <a:pPr marL="0" lvl="0" indent="0" algn="l" defTabSz="666750">
+            <a:lnSpc>
+              <a:spcPct val="90000"/>
+            </a:lnSpc>
+            <a:spcBef>
+              <a:spcPct val="0"/>
+            </a:spcBef>
+            <a:spcAft>
+              <a:spcPct val="35000"/>
+            </a:spcAft>
+            <a:buNone/>
+          </a:pPr>
+          <a:r>
+            <a:rPr lang="en-US" sz="1500" kern="1200"/>
+            <a:t>Loop through the data set to find 6 months returns for each zip code affected by an event, as well as for the control group. </a:t>
+          </a:r>
+        </a:p>
+      </dsp:txBody>
+      <dsp:txXfrm>
+        <a:off x="6276068" y="1415555"/>
+        <a:ext cx="1948846" cy="1965854"/>
+      </dsp:txXfrm>
+    </dsp:sp>
+    <dsp:sp modelId="{70BA5F09-8C09-4C24-A9DF-E75F82B54176}">
+      <dsp:nvSpPr>
+        <dsp:cNvPr id="0" name=""/>
+        <dsp:cNvSpPr/>
+      </dsp:nvSpPr>
+      <dsp:spPr>
+        <a:xfrm>
+          <a:off x="8365131" y="773078"/>
+          <a:ext cx="2141589" cy="642476"/>
+        </a:xfrm>
+        <a:prstGeom prst="chevron">
+          <a:avLst>
+            <a:gd name="adj" fmla="val 30000"/>
+          </a:avLst>
+        </a:prstGeom>
+        <a:gradFill rotWithShape="0">
+          <a:gsLst>
+            <a:gs pos="0">
+              <a:schemeClr val="accent6">
+                <a:hueOff val="0"/>
+                <a:satOff val="0"/>
+                <a:lumOff val="0"/>
+                <a:alphaOff val="0"/>
+                <a:satMod val="103000"/>
+                <a:lumMod val="102000"/>
+                <a:tint val="94000"/>
+              </a:schemeClr>
+            </a:gs>
+            <a:gs pos="50000">
+              <a:schemeClr val="accent6">
+                <a:hueOff val="0"/>
+                <a:satOff val="0"/>
+                <a:lumOff val="0"/>
+                <a:alphaOff val="0"/>
+                <a:satMod val="110000"/>
+                <a:lumMod val="100000"/>
+                <a:shade val="100000"/>
+              </a:schemeClr>
+            </a:gs>
+            <a:gs pos="100000">
+              <a:schemeClr val="accent6">
+                <a:hueOff val="0"/>
+                <a:satOff val="0"/>
+                <a:lumOff val="0"/>
+                <a:alphaOff val="0"/>
+                <a:lumMod val="99000"/>
+                <a:satMod val="120000"/>
+                <a:shade val="78000"/>
+              </a:schemeClr>
+            </a:gs>
+          </a:gsLst>
+          <a:lin ang="5400000" scaled="0"/>
+        </a:gradFill>
+        <a:ln w="6350" cap="flat" cmpd="sng" algn="ctr">
+          <a:solidFill>
+            <a:schemeClr val="accent6">
+              <a:hueOff val="0"/>
+              <a:satOff val="0"/>
+              <a:lumOff val="0"/>
+              <a:alphaOff val="0"/>
+            </a:schemeClr>
+          </a:solidFill>
+          <a:prstDash val="solid"/>
+          <a:miter lim="800000"/>
+        </a:ln>
+        <a:effectLst/>
+      </dsp:spPr>
+      <dsp:style>
+        <a:lnRef idx="1">
+          <a:scrgbClr r="0" g="0" b="0"/>
+        </a:lnRef>
+        <a:fillRef idx="3">
+          <a:scrgbClr r="0" g="0" b="0"/>
+        </a:fillRef>
+        <a:effectRef idx="2">
+          <a:scrgbClr r="0" g="0" b="0"/>
+        </a:effectRef>
+        <a:fontRef idx="minor">
+          <a:schemeClr val="lt1"/>
+        </a:fontRef>
+      </dsp:style>
+      <dsp:txBody>
+        <a:bodyPr spcFirstLastPara="0" vert="horz" wrap="square" lIns="79328" tIns="79328" rIns="79328" bIns="79328" numCol="1" spcCol="1270" anchor="ctr" anchorCtr="0">
+          <a:noAutofit/>
+        </a:bodyPr>
+        <a:lstStyle/>
+        <a:p>
+          <a:pPr marL="0" lvl="0" indent="0" algn="ctr" defTabSz="889000">
+            <a:lnSpc>
+              <a:spcPct val="90000"/>
+            </a:lnSpc>
+            <a:spcBef>
+              <a:spcPct val="0"/>
+            </a:spcBef>
+            <a:spcAft>
+              <a:spcPct val="35000"/>
+            </a:spcAft>
+            <a:buNone/>
+          </a:pPr>
+          <a:r>
+            <a:rPr lang="en-US" sz="2000" kern="1200"/>
+            <a:t>Conduct</a:t>
+          </a:r>
+        </a:p>
+      </dsp:txBody>
+      <dsp:txXfrm>
+        <a:off x="8557874" y="773078"/>
+        <a:ext cx="1756103" cy="642476"/>
+      </dsp:txXfrm>
+    </dsp:sp>
+    <dsp:sp modelId="{30C3E030-4545-46D8-9044-A55AF1582ED3}">
+      <dsp:nvSpPr>
+        <dsp:cNvPr id="0" name=""/>
+        <dsp:cNvSpPr/>
+      </dsp:nvSpPr>
+      <dsp:spPr>
+        <a:xfrm>
+          <a:off x="8365131" y="1415555"/>
+          <a:ext cx="1948846" cy="1965854"/>
+        </a:xfrm>
+        <a:prstGeom prst="rect">
+          <a:avLst/>
+        </a:prstGeom>
+        <a:solidFill>
+          <a:schemeClr val="accent6">
+            <a:tint val="40000"/>
+            <a:alpha val="90000"/>
+            <a:hueOff val="0"/>
+            <a:satOff val="0"/>
+            <a:lumOff val="0"/>
+            <a:alphaOff val="0"/>
+          </a:schemeClr>
+        </a:solidFill>
+        <a:ln w="6350" cap="flat" cmpd="sng" algn="ctr">
+          <a:solidFill>
+            <a:schemeClr val="accent6">
+              <a:tint val="40000"/>
+              <a:alpha val="90000"/>
+              <a:hueOff val="0"/>
+              <a:satOff val="0"/>
+              <a:lumOff val="0"/>
+              <a:alphaOff val="0"/>
+            </a:schemeClr>
+          </a:solidFill>
+          <a:prstDash val="solid"/>
+          <a:miter lim="800000"/>
+        </a:ln>
+        <a:effectLst/>
+      </dsp:spPr>
+      <dsp:style>
+        <a:lnRef idx="1">
+          <a:scrgbClr r="0" g="0" b="0"/>
+        </a:lnRef>
+        <a:fillRef idx="1">
+          <a:scrgbClr r="0" g="0" b="0"/>
+        </a:fillRef>
+        <a:effectRef idx="0">
+          <a:scrgbClr r="0" g="0" b="0"/>
+        </a:effectRef>
+        <a:fontRef idx="minor"/>
+      </dsp:style>
+      <dsp:txBody>
+        <a:bodyPr spcFirstLastPara="0" vert="horz" wrap="square" lIns="154002" tIns="154002" rIns="154002" bIns="308004" numCol="1" spcCol="1270" anchor="t" anchorCtr="0">
+          <a:noAutofit/>
+        </a:bodyPr>
+        <a:lstStyle/>
+        <a:p>
+          <a:pPr marL="0" lvl="0" indent="0" algn="l" defTabSz="666750">
+            <a:lnSpc>
+              <a:spcPct val="90000"/>
+            </a:lnSpc>
+            <a:spcBef>
+              <a:spcPct val="0"/>
+            </a:spcBef>
+            <a:spcAft>
+              <a:spcPct val="35000"/>
+            </a:spcAft>
+            <a:buNone/>
+          </a:pPr>
+          <a:r>
+            <a:rPr lang="en-US" sz="1500" kern="1200"/>
+            <a:t>Conduct Moods Median test to find if we were able to “prove” a positive or negative effect. </a:t>
+          </a:r>
+        </a:p>
+      </dsp:txBody>
+      <dsp:txXfrm>
+        <a:off x="8365131" y="1415555"/>
+        <a:ext cx="1948846" cy="1965854"/>
+      </dsp:txXfrm>
+    </dsp:sp>
+  </dsp:spTree>
+</dsp:drawing>
+</file>
+
+<file path=ppt/diagrams/layout1.xml><?xml version="1.0" encoding="utf-8"?>
+<dgm:layoutDef xmlns:dgm="http://schemas.openxmlformats.org/drawingml/2006/diagram" xmlns:a="http://schemas.openxmlformats.org/drawingml/2006/main" uniqueId="urn:microsoft.com/office/officeart/2016/7/layout/ChevronBlockProcess">
+  <dgm:title val="Chevron Block Process"/>
+  <dgm:desc val="Use to show a progression; a timeline; sequential steps in a task, process, or workflow; or to emphasize movement or direction. Level 1 text appears inside an arrow shape while Level 2 text appears below the arrow shapes."/>
+  <dgm:catLst>
+    <dgm:cat type="process" pri="500"/>
+  </dgm:catLst>
+  <dgm:sampData useDef="1">
+    <dgm:dataModel>
+      <dgm:ptLst/>
+      <dgm:bg/>
+      <dgm:whole/>
+    </dgm:dataModel>
+  </dgm:sampData>
+  <dgm:styleData>
+    <dgm:dataModel>
+      <dgm:ptLst>
+        <dgm:pt modelId="0" type="doc"/>
+        <dgm:pt modelId="1"/>
+        <dgm:pt modelId="2"/>
+      </dgm:ptLst>
+      <dgm:cxnLst>
+        <dgm:cxn modelId="3" srcId="0" destId="1" srcOrd="0" destOrd="0"/>
+        <dgm:cxn modelId="4" srcId="0" destId="2" srcOrd="1" destOrd="0"/>
+      </dgm:cxnLst>
+      <dgm:bg/>
+      <dgm:whole/>
+    </dgm:dataModel>
+  </dgm:styleData>
+  <dgm:clrData>
+    <dgm:dataModel>
+      <dgm:ptLst>
+        <dgm:pt modelId="0" type="doc"/>
+        <dgm:pt modelId="1"/>
+        <dgm:pt modelId="2"/>
+        <dgm:pt modelId="3"/>
+        <dgm:pt modelId="4"/>
+      </dgm:ptLst>
+      <dgm:cxnLst>
+        <dgm:cxn modelId="5" srcId="0" destId="1" srcOrd="0" destOrd="0"/>
+        <dgm:cxn modelId="6" srcId="0" destId="2" srcOrd="1" destOrd="0"/>
+        <dgm:cxn modelId="7" srcId="0" destId="3" srcOrd="2" destOrd="0"/>
+        <dgm:cxn modelId="8" srcId="0" destId="4" srcOrd="3" destOrd="0"/>
+      </dgm:cxnLst>
+      <dgm:bg/>
+      <dgm:whole/>
+    </dgm:dataModel>
+  </dgm:clrData>
+  <dgm:layoutNode name="Name0">
+    <dgm:varLst>
+      <dgm:dir/>
+      <dgm:animLvl val="lvl"/>
+      <dgm:resizeHandles val="exact"/>
+    </dgm:varLst>
+    <dgm:choose name="Name1">
+      <dgm:if name="Name2" func="var" arg="dir" op="equ" val="norm">
+        <dgm:alg type="lin"/>
+      </dgm:if>
+      <dgm:else name="Name3">
+        <dgm:alg type="lin">
+          <dgm:param type="linDir" val="fromR"/>
+        </dgm:alg>
+      </dgm:else>
+    </dgm:choose>
+    <dgm:shape xmlns:r="http://schemas.openxmlformats.org/officeDocument/2006/relationships" r:blip="">
+      <dgm:adjLst/>
+    </dgm:shape>
+    <dgm:presOf/>
+    <dgm:constrLst>
+      <dgm:constr type="h" for="ch" forName="composite" refType="h" fact="0.6"/>
+      <dgm:constr type="h" for="des" forName="composite" op="equ"/>
+      <dgm:constr type="w" for="ch" forName="composite" refType="w"/>
+      <dgm:constr type="w" for="des" forName="parTx"/>
+      <dgm:constr type="h" for="des" forName="parTx" op="equ"/>
+      <dgm:constr type="w" for="des" forName="desTx"/>
+      <dgm:constr type="primFontSz" for="des" forName="parTx" val="28"/>
+      <dgm:constr type="primFontSz" for="des" forName="desTx" refType="primFontSz" refFor="des" refForName="parTx" op="lte" fact="0.75"/>
+      <dgm:constr type="h" for="des" forName="desTx" op="equ"/>
+      <dgm:constr type="w" for="ch" forName="space" refType="w" op="equ" fact="-0.005"/>
+    </dgm:constrLst>
+    <dgm:ruleLst>
+      <dgm:rule type="w" for="ch" forName="composite" val="0" fact="NaN" max="NaN"/>
+    </dgm:ruleLst>
+    <dgm:forEach name="Name6" axis="ch" ptType="node">
+      <dgm:layoutNode name="composite">
+        <dgm:alg type="composite"/>
+        <dgm:shape xmlns:r="http://schemas.openxmlformats.org/officeDocument/2006/relationships" r:blip="">
+          <dgm:adjLst/>
+        </dgm:shape>
+        <dgm:presOf/>
+        <dgm:choose name="Name7">
+          <dgm:if name="Name8" func="var" arg="dir" op="equ" val="norm">
+            <dgm:constrLst>
+              <dgm:constr type="l" for="ch" forName="parTx"/>
+              <dgm:constr type="w" for="ch" forName="parTx" refType="w"/>
+              <dgm:constr type="t" for="ch" forName="parTx"/>
+              <dgm:constr type="l" for="ch" forName="desTx"/>
+              <dgm:constr type="w" for="ch" forName="desTx" refType="w" refFor="ch" refForName="parTx" fact="0.91"/>
+              <dgm:constr type="t" for="ch" forName="desTx" refType="h" refFor="ch" refForName="parTx"/>
+            </dgm:constrLst>
+          </dgm:if>
+          <dgm:else name="Name9">
+            <dgm:constrLst>
+              <dgm:constr type="l" for="ch" forName="parTx"/>
+              <dgm:constr type="w" for="ch" forName="parTx" refType="w"/>
+              <dgm:constr type="t" for="ch" forName="parTx"/>
+              <dgm:constr type="l" for="ch" forName="desTx" refType="w" fact="0.09"/>
+              <dgm:constr type="w" for="ch" forName="desTx" refType="w" refFor="ch" refForName="parTx" fact="0.91"/>
+              <dgm:constr type="t" for="ch" forName="desTx" refType="h" refFor="ch" refForName="parTx"/>
+            </dgm:constrLst>
+          </dgm:else>
+        </dgm:choose>
+        <dgm:ruleLst>
+          <dgm:rule type="h" val="INF" fact="NaN" max="NaN"/>
+        </dgm:ruleLst>
+        <dgm:layoutNode name="parTx" styleLbl="alignNode1">
+          <dgm:varLst>
+            <dgm:chMax val="0"/>
+            <dgm:chPref val="0"/>
+          </dgm:varLst>
+          <dgm:alg type="tx"/>
+          <dgm:choose name="Name10">
+            <dgm:if name="Name11" func="var" arg="dir" op="equ" val="norm">
+              <dgm:shape xmlns:r="http://schemas.openxmlformats.org/officeDocument/2006/relationships" type="chevron" r:blip="">
+                <dgm:adjLst>
+                  <dgm:adj idx="1" val="0.3"/>
+                </dgm:adjLst>
+              </dgm:shape>
+            </dgm:if>
+            <dgm:else name="Name12">
+              <dgm:shape xmlns:r="http://schemas.openxmlformats.org/officeDocument/2006/relationships" rot="180" type="chevron" r:blip="">
+                <dgm:adjLst/>
+              </dgm:shape>
+            </dgm:else>
+          </dgm:choose>
+          <dgm:presOf axis="self" ptType="node"/>
+          <dgm:choose name="Name13">
+            <dgm:if name="Name14" func="var" arg="dir" op="equ" val="norm">
+              <dgm:constrLst>
+                <dgm:constr type="h" refType="w" op="lte" fact="0.3"/>
+                <dgm:constr type="h"/>
+                <dgm:constr type="tMarg" refType="w" fact="0.105"/>
+                <dgm:constr type="bMarg" refType="w" fact="0.105"/>
+                <dgm:constr type="lMarg" refType="w" fact="0.105"/>
+                <dgm:constr type="rMarg" refType="w" fact="0.105"/>
+              </dgm:constrLst>
+            </dgm:if>
+            <dgm:else name="Name15">
+              <dgm:constrLst>
+                <dgm:constr type="h" refType="w" op="lte" fact="0.3"/>
+                <dgm:constr type="h"/>
+                <dgm:constr type="tMarg" refType="w" fact="0.105"/>
+                <dgm:constr type="bMarg" refType="w" fact="0.105"/>
+                <dgm:constr type="lMarg" refType="w" fact="0.105"/>
+                <dgm:constr type="rMarg" refType="w" fact="0.105"/>
+              </dgm:constrLst>
+            </dgm:else>
+          </dgm:choose>
+          <dgm:ruleLst>
+            <dgm:rule type="h" val="INF" fact="NaN" max="NaN"/>
+            <dgm:rule type="primFontSz" val="14" fact="NaN" max="NaN"/>
+          </dgm:ruleLst>
+        </dgm:layoutNode>
+        <dgm:layoutNode name="desTx" styleLbl="alignAccFollowNode1">
+          <dgm:varLst/>
+          <dgm:alg type="tx">
+            <dgm:param type="stBulletLvl" val="0"/>
+            <dgm:param type="txAnchorVert" val="t"/>
+            <dgm:param type="parTxLTRAlign" val="l"/>
+            <dgm:param type="shpTxLTRAlignCh" val="l"/>
+            <dgm:param type="parTxRTLAlign" val="r"/>
+            <dgm:param type="shpTxRTLAlignCh" val="r"/>
+          </dgm:alg>
+          <dgm:shape xmlns:r="http://schemas.openxmlformats.org/officeDocument/2006/relationships" type="rect" r:blip="">
+            <dgm:adjLst/>
+          </dgm:shape>
+          <dgm:presOf axis="des" ptType="node"/>
+          <dgm:constrLst>
+            <dgm:constr type="primFontSz" val="20"/>
+            <dgm:constr type="tMarg" refType="w" fact="0.224"/>
+            <dgm:constr type="bMarg" refType="w" fact="0.448"/>
+            <dgm:constr type="lMarg" refType="w" fact="0.224"/>
+            <dgm:constr type="rMarg" refType="w" fact="0.224"/>
+          </dgm:constrLst>
+          <dgm:ruleLst>
+            <dgm:rule type="h" val="INF" fact="NaN" max="NaN"/>
+            <dgm:rule type="primFontSz" val="11" fact="NaN" max="NaN"/>
+          </dgm:ruleLst>
+        </dgm:layoutNode>
+      </dgm:layoutNode>
+      <dgm:forEach name="Name19" axis="followSib" ptType="sibTrans" cnt="1">
+        <dgm:layoutNode name="space">
+          <dgm:alg type="sp"/>
+          <dgm:shape xmlns:r="http://schemas.openxmlformats.org/officeDocument/2006/relationships" r:blip="">
+            <dgm:adjLst/>
+          </dgm:shape>
+          <dgm:presOf/>
+          <dgm:constrLst/>
+          <dgm:ruleLst/>
+        </dgm:layoutNode>
+      </dgm:forEach>
+    </dgm:forEach>
+  </dgm:layoutNode>
+</dgm:layoutDef>
+</file>
+
+<file path=ppt/diagrams/quickStyle1.xml><?xml version="1.0" encoding="utf-8"?>
+<dgm:styleDef xmlns:dgm="http://schemas.openxmlformats.org/drawingml/2006/diagram" xmlns:a="http://schemas.openxmlformats.org/drawingml/2006/main" uniqueId="urn:microsoft.com/office/officeart/2005/8/quickstyle/simple4">
+  <dgm:title val=""/>
+  <dgm:desc val=""/>
+  <dgm:catLst>
+    <dgm:cat type="simple" pri="10400"/>
+  </dgm:catLst>
+  <dgm:scene3d>
+    <a:camera prst="orthographicFront"/>
+    <a:lightRig rig="threePt" dir="t"/>
+  </dgm:scene3d>
+  <dgm:styleLbl name="node0">
+    <dgm:scene3d>
+      <a:camera prst="orthographicFront"/>
+      <a:lightRig rig="threePt" dir="t"/>
+    </dgm:scene3d>
+    <dgm:sp3d/>
+    <dgm:txPr/>
+    <dgm:style>
+      <a:lnRef idx="0">
+        <a:scrgbClr r="0" g="0" b="0"/>
+      </a:lnRef>
+      <a:fillRef idx="3">
+        <a:scrgbClr r="0" g="0" b="0"/>
+      </a:fillRef>
+      <a:effectRef idx="2">
+        <a:scrgbClr r="0" g="0" b="0"/>
+      </a:effectRef>
+      <a:fontRef idx="minor">
+        <a:schemeClr val="lt1"/>
+      </a:fontRef>
+    </dgm:style>
+  </dgm:styleLbl>
+  <dgm:styleLbl name="lnNode1">
+    <dgm:scene3d>
+      <a:camera prst="orthographicFront"/>
+      <a:lightRig rig="threePt" dir="t"/>
+    </dgm:scene3d>
+    <dgm:sp3d/>
+    <dgm:txPr/>
+    <dgm:style>
+      <a:lnRef idx="1">
+        <a:scrgbClr r="0" g="0" b="0"/>
+      </a:lnRef>
+      <a:fillRef idx="3">
+        <a:scrgbClr r="0" g="0" b="0"/>
+      </a:fillRef>
+      <a:effectRef idx="2">
+        <a:scrgbClr r="0" g="0" b="0"/>
+      </a:effectRef>
+      <a:fontRef idx="minor">
+        <a:schemeClr val="lt1"/>
+      </a:fontRef>
+    </dgm:style>
+  </dgm:styleLbl>
+  <dgm:styleLbl name="vennNode1">
+    <dgm:scene3d>
+      <a:camera prst="orthographicFront"/>
+      <a:lightRig rig="threePt" dir="t"/>
+    </dgm:scene3d>
+    <dgm:sp3d/>
+    <dgm:txPr/>
+    <dgm:style>
+      <a:lnRef idx="0">
+        <a:scrgbClr r="0" g="0" b="0"/>
+      </a:lnRef>
+      <a:fillRef idx="3">
+        <a:scrgbClr r="0" g="0" b="0"/>
+      </a:fillRef>
+      <a:effectRef idx="0">
+        <a:scrgbClr r="0" g="0" b="0"/>
+      </a:effectRef>
+      <a:fontRef idx="minor">
+        <a:schemeClr val="tx1"/>
+      </a:fontRef>
+    </dgm:style>
+  </dgm:styleLbl>
+  <dgm:styleLbl name="alignNode1">
+    <dgm:scene3d>
+      <a:camera prst="orthographicFront"/>
+      <a:lightRig rig="threePt" dir="t"/>
+    </dgm:scene3d>
+    <dgm:sp3d/>
+    <dgm:txPr/>
+    <dgm:style>
+      <a:lnRef idx="1">
+        <a:scrgbClr r="0" g="0" b="0"/>
+      </a:lnRef>
+      <a:fillRef idx="3">
+        <a:scrgbClr r="0" g="0" b="0"/>
+      </a:fillRef>
+      <a:effectRef idx="2">
+        <a:scrgbClr r="0" g="0" b="0"/>
+      </a:effectRef>
+      <a:fontRef idx="minor">
+        <a:schemeClr val="lt1"/>
+      </a:fontRef>
+    </dgm:style>
+  </dgm:styleLbl>
+  <dgm:styleLbl name="node1">
+    <dgm:scene3d>
+      <a:camera prst="orthographicFront"/>
+      <a:lightRig rig="threePt" dir="t"/>
+    </dgm:scene3d>
+    <dgm:sp3d/>
+    <dgm:txPr/>
+    <dgm:style>
+      <a:lnRef idx="0">
+        <a:scrgbClr r="0" g="0" b="0"/>
+      </a:lnRef>
+      <a:fillRef idx="3">
+        <a:scrgbClr r="0" g="0" b="0"/>
+      </a:fillRef>
+      <a:effectRef idx="2">
+        <a:scrgbClr r="0" g="0" b="0"/>
+      </a:effectRef>
+      <a:fontRef idx="minor">
+        <a:schemeClr val="lt1"/>
+      </a:fontRef>
+    </dgm:style>
+  </dgm:styleLbl>
+  <dgm:styleLbl name="node2">
+    <dgm:scene3d>
+      <a:camera prst="orthographicFront"/>
+      <a:lightRig rig="threePt" dir="t"/>
+    </dgm:scene3d>
+    <dgm:sp3d/>
+    <dgm:txPr/>
+    <dgm:style>
+      <a:lnRef idx="0">
+        <a:scrgbClr r="0" g="0" b="0"/>
+      </a:lnRef>
+      <a:fillRef idx="3">
+        <a:scrgbClr r="0" g="0" b="0"/>
+      </a:fillRef>
+      <a:effectRef idx="2">
+        <a:scrgbClr r="0" g="0" b="0"/>
+      </a:effectRef>
+      <a:fontRef idx="minor">
+        <a:schemeClr val="lt1"/>
+      </a:fontRef>
+    </dgm:style>
+  </dgm:styleLbl>
+  <dgm:styleLbl name="node3">
+    <dgm:scene3d>
+      <a:camera prst="orthographicFront"/>
+      <a:lightRig rig="threePt" dir="t"/>
+    </dgm:scene3d>
+    <dgm:sp3d/>
+    <dgm:txPr/>
+    <dgm:style>
+      <a:lnRef idx="0">
+        <a:scrgbClr r="0" g="0" b="0"/>
+      </a:lnRef>
+      <a:fillRef idx="3">
+        <a:scrgbClr r="0" g="0" b="0"/>
+      </a:fillRef>
+      <a:effectRef idx="2">
+        <a:scrgbClr r="0" g="0" b="0"/>
+      </a:effectRef>
+      <a:fontRef idx="minor">
+        <a:schemeClr val="lt1"/>
+      </a:fontRef>
+    </dgm:style>
+  </dgm:styleLbl>
+  <dgm:styleLbl name="node4">
+    <dgm:scene3d>
+      <a:camera prst="orthographicFront"/>
+      <a:lightRig rig="threePt" dir="t"/>
+    </dgm:scene3d>
+    <dgm:sp3d/>
+    <dgm:txPr/>
+    <dgm:style>
+      <a:lnRef idx="0">
+        <a:scrgbClr r="0" g="0" b="0"/>
+      </a:lnRef>
+      <a:fillRef idx="3">
+        <a:scrgbClr r="0" g="0" b="0"/>
+      </a:fillRef>
+      <a:effectRef idx="2">
+        <a:scrgbClr r="0" g="0" b="0"/>
+      </a:effectRef>
+      <a:fontRef idx="minor">
+        <a:schemeClr val="lt1"/>
+      </a:fontRef>
+    </dgm:style>
+  </dgm:styleLbl>
+  <dgm:styleLbl name="fgImgPlace1">
+    <dgm:scene3d>
+      <a:camera prst="orthographicFront"/>
+      <a:lightRig rig="threePt" dir="t"/>
+    </dgm:scene3d>
+    <dgm:sp3d/>
+    <dgm:txPr/>
+    <dgm:style>
+      <a:lnRef idx="0">
+        <a:scrgbClr r="0" g="0" b="0"/>
+      </a:lnRef>
+      <a:fillRef idx="1">
+        <a:scrgbClr r="0" g="0" b="0"/>
+      </a:fillRef>
+      <a:effectRef idx="2">
+        <a:scrgbClr r="0" g="0" b="0"/>
+      </a:effectRef>
+      <a:fontRef idx="minor"/>
+    </dgm:style>
+  </dgm:styleLbl>
+  <dgm:styleLbl name="alignImgPlace1">
+    <dgm:scene3d>
+      <a:camera prst="orthographicFront"/>
+      <a:lightRig rig="threePt" dir="t"/>
+    </dgm:scene3d>
+    <dgm:sp3d/>
+    <dgm:txPr/>
+    <dgm:style>
+      <a:lnRef idx="0">
+        <a:scrgbClr r="0" g="0" b="0"/>
+      </a:lnRef>
+      <a:fillRef idx="1">
+        <a:scrgbClr r="0" g="0" b="0"/>
+      </a:fillRef>
+      <a:effectRef idx="2">
+        <a:scrgbClr r="0" g="0" b="0"/>
+      </a:effectRef>
+      <a:fontRef idx="minor"/>
+    </dgm:style>
+  </dgm:styleLbl>
+  <dgm:styleLbl name="bgImgPlace1">
+    <dgm:scene3d>
+      <a:camera prst="orthographicFront"/>
+      <a:lightRig rig="threePt" dir="t"/>
+    </dgm:scene3d>
+    <dgm:sp3d/>
+    <dgm:txPr/>
+    <dgm:style>
+      <a:lnRef idx="0">
+        <a:scrgbClr r="0" g="0" b="0"/>
+      </a:lnRef>
+      <a:fillRef idx="1">
+        <a:scrgbClr r="0" g="0" b="0"/>
+      </a:fillRef>
+      <a:effectRef idx="2">
+        <a:scrgbClr r="0" g="0" b="0"/>
+      </a:effectRef>
+      <a:fontRef idx="minor"/>
+    </dgm:style>
+  </dgm:styleLbl>
+  <dgm:styleLbl name="sibTrans2D1">
+    <dgm:scene3d>
+      <a:camera prst="orthographicFront"/>
+      <a:lightRig rig="threePt" dir="t"/>
+    </dgm:scene3d>
+    <dgm:sp3d/>
+    <dgm:txPr/>
+    <dgm:style>
+      <a:lnRef idx="0">
+        <a:scrgbClr r="0" g="0" b="0"/>
+      </a:lnRef>
+      <a:fillRef idx="3">
+        <a:scrgbClr r="0" g="0" b="0"/>
+      </a:fillRef>
+      <a:effectRef idx="2">
+        <a:scrgbClr r="0" g="0" b="0"/>
+      </a:effectRef>
+      <a:fontRef idx="minor">
+        <a:schemeClr val="lt1"/>
+      </a:fontRef>
+    </dgm:style>
+  </dgm:styleLbl>
+  <dgm:styleLbl name="fgSibTrans2D1">
+    <dgm:scene3d>
+      <a:camera prst="orthographicFront"/>
+      <a:lightRig rig="threePt" dir="t"/>
+    </dgm:scene3d>
+    <dgm:sp3d/>
+    <dgm:txPr/>
+    <dgm:style>
+      <a:lnRef idx="0">
+        <a:scrgbClr r="0" g="0" b="0"/>
+      </a:lnRef>
+      <a:fillRef idx="3">
+        <a:scrgbClr r="0" g="0" b="0"/>
+      </a:fillRef>
+      <a:effectRef idx="2">
+        <a:scrgbClr r="0" g="0" b="0"/>
+      </a:effectRef>
+      <a:fontRef idx="minor">
+        <a:schemeClr val="lt1"/>
+      </a:fontRef>
+    </dgm:style>
+  </dgm:styleLbl>
+  <dgm:styleLbl name="bgSibTrans2D1">
+    <dgm:scene3d>
+      <a:camera prst="orthographicFront"/>
+      <a:lightRig rig="threePt" dir="t"/>
+    </dgm:scene3d>
+    <dgm:sp3d/>
+    <dgm:txPr/>
+    <dgm:style>
+      <a:lnRef idx="0">
+        <a:scrgbClr r="0" g="0" b="0"/>
+      </a:lnRef>
+      <a:fillRef idx="3">
+        <a:scrgbClr r="0" g="0" b="0"/>
+      </a:fillRef>
+      <a:effectRef idx="2">
+        <a:scrgbClr r="0" g="0" b="0"/>
+      </a:effectRef>
+      <a:fontRef idx="minor">
+        <a:schemeClr val="lt1"/>
+      </a:fontRef>
+    </dgm:style>
+  </dgm:styleLbl>
+  <dgm:styleLbl name="sibTrans1D1">
+    <dgm:scene3d>
+      <a:camera prst="orthographicFront"/>
+      <a:lightRig rig="threePt" dir="t"/>
+    </dgm:scene3d>
+    <dgm:sp3d/>
+    <dgm:txPr/>
+    <dgm:style>
+      <a:lnRef idx="1">
+        <a:scrgbClr r="0" g="0" b="0"/>
+      </a:lnRef>
+      <a:fillRef idx="0">
+        <a:scrgbClr r="0" g="0" b="0"/>
+      </a:fillRef>
+      <a:effectRef idx="0">
+        <a:scrgbClr r="0" g="0" b="0"/>
+      </a:effectRef>
+      <a:fontRef idx="minor"/>
+    </dgm:style>
+  </dgm:styleLbl>
+  <dgm:styleLbl name="callout">
+    <dgm:scene3d>
+      <a:camera prst="orthographicFront"/>
+      <a:lightRig rig="threePt" dir="t"/>
+    </dgm:scene3d>
+    <dgm:sp3d/>
+    <dgm:txPr/>
+    <dgm:style>
+      <a:lnRef idx="2">
+        <a:scrgbClr r="0" g="0" b="0"/>
+      </a:lnRef>
+      <a:fillRef idx="1">
+        <a:scrgbClr r="0" g="0" b="0"/>
+      </a:fillRef>
+      <a:effectRef idx="1">
+        <a:scrgbClr r="0" g="0" b="0"/>
+      </a:effectRef>
+      <a:fontRef idx="minor"/>
+    </dgm:style>
+  </dgm:styleLbl>
+  <dgm:styleLbl name="asst0">
+    <dgm:scene3d>
+      <a:camera prst="orthographicFront"/>
+      <a:lightRig rig="threePt" dir="t"/>
+    </dgm:scene3d>
+    <dgm:sp3d/>
+    <dgm:txPr/>
+    <dgm:style>
+      <a:lnRef idx="0">
+        <a:scrgbClr r="0" g="0" b="0"/>
+      </a:lnRef>
+      <a:fillRef idx="3">
+        <a:scrgbClr r="0" g="0" b="0"/>
+      </a:fillRef>
+      <a:effectRef idx="2">
+        <a:scrgbClr r="0" g="0" b="0"/>
+      </a:effectRef>
+      <a:fontRef idx="minor">
+        <a:schemeClr val="lt1"/>
+      </a:fontRef>
+    </dgm:style>
+  </dgm:styleLbl>
+  <dgm:styleLbl name="asst1">
+    <dgm:scene3d>
+      <a:camera prst="orthographicFront"/>
+      <a:lightRig rig="threePt" dir="t"/>
+    </dgm:scene3d>
+    <dgm:sp3d/>
+    <dgm:txPr/>
+    <dgm:style>
+      <a:lnRef idx="0">
+        <a:scrgbClr r="0" g="0" b="0"/>
+      </a:lnRef>
+      <a:fillRef idx="3">
+        <a:scrgbClr r="0" g="0" b="0"/>
+      </a:fillRef>
+      <a:effectRef idx="2">
+        <a:scrgbClr r="0" g="0" b="0"/>
+      </a:effectRef>
+      <a:fontRef idx="minor">
+        <a:schemeClr val="lt1"/>
+      </a:fontRef>
+    </dgm:style>
+  </dgm:styleLbl>
+  <dgm:styleLbl name="asst2">
+    <dgm:scene3d>
+      <a:camera prst="orthographicFront"/>
+      <a:lightRig rig="threePt" dir="t"/>
+    </dgm:scene3d>
+    <dgm:sp3d/>
+    <dgm:txPr/>
+    <dgm:style>
+      <a:lnRef idx="0">
+        <a:scrgbClr r="0" g="0" b="0"/>
+      </a:lnRef>
+      <a:fillRef idx="3">
+        <a:scrgbClr r="0" g="0" b="0"/>
+      </a:fillRef>
+      <a:effectRef idx="2">
+        <a:scrgbClr r="0" g="0" b="0"/>
+      </a:effectRef>
+      <a:fontRef idx="minor">
+        <a:schemeClr val="lt1"/>
+      </a:fontRef>
+    </dgm:style>
+  </dgm:styleLbl>
+  <dgm:styleLbl name="asst3">
+    <dgm:scene3d>
+      <a:camera prst="orthographicFront"/>
+      <a:lightRig rig="threePt" dir="t"/>
+    </dgm:scene3d>
+    <dgm:sp3d/>
+    <dgm:txPr/>
+    <dgm:style>
+      <a:lnRef idx="0">
+        <a:scrgbClr r="0" g="0" b="0"/>
+      </a:lnRef>
+      <a:fillRef idx="3">
+        <a:scrgbClr r="0" g="0" b="0"/>
+      </a:fillRef>
+      <a:effectRef idx="2">
+        <a:scrgbClr r="0" g="0" b="0"/>
+      </a:effectRef>
+      <a:fontRef idx="minor">
+        <a:schemeClr val="lt1"/>
+      </a:fontRef>
+    </dgm:style>
+  </dgm:styleLbl>
+  <dgm:styleLbl name="asst4">
+    <dgm:scene3d>
+      <a:camera prst="orthographicFront"/>
+      <a:lightRig rig="threePt" dir="t"/>
+    </dgm:scene3d>
+    <dgm:sp3d/>
+    <dgm:txPr/>
+    <dgm:style>
+      <a:lnRef idx="0">
+        <a:scrgbClr r="0" g="0" b="0"/>
+      </a:lnRef>
+      <a:fillRef idx="3">
+        <a:scrgbClr r="0" g="0" b="0"/>
+      </a:fillRef>
+      <a:effectRef idx="2">
+        <a:scrgbClr r="0" g="0" b="0"/>
+      </a:effectRef>
+      <a:fontRef idx="minor">
+        <a:schemeClr val="lt1"/>
+      </a:fontRef>
+    </dgm:style>
+  </dgm:styleLbl>
+  <dgm:styleLbl name="parChTrans2D1">
+    <dgm:scene3d>
+      <a:camera prst="orthographicFront"/>
+      <a:lightRig rig="threePt" dir="t"/>
+    </dgm:scene3d>
+    <dgm:sp3d/>
+    <dgm:txPr/>
+    <dgm:style>
+      <a:lnRef idx="0">
+        <a:scrgbClr r="0" g="0" b="0"/>
+      </a:lnRef>
+      <a:fillRef idx="3">
+        <a:scrgbClr r="0" g="0" b="0"/>
+      </a:fillRef>
+      <a:effectRef idx="2">
+        <a:scrgbClr r="0" g="0" b="0"/>
+      </a:effectRef>
+      <a:fontRef idx="minor">
+        <a:schemeClr val="lt1"/>
+      </a:fontRef>
+    </dgm:style>
+  </dgm:styleLbl>
+  <dgm:styleLbl name="parChTrans2D2">
+    <dgm:scene3d>
+      <a:camera prst="orthographicFront"/>
+      <a:lightRig rig="threePt" dir="t"/>
+    </dgm:scene3d>
+    <dgm:sp3d/>
+    <dgm:txPr/>
+    <dgm:style>
+      <a:lnRef idx="0">
+        <a:scrgbClr r="0" g="0" b="0"/>
+      </a:lnRef>
+      <a:fillRef idx="3">
+        <a:scrgbClr r="0" g="0" b="0"/>
+      </a:fillRef>
+      <a:effectRef idx="2">
+        <a:scrgbClr r="0" g="0" b="0"/>
+      </a:effectRef>
+      <a:fontRef idx="minor">
+        <a:schemeClr val="lt1"/>
+      </a:fontRef>
+    </dgm:style>
+  </dgm:styleLbl>
+  <dgm:styleLbl name="parChTrans2D3">
+    <dgm:scene3d>
+      <a:camera prst="orthographicFront"/>
+      <a:lightRig rig="threePt" dir="t"/>
+    </dgm:scene3d>
+    <dgm:sp3d/>
+    <dgm:txPr/>
+    <dgm:style>
+      <a:lnRef idx="1">
+        <a:scrgbClr r="0" g="0" b="0"/>
+      </a:lnRef>
+      <a:fillRef idx="3">
+        <a:scrgbClr r="0" g="0" b="0"/>
+      </a:fillRef>
+      <a:effectRef idx="2">
+        <a:scrgbClr r="0" g="0" b="0"/>
+      </a:effectRef>
+      <a:fontRef idx="minor">
+        <a:schemeClr val="lt1"/>
+      </a:fontRef>
+    </dgm:style>
+  </dgm:styleLbl>
+  <dgm:styleLbl name="parChTrans2D4">
+    <dgm:scene3d>
+      <a:camera prst="orthographicFront"/>
+      <a:lightRig rig="threePt" dir="t"/>
+    </dgm:scene3d>
+    <dgm:sp3d/>
+    <dgm:txPr/>
+    <dgm:style>
+      <a:lnRef idx="1">
+        <a:scrgbClr r="0" g="0" b="0"/>
+      </a:lnRef>
+      <a:fillRef idx="3">
+        <a:scrgbClr r="0" g="0" b="0"/>
+      </a:fillRef>
+      <a:effectRef idx="2">
+        <a:scrgbClr r="0" g="0" b="0"/>
+      </a:effectRef>
+      <a:fontRef idx="minor">
+        <a:schemeClr val="lt1"/>
+      </a:fontRef>
+    </dgm:style>
+  </dgm:styleLbl>
+  <dgm:styleLbl name="parChTrans1D1">
+    <dgm:scene3d>
+      <a:camera prst="orthographicFront"/>
+      <a:lightRig rig="threePt" dir="t"/>
+    </dgm:scene3d>
+    <dgm:sp3d/>
+    <dgm:txPr/>
+    <dgm:style>
+      <a:lnRef idx="1">
+        <a:scrgbClr r="0" g="0" b="0"/>
+      </a:lnRef>
+      <a:fillRef idx="0">
+        <a:scrgbClr r="0" g="0" b="0"/>
+      </a:fillRef>
+      <a:effectRef idx="0">
+        <a:scrgbClr r="0" g="0" b="0"/>
+      </a:effectRef>
+      <a:fontRef idx="minor"/>
+    </dgm:style>
+  </dgm:styleLbl>
+  <dgm:styleLbl name="parChTrans1D2">
+    <dgm:scene3d>
+      <a:camera prst="orthographicFront"/>
+      <a:lightRig rig="threePt" dir="t"/>
+    </dgm:scene3d>
+    <dgm:sp3d/>
+    <dgm:txPr/>
+    <dgm:style>
+      <a:lnRef idx="1">
+        <a:scrgbClr r="0" g="0" b="0"/>
+      </a:lnRef>
+      <a:fillRef idx="0">
+        <a:scrgbClr r="0" g="0" b="0"/>
+      </a:fillRef>
+      <a:effectRef idx="0">
+        <a:scrgbClr r="0" g="0" b="0"/>
+      </a:effectRef>
+      <a:fontRef idx="minor"/>
+    </dgm:style>
+  </dgm:styleLbl>
+  <dgm:styleLbl name="parChTrans1D3">
+    <dgm:scene3d>
+      <a:camera prst="orthographicFront"/>
+      <a:lightRig rig="threePt" dir="t"/>
+    </dgm:scene3d>
+    <dgm:sp3d/>
+    <dgm:txPr/>
+    <dgm:style>
+      <a:lnRef idx="1">
+        <a:scrgbClr r="0" g="0" b="0"/>
+      </a:lnRef>
+      <a:fillRef idx="0">
+        <a:scrgbClr r="0" g="0" b="0"/>
+      </a:fillRef>
+      <a:effectRef idx="0">
+        <a:scrgbClr r="0" g="0" b="0"/>
+      </a:effectRef>
+      <a:fontRef idx="minor"/>
+    </dgm:style>
+  </dgm:styleLbl>
+  <dgm:styleLbl name="parChTrans1D4">
+    <dgm:scene3d>
+      <a:camera prst="orthographicFront"/>
+      <a:lightRig rig="threePt" dir="t"/>
+    </dgm:scene3d>
+    <dgm:sp3d/>
+    <dgm:txPr/>
+    <dgm:style>
+      <a:lnRef idx="1">
+        <a:scrgbClr r="0" g="0" b="0"/>
+      </a:lnRef>
+      <a:fillRef idx="0">
+        <a:scrgbClr r="0" g="0" b="0"/>
+      </a:fillRef>
+      <a:effectRef idx="0">
+        <a:scrgbClr r="0" g="0" b="0"/>
+      </a:effectRef>
+      <a:fontRef idx="minor"/>
+    </dgm:style>
+  </dgm:styleLbl>
+  <dgm:styleLbl name="fgAcc1">
+    <dgm:scene3d>
+      <a:camera prst="orthographicFront"/>
+      <a:lightRig rig="threePt" dir="t"/>
+    </dgm:scene3d>
+    <dgm:sp3d/>
+    <dgm:txPr/>
+    <dgm:style>
+      <a:lnRef idx="1">
+        <a:scrgbClr r="0" g="0" b="0"/>
+      </a:lnRef>
+      <a:fillRef idx="1">
+        <a:scrgbClr r="0" g="0" b="0"/>
+      </a:fillRef>
+      <a:effectRef idx="0">
+        <a:scrgbClr r="0" g="0" b="0"/>
+      </a:effectRef>
+      <a:fontRef idx="minor"/>
+    </dgm:style>
+  </dgm:styleLbl>
+  <dgm:styleLbl name="conFgAcc1">
+    <dgm:scene3d>
+      <a:camera prst="orthographicFront"/>
+      <a:lightRig rig="threePt" dir="t"/>
+    </dgm:scene3d>
+    <dgm:sp3d/>
+    <dgm:txPr/>
+    <dgm:style>
+      <a:lnRef idx="1">
+        <a:scrgbClr r="0" g="0" b="0"/>
+      </a:lnRef>
+      <a:fillRef idx="1">
+        <a:scrgbClr r="0" g="0" b="0"/>
+      </a:fillRef>
+      <a:effectRef idx="0">
+        <a:scrgbClr r="0" g="0" b="0"/>
+      </a:effectRef>
+      <a:fontRef idx="minor"/>
+    </dgm:style>
+  </dgm:styleLbl>
+  <dgm:styleLbl name="alignAcc1">
+    <dgm:scene3d>
+      <a:camera prst="orthographicFront"/>
+      <a:lightRig rig="threePt" dir="t"/>
+    </dgm:scene3d>
+    <dgm:sp3d/>
+    <dgm:txPr/>
+    <dgm:style>
+      <a:lnRef idx="1">
+        <a:scrgbClr r="0" g="0" b="0"/>
+      </a:lnRef>
+      <a:fillRef idx="1">
+        <a:scrgbClr r="0" g="0" b="0"/>
+      </a:fillRef>
+      <a:effectRef idx="0">
+        <a:scrgbClr r="0" g="0" b="0"/>
+      </a:effectRef>
+      <a:fontRef idx="minor"/>
+    </dgm:style>
+  </dgm:styleLbl>
+  <dgm:styleLbl name="trAlignAcc1">
+    <dgm:scene3d>
+      <a:camera prst="orthographicFront"/>
+      <a:lightRig rig="threePt" dir="t"/>
+    </dgm:scene3d>
+    <dgm:sp3d/>
+    <dgm:txPr/>
+    <dgm:style>
+      <a:lnRef idx="1">
+        <a:scrgbClr r="0" g="0" b="0"/>
+      </a:lnRef>
+      <a:fillRef idx="1">
+        <a:scrgbClr r="0" g="0" b="0"/>
+      </a:fillRef>
+      <a:effectRef idx="0">
+        <a:scrgbClr r="0" g="0" b="0"/>
+      </a:effectRef>
+      <a:fontRef idx="minor"/>
+    </dgm:style>
+  </dgm:styleLbl>
+  <dgm:styleLbl name="bgAcc1">
+    <dgm:scene3d>
+      <a:camera prst="orthographicFront"/>
+      <a:lightRig rig="threePt" dir="t"/>
+    </dgm:scene3d>
+    <dgm:sp3d/>
+    <dgm:txPr/>
+    <dgm:style>
+      <a:lnRef idx="1">
+        <a:scrgbClr r="0" g="0" b="0"/>
+      </a:lnRef>
+      <a:fillRef idx="1">
+        <a:scrgbClr r="0" g="0" b="0"/>
+      </a:fillRef>
+      <a:effectRef idx="0">
+        <a:scrgbClr r="0" g="0" b="0"/>
+      </a:effectRef>
+      <a:fontRef idx="minor"/>
+    </dgm:style>
+  </dgm:styleLbl>
+  <dgm:styleLbl name="solidFgAcc1">
+    <dgm:scene3d>
+      <a:camera prst="orthographicFront"/>
+      <a:lightRig rig="threePt" dir="t"/>
+    </dgm:scene3d>
+    <dgm:sp3d/>
+    <dgm:txPr/>
+    <dgm:style>
+      <a:lnRef idx="1">
+        <a:scrgbClr r="0" g="0" b="0"/>
+      </a:lnRef>
+      <a:fillRef idx="1">
+        <a:scrgbClr r="0" g="0" b="0"/>
+      </a:fillRef>
+      <a:effectRef idx="0">
+        <a:scrgbClr r="0" g="0" b="0"/>
+      </a:effectRef>
+      <a:fontRef idx="minor"/>
+    </dgm:style>
+  </dgm:styleLbl>
+  <dgm:styleLbl name="solidAlignAcc1">
+    <dgm:scene3d>
+      <a:camera prst="orthographicFront"/>
+      <a:lightRig rig="threePt" dir="t"/>
+    </dgm:scene3d>
+    <dgm:sp3d/>
+    <dgm:txPr/>
+    <dgm:style>
+      <a:lnRef idx="1">
+        <a:scrgbClr r="0" g="0" b="0"/>
+      </a:lnRef>
+      <a:fillRef idx="1">
+        <a:scrgbClr r="0" g="0" b="0"/>
+      </a:fillRef>
+      <a:effectRef idx="0">
+        <a:scrgbClr r="0" g="0" b="0"/>
+      </a:effectRef>
+      <a:fontRef idx="minor"/>
+    </dgm:style>
+  </dgm:styleLbl>
+  <dgm:styleLbl name="solidBgAcc1">
+    <dgm:scene3d>
+      <a:camera prst="orthographicFront"/>
+      <a:lightRig rig="threePt" dir="t"/>
+    </dgm:scene3d>
+    <dgm:sp3d/>
+    <dgm:txPr/>
+    <dgm:style>
+      <a:lnRef idx="1">
+        <a:scrgbClr r="0" g="0" b="0"/>
+      </a:lnRef>
+      <a:fillRef idx="1">
+        <a:scrgbClr r="0" g="0" b="0"/>
+      </a:fillRef>
+      <a:effectRef idx="0">
+        <a:scrgbClr r="0" g="0" b="0"/>
+      </a:effectRef>
+      <a:fontRef idx="minor"/>
+    </dgm:style>
+  </dgm:styleLbl>
+  <dgm:styleLbl name="fgAccFollowNode1">
+    <dgm:scene3d>
+      <a:camera prst="orthographicFront"/>
+      <a:lightRig rig="threePt" dir="t"/>
+    </dgm:scene3d>
+    <dgm:sp3d/>
+    <dgm:txPr/>
+    <dgm:style>
+      <a:lnRef idx="1">
+        <a:scrgbClr r="0" g="0" b="0"/>
+      </a:lnRef>
+      <a:fillRef idx="1">
+        <a:scrgbClr r="0" g="0" b="0"/>
+      </a:fillRef>
+      <a:effectRef idx="0">
+        <a:scrgbClr r="0" g="0" b="0"/>
+      </a:effectRef>
+      <a:fontRef idx="minor"/>
+    </dgm:style>
+  </dgm:styleLbl>
+  <dgm:styleLbl name="alignAccFollowNode1">
+    <dgm:scene3d>
+      <a:camera prst="orthographicFront"/>
+      <a:lightRig rig="threePt" dir="t"/>
+    </dgm:scene3d>
+    <dgm:sp3d/>
+    <dgm:txPr/>
+    <dgm:style>
+      <a:lnRef idx="1">
+        <a:scrgbClr r="0" g="0" b="0"/>
+      </a:lnRef>
+      <a:fillRef idx="1">
+        <a:scrgbClr r="0" g="0" b="0"/>
+      </a:fillRef>
+      <a:effectRef idx="0">
+        <a:scrgbClr r="0" g="0" b="0"/>
+      </a:effectRef>
+      <a:fontRef idx="minor"/>
+    </dgm:style>
+  </dgm:styleLbl>
+  <dgm:styleLbl name="bgAccFollowNode1">
+    <dgm:scene3d>
+      <a:camera prst="orthographicFront"/>
+      <a:lightRig rig="threePt" dir="t"/>
+    </dgm:scene3d>
+    <dgm:sp3d/>
+    <dgm:txPr/>
+    <dgm:style>
+      <a:lnRef idx="1">
+        <a:scrgbClr r="0" g="0" b="0"/>
+      </a:lnRef>
+      <a:fillRef idx="1">
+        <a:scrgbClr r="0" g="0" b="0"/>
+      </a:fillRef>
+      <a:effectRef idx="0">
+        <a:scrgbClr r="0" g="0" b="0"/>
+      </a:effectRef>
+      <a:fontRef idx="minor"/>
+    </dgm:style>
+  </dgm:styleLbl>
+  <dgm:styleLbl name="fgAcc0">
+    <dgm:scene3d>
+      <a:camera prst="orthographicFront"/>
+      <a:lightRig rig="threePt" dir="t"/>
+    </dgm:scene3d>
+    <dgm:sp3d/>
+    <dgm:txPr/>
+    <dgm:style>
+      <a:lnRef idx="1">
+        <a:scrgbClr r="0" g="0" b="0"/>
+      </a:lnRef>
+      <a:fillRef idx="1">
+        <a:scrgbClr r="0" g="0" b="0"/>
+      </a:fillRef>
+      <a:effectRef idx="0">
+        <a:scrgbClr r="0" g="0" b="0"/>
+      </a:effectRef>
+      <a:fontRef idx="minor"/>
+    </dgm:style>
+  </dgm:styleLbl>
+  <dgm:styleLbl name="fgAcc2">
+    <dgm:scene3d>
+      <a:camera prst="orthographicFront"/>
+      <a:lightRig rig="threePt" dir="t"/>
+    </dgm:scene3d>
+    <dgm:sp3d/>
+    <dgm:txPr/>
+    <dgm:style>
+      <a:lnRef idx="1">
+        <a:scrgbClr r="0" g="0" b="0"/>
+      </a:lnRef>
+      <a:fillRef idx="1">
+        <a:scrgbClr r="0" g="0" b="0"/>
+      </a:fillRef>
+      <a:effectRef idx="0">
+        <a:scrgbClr r="0" g="0" b="0"/>
+      </a:effectRef>
+      <a:fontRef idx="minor"/>
+    </dgm:style>
+  </dgm:styleLbl>
+  <dgm:styleLbl name="fgAcc3">
+    <dgm:scene3d>
+      <a:camera prst="orthographicFront"/>
+      <a:lightRig rig="threePt" dir="t"/>
+    </dgm:scene3d>
+    <dgm:sp3d/>
+    <dgm:txPr/>
+    <dgm:style>
+      <a:lnRef idx="1">
+        <a:scrgbClr r="0" g="0" b="0"/>
+      </a:lnRef>
+      <a:fillRef idx="1">
+        <a:scrgbClr r="0" g="0" b="0"/>
+      </a:fillRef>
+      <a:effectRef idx="0">
+        <a:scrgbClr r="0" g="0" b="0"/>
+      </a:effectRef>
+      <a:fontRef idx="minor"/>
+    </dgm:style>
+  </dgm:styleLbl>
+  <dgm:styleLbl name="fgAcc4">
+    <dgm:scene3d>
+      <a:camera prst="orthographicFront"/>
+      <a:lightRig rig="threePt" dir="t"/>
+    </dgm:scene3d>
+    <dgm:sp3d/>
+    <dgm:txPr/>
+    <dgm:style>
+      <a:lnRef idx="1">
+        <a:scrgbClr r="0" g="0" b="0"/>
+      </a:lnRef>
+      <a:fillRef idx="1">
+        <a:scrgbClr r="0" g="0" b="0"/>
+      </a:fillRef>
+      <a:effectRef idx="0">
+        <a:scrgbClr r="0" g="0" b="0"/>
+      </a:effectRef>
+      <a:fontRef idx="minor"/>
+    </dgm:style>
+  </dgm:styleLbl>
+  <dgm:styleLbl name="bgShp">
+    <dgm:scene3d>
+      <a:camera prst="orthographicFront"/>
+      <a:lightRig rig="threePt" dir="t"/>
+    </dgm:scene3d>
+    <dgm:sp3d/>
+    <dgm:txPr/>
+    <dgm:style>
+      <a:lnRef idx="0">
+        <a:scrgbClr r="0" g="0" b="0"/>
+      </a:lnRef>
+      <a:fillRef idx="1">
+        <a:scrgbClr r="0" g="0" b="0"/>
+      </a:fillRef>
+      <a:effectRef idx="2">
+        <a:scrgbClr r="0" g="0" b="0"/>
+      </a:effectRef>
+      <a:fontRef idx="minor"/>
+    </dgm:style>
+  </dgm:styleLbl>
+  <dgm:styleLbl name="dkBgShp">
+    <dgm:scene3d>
+      <a:camera prst="orthographicFront"/>
+      <a:lightRig rig="threePt" dir="t"/>
+    </dgm:scene3d>
+    <dgm:sp3d/>
+    <dgm:txPr/>
+    <dgm:style>
+      <a:lnRef idx="0">
+        <a:scrgbClr r="0" g="0" b="0"/>
+      </a:lnRef>
+      <a:fillRef idx="1">
+        <a:scrgbClr r="0" g="0" b="0"/>
+      </a:fillRef>
+      <a:effectRef idx="2">
+        <a:scrgbClr r="0" g="0" b="0"/>
+      </a:effectRef>
+      <a:fontRef idx="minor"/>
+    </dgm:style>
+  </dgm:styleLbl>
+  <dgm:styleLbl name="trBgShp">
+    <dgm:scene3d>
+      <a:camera prst="orthographicFront"/>
+      <a:lightRig rig="threePt" dir="t"/>
+    </dgm:scene3d>
+    <dgm:sp3d/>
+    <dgm:txPr/>
+    <dgm:style>
+      <a:lnRef idx="0">
+        <a:scrgbClr r="0" g="0" b="0"/>
+      </a:lnRef>
+      <a:fillRef idx="1">
+        <a:scrgbClr r="0" g="0" b="0"/>
+      </a:fillRef>
+      <a:effectRef idx="0">
+        <a:scrgbClr r="0" g="0" b="0"/>
+      </a:effectRef>
+      <a:fontRef idx="minor"/>
+    </dgm:style>
+  </dgm:styleLbl>
+  <dgm:styleLbl name="fgShp">
+    <dgm:scene3d>
+      <a:camera prst="orthographicFront"/>
+      <a:lightRig rig="threePt" dir="t"/>
+    </dgm:scene3d>
+    <dgm:sp3d/>
+    <dgm:txPr/>
+    <dgm:style>
+      <a:lnRef idx="0">
+        <a:scrgbClr r="0" g="0" b="0"/>
+      </a:lnRef>
+      <a:fillRef idx="3">
+        <a:scrgbClr r="0" g="0" b="0"/>
+      </a:fillRef>
+      <a:effectRef idx="2">
+        <a:scrgbClr r="0" g="0" b="0"/>
+      </a:effectRef>
+      <a:fontRef idx="minor"/>
+    </dgm:style>
+  </dgm:styleLbl>
+  <dgm:styleLbl name="revTx">
+    <dgm:scene3d>
+      <a:camera prst="orthographicFront"/>
+      <a:lightRig rig="threePt" dir="t"/>
+    </dgm:scene3d>
+    <dgm:sp3d/>
+    <dgm:txPr/>
+    <dgm:style>
+      <a:lnRef idx="0">
+        <a:scrgbClr r="0" g="0" b="0"/>
+      </a:lnRef>
+      <a:fillRef idx="0">
+        <a:scrgbClr r="0" g="0" b="0"/>
+      </a:fillRef>
+      <a:effectRef idx="0">
+        <a:scrgbClr r="0" g="0" b="0"/>
+      </a:effectRef>
+      <a:fontRef idx="minor"/>
+    </dgm:style>
+  </dgm:styleLbl>
+</dgm:styleDef>
 </file>
 
 <file path=ppt/slideLayouts/slideLayout1.xml><?xml version="1.0" encoding="utf-8"?>
@@ -3319,329 +6990,6 @@
 <file path=ppt/slides/slide1.xml><?xml version="1.0" encoding="utf-8"?>
 <p:sld xmlns:a="http://schemas.openxmlformats.org/drawingml/2006/main" xmlns:r="http://schemas.openxmlformats.org/officeDocument/2006/relationships" xmlns:p="http://schemas.openxmlformats.org/presentationml/2006/main">
   <p:cSld>
-    <p:spTree>
-      <p:nvGrpSpPr>
-        <p:cNvPr id="1" name=""/>
-        <p:cNvGrpSpPr/>
-        <p:nvPr/>
-      </p:nvGrpSpPr>
-      <p:grpSpPr>
-        <a:xfrm>
-          <a:off x="0" y="0"/>
-          <a:ext cx="0" cy="0"/>
-          <a:chOff x="0" y="0"/>
-          <a:chExt cx="0" cy="0"/>
-        </a:xfrm>
-      </p:grpSpPr>
-      <p:sp>
-        <p:nvSpPr>
-          <p:cNvPr id="2" name="Title 1">
-            <a:extLst>
-              <a:ext uri="{FF2B5EF4-FFF2-40B4-BE49-F238E27FC236}">
-                <a16:creationId xmlns:a16="http://schemas.microsoft.com/office/drawing/2014/main" id="{BFDA0789-3AD8-47DA-9CDD-93DF1452A1C6}"/>
-              </a:ext>
-            </a:extLst>
-          </p:cNvPr>
-          <p:cNvSpPr>
-            <a:spLocks noGrp="1"/>
-          </p:cNvSpPr>
-          <p:nvPr>
-            <p:ph type="ctrTitle"/>
-          </p:nvPr>
-        </p:nvSpPr>
-        <p:spPr/>
-        <p:txBody>
-          <a:bodyPr/>
-          <a:lstStyle/>
-          <a:p>
-            <a:r>
-              <a:rPr lang="en-US" dirty="0"/>
-              <a:t>Are Housing Prices Affected by Natural Disasters?</a:t>
-            </a:r>
-          </a:p>
-        </p:txBody>
-      </p:sp>
-      <p:sp>
-        <p:nvSpPr>
-          <p:cNvPr id="3" name="Subtitle 2">
-            <a:extLst>
-              <a:ext uri="{FF2B5EF4-FFF2-40B4-BE49-F238E27FC236}">
-                <a16:creationId xmlns:a16="http://schemas.microsoft.com/office/drawing/2014/main" id="{E2B2017B-6554-4A2A-AA6A-304E24BA335A}"/>
-              </a:ext>
-            </a:extLst>
-          </p:cNvPr>
-          <p:cNvSpPr>
-            <a:spLocks noGrp="1"/>
-          </p:cNvSpPr>
-          <p:nvPr>
-            <p:ph type="subTitle" idx="1"/>
-          </p:nvPr>
-        </p:nvSpPr>
-        <p:spPr/>
-        <p:txBody>
-          <a:bodyPr/>
-          <a:lstStyle/>
-          <a:p>
-            <a:r>
-              <a:rPr lang="en-US" dirty="0"/>
-              <a:t>Diana, Lee &amp; Jordan</a:t>
-            </a:r>
-          </a:p>
-        </p:txBody>
-      </p:sp>
-    </p:spTree>
-    <p:extLst>
-      <p:ext uri="{BB962C8B-B14F-4D97-AF65-F5344CB8AC3E}">
-        <p14:creationId xmlns:p14="http://schemas.microsoft.com/office/powerpoint/2010/main" val="3329725246"/>
-      </p:ext>
-    </p:extLst>
-  </p:cSld>
-  <p:clrMapOvr>
-    <a:masterClrMapping/>
-  </p:clrMapOvr>
-</p:sld>
-</file>
-
-<file path=ppt/slides/slide2.xml><?xml version="1.0" encoding="utf-8"?>
-<p:sld xmlns:a="http://schemas.openxmlformats.org/drawingml/2006/main" xmlns:r="http://schemas.openxmlformats.org/officeDocument/2006/relationships" xmlns:p="http://schemas.openxmlformats.org/presentationml/2006/main">
-  <p:cSld>
-    <p:spTree>
-      <p:nvGrpSpPr>
-        <p:cNvPr id="1" name=""/>
-        <p:cNvGrpSpPr/>
-        <p:nvPr/>
-      </p:nvGrpSpPr>
-      <p:grpSpPr>
-        <a:xfrm>
-          <a:off x="0" y="0"/>
-          <a:ext cx="0" cy="0"/>
-          <a:chOff x="0" y="0"/>
-          <a:chExt cx="0" cy="0"/>
-        </a:xfrm>
-      </p:grpSpPr>
-      <p:sp>
-        <p:nvSpPr>
-          <p:cNvPr id="2" name="Title 1">
-            <a:extLst>
-              <a:ext uri="{FF2B5EF4-FFF2-40B4-BE49-F238E27FC236}">
-                <a16:creationId xmlns:a16="http://schemas.microsoft.com/office/drawing/2014/main" id="{036FFB22-CB46-477E-8100-3D39A2854476}"/>
-              </a:ext>
-            </a:extLst>
-          </p:cNvPr>
-          <p:cNvSpPr>
-            <a:spLocks noGrp="1"/>
-          </p:cNvSpPr>
-          <p:nvPr>
-            <p:ph type="title"/>
-          </p:nvPr>
-        </p:nvSpPr>
-        <p:spPr/>
-        <p:txBody>
-          <a:bodyPr/>
-          <a:lstStyle/>
-          <a:p>
-            <a:r>
-              <a:rPr lang="en-US" dirty="0"/>
-              <a:t>Methodology</a:t>
-            </a:r>
-          </a:p>
-        </p:txBody>
-      </p:sp>
-      <p:sp>
-        <p:nvSpPr>
-          <p:cNvPr id="3" name="Content Placeholder 2">
-            <a:extLst>
-              <a:ext uri="{FF2B5EF4-FFF2-40B4-BE49-F238E27FC236}">
-                <a16:creationId xmlns:a16="http://schemas.microsoft.com/office/drawing/2014/main" id="{28D65597-8685-4879-82E4-E907872369CE}"/>
-              </a:ext>
-            </a:extLst>
-          </p:cNvPr>
-          <p:cNvSpPr>
-            <a:spLocks noGrp="1"/>
-          </p:cNvSpPr>
-          <p:nvPr>
-            <p:ph idx="1"/>
-          </p:nvPr>
-        </p:nvSpPr>
-        <p:spPr/>
-        <p:txBody>
-          <a:bodyPr/>
-          <a:lstStyle/>
-          <a:p>
-            <a:r>
-              <a:rPr lang="en-US" dirty="0"/>
-              <a:t>Mine and clean data from FEMA and Zillow</a:t>
-            </a:r>
-          </a:p>
-          <a:p>
-            <a:r>
-              <a:rPr lang="en-US" dirty="0"/>
-              <a:t>Create a control group by taking the population average for each month.</a:t>
-            </a:r>
-          </a:p>
-          <a:p>
-            <a:r>
-              <a:rPr lang="en-US" dirty="0"/>
-              <a:t>Merge the FEMA and total Zillow data sets together based on County and State.</a:t>
-            </a:r>
-          </a:p>
-          <a:p>
-            <a:r>
-              <a:rPr lang="en-US" dirty="0"/>
-              <a:t>Loop through the data set to find 6 months returns for each zip code affected by an event, as well as for the control group. </a:t>
-            </a:r>
-          </a:p>
-          <a:p>
-            <a:r>
-              <a:rPr lang="en-US" dirty="0"/>
-              <a:t>Conduct Moods Median test to find if we were able to “prove” a positive or negative effect. </a:t>
-            </a:r>
-          </a:p>
-          <a:p>
-            <a:endParaRPr lang="en-US" dirty="0"/>
-          </a:p>
-          <a:p>
-            <a:endParaRPr lang="en-US" dirty="0"/>
-          </a:p>
-          <a:p>
-            <a:endParaRPr lang="en-US" dirty="0"/>
-          </a:p>
-        </p:txBody>
-      </p:sp>
-    </p:spTree>
-    <p:extLst>
-      <p:ext uri="{BB962C8B-B14F-4D97-AF65-F5344CB8AC3E}">
-        <p14:creationId xmlns:p14="http://schemas.microsoft.com/office/powerpoint/2010/main" val="2478682919"/>
-      </p:ext>
-    </p:extLst>
-  </p:cSld>
-  <p:clrMapOvr>
-    <a:masterClrMapping/>
-  </p:clrMapOvr>
-</p:sld>
-</file>
-
-<file path=ppt/slides/slide3.xml><?xml version="1.0" encoding="utf-8"?>
-<p:sld xmlns:a="http://schemas.openxmlformats.org/drawingml/2006/main" xmlns:r="http://schemas.openxmlformats.org/officeDocument/2006/relationships" xmlns:p="http://schemas.openxmlformats.org/presentationml/2006/main">
-  <p:cSld>
-    <p:spTree>
-      <p:nvGrpSpPr>
-        <p:cNvPr id="1" name=""/>
-        <p:cNvGrpSpPr/>
-        <p:nvPr/>
-      </p:nvGrpSpPr>
-      <p:grpSpPr>
-        <a:xfrm>
-          <a:off x="0" y="0"/>
-          <a:ext cx="0" cy="0"/>
-          <a:chOff x="0" y="0"/>
-          <a:chExt cx="0" cy="0"/>
-        </a:xfrm>
-      </p:grpSpPr>
-      <p:sp>
-        <p:nvSpPr>
-          <p:cNvPr id="2" name="Title 1">
-            <a:extLst>
-              <a:ext uri="{FF2B5EF4-FFF2-40B4-BE49-F238E27FC236}">
-                <a16:creationId xmlns:a16="http://schemas.microsoft.com/office/drawing/2014/main" id="{BD1433EE-FAF9-45E3-8C92-156B38609351}"/>
-              </a:ext>
-            </a:extLst>
-          </p:cNvPr>
-          <p:cNvSpPr>
-            <a:spLocks noGrp="1"/>
-          </p:cNvSpPr>
-          <p:nvPr>
-            <p:ph type="title"/>
-          </p:nvPr>
-        </p:nvSpPr>
-        <p:spPr/>
-        <p:txBody>
-          <a:bodyPr/>
-          <a:lstStyle/>
-          <a:p>
-            <a:r>
-              <a:rPr lang="en-US" dirty="0"/>
-              <a:t>Data Limitations</a:t>
-            </a:r>
-          </a:p>
-        </p:txBody>
-      </p:sp>
-      <p:sp>
-        <p:nvSpPr>
-          <p:cNvPr id="3" name="Content Placeholder 2">
-            <a:extLst>
-              <a:ext uri="{FF2B5EF4-FFF2-40B4-BE49-F238E27FC236}">
-                <a16:creationId xmlns:a16="http://schemas.microsoft.com/office/drawing/2014/main" id="{A5070A04-0DBC-4D15-94FE-509B68DD293E}"/>
-              </a:ext>
-            </a:extLst>
-          </p:cNvPr>
-          <p:cNvSpPr>
-            <a:spLocks noGrp="1"/>
-          </p:cNvSpPr>
-          <p:nvPr>
-            <p:ph idx="1"/>
-          </p:nvPr>
-        </p:nvSpPr>
-        <p:spPr/>
-        <p:txBody>
-          <a:bodyPr>
-            <a:normAutofit lnSpcReduction="10000"/>
-          </a:bodyPr>
-          <a:lstStyle/>
-          <a:p>
-            <a:r>
-              <a:rPr lang="en-US" dirty="0"/>
-              <a:t>Reliant on Zillow Data that shows only monthly data.</a:t>
-            </a:r>
-          </a:p>
-          <a:p>
-            <a:r>
-              <a:rPr lang="en-US" dirty="0"/>
-              <a:t>FEMA declaration dates could be in the middle of the month, so short term price movements may not be reflective.</a:t>
-            </a:r>
-          </a:p>
-          <a:p>
-            <a:r>
-              <a:rPr lang="en-US" dirty="0"/>
-              <a:t>Our time horizon is only 6 months, and is fairly limited in scope.</a:t>
-            </a:r>
-          </a:p>
-          <a:p>
-            <a:r>
-              <a:rPr lang="en-US" dirty="0"/>
-              <a:t>FEMA data only shows County Level information, so it was not possible to by zip code.</a:t>
-            </a:r>
-          </a:p>
-          <a:p>
-            <a:r>
-              <a:rPr lang="en-US" dirty="0"/>
-              <a:t>Zillow data only goes back to 1997, so we captured price movements during the biggest real estate bubble in modern history. </a:t>
-            </a:r>
-          </a:p>
-          <a:p>
-            <a:r>
-              <a:rPr lang="en-US" dirty="0"/>
-              <a:t>Some Zillow zip codes only contained partial data and were excluded from the analysis. </a:t>
-            </a:r>
-          </a:p>
-        </p:txBody>
-      </p:sp>
-    </p:spTree>
-    <p:extLst>
-      <p:ext uri="{BB962C8B-B14F-4D97-AF65-F5344CB8AC3E}">
-        <p14:creationId xmlns:p14="http://schemas.microsoft.com/office/powerpoint/2010/main" val="119035027"/>
-      </p:ext>
-    </p:extLst>
-  </p:cSld>
-  <p:clrMapOvr>
-    <a:masterClrMapping/>
-  </p:clrMapOvr>
-</p:sld>
-</file>
-
-<file path=ppt/slides/slide4.xml><?xml version="1.0" encoding="utf-8"?>
-<p:sld xmlns:a="http://schemas.openxmlformats.org/drawingml/2006/main" xmlns:r="http://schemas.openxmlformats.org/officeDocument/2006/relationships" xmlns:p="http://schemas.openxmlformats.org/presentationml/2006/main">
-  <p:cSld>
     <p:bg>
       <p:bgPr>
         <a:solidFill>
@@ -3669,7 +7017,7 @@
           <p:cNvPr id="2" name="Title 1">
             <a:extLst>
               <a:ext uri="{FF2B5EF4-FFF2-40B4-BE49-F238E27FC236}">
-                <a16:creationId xmlns:a16="http://schemas.microsoft.com/office/drawing/2014/main" id="{C6D34DC8-8655-40D6-9C64-A19D28708AAB}"/>
+                <a16:creationId xmlns:a16="http://schemas.microsoft.com/office/drawing/2014/main" id="{BFDA0789-3AD8-47DA-9CDD-93DF1452A1C6}"/>
               </a:ext>
             </a:extLst>
           </p:cNvPr>
@@ -3677,42 +7025,35 @@
             <a:spLocks noGrp="1"/>
           </p:cNvSpPr>
           <p:nvPr>
-            <p:ph type="title"/>
+            <p:ph type="ctrTitle"/>
           </p:nvPr>
         </p:nvSpPr>
         <p:spPr>
-          <a:noFill/>
-          <a:ln w="19050">
-            <a:solidFill>
-              <a:schemeClr val="bg1"/>
-            </a:solidFill>
-          </a:ln>
+          <a:xfrm>
+            <a:off x="1524000" y="2245809"/>
+            <a:ext cx="9144000" cy="1564716"/>
+          </a:xfrm>
         </p:spPr>
         <p:txBody>
-          <a:bodyPr wrap="square">
+          <a:bodyPr>
             <a:normAutofit/>
           </a:bodyPr>
           <a:lstStyle/>
           <a:p>
-            <a:pPr algn="ctr"/>
+            <a:pPr algn="l"/>
             <a:r>
-              <a:rPr lang="en-US" dirty="0"/>
-              <a:t>Hurricane Output</a:t>
+              <a:rPr lang="en-US" sz="4800"/>
+              <a:t>Are Housing Prices Affected by Natural Disasters?</a:t>
             </a:r>
-            <a:endParaRPr lang="en-US" dirty="0">
-              <a:solidFill>
-                <a:schemeClr val="bg1"/>
-              </a:solidFill>
-            </a:endParaRPr>
           </a:p>
         </p:txBody>
       </p:sp>
       <p:sp>
         <p:nvSpPr>
-          <p:cNvPr id="6" name="Content Placeholder 5">
+          <p:cNvPr id="3" name="Subtitle 2">
             <a:extLst>
               <a:ext uri="{FF2B5EF4-FFF2-40B4-BE49-F238E27FC236}">
-                <a16:creationId xmlns:a16="http://schemas.microsoft.com/office/drawing/2014/main" id="{41D6853B-6957-4691-AB03-469F63633F32}"/>
+                <a16:creationId xmlns:a16="http://schemas.microsoft.com/office/drawing/2014/main" id="{E2B2017B-6554-4A2A-AA6A-304E24BA335A}"/>
               </a:ext>
             </a:extLst>
           </p:cNvPr>
@@ -3720,105 +7061,650 @@
             <a:spLocks noGrp="1"/>
           </p:cNvSpPr>
           <p:nvPr>
-            <p:ph sz="half" idx="1"/>
+            <p:ph type="subTitle" idx="1"/>
           </p:nvPr>
         </p:nvSpPr>
-        <p:spPr/>
+        <p:spPr>
+          <a:xfrm>
+            <a:off x="1524000" y="3947050"/>
+            <a:ext cx="9144000" cy="572583"/>
+          </a:xfrm>
+        </p:spPr>
         <p:txBody>
           <a:bodyPr>
             <a:normAutofit/>
           </a:bodyPr>
           <a:lstStyle/>
           <a:p>
-            <a:endParaRPr lang="en-US" dirty="0"/>
-          </a:p>
-          <a:p>
-            <a:endParaRPr lang="en-US" dirty="0"/>
+            <a:pPr algn="l"/>
+            <a:r>
+              <a:rPr lang="en-US" sz="2000"/>
+              <a:t>Diana, Lee &amp; Jordan</a:t>
+            </a:r>
           </a:p>
         </p:txBody>
       </p:sp>
       <p:sp>
         <p:nvSpPr>
-          <p:cNvPr id="8" name="Content Placeholder 7">
+          <p:cNvPr id="8" name="Freeform 14">
             <a:extLst>
               <a:ext uri="{FF2B5EF4-FFF2-40B4-BE49-F238E27FC236}">
-                <a16:creationId xmlns:a16="http://schemas.microsoft.com/office/drawing/2014/main" id="{8D6885E3-64F8-4098-BFCC-3A20905F6582}"/>
+                <a16:creationId xmlns:a16="http://schemas.microsoft.com/office/drawing/2014/main" id="{C66F2F30-5DC0-44A0-BFA6-E12F46ED16DA}"/>
+              </a:ext>
+              <a:ext uri="{C183D7F6-B498-43B3-948B-1728B52AA6E4}">
+                <adec:decorative xmlns:adec="http://schemas.microsoft.com/office/drawing/2017/decorative" val="1"/>
               </a:ext>
             </a:extLst>
           </p:cNvPr>
           <p:cNvSpPr>
-            <a:spLocks noGrp="1"/>
+            <a:spLocks noGrp="1" noRot="1" noChangeAspect="1" noMove="1" noResize="1" noEditPoints="1" noAdjustHandles="1" noChangeArrowheads="1" noChangeShapeType="1" noTextEdit="1"/>
           </p:cNvSpPr>
           <p:nvPr>
-            <p:ph sz="half" idx="2"/>
+            <p:extLst>
+              <p:ext uri="{386F3935-93C4-4BCD-93E2-E3B085C9AB24}">
+                <p16:designElem xmlns:p16="http://schemas.microsoft.com/office/powerpoint/2015/main" val="1"/>
+              </p:ext>
+            </p:extLst>
           </p:nvPr>
         </p:nvSpPr>
-        <p:spPr/>
+        <p:spPr>
+          <a:xfrm>
+            <a:off x="0" y="1"/>
+            <a:ext cx="5920619" cy="2130951"/>
+          </a:xfrm>
+          <a:custGeom>
+            <a:avLst/>
+            <a:gdLst>
+              <a:gd name="connsiteX0" fmla="*/ 0 w 5920619"/>
+              <a:gd name="connsiteY0" fmla="*/ 0 h 2130951"/>
+              <a:gd name="connsiteX1" fmla="*/ 3191370 w 5920619"/>
+              <a:gd name="connsiteY1" fmla="*/ 0 h 2130951"/>
+              <a:gd name="connsiteX2" fmla="*/ 3346315 w 5920619"/>
+              <a:gd name="connsiteY2" fmla="*/ 0 h 2130951"/>
+              <a:gd name="connsiteX3" fmla="*/ 5920619 w 5920619"/>
+              <a:gd name="connsiteY3" fmla="*/ 0 h 2130951"/>
+              <a:gd name="connsiteX4" fmla="*/ 4936971 w 5920619"/>
+              <a:gd name="connsiteY4" fmla="*/ 2130951 h 2130951"/>
+              <a:gd name="connsiteX5" fmla="*/ 0 w 5920619"/>
+              <a:gd name="connsiteY5" fmla="*/ 2130951 h 2130951"/>
+            </a:gdLst>
+            <a:ahLst/>
+            <a:cxnLst>
+              <a:cxn ang="0">
+                <a:pos x="connsiteX0" y="connsiteY0"/>
+              </a:cxn>
+              <a:cxn ang="0">
+                <a:pos x="connsiteX1" y="connsiteY1"/>
+              </a:cxn>
+              <a:cxn ang="0">
+                <a:pos x="connsiteX2" y="connsiteY2"/>
+              </a:cxn>
+              <a:cxn ang="0">
+                <a:pos x="connsiteX3" y="connsiteY3"/>
+              </a:cxn>
+              <a:cxn ang="0">
+                <a:pos x="connsiteX4" y="connsiteY4"/>
+              </a:cxn>
+              <a:cxn ang="0">
+                <a:pos x="connsiteX5" y="connsiteY5"/>
+              </a:cxn>
+            </a:cxnLst>
+            <a:rect l="l" t="t" r="r" b="b"/>
+            <a:pathLst>
+              <a:path w="5920619" h="2130951">
+                <a:moveTo>
+                  <a:pt x="0" y="0"/>
+                </a:moveTo>
+                <a:lnTo>
+                  <a:pt x="3191370" y="0"/>
+                </a:lnTo>
+                <a:lnTo>
+                  <a:pt x="3346315" y="0"/>
+                </a:lnTo>
+                <a:lnTo>
+                  <a:pt x="5920619" y="0"/>
+                </a:lnTo>
+                <a:lnTo>
+                  <a:pt x="4936971" y="2130951"/>
+                </a:lnTo>
+                <a:lnTo>
+                  <a:pt x="0" y="2130951"/>
+                </a:lnTo>
+                <a:close/>
+              </a:path>
+            </a:pathLst>
+          </a:custGeom>
+          <a:solidFill>
+            <a:srgbClr val="595959"/>
+          </a:solidFill>
+          <a:ln>
+            <a:noFill/>
+          </a:ln>
+        </p:spPr>
+        <p:style>
+          <a:lnRef idx="2">
+            <a:schemeClr val="accent1">
+              <a:shade val="50000"/>
+            </a:schemeClr>
+          </a:lnRef>
+          <a:fillRef idx="1">
+            <a:schemeClr val="accent1"/>
+          </a:fillRef>
+          <a:effectRef idx="0">
+            <a:schemeClr val="accent1"/>
+          </a:effectRef>
+          <a:fontRef idx="minor">
+            <a:schemeClr val="lt1"/>
+          </a:fontRef>
+        </p:style>
         <p:txBody>
-          <a:bodyPr>
-            <a:normAutofit/>
+          <a:bodyPr wrap="square" rtlCol="0" anchor="ctr">
+            <a:noAutofit/>
           </a:bodyPr>
           <a:lstStyle/>
           <a:p>
-            <a:r>
-              <a:rPr lang="en-US" dirty="0"/>
-              <a:t>Null Hypothesis of no affect on real-estate prices was  rejected for all 6 months in this data set.</a:t>
-            </a:r>
-          </a:p>
-          <a:p>
-            <a:r>
-              <a:rPr lang="en-US" dirty="0"/>
-              <a:t>Zip codes affected clearly showed significant volatility.</a:t>
-            </a:r>
-          </a:p>
-          <a:p>
-            <a:r>
-              <a:rPr lang="en-US" dirty="0"/>
-              <a:t>Median home price growth was significantly lower. </a:t>
-            </a:r>
-          </a:p>
-          <a:p>
-            <a:r>
-              <a:rPr lang="en-US" dirty="0"/>
-              <a:t>Research into what drives the skewness of this distribution as it is not normally distributed. </a:t>
-            </a:r>
+            <a:pPr algn="ctr"/>
+            <a:endParaRPr lang="en-US"/>
           </a:p>
         </p:txBody>
       </p:sp>
-      <p:pic>
-        <p:nvPicPr>
-          <p:cNvPr id="7" name="Content Placeholder 3">
+      <p:sp>
+        <p:nvSpPr>
+          <p:cNvPr id="10" name="Freeform 21">
             <a:extLst>
               <a:ext uri="{FF2B5EF4-FFF2-40B4-BE49-F238E27FC236}">
-                <a16:creationId xmlns:a16="http://schemas.microsoft.com/office/drawing/2014/main" id="{C6428BC6-30F8-4B51-B047-8972F9316872}"/>
+                <a16:creationId xmlns:a16="http://schemas.microsoft.com/office/drawing/2014/main" id="{85872F57-7F42-4F97-8391-DDC8D0054C03}"/>
+              </a:ext>
+              <a:ext uri="{C183D7F6-B498-43B3-948B-1728B52AA6E4}">
+                <adec:decorative xmlns:adec="http://schemas.microsoft.com/office/drawing/2017/decorative" val="1"/>
               </a:ext>
             </a:extLst>
           </p:cNvPr>
-          <p:cNvPicPr>
-            <a:picLocks noChangeAspect="1"/>
-          </p:cNvPicPr>
-          <p:nvPr/>
-        </p:nvPicPr>
-        <p:blipFill>
-          <a:blip r:embed="rId2"/>
-          <a:stretch>
-            <a:fillRect/>
-          </a:stretch>
-        </p:blipFill>
+          <p:cNvSpPr>
+            <a:spLocks noGrp="1" noRot="1" noChangeAspect="1" noMove="1" noResize="1" noEditPoints="1" noAdjustHandles="1" noChangeArrowheads="1" noChangeShapeType="1" noTextEdit="1"/>
+          </p:cNvSpPr>
+          <p:nvPr>
+            <p:extLst>
+              <p:ext uri="{386F3935-93C4-4BCD-93E2-E3B085C9AB24}">
+                <p16:designElem xmlns:p16="http://schemas.microsoft.com/office/powerpoint/2015/main" val="1"/>
+              </p:ext>
+            </p:extLst>
+          </p:nvPr>
+        </p:nvSpPr>
         <p:spPr>
           <a:xfrm>
-            <a:off x="313126" y="1825625"/>
-            <a:ext cx="5706674" cy="4351338"/>
+            <a:off x="5097839" y="0"/>
+            <a:ext cx="7094160" cy="2130952"/>
           </a:xfrm>
-          <a:prstGeom prst="rect">
+          <a:custGeom>
             <a:avLst/>
-          </a:prstGeom>
+            <a:gdLst>
+              <a:gd name="connsiteX0" fmla="*/ 4417853 w 7094160"/>
+              <a:gd name="connsiteY0" fmla="*/ 0 h 2130952"/>
+              <a:gd name="connsiteX1" fmla="*/ 7094160 w 7094160"/>
+              <a:gd name="connsiteY1" fmla="*/ 0 h 2130952"/>
+              <a:gd name="connsiteX2" fmla="*/ 7094160 w 7094160"/>
+              <a:gd name="connsiteY2" fmla="*/ 2130552 h 2130952"/>
+              <a:gd name="connsiteX3" fmla="*/ 5920619 w 7094160"/>
+              <a:gd name="connsiteY3" fmla="*/ 2130552 h 2130952"/>
+              <a:gd name="connsiteX4" fmla="*/ 5920619 w 7094160"/>
+              <a:gd name="connsiteY4" fmla="*/ 2130952 h 2130952"/>
+              <a:gd name="connsiteX5" fmla="*/ 2729249 w 7094160"/>
+              <a:gd name="connsiteY5" fmla="*/ 2130952 h 2130952"/>
+              <a:gd name="connsiteX6" fmla="*/ 2574304 w 7094160"/>
+              <a:gd name="connsiteY6" fmla="*/ 2130952 h 2130952"/>
+              <a:gd name="connsiteX7" fmla="*/ 0 w 7094160"/>
+              <a:gd name="connsiteY7" fmla="*/ 2130952 h 2130952"/>
+              <a:gd name="connsiteX8" fmla="*/ 983648 w 7094160"/>
+              <a:gd name="connsiteY8" fmla="*/ 1 h 2130952"/>
+              <a:gd name="connsiteX9" fmla="*/ 4417853 w 7094160"/>
+              <a:gd name="connsiteY9" fmla="*/ 1 h 2130952"/>
+            </a:gdLst>
+            <a:ahLst/>
+            <a:cxnLst>
+              <a:cxn ang="0">
+                <a:pos x="connsiteX0" y="connsiteY0"/>
+              </a:cxn>
+              <a:cxn ang="0">
+                <a:pos x="connsiteX1" y="connsiteY1"/>
+              </a:cxn>
+              <a:cxn ang="0">
+                <a:pos x="connsiteX2" y="connsiteY2"/>
+              </a:cxn>
+              <a:cxn ang="0">
+                <a:pos x="connsiteX3" y="connsiteY3"/>
+              </a:cxn>
+              <a:cxn ang="0">
+                <a:pos x="connsiteX4" y="connsiteY4"/>
+              </a:cxn>
+              <a:cxn ang="0">
+                <a:pos x="connsiteX5" y="connsiteY5"/>
+              </a:cxn>
+              <a:cxn ang="0">
+                <a:pos x="connsiteX6" y="connsiteY6"/>
+              </a:cxn>
+              <a:cxn ang="0">
+                <a:pos x="connsiteX7" y="connsiteY7"/>
+              </a:cxn>
+              <a:cxn ang="0">
+                <a:pos x="connsiteX8" y="connsiteY8"/>
+              </a:cxn>
+              <a:cxn ang="0">
+                <a:pos x="connsiteX9" y="connsiteY9"/>
+              </a:cxn>
+            </a:cxnLst>
+            <a:rect l="l" t="t" r="r" b="b"/>
+            <a:pathLst>
+              <a:path w="7094160" h="2130952">
+                <a:moveTo>
+                  <a:pt x="4417853" y="0"/>
+                </a:moveTo>
+                <a:lnTo>
+                  <a:pt x="7094160" y="0"/>
+                </a:lnTo>
+                <a:lnTo>
+                  <a:pt x="7094160" y="2130552"/>
+                </a:lnTo>
+                <a:lnTo>
+                  <a:pt x="5920619" y="2130552"/>
+                </a:lnTo>
+                <a:lnTo>
+                  <a:pt x="5920619" y="2130952"/>
+                </a:lnTo>
+                <a:lnTo>
+                  <a:pt x="2729249" y="2130952"/>
+                </a:lnTo>
+                <a:lnTo>
+                  <a:pt x="2574304" y="2130952"/>
+                </a:lnTo>
+                <a:lnTo>
+                  <a:pt x="0" y="2130952"/>
+                </a:lnTo>
+                <a:lnTo>
+                  <a:pt x="983648" y="1"/>
+                </a:lnTo>
+                <a:lnTo>
+                  <a:pt x="4417853" y="1"/>
+                </a:lnTo>
+                <a:close/>
+              </a:path>
+            </a:pathLst>
+          </a:custGeom>
+          <a:solidFill>
+            <a:srgbClr val="7F7F7F">
+              <a:alpha val="40000"/>
+            </a:srgbClr>
+          </a:solidFill>
+          <a:ln>
+            <a:noFill/>
+          </a:ln>
         </p:spPr>
-      </p:pic>
+        <p:style>
+          <a:lnRef idx="2">
+            <a:schemeClr val="accent1">
+              <a:shade val="50000"/>
+            </a:schemeClr>
+          </a:lnRef>
+          <a:fillRef idx="1">
+            <a:schemeClr val="accent1"/>
+          </a:fillRef>
+          <a:effectRef idx="0">
+            <a:schemeClr val="accent1"/>
+          </a:effectRef>
+          <a:fontRef idx="minor">
+            <a:schemeClr val="lt1"/>
+          </a:fontRef>
+        </p:style>
+        <p:txBody>
+          <a:bodyPr rtlCol="0" anchor="ctr"/>
+          <a:lstStyle/>
+          <a:p>
+            <a:pPr algn="ctr"/>
+            <a:endParaRPr lang="en-US"/>
+          </a:p>
+        </p:txBody>
+      </p:sp>
+      <p:sp useBgFill="1">
+        <p:nvSpPr>
+          <p:cNvPr id="12" name="Freeform: Shape 11">
+            <a:extLst>
+              <a:ext uri="{FF2B5EF4-FFF2-40B4-BE49-F238E27FC236}">
+                <a16:creationId xmlns:a16="http://schemas.microsoft.com/office/drawing/2014/main" id="{04DC2037-48A0-4F22-B9D4-8EAEBC780AB4}"/>
+              </a:ext>
+              <a:ext uri="{C183D7F6-B498-43B3-948B-1728B52AA6E4}">
+                <adec:decorative xmlns:adec="http://schemas.microsoft.com/office/drawing/2017/decorative" val="1"/>
+              </a:ext>
+            </a:extLst>
+          </p:cNvPr>
+          <p:cNvSpPr>
+            <a:spLocks noGrp="1" noRot="1" noChangeAspect="1" noMove="1" noResize="1" noEditPoints="1" noAdjustHandles="1" noChangeArrowheads="1" noChangeShapeType="1" noTextEdit="1"/>
+          </p:cNvSpPr>
+          <p:nvPr>
+            <p:extLst>
+              <p:ext uri="{386F3935-93C4-4BCD-93E2-E3B085C9AB24}">
+                <p16:designElem xmlns:p16="http://schemas.microsoft.com/office/powerpoint/2015/main" val="1"/>
+              </p:ext>
+            </p:extLst>
+          </p:nvPr>
+        </p:nvSpPr>
+        <p:spPr>
+          <a:xfrm flipH="1">
+            <a:off x="6149721" y="4682920"/>
+            <a:ext cx="4522796" cy="2175080"/>
+          </a:xfrm>
+          <a:custGeom>
+            <a:avLst/>
+            <a:gdLst>
+              <a:gd name="connsiteX0" fmla="*/ 3515449 w 4522796"/>
+              <a:gd name="connsiteY0" fmla="*/ 0 h 2175080"/>
+              <a:gd name="connsiteX1" fmla="*/ 0 w 4522796"/>
+              <a:gd name="connsiteY1" fmla="*/ 0 h 2175080"/>
+              <a:gd name="connsiteX2" fmla="*/ 0 w 4522796"/>
+              <a:gd name="connsiteY2" fmla="*/ 2175080 h 2175080"/>
+              <a:gd name="connsiteX3" fmla="*/ 4522796 w 4522796"/>
+              <a:gd name="connsiteY3" fmla="*/ 2175080 h 2175080"/>
+            </a:gdLst>
+            <a:ahLst/>
+            <a:cxnLst>
+              <a:cxn ang="0">
+                <a:pos x="connsiteX0" y="connsiteY0"/>
+              </a:cxn>
+              <a:cxn ang="0">
+                <a:pos x="connsiteX1" y="connsiteY1"/>
+              </a:cxn>
+              <a:cxn ang="0">
+                <a:pos x="connsiteX2" y="connsiteY2"/>
+              </a:cxn>
+              <a:cxn ang="0">
+                <a:pos x="connsiteX3" y="connsiteY3"/>
+              </a:cxn>
+            </a:cxnLst>
+            <a:rect l="l" t="t" r="r" b="b"/>
+            <a:pathLst>
+              <a:path w="4522796" h="2175080">
+                <a:moveTo>
+                  <a:pt x="3515449" y="0"/>
+                </a:moveTo>
+                <a:lnTo>
+                  <a:pt x="0" y="0"/>
+                </a:lnTo>
+                <a:lnTo>
+                  <a:pt x="0" y="2175080"/>
+                </a:lnTo>
+                <a:lnTo>
+                  <a:pt x="4522796" y="2175080"/>
+                </a:lnTo>
+                <a:close/>
+              </a:path>
+            </a:pathLst>
+          </a:custGeom>
+          <a:ln>
+            <a:noFill/>
+          </a:ln>
+        </p:spPr>
+        <p:style>
+          <a:lnRef idx="2">
+            <a:schemeClr val="accent1">
+              <a:shade val="50000"/>
+            </a:schemeClr>
+          </a:lnRef>
+          <a:fillRef idx="1">
+            <a:schemeClr val="accent1"/>
+          </a:fillRef>
+          <a:effectRef idx="0">
+            <a:schemeClr val="accent1"/>
+          </a:effectRef>
+          <a:fontRef idx="minor">
+            <a:schemeClr val="lt1"/>
+          </a:fontRef>
+        </p:style>
+        <p:txBody>
+          <a:bodyPr wrap="square" rtlCol="0" anchor="ctr">
+            <a:noAutofit/>
+          </a:bodyPr>
+          <a:lstStyle/>
+          <a:p>
+            <a:pPr algn="ctr"/>
+            <a:endParaRPr lang="en-US" b="1"/>
+          </a:p>
+        </p:txBody>
+      </p:sp>
+      <p:sp>
+        <p:nvSpPr>
+          <p:cNvPr id="14" name="Freeform 22">
+            <a:extLst>
+              <a:ext uri="{FF2B5EF4-FFF2-40B4-BE49-F238E27FC236}">
+                <a16:creationId xmlns:a16="http://schemas.microsoft.com/office/drawing/2014/main" id="{0006CBFD-ADA0-43D1-9332-9C34CA1C76ED}"/>
+              </a:ext>
+              <a:ext uri="{C183D7F6-B498-43B3-948B-1728B52AA6E4}">
+                <adec:decorative xmlns:adec="http://schemas.microsoft.com/office/drawing/2017/decorative" val="1"/>
+              </a:ext>
+            </a:extLst>
+          </p:cNvPr>
+          <p:cNvSpPr>
+            <a:spLocks noGrp="1" noRot="1" noChangeAspect="1" noMove="1" noResize="1" noEditPoints="1" noAdjustHandles="1" noChangeArrowheads="1" noChangeShapeType="1" noTextEdit="1"/>
+          </p:cNvSpPr>
+          <p:nvPr>
+            <p:extLst>
+              <p:ext uri="{386F3935-93C4-4BCD-93E2-E3B085C9AB24}">
+                <p16:designElem xmlns:p16="http://schemas.microsoft.com/office/powerpoint/2015/main" val="1"/>
+              </p:ext>
+            </p:extLst>
+          </p:nvPr>
+        </p:nvSpPr>
+        <p:spPr>
+          <a:xfrm>
+            <a:off x="6266810" y="4682920"/>
+            <a:ext cx="5925190" cy="2175080"/>
+          </a:xfrm>
+          <a:custGeom>
+            <a:avLst/>
+            <a:gdLst>
+              <a:gd name="connsiteX0" fmla="*/ 1007347 w 5925190"/>
+              <a:gd name="connsiteY0" fmla="*/ 0 h 2175080"/>
+              <a:gd name="connsiteX1" fmla="*/ 5925190 w 5925190"/>
+              <a:gd name="connsiteY1" fmla="*/ 0 h 2175080"/>
+              <a:gd name="connsiteX2" fmla="*/ 5925190 w 5925190"/>
+              <a:gd name="connsiteY2" fmla="*/ 2175080 h 2175080"/>
+              <a:gd name="connsiteX3" fmla="*/ 0 w 5925190"/>
+              <a:gd name="connsiteY3" fmla="*/ 2175080 h 2175080"/>
+            </a:gdLst>
+            <a:ahLst/>
+            <a:cxnLst>
+              <a:cxn ang="0">
+                <a:pos x="connsiteX0" y="connsiteY0"/>
+              </a:cxn>
+              <a:cxn ang="0">
+                <a:pos x="connsiteX1" y="connsiteY1"/>
+              </a:cxn>
+              <a:cxn ang="0">
+                <a:pos x="connsiteX2" y="connsiteY2"/>
+              </a:cxn>
+              <a:cxn ang="0">
+                <a:pos x="connsiteX3" y="connsiteY3"/>
+              </a:cxn>
+            </a:cxnLst>
+            <a:rect l="l" t="t" r="r" b="b"/>
+            <a:pathLst>
+              <a:path w="5925190" h="2175080">
+                <a:moveTo>
+                  <a:pt x="1007347" y="0"/>
+                </a:moveTo>
+                <a:lnTo>
+                  <a:pt x="5925190" y="0"/>
+                </a:lnTo>
+                <a:lnTo>
+                  <a:pt x="5925190" y="2175080"/>
+                </a:lnTo>
+                <a:lnTo>
+                  <a:pt x="0" y="2175080"/>
+                </a:lnTo>
+                <a:close/>
+              </a:path>
+            </a:pathLst>
+          </a:custGeom>
+          <a:solidFill>
+            <a:schemeClr val="accent4"/>
+          </a:solidFill>
+          <a:ln>
+            <a:noFill/>
+          </a:ln>
+        </p:spPr>
+        <p:style>
+          <a:lnRef idx="2">
+            <a:schemeClr val="accent1">
+              <a:shade val="50000"/>
+            </a:schemeClr>
+          </a:lnRef>
+          <a:fillRef idx="1">
+            <a:schemeClr val="accent1"/>
+          </a:fillRef>
+          <a:effectRef idx="0">
+            <a:schemeClr val="accent1"/>
+          </a:effectRef>
+          <a:fontRef idx="minor">
+            <a:schemeClr val="lt1"/>
+          </a:fontRef>
+        </p:style>
+        <p:txBody>
+          <a:bodyPr wrap="square" rtlCol="0" anchor="ctr">
+            <a:noAutofit/>
+          </a:bodyPr>
+          <a:lstStyle/>
+          <a:p>
+            <a:pPr algn="ctr"/>
+            <a:endParaRPr lang="en-US"/>
+          </a:p>
+        </p:txBody>
+      </p:sp>
+      <p:sp>
+        <p:nvSpPr>
+          <p:cNvPr id="16" name="Freeform 25">
+            <a:extLst>
+              <a:ext uri="{FF2B5EF4-FFF2-40B4-BE49-F238E27FC236}">
+                <a16:creationId xmlns:a16="http://schemas.microsoft.com/office/drawing/2014/main" id="{2B931666-F28F-45F3-A074-66D2272D580B}"/>
+              </a:ext>
+              <a:ext uri="{C183D7F6-B498-43B3-948B-1728B52AA6E4}">
+                <adec:decorative xmlns:adec="http://schemas.microsoft.com/office/drawing/2017/decorative" val="1"/>
+              </a:ext>
+            </a:extLst>
+          </p:cNvPr>
+          <p:cNvSpPr>
+            <a:spLocks noGrp="1" noRot="1" noChangeAspect="1" noMove="1" noResize="1" noEditPoints="1" noAdjustHandles="1" noChangeArrowheads="1" noChangeShapeType="1" noTextEdit="1"/>
+          </p:cNvSpPr>
+          <p:nvPr>
+            <p:extLst>
+              <p:ext uri="{386F3935-93C4-4BCD-93E2-E3B085C9AB24}">
+                <p16:designElem xmlns:p16="http://schemas.microsoft.com/office/powerpoint/2015/main" val="1"/>
+              </p:ext>
+            </p:extLst>
+          </p:nvPr>
+        </p:nvSpPr>
+        <p:spPr>
+          <a:xfrm>
+            <a:off x="0" y="4682920"/>
+            <a:ext cx="7114535" cy="2175080"/>
+          </a:xfrm>
+          <a:custGeom>
+            <a:avLst/>
+            <a:gdLst>
+              <a:gd name="connsiteX0" fmla="*/ 0 w 7114535"/>
+              <a:gd name="connsiteY0" fmla="*/ 0 h 2175080"/>
+              <a:gd name="connsiteX1" fmla="*/ 1189345 w 7114535"/>
+              <a:gd name="connsiteY1" fmla="*/ 0 h 2175080"/>
+              <a:gd name="connsiteX2" fmla="*/ 7114535 w 7114535"/>
+              <a:gd name="connsiteY2" fmla="*/ 0 h 2175080"/>
+              <a:gd name="connsiteX3" fmla="*/ 6107188 w 7114535"/>
+              <a:gd name="connsiteY3" fmla="*/ 2175080 h 2175080"/>
+              <a:gd name="connsiteX4" fmla="*/ 1189345 w 7114535"/>
+              <a:gd name="connsiteY4" fmla="*/ 2175080 h 2175080"/>
+              <a:gd name="connsiteX5" fmla="*/ 0 w 7114535"/>
+              <a:gd name="connsiteY5" fmla="*/ 2175080 h 2175080"/>
+            </a:gdLst>
+            <a:ahLst/>
+            <a:cxnLst>
+              <a:cxn ang="0">
+                <a:pos x="connsiteX0" y="connsiteY0"/>
+              </a:cxn>
+              <a:cxn ang="0">
+                <a:pos x="connsiteX1" y="connsiteY1"/>
+              </a:cxn>
+              <a:cxn ang="0">
+                <a:pos x="connsiteX2" y="connsiteY2"/>
+              </a:cxn>
+              <a:cxn ang="0">
+                <a:pos x="connsiteX3" y="connsiteY3"/>
+              </a:cxn>
+              <a:cxn ang="0">
+                <a:pos x="connsiteX4" y="connsiteY4"/>
+              </a:cxn>
+              <a:cxn ang="0">
+                <a:pos x="connsiteX5" y="connsiteY5"/>
+              </a:cxn>
+            </a:cxnLst>
+            <a:rect l="l" t="t" r="r" b="b"/>
+            <a:pathLst>
+              <a:path w="7114535" h="2175080">
+                <a:moveTo>
+                  <a:pt x="0" y="0"/>
+                </a:moveTo>
+                <a:lnTo>
+                  <a:pt x="1189345" y="0"/>
+                </a:lnTo>
+                <a:lnTo>
+                  <a:pt x="7114535" y="0"/>
+                </a:lnTo>
+                <a:lnTo>
+                  <a:pt x="6107188" y="2175080"/>
+                </a:lnTo>
+                <a:lnTo>
+                  <a:pt x="1189345" y="2175080"/>
+                </a:lnTo>
+                <a:lnTo>
+                  <a:pt x="0" y="2175080"/>
+                </a:lnTo>
+                <a:close/>
+              </a:path>
+            </a:pathLst>
+          </a:custGeom>
+          <a:solidFill>
+            <a:srgbClr val="7F7F7F">
+              <a:alpha val="40000"/>
+            </a:srgbClr>
+          </a:solidFill>
+          <a:ln>
+            <a:noFill/>
+          </a:ln>
+        </p:spPr>
+        <p:style>
+          <a:lnRef idx="2">
+            <a:schemeClr val="accent1">
+              <a:shade val="50000"/>
+            </a:schemeClr>
+          </a:lnRef>
+          <a:fillRef idx="1">
+            <a:schemeClr val="accent1"/>
+          </a:fillRef>
+          <a:effectRef idx="0">
+            <a:schemeClr val="accent1"/>
+          </a:effectRef>
+          <a:fontRef idx="minor">
+            <a:schemeClr val="lt1"/>
+          </a:fontRef>
+        </p:style>
+        <p:txBody>
+          <a:bodyPr rtlCol="0" anchor="ctr"/>
+          <a:lstStyle/>
+          <a:p>
+            <a:pPr algn="ctr"/>
+            <a:endParaRPr lang="en-US"/>
+          </a:p>
+        </p:txBody>
+      </p:sp>
     </p:spTree>
     <p:extLst>
       <p:ext uri="{BB962C8B-B14F-4D97-AF65-F5344CB8AC3E}">
-        <p14:creationId xmlns:p14="http://schemas.microsoft.com/office/powerpoint/2010/main" val="3555846907"/>
+        <p14:creationId xmlns:p14="http://schemas.microsoft.com/office/powerpoint/2010/main" val="3329725246"/>
       </p:ext>
     </p:extLst>
   </p:cSld>
@@ -3828,9 +7714,20 @@
 </p:sld>
 </file>
 
-<file path=ppt/slides/slide5.xml><?xml version="1.0" encoding="utf-8"?>
+<file path=ppt/slides/slide10.xml><?xml version="1.0" encoding="utf-8"?>
 <p:sld xmlns:a="http://schemas.openxmlformats.org/drawingml/2006/main" xmlns:r="http://schemas.openxmlformats.org/officeDocument/2006/relationships" xmlns:p="http://schemas.openxmlformats.org/presentationml/2006/main">
   <p:cSld>
+    <p:bg>
+      <p:bgPr>
+        <a:solidFill>
+          <a:schemeClr val="bg1">
+            <a:tint val="95000"/>
+            <a:satMod val="170000"/>
+          </a:schemeClr>
+        </a:solidFill>
+        <a:effectLst/>
+      </p:bgPr>
+    </p:bg>
     <p:spTree>
       <p:nvGrpSpPr>
         <p:cNvPr id="1" name=""/>
@@ -3847,10 +7744,293 @@
       </p:grpSpPr>
       <p:sp>
         <p:nvSpPr>
+          <p:cNvPr id="10" name="Rectangle 9">
+            <a:extLst>
+              <a:ext uri="{FF2B5EF4-FFF2-40B4-BE49-F238E27FC236}">
+                <a16:creationId xmlns:a16="http://schemas.microsoft.com/office/drawing/2014/main" id="{EE1FC7B4-E4A7-4452-B413-1A623E3A7230}"/>
+              </a:ext>
+              <a:ext uri="{C183D7F6-B498-43B3-948B-1728B52AA6E4}">
+                <adec:decorative xmlns:adec="http://schemas.microsoft.com/office/drawing/2017/decorative" val="1"/>
+              </a:ext>
+            </a:extLst>
+          </p:cNvPr>
+          <p:cNvSpPr>
+            <a:spLocks noGrp="1" noRot="1" noChangeAspect="1" noMove="1" noResize="1" noEditPoints="1" noAdjustHandles="1" noChangeArrowheads="1" noChangeShapeType="1" noTextEdit="1"/>
+          </p:cNvSpPr>
+          <p:nvPr>
+            <p:extLst>
+              <p:ext uri="{386F3935-93C4-4BCD-93E2-E3B085C9AB24}">
+                <p16:designElem xmlns:p16="http://schemas.microsoft.com/office/powerpoint/2015/main" val="1"/>
+              </p:ext>
+            </p:extLst>
+          </p:nvPr>
+        </p:nvSpPr>
+        <p:spPr>
+          <a:xfrm>
+            <a:off x="0" y="-3324"/>
+            <a:ext cx="12192000" cy="6861324"/>
+          </a:xfrm>
+          <a:prstGeom prst="rect">
+            <a:avLst/>
+          </a:prstGeom>
+          <a:solidFill>
+            <a:schemeClr val="bg1">
+              <a:alpha val="9000"/>
+            </a:schemeClr>
+          </a:solidFill>
+          <a:ln>
+            <a:noFill/>
+          </a:ln>
+        </p:spPr>
+        <p:style>
+          <a:lnRef idx="2">
+            <a:schemeClr val="accent1">
+              <a:shade val="50000"/>
+            </a:schemeClr>
+          </a:lnRef>
+          <a:fillRef idx="1">
+            <a:schemeClr val="accent1"/>
+          </a:fillRef>
+          <a:effectRef idx="0">
+            <a:schemeClr val="accent1"/>
+          </a:effectRef>
+          <a:fontRef idx="minor">
+            <a:schemeClr val="lt1"/>
+          </a:fontRef>
+        </p:style>
+        <p:txBody>
+          <a:bodyPr rtlCol="0" anchor="ctr"/>
+          <a:lstStyle/>
+          <a:p>
+            <a:pPr algn="ctr"/>
+            <a:endParaRPr lang="en-US"/>
+          </a:p>
+        </p:txBody>
+      </p:sp>
+      <p:sp>
+        <p:nvSpPr>
+          <p:cNvPr id="12" name="Freeform 13">
+            <a:extLst>
+              <a:ext uri="{FF2B5EF4-FFF2-40B4-BE49-F238E27FC236}">
+                <a16:creationId xmlns:a16="http://schemas.microsoft.com/office/drawing/2014/main" id="{E0709AF0-24F0-4486-B189-BE6386BDB198}"/>
+              </a:ext>
+              <a:ext uri="{C183D7F6-B498-43B3-948B-1728B52AA6E4}">
+                <adec:decorative xmlns:adec="http://schemas.microsoft.com/office/drawing/2017/decorative" val="1"/>
+              </a:ext>
+            </a:extLst>
+          </p:cNvPr>
+          <p:cNvSpPr>
+            <a:spLocks noGrp="1" noRot="1" noChangeAspect="1" noMove="1" noResize="1" noEditPoints="1" noAdjustHandles="1" noChangeArrowheads="1" noChangeShapeType="1" noTextEdit="1"/>
+          </p:cNvSpPr>
+          <p:nvPr>
+            <p:extLst>
+              <p:ext uri="{386F3935-93C4-4BCD-93E2-E3B085C9AB24}">
+                <p16:designElem xmlns:p16="http://schemas.microsoft.com/office/powerpoint/2015/main" val="1"/>
+              </p:ext>
+            </p:extLst>
+          </p:nvPr>
+        </p:nvSpPr>
+        <p:spPr>
+          <a:xfrm>
+            <a:off x="0" y="0"/>
+            <a:ext cx="11786754" cy="6858000"/>
+          </a:xfrm>
+          <a:custGeom>
+            <a:avLst/>
+            <a:gdLst>
+              <a:gd name="connsiteX0" fmla="*/ 0 w 11786754"/>
+              <a:gd name="connsiteY0" fmla="*/ 0 h 6858000"/>
+              <a:gd name="connsiteX1" fmla="*/ 8610600 w 11786754"/>
+              <a:gd name="connsiteY1" fmla="*/ 0 h 6858000"/>
+              <a:gd name="connsiteX2" fmla="*/ 11786754 w 11786754"/>
+              <a:gd name="connsiteY2" fmla="*/ 6858000 h 6858000"/>
+              <a:gd name="connsiteX3" fmla="*/ 0 w 11786754"/>
+              <a:gd name="connsiteY3" fmla="*/ 6858000 h 6858000"/>
+            </a:gdLst>
+            <a:ahLst/>
+            <a:cxnLst>
+              <a:cxn ang="0">
+                <a:pos x="connsiteX0" y="connsiteY0"/>
+              </a:cxn>
+              <a:cxn ang="0">
+                <a:pos x="connsiteX1" y="connsiteY1"/>
+              </a:cxn>
+              <a:cxn ang="0">
+                <a:pos x="connsiteX2" y="connsiteY2"/>
+              </a:cxn>
+              <a:cxn ang="0">
+                <a:pos x="connsiteX3" y="connsiteY3"/>
+              </a:cxn>
+            </a:cxnLst>
+            <a:rect l="l" t="t" r="r" b="b"/>
+            <a:pathLst>
+              <a:path w="11786754" h="6858000">
+                <a:moveTo>
+                  <a:pt x="0" y="0"/>
+                </a:moveTo>
+                <a:lnTo>
+                  <a:pt x="8610600" y="0"/>
+                </a:lnTo>
+                <a:lnTo>
+                  <a:pt x="11786754" y="6858000"/>
+                </a:lnTo>
+                <a:lnTo>
+                  <a:pt x="0" y="6858000"/>
+                </a:lnTo>
+                <a:close/>
+              </a:path>
+            </a:pathLst>
+          </a:custGeom>
+          <a:solidFill>
+            <a:schemeClr val="bg1">
+              <a:alpha val="30000"/>
+            </a:schemeClr>
+          </a:solidFill>
+          <a:ln>
+            <a:noFill/>
+          </a:ln>
+        </p:spPr>
+        <p:style>
+          <a:lnRef idx="2">
+            <a:schemeClr val="accent1">
+              <a:shade val="50000"/>
+            </a:schemeClr>
+          </a:lnRef>
+          <a:fillRef idx="1">
+            <a:schemeClr val="accent1"/>
+          </a:fillRef>
+          <a:effectRef idx="0">
+            <a:schemeClr val="accent1"/>
+          </a:effectRef>
+          <a:fontRef idx="minor">
+            <a:schemeClr val="lt1"/>
+          </a:fontRef>
+        </p:style>
+        <p:txBody>
+          <a:bodyPr rtlCol="0" anchor="ctr"/>
+          <a:lstStyle/>
+          <a:p>
+            <a:pPr algn="ctr"/>
+            <a:endParaRPr lang="en-US"/>
+          </a:p>
+        </p:txBody>
+      </p:sp>
+      <p:sp>
+        <p:nvSpPr>
+          <p:cNvPr id="14" name="Freeform 11">
+            <a:extLst>
+              <a:ext uri="{FF2B5EF4-FFF2-40B4-BE49-F238E27FC236}">
+                <a16:creationId xmlns:a16="http://schemas.microsoft.com/office/drawing/2014/main" id="{FBE3B62F-5853-4A3C-B050-6186351A7176}"/>
+              </a:ext>
+              <a:ext uri="{C183D7F6-B498-43B3-948B-1728B52AA6E4}">
+                <adec:decorative xmlns:adec="http://schemas.microsoft.com/office/drawing/2017/decorative" val="1"/>
+              </a:ext>
+            </a:extLst>
+          </p:cNvPr>
+          <p:cNvSpPr>
+            <a:spLocks noGrp="1" noRot="1" noChangeAspect="1" noMove="1" noResize="1" noEditPoints="1" noAdjustHandles="1" noChangeArrowheads="1" noChangeShapeType="1" noTextEdit="1"/>
+          </p:cNvSpPr>
+          <p:nvPr>
+            <p:extLst>
+              <p:ext uri="{386F3935-93C4-4BCD-93E2-E3B085C9AB24}">
+                <p16:designElem xmlns:p16="http://schemas.microsoft.com/office/powerpoint/2015/main" val="1"/>
+              </p:ext>
+            </p:extLst>
+          </p:nvPr>
+        </p:nvSpPr>
+        <p:spPr>
+          <a:xfrm>
+            <a:off x="0" y="0"/>
+            <a:ext cx="3581400" cy="6858000"/>
+          </a:xfrm>
+          <a:custGeom>
+            <a:avLst/>
+            <a:gdLst>
+              <a:gd name="connsiteX0" fmla="*/ 0 w 3581400"/>
+              <a:gd name="connsiteY0" fmla="*/ 0 h 6858000"/>
+              <a:gd name="connsiteX1" fmla="*/ 405246 w 3581400"/>
+              <a:gd name="connsiteY1" fmla="*/ 0 h 6858000"/>
+              <a:gd name="connsiteX2" fmla="*/ 3581400 w 3581400"/>
+              <a:gd name="connsiteY2" fmla="*/ 6858000 h 6858000"/>
+              <a:gd name="connsiteX3" fmla="*/ 0 w 3581400"/>
+              <a:gd name="connsiteY3" fmla="*/ 6858000 h 6858000"/>
+            </a:gdLst>
+            <a:ahLst/>
+            <a:cxnLst>
+              <a:cxn ang="0">
+                <a:pos x="connsiteX0" y="connsiteY0"/>
+              </a:cxn>
+              <a:cxn ang="0">
+                <a:pos x="connsiteX1" y="connsiteY1"/>
+              </a:cxn>
+              <a:cxn ang="0">
+                <a:pos x="connsiteX2" y="connsiteY2"/>
+              </a:cxn>
+              <a:cxn ang="0">
+                <a:pos x="connsiteX3" y="connsiteY3"/>
+              </a:cxn>
+            </a:cxnLst>
+            <a:rect l="l" t="t" r="r" b="b"/>
+            <a:pathLst>
+              <a:path w="3581400" h="6858000">
+                <a:moveTo>
+                  <a:pt x="0" y="0"/>
+                </a:moveTo>
+                <a:lnTo>
+                  <a:pt x="405246" y="0"/>
+                </a:lnTo>
+                <a:lnTo>
+                  <a:pt x="3581400" y="6858000"/>
+                </a:lnTo>
+                <a:lnTo>
+                  <a:pt x="0" y="6858000"/>
+                </a:lnTo>
+                <a:close/>
+              </a:path>
+            </a:pathLst>
+          </a:custGeom>
+          <a:solidFill>
+            <a:schemeClr val="bg1">
+              <a:alpha val="30000"/>
+            </a:schemeClr>
+          </a:solidFill>
+          <a:ln>
+            <a:noFill/>
+          </a:ln>
+        </p:spPr>
+        <p:style>
+          <a:lnRef idx="2">
+            <a:schemeClr val="accent1">
+              <a:shade val="50000"/>
+            </a:schemeClr>
+          </a:lnRef>
+          <a:fillRef idx="1">
+            <a:schemeClr val="accent1"/>
+          </a:fillRef>
+          <a:effectRef idx="0">
+            <a:schemeClr val="accent1"/>
+          </a:effectRef>
+          <a:fontRef idx="minor">
+            <a:schemeClr val="lt1"/>
+          </a:fontRef>
+        </p:style>
+        <p:txBody>
+          <a:bodyPr wrap="square" rtlCol="0" anchor="ctr">
+            <a:noAutofit/>
+          </a:bodyPr>
+          <a:lstStyle/>
+          <a:p>
+            <a:pPr algn="ctr"/>
+            <a:endParaRPr lang="en-US"/>
+          </a:p>
+        </p:txBody>
+      </p:sp>
+      <p:sp>
+        <p:nvSpPr>
           <p:cNvPr id="2" name="Title 1">
             <a:extLst>
               <a:ext uri="{FF2B5EF4-FFF2-40B4-BE49-F238E27FC236}">
-                <a16:creationId xmlns:a16="http://schemas.microsoft.com/office/drawing/2014/main" id="{43242FCD-0018-4BA2-8F9B-6434D6DB4412}"/>
+                <a16:creationId xmlns:a16="http://schemas.microsoft.com/office/drawing/2014/main" id="{18BA70B7-7DCE-4518-8DB6-F50E92F06206}"/>
               </a:ext>
             </a:extLst>
           </p:cNvPr>
@@ -3861,16 +8041,79 @@
             <p:ph type="title"/>
           </p:nvPr>
         </p:nvSpPr>
-        <p:spPr/>
+        <p:spPr>
+          <a:xfrm>
+            <a:off x="833002" y="448253"/>
+            <a:ext cx="10520702" cy="1325563"/>
+          </a:xfrm>
+        </p:spPr>
         <p:txBody>
-          <a:bodyPr/>
+          <a:bodyPr vert="horz" lIns="91440" tIns="45720" rIns="91440" bIns="45720" rtlCol="0" anchor="ctr">
+            <a:normAutofit/>
+          </a:bodyPr>
           <a:lstStyle/>
           <a:p>
-            <a:pPr algn="ctr"/>
             <a:r>
-              <a:rPr lang="en-US" dirty="0"/>
-              <a:t>Flood Output</a:t>
+              <a:rPr lang="en-US" kern="1200">
+                <a:solidFill>
+                  <a:schemeClr val="tx1"/>
+                </a:solidFill>
+                <a:latin typeface="+mj-lt"/>
+                <a:ea typeface="+mj-ea"/>
+                <a:cs typeface="+mj-cs"/>
+              </a:rPr>
+              <a:t>Ice Storm Output</a:t>
             </a:r>
+          </a:p>
+        </p:txBody>
+      </p:sp>
+      <p:sp>
+        <p:nvSpPr>
+          <p:cNvPr id="4" name="Content Placeholder 3">
+            <a:extLst>
+              <a:ext uri="{FF2B5EF4-FFF2-40B4-BE49-F238E27FC236}">
+                <a16:creationId xmlns:a16="http://schemas.microsoft.com/office/drawing/2014/main" id="{1D4590FB-B75D-4262-9878-4E5D950359F4}"/>
+              </a:ext>
+            </a:extLst>
+          </p:cNvPr>
+          <p:cNvSpPr>
+            <a:spLocks noGrp="1"/>
+          </p:cNvSpPr>
+          <p:nvPr>
+            <p:ph sz="half" idx="2"/>
+          </p:nvPr>
+        </p:nvSpPr>
+        <p:spPr>
+          <a:xfrm>
+            <a:off x="838200" y="2191807"/>
+            <a:ext cx="4936067" cy="3985155"/>
+          </a:xfrm>
+        </p:spPr>
+        <p:txBody>
+          <a:bodyPr vert="horz" lIns="91440" tIns="45720" rIns="91440" bIns="45720" rtlCol="0">
+            <a:normAutofit/>
+          </a:bodyPr>
+          <a:lstStyle/>
+          <a:p>
+            <a:r>
+              <a:rPr lang="en-US" sz="2000" dirty="0"/>
+              <a:t>Like with snow storms, the null hypothesis was rejected for all six months.</a:t>
+            </a:r>
+          </a:p>
+          <a:p>
+            <a:r>
+              <a:rPr lang="en-US" sz="2000" dirty="0"/>
+              <a:t>This data sets was the smallest observation set with 4,950 zip codes involved in a natural disaster. </a:t>
+            </a:r>
+          </a:p>
+          <a:p>
+            <a:r>
+              <a:rPr lang="en-US" sz="2000" dirty="0"/>
+              <a:t>Since the small data set this could suffer from multicollinearity with broader economic forces.</a:t>
+            </a:r>
+          </a:p>
+          <a:p>
+            <a:endParaRPr lang="en-US" sz="2000" dirty="0"/>
           </a:p>
         </p:txBody>
       </p:sp>
@@ -3879,7 +8122,7 @@
           <p:cNvPr id="5" name="Content Placeholder 4">
             <a:extLst>
               <a:ext uri="{FF2B5EF4-FFF2-40B4-BE49-F238E27FC236}">
-                <a16:creationId xmlns:a16="http://schemas.microsoft.com/office/drawing/2014/main" id="{85D1EE97-1653-4D12-9D51-6071C31CE4E9}"/>
+                <a16:creationId xmlns:a16="http://schemas.microsoft.com/office/drawing/2014/main" id="{D0087ED1-4C5C-4C6A-9DA3-19836549B9A0}"/>
               </a:ext>
             </a:extLst>
           </p:cNvPr>
@@ -3898,73 +8141,38 @@
         </p:blipFill>
         <p:spPr>
           <a:xfrm>
-            <a:off x="838200" y="1998635"/>
-            <a:ext cx="5181600" cy="4005317"/>
+            <a:off x="6417734" y="2228507"/>
+            <a:ext cx="4935970" cy="3911755"/>
           </a:xfrm>
           <a:prstGeom prst="rect">
             <a:avLst/>
           </a:prstGeom>
         </p:spPr>
       </p:pic>
-      <p:sp>
-        <p:nvSpPr>
-          <p:cNvPr id="4" name="Content Placeholder 3">
-            <a:extLst>
-              <a:ext uri="{FF2B5EF4-FFF2-40B4-BE49-F238E27FC236}">
-                <a16:creationId xmlns:a16="http://schemas.microsoft.com/office/drawing/2014/main" id="{2AEC88C6-A1D9-4C43-99A2-9D914E512B17}"/>
-              </a:ext>
-            </a:extLst>
-          </p:cNvPr>
-          <p:cNvSpPr>
-            <a:spLocks noGrp="1"/>
-          </p:cNvSpPr>
-          <p:nvPr>
-            <p:ph sz="half" idx="2"/>
-          </p:nvPr>
-        </p:nvSpPr>
-        <p:spPr/>
-        <p:txBody>
-          <a:bodyPr/>
-          <a:lstStyle/>
-          <a:p>
-            <a:r>
-              <a:rPr lang="en-US" dirty="0"/>
-              <a:t>Null Hypothesis of no affect on real-estate prices was  rejected for all 6 months in this data set.</a:t>
-            </a:r>
-          </a:p>
-          <a:p>
-            <a:r>
-              <a:rPr lang="en-US" dirty="0"/>
-              <a:t>Zip codes affected clearly showed significant volatility.</a:t>
-            </a:r>
-          </a:p>
-          <a:p>
-            <a:r>
-              <a:rPr lang="en-US" dirty="0"/>
-              <a:t>Like with hurricanes there was a negative impact on median home prices.</a:t>
-            </a:r>
-          </a:p>
-          <a:p>
-            <a:endParaRPr lang="en-US" dirty="0"/>
-          </a:p>
-        </p:txBody>
-      </p:sp>
     </p:spTree>
     <p:extLst>
       <p:ext uri="{BB962C8B-B14F-4D97-AF65-F5344CB8AC3E}">
-        <p14:creationId xmlns:p14="http://schemas.microsoft.com/office/powerpoint/2010/main" val="2000318982"/>
+        <p14:creationId xmlns:p14="http://schemas.microsoft.com/office/powerpoint/2010/main" val="618944070"/>
       </p:ext>
     </p:extLst>
   </p:cSld>
   <p:clrMapOvr>
-    <a:masterClrMapping/>
+    <a:overrideClrMapping bg1="dk1" tx1="lt1" bg2="dk2" tx2="lt2" accent1="accent1" accent2="accent2" accent3="accent3" accent4="accent4" accent5="accent5" accent6="accent6" hlink="hlink" folHlink="folHlink"/>
   </p:clrMapOvr>
 </p:sld>
 </file>
 
-<file path=ppt/slides/slide6.xml><?xml version="1.0" encoding="utf-8"?>
+<file path=ppt/slides/slide2.xml><?xml version="1.0" encoding="utf-8"?>
 <p:sld xmlns:a="http://schemas.openxmlformats.org/drawingml/2006/main" xmlns:r="http://schemas.openxmlformats.org/officeDocument/2006/relationships" xmlns:p="http://schemas.openxmlformats.org/presentationml/2006/main">
   <p:cSld>
+    <p:bg>
+      <p:bgPr>
+        <a:solidFill>
+          <a:srgbClr val="404040"/>
+        </a:solidFill>
+        <a:effectLst/>
+      </p:bgPr>
+    </p:bg>
     <p:spTree>
       <p:nvGrpSpPr>
         <p:cNvPr id="1" name=""/>
@@ -3981,10 +8189,291 @@
       </p:grpSpPr>
       <p:sp>
         <p:nvSpPr>
+          <p:cNvPr id="10" name="Rectangle 9">
+            <a:extLst>
+              <a:ext uri="{FF2B5EF4-FFF2-40B4-BE49-F238E27FC236}">
+                <a16:creationId xmlns:a16="http://schemas.microsoft.com/office/drawing/2014/main" id="{3B0DF90E-6BAD-4E82-8FDF-717C9A357378}"/>
+              </a:ext>
+              <a:ext uri="{C183D7F6-B498-43B3-948B-1728B52AA6E4}">
+                <adec:decorative xmlns:adec="http://schemas.microsoft.com/office/drawing/2017/decorative" val="1"/>
+              </a:ext>
+            </a:extLst>
+          </p:cNvPr>
+          <p:cNvSpPr>
+            <a:spLocks noGrp="1" noRot="1" noChangeAspect="1" noMove="1" noResize="1" noEditPoints="1" noAdjustHandles="1" noChangeArrowheads="1" noChangeShapeType="1" noTextEdit="1"/>
+          </p:cNvSpPr>
+          <p:nvPr>
+            <p:extLst>
+              <p:ext uri="{386F3935-93C4-4BCD-93E2-E3B085C9AB24}">
+                <p16:designElem xmlns:p16="http://schemas.microsoft.com/office/powerpoint/2015/main" val="1"/>
+              </p:ext>
+            </p:extLst>
+          </p:nvPr>
+        </p:nvSpPr>
+        <p:spPr>
+          <a:xfrm>
+            <a:off x="0" y="-3324"/>
+            <a:ext cx="12192000" cy="6861324"/>
+          </a:xfrm>
+          <a:prstGeom prst="rect">
+            <a:avLst/>
+          </a:prstGeom>
+          <a:solidFill>
+            <a:srgbClr val="404040"/>
+          </a:solidFill>
+          <a:ln>
+            <a:noFill/>
+          </a:ln>
+        </p:spPr>
+        <p:style>
+          <a:lnRef idx="2">
+            <a:schemeClr val="accent1">
+              <a:shade val="50000"/>
+            </a:schemeClr>
+          </a:lnRef>
+          <a:fillRef idx="1">
+            <a:schemeClr val="accent1"/>
+          </a:fillRef>
+          <a:effectRef idx="0">
+            <a:schemeClr val="accent1"/>
+          </a:effectRef>
+          <a:fontRef idx="minor">
+            <a:schemeClr val="lt1"/>
+          </a:fontRef>
+        </p:style>
+        <p:txBody>
+          <a:bodyPr rtlCol="0" anchor="ctr"/>
+          <a:lstStyle/>
+          <a:p>
+            <a:pPr algn="ctr"/>
+            <a:endParaRPr lang="en-US"/>
+          </a:p>
+        </p:txBody>
+      </p:sp>
+      <p:sp>
+        <p:nvSpPr>
+          <p:cNvPr id="12" name="Freeform 13">
+            <a:extLst>
+              <a:ext uri="{FF2B5EF4-FFF2-40B4-BE49-F238E27FC236}">
+                <a16:creationId xmlns:a16="http://schemas.microsoft.com/office/drawing/2014/main" id="{13DCC859-0434-4BB8-B6C5-09C88AE698FB}"/>
+              </a:ext>
+              <a:ext uri="{C183D7F6-B498-43B3-948B-1728B52AA6E4}">
+                <adec:decorative xmlns:adec="http://schemas.microsoft.com/office/drawing/2017/decorative" val="1"/>
+              </a:ext>
+            </a:extLst>
+          </p:cNvPr>
+          <p:cNvSpPr>
+            <a:spLocks noGrp="1" noRot="1" noChangeAspect="1" noMove="1" noResize="1" noEditPoints="1" noAdjustHandles="1" noChangeArrowheads="1" noChangeShapeType="1" noTextEdit="1"/>
+          </p:cNvSpPr>
+          <p:nvPr>
+            <p:extLst>
+              <p:ext uri="{386F3935-93C4-4BCD-93E2-E3B085C9AB24}">
+                <p16:designElem xmlns:p16="http://schemas.microsoft.com/office/powerpoint/2015/main" val="1"/>
+              </p:ext>
+            </p:extLst>
+          </p:nvPr>
+        </p:nvSpPr>
+        <p:spPr>
+          <a:xfrm>
+            <a:off x="0" y="0"/>
+            <a:ext cx="11786754" cy="6858000"/>
+          </a:xfrm>
+          <a:custGeom>
+            <a:avLst/>
+            <a:gdLst>
+              <a:gd name="connsiteX0" fmla="*/ 0 w 11786754"/>
+              <a:gd name="connsiteY0" fmla="*/ 0 h 6858000"/>
+              <a:gd name="connsiteX1" fmla="*/ 8610600 w 11786754"/>
+              <a:gd name="connsiteY1" fmla="*/ 0 h 6858000"/>
+              <a:gd name="connsiteX2" fmla="*/ 11786754 w 11786754"/>
+              <a:gd name="connsiteY2" fmla="*/ 6858000 h 6858000"/>
+              <a:gd name="connsiteX3" fmla="*/ 0 w 11786754"/>
+              <a:gd name="connsiteY3" fmla="*/ 6858000 h 6858000"/>
+            </a:gdLst>
+            <a:ahLst/>
+            <a:cxnLst>
+              <a:cxn ang="0">
+                <a:pos x="connsiteX0" y="connsiteY0"/>
+              </a:cxn>
+              <a:cxn ang="0">
+                <a:pos x="connsiteX1" y="connsiteY1"/>
+              </a:cxn>
+              <a:cxn ang="0">
+                <a:pos x="connsiteX2" y="connsiteY2"/>
+              </a:cxn>
+              <a:cxn ang="0">
+                <a:pos x="connsiteX3" y="connsiteY3"/>
+              </a:cxn>
+            </a:cxnLst>
+            <a:rect l="l" t="t" r="r" b="b"/>
+            <a:pathLst>
+              <a:path w="11786754" h="6858000">
+                <a:moveTo>
+                  <a:pt x="0" y="0"/>
+                </a:moveTo>
+                <a:lnTo>
+                  <a:pt x="8610600" y="0"/>
+                </a:lnTo>
+                <a:lnTo>
+                  <a:pt x="11786754" y="6858000"/>
+                </a:lnTo>
+                <a:lnTo>
+                  <a:pt x="0" y="6858000"/>
+                </a:lnTo>
+                <a:close/>
+              </a:path>
+            </a:pathLst>
+          </a:custGeom>
+          <a:solidFill>
+            <a:schemeClr val="bg1">
+              <a:alpha val="30000"/>
+            </a:schemeClr>
+          </a:solidFill>
+          <a:ln>
+            <a:noFill/>
+          </a:ln>
+        </p:spPr>
+        <p:style>
+          <a:lnRef idx="2">
+            <a:schemeClr val="accent1">
+              <a:shade val="50000"/>
+            </a:schemeClr>
+          </a:lnRef>
+          <a:fillRef idx="1">
+            <a:schemeClr val="accent1"/>
+          </a:fillRef>
+          <a:effectRef idx="0">
+            <a:schemeClr val="accent1"/>
+          </a:effectRef>
+          <a:fontRef idx="minor">
+            <a:schemeClr val="lt1"/>
+          </a:fontRef>
+        </p:style>
+        <p:txBody>
+          <a:bodyPr rtlCol="0" anchor="ctr"/>
+          <a:lstStyle/>
+          <a:p>
+            <a:pPr algn="ctr"/>
+            <a:endParaRPr lang="en-US"/>
+          </a:p>
+        </p:txBody>
+      </p:sp>
+      <p:sp>
+        <p:nvSpPr>
+          <p:cNvPr id="14" name="Freeform 11">
+            <a:extLst>
+              <a:ext uri="{FF2B5EF4-FFF2-40B4-BE49-F238E27FC236}">
+                <a16:creationId xmlns:a16="http://schemas.microsoft.com/office/drawing/2014/main" id="{08E7ACFB-B791-4C23-8B17-013FEDC09A89}"/>
+              </a:ext>
+              <a:ext uri="{C183D7F6-B498-43B3-948B-1728B52AA6E4}">
+                <adec:decorative xmlns:adec="http://schemas.microsoft.com/office/drawing/2017/decorative" val="1"/>
+              </a:ext>
+            </a:extLst>
+          </p:cNvPr>
+          <p:cNvSpPr>
+            <a:spLocks noGrp="1" noRot="1" noChangeAspect="1" noMove="1" noResize="1" noEditPoints="1" noAdjustHandles="1" noChangeArrowheads="1" noChangeShapeType="1" noTextEdit="1"/>
+          </p:cNvSpPr>
+          <p:nvPr>
+            <p:extLst>
+              <p:ext uri="{386F3935-93C4-4BCD-93E2-E3B085C9AB24}">
+                <p16:designElem xmlns:p16="http://schemas.microsoft.com/office/powerpoint/2015/main" val="1"/>
+              </p:ext>
+            </p:extLst>
+          </p:nvPr>
+        </p:nvSpPr>
+        <p:spPr>
+          <a:xfrm>
+            <a:off x="0" y="0"/>
+            <a:ext cx="3581400" cy="6858000"/>
+          </a:xfrm>
+          <a:custGeom>
+            <a:avLst/>
+            <a:gdLst>
+              <a:gd name="connsiteX0" fmla="*/ 0 w 3581400"/>
+              <a:gd name="connsiteY0" fmla="*/ 0 h 6858000"/>
+              <a:gd name="connsiteX1" fmla="*/ 405246 w 3581400"/>
+              <a:gd name="connsiteY1" fmla="*/ 0 h 6858000"/>
+              <a:gd name="connsiteX2" fmla="*/ 3581400 w 3581400"/>
+              <a:gd name="connsiteY2" fmla="*/ 6858000 h 6858000"/>
+              <a:gd name="connsiteX3" fmla="*/ 0 w 3581400"/>
+              <a:gd name="connsiteY3" fmla="*/ 6858000 h 6858000"/>
+            </a:gdLst>
+            <a:ahLst/>
+            <a:cxnLst>
+              <a:cxn ang="0">
+                <a:pos x="connsiteX0" y="connsiteY0"/>
+              </a:cxn>
+              <a:cxn ang="0">
+                <a:pos x="connsiteX1" y="connsiteY1"/>
+              </a:cxn>
+              <a:cxn ang="0">
+                <a:pos x="connsiteX2" y="connsiteY2"/>
+              </a:cxn>
+              <a:cxn ang="0">
+                <a:pos x="connsiteX3" y="connsiteY3"/>
+              </a:cxn>
+            </a:cxnLst>
+            <a:rect l="l" t="t" r="r" b="b"/>
+            <a:pathLst>
+              <a:path w="3581400" h="6858000">
+                <a:moveTo>
+                  <a:pt x="0" y="0"/>
+                </a:moveTo>
+                <a:lnTo>
+                  <a:pt x="405246" y="0"/>
+                </a:lnTo>
+                <a:lnTo>
+                  <a:pt x="3581400" y="6858000"/>
+                </a:lnTo>
+                <a:lnTo>
+                  <a:pt x="0" y="6858000"/>
+                </a:lnTo>
+                <a:close/>
+              </a:path>
+            </a:pathLst>
+          </a:custGeom>
+          <a:solidFill>
+            <a:schemeClr val="bg1">
+              <a:alpha val="30000"/>
+            </a:schemeClr>
+          </a:solidFill>
+          <a:ln>
+            <a:noFill/>
+          </a:ln>
+        </p:spPr>
+        <p:style>
+          <a:lnRef idx="2">
+            <a:schemeClr val="accent1">
+              <a:shade val="50000"/>
+            </a:schemeClr>
+          </a:lnRef>
+          <a:fillRef idx="1">
+            <a:schemeClr val="accent1"/>
+          </a:fillRef>
+          <a:effectRef idx="0">
+            <a:schemeClr val="accent1"/>
+          </a:effectRef>
+          <a:fontRef idx="minor">
+            <a:schemeClr val="lt1"/>
+          </a:fontRef>
+        </p:style>
+        <p:txBody>
+          <a:bodyPr wrap="square" rtlCol="0" anchor="ctr">
+            <a:noAutofit/>
+          </a:bodyPr>
+          <a:lstStyle/>
+          <a:p>
+            <a:pPr algn="ctr"/>
+            <a:endParaRPr lang="en-US"/>
+          </a:p>
+        </p:txBody>
+      </p:sp>
+      <p:sp>
+        <p:nvSpPr>
           <p:cNvPr id="2" name="Title 1">
             <a:extLst>
               <a:ext uri="{FF2B5EF4-FFF2-40B4-BE49-F238E27FC236}">
-                <a16:creationId xmlns:a16="http://schemas.microsoft.com/office/drawing/2014/main" id="{22DF8108-ABAC-4698-887D-79F9370A19CF}"/>
+                <a16:creationId xmlns:a16="http://schemas.microsoft.com/office/drawing/2014/main" id="{036FFB22-CB46-477E-8100-3D39A2854476}"/>
               </a:ext>
             </a:extLst>
           </p:cNvPr>
@@ -3995,25 +8484,836 @@
             <p:ph type="title"/>
           </p:nvPr>
         </p:nvSpPr>
-        <p:spPr/>
+        <p:spPr>
+          <a:xfrm>
+            <a:off x="833002" y="365125"/>
+            <a:ext cx="10520702" cy="1325563"/>
+          </a:xfrm>
+        </p:spPr>
         <p:txBody>
-          <a:bodyPr/>
+          <a:bodyPr>
+            <a:normAutofit/>
+          </a:bodyPr>
           <a:lstStyle/>
           <a:p>
-            <a:pPr algn="ctr"/>
             <a:r>
               <a:rPr lang="en-US" dirty="0"/>
-              <a:t>Fire Output</a:t>
+              <a:t>Methodology</a:t>
+            </a:r>
+          </a:p>
+        </p:txBody>
+      </p:sp>
+      <p:graphicFrame>
+        <p:nvGraphicFramePr>
+          <p:cNvPr id="5" name="Content Placeholder 2">
+            <a:extLst>
+              <a:ext uri="{FF2B5EF4-FFF2-40B4-BE49-F238E27FC236}">
+                <a16:creationId xmlns:a16="http://schemas.microsoft.com/office/drawing/2014/main" id="{F4EE39C4-2D84-4EC3-9038-882CFC49FDDB}"/>
+              </a:ext>
+            </a:extLst>
+          </p:cNvPr>
+          <p:cNvGraphicFramePr>
+            <a:graphicFrameLocks noGrp="1"/>
+          </p:cNvGraphicFramePr>
+          <p:nvPr>
+            <p:ph idx="1"/>
+            <p:extLst>
+              <p:ext uri="{D42A27DB-BD31-4B8C-83A1-F6EECF244321}">
+                <p14:modId xmlns:p14="http://schemas.microsoft.com/office/powerpoint/2010/main" val="2591957861"/>
+              </p:ext>
+            </p:extLst>
+          </p:nvPr>
+        </p:nvGraphicFramePr>
+        <p:xfrm>
+          <a:off x="838200" y="2022475"/>
+          <a:ext cx="10515600" cy="4154488"/>
+        </p:xfrm>
+        <a:graphic>
+          <a:graphicData uri="http://schemas.openxmlformats.org/drawingml/2006/diagram">
+            <dgm:relIds xmlns:dgm="http://schemas.openxmlformats.org/drawingml/2006/diagram" xmlns:r="http://schemas.openxmlformats.org/officeDocument/2006/relationships" r:dm="rId2" r:lo="rId3" r:qs="rId4" r:cs="rId5"/>
+          </a:graphicData>
+        </a:graphic>
+      </p:graphicFrame>
+    </p:spTree>
+    <p:extLst>
+      <p:ext uri="{BB962C8B-B14F-4D97-AF65-F5344CB8AC3E}">
+        <p14:creationId xmlns:p14="http://schemas.microsoft.com/office/powerpoint/2010/main" val="2478682919"/>
+      </p:ext>
+    </p:extLst>
+  </p:cSld>
+  <p:clrMapOvr>
+    <a:overrideClrMapping bg1="dk1" tx1="lt1" bg2="dk2" tx2="lt2" accent1="accent1" accent2="accent2" accent3="accent3" accent4="accent4" accent5="accent5" accent6="accent6" hlink="hlink" folHlink="folHlink"/>
+  </p:clrMapOvr>
+</p:sld>
+</file>
+
+<file path=ppt/slides/slide3.xml><?xml version="1.0" encoding="utf-8"?>
+<p:sld xmlns:a="http://schemas.openxmlformats.org/drawingml/2006/main" xmlns:r="http://schemas.openxmlformats.org/officeDocument/2006/relationships" xmlns:p="http://schemas.openxmlformats.org/presentationml/2006/main">
+  <p:cSld>
+    <p:bg>
+      <p:bgPr>
+        <a:solidFill>
+          <a:schemeClr val="bg1">
+            <a:tint val="95000"/>
+            <a:satMod val="170000"/>
+          </a:schemeClr>
+        </a:solidFill>
+        <a:effectLst/>
+      </p:bgPr>
+    </p:bg>
+    <p:spTree>
+      <p:nvGrpSpPr>
+        <p:cNvPr id="1" name=""/>
+        <p:cNvGrpSpPr/>
+        <p:nvPr/>
+      </p:nvGrpSpPr>
+      <p:grpSpPr>
+        <a:xfrm>
+          <a:off x="0" y="0"/>
+          <a:ext cx="0" cy="0"/>
+          <a:chOff x="0" y="0"/>
+          <a:chExt cx="0" cy="0"/>
+        </a:xfrm>
+      </p:grpSpPr>
+      <p:sp>
+        <p:nvSpPr>
+          <p:cNvPr id="8" name="Freeform: Shape 7">
+            <a:extLst>
+              <a:ext uri="{FF2B5EF4-FFF2-40B4-BE49-F238E27FC236}">
+                <a16:creationId xmlns:a16="http://schemas.microsoft.com/office/drawing/2014/main" id="{48A740BC-A0AA-45E0-B899-2AE9C6FE11CA}"/>
+              </a:ext>
+              <a:ext uri="{C183D7F6-B498-43B3-948B-1728B52AA6E4}">
+                <adec:decorative xmlns:adec="http://schemas.microsoft.com/office/drawing/2017/decorative" val="1"/>
+              </a:ext>
+            </a:extLst>
+          </p:cNvPr>
+          <p:cNvSpPr>
+            <a:spLocks noGrp="1" noRot="1" noChangeAspect="1" noMove="1" noResize="1" noEditPoints="1" noAdjustHandles="1" noChangeArrowheads="1" noChangeShapeType="1" noTextEdit="1"/>
+          </p:cNvSpPr>
+          <p:nvPr>
+            <p:extLst>
+              <p:ext uri="{386F3935-93C4-4BCD-93E2-E3B085C9AB24}">
+                <p16:designElem xmlns:p16="http://schemas.microsoft.com/office/powerpoint/2015/main" val="1"/>
+              </p:ext>
+            </p:extLst>
+          </p:nvPr>
+        </p:nvSpPr>
+        <p:spPr>
+          <a:xfrm>
+            <a:off x="5913121" y="-2"/>
+            <a:ext cx="6278879" cy="6858002"/>
+          </a:xfrm>
+          <a:custGeom>
+            <a:avLst/>
+            <a:gdLst>
+              <a:gd name="connsiteX0" fmla="*/ 45572 w 6278879"/>
+              <a:gd name="connsiteY0" fmla="*/ 0 h 6858002"/>
+              <a:gd name="connsiteX1" fmla="*/ 6278879 w 6278879"/>
+              <a:gd name="connsiteY1" fmla="*/ 0 h 6858002"/>
+              <a:gd name="connsiteX2" fmla="*/ 6278879 w 6278879"/>
+              <a:gd name="connsiteY2" fmla="*/ 6858002 h 6858002"/>
+              <a:gd name="connsiteX3" fmla="*/ 3292308 w 6278879"/>
+              <a:gd name="connsiteY3" fmla="*/ 6858002 h 6858002"/>
+              <a:gd name="connsiteX4" fmla="*/ 3181526 w 6278879"/>
+              <a:gd name="connsiteY4" fmla="*/ 6786982 h 6858002"/>
+              <a:gd name="connsiteX5" fmla="*/ 0 w 6278879"/>
+              <a:gd name="connsiteY5" fmla="*/ 803254 h 6858002"/>
+              <a:gd name="connsiteX6" fmla="*/ 37255 w 6278879"/>
+              <a:gd name="connsiteY6" fmla="*/ 65447 h 6858002"/>
+            </a:gdLst>
+            <a:ahLst/>
+            <a:cxnLst>
+              <a:cxn ang="0">
+                <a:pos x="connsiteX0" y="connsiteY0"/>
+              </a:cxn>
+              <a:cxn ang="0">
+                <a:pos x="connsiteX1" y="connsiteY1"/>
+              </a:cxn>
+              <a:cxn ang="0">
+                <a:pos x="connsiteX2" y="connsiteY2"/>
+              </a:cxn>
+              <a:cxn ang="0">
+                <a:pos x="connsiteX3" y="connsiteY3"/>
+              </a:cxn>
+              <a:cxn ang="0">
+                <a:pos x="connsiteX4" y="connsiteY4"/>
+              </a:cxn>
+              <a:cxn ang="0">
+                <a:pos x="connsiteX5" y="connsiteY5"/>
+              </a:cxn>
+              <a:cxn ang="0">
+                <a:pos x="connsiteX6" y="connsiteY6"/>
+              </a:cxn>
+            </a:cxnLst>
+            <a:rect l="l" t="t" r="r" b="b"/>
+            <a:pathLst>
+              <a:path w="6278879" h="6858002">
+                <a:moveTo>
+                  <a:pt x="45572" y="0"/>
+                </a:moveTo>
+                <a:lnTo>
+                  <a:pt x="6278879" y="0"/>
+                </a:lnTo>
+                <a:lnTo>
+                  <a:pt x="6278879" y="6858002"/>
+                </a:lnTo>
+                <a:lnTo>
+                  <a:pt x="3292308" y="6858002"/>
+                </a:lnTo>
+                <a:lnTo>
+                  <a:pt x="3181526" y="6786982"/>
+                </a:lnTo>
+                <a:cubicBezTo>
+                  <a:pt x="1262021" y="5490191"/>
+                  <a:pt x="0" y="3294103"/>
+                  <a:pt x="0" y="803254"/>
+                </a:cubicBezTo>
+                <a:cubicBezTo>
+                  <a:pt x="0" y="554169"/>
+                  <a:pt x="12620" y="308032"/>
+                  <a:pt x="37255" y="65447"/>
+                </a:cubicBezTo>
+                <a:close/>
+              </a:path>
+            </a:pathLst>
+          </a:custGeom>
+          <a:solidFill>
+            <a:schemeClr val="bg1">
+              <a:lumMod val="85000"/>
+              <a:lumOff val="15000"/>
+              <a:alpha val="70000"/>
+            </a:schemeClr>
+          </a:solidFill>
+          <a:ln>
+            <a:noFill/>
+          </a:ln>
+        </p:spPr>
+        <p:style>
+          <a:lnRef idx="2">
+            <a:schemeClr val="accent1">
+              <a:shade val="50000"/>
+            </a:schemeClr>
+          </a:lnRef>
+          <a:fillRef idx="1">
+            <a:schemeClr val="accent1"/>
+          </a:fillRef>
+          <a:effectRef idx="0">
+            <a:schemeClr val="accent1"/>
+          </a:effectRef>
+          <a:fontRef idx="minor">
+            <a:schemeClr val="lt1"/>
+          </a:fontRef>
+        </p:style>
+        <p:txBody>
+          <a:bodyPr rtlCol="0" anchor="ctr"/>
+          <a:lstStyle/>
+          <a:p>
+            <a:pPr marL="0" marR="0" lvl="0" indent="0" algn="ctr" defTabSz="914400" rtl="0" eaLnBrk="1" fontAlgn="auto" latinLnBrk="0" hangingPunct="1">
+              <a:lnSpc>
+                <a:spcPct val="100000"/>
+              </a:lnSpc>
+              <a:spcBef>
+                <a:spcPts val="0"/>
+              </a:spcBef>
+              <a:spcAft>
+                <a:spcPts val="0"/>
+              </a:spcAft>
+              <a:buClrTx/>
+              <a:buSzTx/>
+              <a:buFontTx/>
+              <a:buNone/>
+              <a:tabLst/>
+              <a:defRPr/>
+            </a:pPr>
+            <a:endParaRPr kumimoji="0" lang="en-US" sz="1800" b="0" i="0" u="none" strike="noStrike" kern="1200" cap="none" spc="0" normalizeH="0" baseline="0" noProof="0">
+              <a:ln>
+                <a:noFill/>
+              </a:ln>
+              <a:solidFill>
+                <a:prstClr val="white"/>
+              </a:solidFill>
+              <a:effectLst/>
+              <a:uLnTx/>
+              <a:uFillTx/>
+              <a:latin typeface="Calibri" panose="020F0502020204030204"/>
+              <a:ea typeface="+mn-ea"/>
+              <a:cs typeface="+mn-cs"/>
+            </a:endParaRPr>
+          </a:p>
+        </p:txBody>
+      </p:sp>
+      <p:sp>
+        <p:nvSpPr>
+          <p:cNvPr id="2" name="Title 1">
+            <a:extLst>
+              <a:ext uri="{FF2B5EF4-FFF2-40B4-BE49-F238E27FC236}">
+                <a16:creationId xmlns:a16="http://schemas.microsoft.com/office/drawing/2014/main" id="{BD1433EE-FAF9-45E3-8C92-156B38609351}"/>
+              </a:ext>
+            </a:extLst>
+          </p:cNvPr>
+          <p:cNvSpPr>
+            <a:spLocks noGrp="1"/>
+          </p:cNvSpPr>
+          <p:nvPr>
+            <p:ph type="title"/>
+          </p:nvPr>
+        </p:nvSpPr>
+        <p:spPr>
+          <a:xfrm>
+            <a:off x="655320" y="365125"/>
+            <a:ext cx="9013052" cy="1623312"/>
+          </a:xfrm>
+        </p:spPr>
+        <p:txBody>
+          <a:bodyPr anchor="b">
+            <a:normAutofit/>
+          </a:bodyPr>
+          <a:lstStyle/>
+          <a:p>
+            <a:r>
+              <a:rPr lang="en-US" sz="4000"/>
+              <a:t>Data Limitations</a:t>
+            </a:r>
+          </a:p>
+        </p:txBody>
+      </p:sp>
+      <p:cxnSp>
+        <p:nvCxnSpPr>
+          <p:cNvPr id="10" name="Straight Arrow Connector 9">
+            <a:extLst>
+              <a:ext uri="{FF2B5EF4-FFF2-40B4-BE49-F238E27FC236}">
+                <a16:creationId xmlns:a16="http://schemas.microsoft.com/office/drawing/2014/main" id="{B874EF51-C858-4BB9-97C3-D17755787127}"/>
+              </a:ext>
+              <a:ext uri="{C183D7F6-B498-43B3-948B-1728B52AA6E4}">
+                <adec:decorative xmlns:adec="http://schemas.microsoft.com/office/drawing/2017/decorative" val="1"/>
+              </a:ext>
+            </a:extLst>
+          </p:cNvPr>
+          <p:cNvCxnSpPr>
+            <a:cxnSpLocks noGrp="1" noRot="1" noChangeAspect="1" noMove="1" noResize="1" noEditPoints="1" noAdjustHandles="1" noChangeArrowheads="1" noChangeShapeType="1"/>
+          </p:cNvCxnSpPr>
+          <p:nvPr>
+            <p:extLst>
+              <p:ext uri="{386F3935-93C4-4BCD-93E2-E3B085C9AB24}">
+                <p16:designElem xmlns:p16="http://schemas.microsoft.com/office/powerpoint/2015/main" val="1"/>
+              </p:ext>
+            </p:extLst>
+          </p:nvPr>
+        </p:nvCxnSpPr>
+        <p:spPr>
+          <a:xfrm>
+            <a:off x="763661" y="2316480"/>
+            <a:ext cx="8229600" cy="0"/>
+          </a:xfrm>
+          <a:prstGeom prst="straightConnector1">
+            <a:avLst/>
+          </a:prstGeom>
+          <a:ln w="19050" cap="sq">
+            <a:solidFill>
+              <a:schemeClr val="tx1"/>
+            </a:solidFill>
+            <a:tailEnd type="none"/>
+          </a:ln>
+        </p:spPr>
+        <p:style>
+          <a:lnRef idx="1">
+            <a:schemeClr val="accent1"/>
+          </a:lnRef>
+          <a:fillRef idx="0">
+            <a:schemeClr val="accent1"/>
+          </a:fillRef>
+          <a:effectRef idx="0">
+            <a:schemeClr val="accent1"/>
+          </a:effectRef>
+          <a:fontRef idx="minor">
+            <a:schemeClr val="tx1"/>
+          </a:fontRef>
+        </p:style>
+      </p:cxnSp>
+      <p:sp>
+        <p:nvSpPr>
+          <p:cNvPr id="3" name="Content Placeholder 2">
+            <a:extLst>
+              <a:ext uri="{FF2B5EF4-FFF2-40B4-BE49-F238E27FC236}">
+                <a16:creationId xmlns:a16="http://schemas.microsoft.com/office/drawing/2014/main" id="{A5070A04-0DBC-4D15-94FE-509B68DD293E}"/>
+              </a:ext>
+            </a:extLst>
+          </p:cNvPr>
+          <p:cNvSpPr>
+            <a:spLocks noGrp="1"/>
+          </p:cNvSpPr>
+          <p:nvPr>
+            <p:ph idx="1"/>
+          </p:nvPr>
+        </p:nvSpPr>
+        <p:spPr>
+          <a:xfrm>
+            <a:off x="655320" y="2644518"/>
+            <a:ext cx="9013052" cy="3327251"/>
+          </a:xfrm>
+        </p:spPr>
+        <p:txBody>
+          <a:bodyPr>
+            <a:normAutofit/>
+          </a:bodyPr>
+          <a:lstStyle/>
+          <a:p>
+            <a:r>
+              <a:rPr lang="en-US" sz="1900"/>
+              <a:t>Reliant on Zillow Data that shows only monthly data.</a:t>
+            </a:r>
+          </a:p>
+          <a:p>
+            <a:r>
+              <a:rPr lang="en-US" sz="1900"/>
+              <a:t>FEMA declaration dates could be in the middle of the month, so short term price movements may not be reflective.</a:t>
+            </a:r>
+          </a:p>
+          <a:p>
+            <a:r>
+              <a:rPr lang="en-US" sz="1900"/>
+              <a:t>Our time horizon is only 6 months, and is fairly limited in scope.</a:t>
+            </a:r>
+          </a:p>
+          <a:p>
+            <a:r>
+              <a:rPr lang="en-US" sz="1900"/>
+              <a:t>FEMA data only shows County Level information, so it was not possible to by zip code.</a:t>
+            </a:r>
+          </a:p>
+          <a:p>
+            <a:r>
+              <a:rPr lang="en-US" sz="1900"/>
+              <a:t>Zillow data only goes back to 1997, so we captured price movements during the biggest real estate bubble in modern history. </a:t>
+            </a:r>
+          </a:p>
+          <a:p>
+            <a:r>
+              <a:rPr lang="en-US" sz="1900"/>
+              <a:t>Some Zillow zip codes only contained partial data and were excluded from the analysis. </a:t>
+            </a:r>
+          </a:p>
+        </p:txBody>
+      </p:sp>
+    </p:spTree>
+    <p:extLst>
+      <p:ext uri="{BB962C8B-B14F-4D97-AF65-F5344CB8AC3E}">
+        <p14:creationId xmlns:p14="http://schemas.microsoft.com/office/powerpoint/2010/main" val="119035027"/>
+      </p:ext>
+    </p:extLst>
+  </p:cSld>
+  <p:clrMapOvr>
+    <a:overrideClrMapping bg1="dk1" tx1="lt1" bg2="dk2" tx2="lt2" accent1="accent1" accent2="accent2" accent3="accent3" accent4="accent4" accent5="accent5" accent6="accent6" hlink="hlink" folHlink="folHlink"/>
+  </p:clrMapOvr>
+</p:sld>
+</file>
+
+<file path=ppt/slides/slide4.xml><?xml version="1.0" encoding="utf-8"?>
+<p:sld xmlns:a="http://schemas.openxmlformats.org/drawingml/2006/main" xmlns:r="http://schemas.openxmlformats.org/officeDocument/2006/relationships" xmlns:p="http://schemas.openxmlformats.org/presentationml/2006/main">
+  <p:cSld>
+    <p:bg>
+      <p:bgPr>
+        <a:solidFill>
+          <a:schemeClr val="bg1">
+            <a:tint val="95000"/>
+            <a:satMod val="170000"/>
+          </a:schemeClr>
+        </a:solidFill>
+        <a:effectLst/>
+      </p:bgPr>
+    </p:bg>
+    <p:spTree>
+      <p:nvGrpSpPr>
+        <p:cNvPr id="1" name=""/>
+        <p:cNvGrpSpPr/>
+        <p:nvPr/>
+      </p:nvGrpSpPr>
+      <p:grpSpPr>
+        <a:xfrm>
+          <a:off x="0" y="0"/>
+          <a:ext cx="0" cy="0"/>
+          <a:chOff x="0" y="0"/>
+          <a:chExt cx="0" cy="0"/>
+        </a:xfrm>
+      </p:grpSpPr>
+      <p:sp>
+        <p:nvSpPr>
+          <p:cNvPr id="15" name="Rectangle 14">
+            <a:extLst>
+              <a:ext uri="{FF2B5EF4-FFF2-40B4-BE49-F238E27FC236}">
+                <a16:creationId xmlns:a16="http://schemas.microsoft.com/office/drawing/2014/main" id="{EE1FC7B4-E4A7-4452-B413-1A623E3A7230}"/>
+              </a:ext>
+              <a:ext uri="{C183D7F6-B498-43B3-948B-1728B52AA6E4}">
+                <adec:decorative xmlns:adec="http://schemas.microsoft.com/office/drawing/2017/decorative" val="1"/>
+              </a:ext>
+            </a:extLst>
+          </p:cNvPr>
+          <p:cNvSpPr>
+            <a:spLocks noGrp="1" noRot="1" noChangeAspect="1" noMove="1" noResize="1" noEditPoints="1" noAdjustHandles="1" noChangeArrowheads="1" noChangeShapeType="1" noTextEdit="1"/>
+          </p:cNvSpPr>
+          <p:nvPr>
+            <p:extLst>
+              <p:ext uri="{386F3935-93C4-4BCD-93E2-E3B085C9AB24}">
+                <p16:designElem xmlns:p16="http://schemas.microsoft.com/office/powerpoint/2015/main" val="1"/>
+              </p:ext>
+            </p:extLst>
+          </p:nvPr>
+        </p:nvSpPr>
+        <p:spPr>
+          <a:xfrm>
+            <a:off x="0" y="-3324"/>
+            <a:ext cx="12192000" cy="6861324"/>
+          </a:xfrm>
+          <a:prstGeom prst="rect">
+            <a:avLst/>
+          </a:prstGeom>
+          <a:solidFill>
+            <a:schemeClr val="bg1">
+              <a:alpha val="9000"/>
+            </a:schemeClr>
+          </a:solidFill>
+          <a:ln>
+            <a:noFill/>
+          </a:ln>
+        </p:spPr>
+        <p:style>
+          <a:lnRef idx="2">
+            <a:schemeClr val="accent1">
+              <a:shade val="50000"/>
+            </a:schemeClr>
+          </a:lnRef>
+          <a:fillRef idx="1">
+            <a:schemeClr val="accent1"/>
+          </a:fillRef>
+          <a:effectRef idx="0">
+            <a:schemeClr val="accent1"/>
+          </a:effectRef>
+          <a:fontRef idx="minor">
+            <a:schemeClr val="lt1"/>
+          </a:fontRef>
+        </p:style>
+        <p:txBody>
+          <a:bodyPr rtlCol="0" anchor="ctr"/>
+          <a:lstStyle/>
+          <a:p>
+            <a:pPr algn="ctr"/>
+            <a:endParaRPr lang="en-US"/>
+          </a:p>
+        </p:txBody>
+      </p:sp>
+      <p:sp>
+        <p:nvSpPr>
+          <p:cNvPr id="17" name="Freeform 13">
+            <a:extLst>
+              <a:ext uri="{FF2B5EF4-FFF2-40B4-BE49-F238E27FC236}">
+                <a16:creationId xmlns:a16="http://schemas.microsoft.com/office/drawing/2014/main" id="{E0709AF0-24F0-4486-B189-BE6386BDB198}"/>
+              </a:ext>
+              <a:ext uri="{C183D7F6-B498-43B3-948B-1728B52AA6E4}">
+                <adec:decorative xmlns:adec="http://schemas.microsoft.com/office/drawing/2017/decorative" val="1"/>
+              </a:ext>
+            </a:extLst>
+          </p:cNvPr>
+          <p:cNvSpPr>
+            <a:spLocks noGrp="1" noRot="1" noChangeAspect="1" noMove="1" noResize="1" noEditPoints="1" noAdjustHandles="1" noChangeArrowheads="1" noChangeShapeType="1" noTextEdit="1"/>
+          </p:cNvSpPr>
+          <p:nvPr>
+            <p:extLst>
+              <p:ext uri="{386F3935-93C4-4BCD-93E2-E3B085C9AB24}">
+                <p16:designElem xmlns:p16="http://schemas.microsoft.com/office/powerpoint/2015/main" val="1"/>
+              </p:ext>
+            </p:extLst>
+          </p:nvPr>
+        </p:nvSpPr>
+        <p:spPr>
+          <a:xfrm>
+            <a:off x="0" y="0"/>
+            <a:ext cx="11786754" cy="6858000"/>
+          </a:xfrm>
+          <a:custGeom>
+            <a:avLst/>
+            <a:gdLst>
+              <a:gd name="connsiteX0" fmla="*/ 0 w 11786754"/>
+              <a:gd name="connsiteY0" fmla="*/ 0 h 6858000"/>
+              <a:gd name="connsiteX1" fmla="*/ 8610600 w 11786754"/>
+              <a:gd name="connsiteY1" fmla="*/ 0 h 6858000"/>
+              <a:gd name="connsiteX2" fmla="*/ 11786754 w 11786754"/>
+              <a:gd name="connsiteY2" fmla="*/ 6858000 h 6858000"/>
+              <a:gd name="connsiteX3" fmla="*/ 0 w 11786754"/>
+              <a:gd name="connsiteY3" fmla="*/ 6858000 h 6858000"/>
+            </a:gdLst>
+            <a:ahLst/>
+            <a:cxnLst>
+              <a:cxn ang="0">
+                <a:pos x="connsiteX0" y="connsiteY0"/>
+              </a:cxn>
+              <a:cxn ang="0">
+                <a:pos x="connsiteX1" y="connsiteY1"/>
+              </a:cxn>
+              <a:cxn ang="0">
+                <a:pos x="connsiteX2" y="connsiteY2"/>
+              </a:cxn>
+              <a:cxn ang="0">
+                <a:pos x="connsiteX3" y="connsiteY3"/>
+              </a:cxn>
+            </a:cxnLst>
+            <a:rect l="l" t="t" r="r" b="b"/>
+            <a:pathLst>
+              <a:path w="11786754" h="6858000">
+                <a:moveTo>
+                  <a:pt x="0" y="0"/>
+                </a:moveTo>
+                <a:lnTo>
+                  <a:pt x="8610600" y="0"/>
+                </a:lnTo>
+                <a:lnTo>
+                  <a:pt x="11786754" y="6858000"/>
+                </a:lnTo>
+                <a:lnTo>
+                  <a:pt x="0" y="6858000"/>
+                </a:lnTo>
+                <a:close/>
+              </a:path>
+            </a:pathLst>
+          </a:custGeom>
+          <a:solidFill>
+            <a:schemeClr val="bg1">
+              <a:alpha val="30000"/>
+            </a:schemeClr>
+          </a:solidFill>
+          <a:ln>
+            <a:noFill/>
+          </a:ln>
+        </p:spPr>
+        <p:style>
+          <a:lnRef idx="2">
+            <a:schemeClr val="accent1">
+              <a:shade val="50000"/>
+            </a:schemeClr>
+          </a:lnRef>
+          <a:fillRef idx="1">
+            <a:schemeClr val="accent1"/>
+          </a:fillRef>
+          <a:effectRef idx="0">
+            <a:schemeClr val="accent1"/>
+          </a:effectRef>
+          <a:fontRef idx="minor">
+            <a:schemeClr val="lt1"/>
+          </a:fontRef>
+        </p:style>
+        <p:txBody>
+          <a:bodyPr rtlCol="0" anchor="ctr"/>
+          <a:lstStyle/>
+          <a:p>
+            <a:pPr algn="ctr"/>
+            <a:endParaRPr lang="en-US"/>
+          </a:p>
+        </p:txBody>
+      </p:sp>
+      <p:sp>
+        <p:nvSpPr>
+          <p:cNvPr id="19" name="Freeform 11">
+            <a:extLst>
+              <a:ext uri="{FF2B5EF4-FFF2-40B4-BE49-F238E27FC236}">
+                <a16:creationId xmlns:a16="http://schemas.microsoft.com/office/drawing/2014/main" id="{FBE3B62F-5853-4A3C-B050-6186351A7176}"/>
+              </a:ext>
+              <a:ext uri="{C183D7F6-B498-43B3-948B-1728B52AA6E4}">
+                <adec:decorative xmlns:adec="http://schemas.microsoft.com/office/drawing/2017/decorative" val="1"/>
+              </a:ext>
+            </a:extLst>
+          </p:cNvPr>
+          <p:cNvSpPr>
+            <a:spLocks noGrp="1" noRot="1" noChangeAspect="1" noMove="1" noResize="1" noEditPoints="1" noAdjustHandles="1" noChangeArrowheads="1" noChangeShapeType="1" noTextEdit="1"/>
+          </p:cNvSpPr>
+          <p:nvPr>
+            <p:extLst>
+              <p:ext uri="{386F3935-93C4-4BCD-93E2-E3B085C9AB24}">
+                <p16:designElem xmlns:p16="http://schemas.microsoft.com/office/powerpoint/2015/main" val="1"/>
+              </p:ext>
+            </p:extLst>
+          </p:nvPr>
+        </p:nvSpPr>
+        <p:spPr>
+          <a:xfrm>
+            <a:off x="0" y="0"/>
+            <a:ext cx="3581400" cy="6858000"/>
+          </a:xfrm>
+          <a:custGeom>
+            <a:avLst/>
+            <a:gdLst>
+              <a:gd name="connsiteX0" fmla="*/ 0 w 3581400"/>
+              <a:gd name="connsiteY0" fmla="*/ 0 h 6858000"/>
+              <a:gd name="connsiteX1" fmla="*/ 405246 w 3581400"/>
+              <a:gd name="connsiteY1" fmla="*/ 0 h 6858000"/>
+              <a:gd name="connsiteX2" fmla="*/ 3581400 w 3581400"/>
+              <a:gd name="connsiteY2" fmla="*/ 6858000 h 6858000"/>
+              <a:gd name="connsiteX3" fmla="*/ 0 w 3581400"/>
+              <a:gd name="connsiteY3" fmla="*/ 6858000 h 6858000"/>
+            </a:gdLst>
+            <a:ahLst/>
+            <a:cxnLst>
+              <a:cxn ang="0">
+                <a:pos x="connsiteX0" y="connsiteY0"/>
+              </a:cxn>
+              <a:cxn ang="0">
+                <a:pos x="connsiteX1" y="connsiteY1"/>
+              </a:cxn>
+              <a:cxn ang="0">
+                <a:pos x="connsiteX2" y="connsiteY2"/>
+              </a:cxn>
+              <a:cxn ang="0">
+                <a:pos x="connsiteX3" y="connsiteY3"/>
+              </a:cxn>
+            </a:cxnLst>
+            <a:rect l="l" t="t" r="r" b="b"/>
+            <a:pathLst>
+              <a:path w="3581400" h="6858000">
+                <a:moveTo>
+                  <a:pt x="0" y="0"/>
+                </a:moveTo>
+                <a:lnTo>
+                  <a:pt x="405246" y="0"/>
+                </a:lnTo>
+                <a:lnTo>
+                  <a:pt x="3581400" y="6858000"/>
+                </a:lnTo>
+                <a:lnTo>
+                  <a:pt x="0" y="6858000"/>
+                </a:lnTo>
+                <a:close/>
+              </a:path>
+            </a:pathLst>
+          </a:custGeom>
+          <a:solidFill>
+            <a:schemeClr val="bg1">
+              <a:alpha val="30000"/>
+            </a:schemeClr>
+          </a:solidFill>
+          <a:ln>
+            <a:noFill/>
+          </a:ln>
+        </p:spPr>
+        <p:style>
+          <a:lnRef idx="2">
+            <a:schemeClr val="accent1">
+              <a:shade val="50000"/>
+            </a:schemeClr>
+          </a:lnRef>
+          <a:fillRef idx="1">
+            <a:schemeClr val="accent1"/>
+          </a:fillRef>
+          <a:effectRef idx="0">
+            <a:schemeClr val="accent1"/>
+          </a:effectRef>
+          <a:fontRef idx="minor">
+            <a:schemeClr val="lt1"/>
+          </a:fontRef>
+        </p:style>
+        <p:txBody>
+          <a:bodyPr wrap="square" rtlCol="0" anchor="ctr">
+            <a:noAutofit/>
+          </a:bodyPr>
+          <a:lstStyle/>
+          <a:p>
+            <a:pPr algn="ctr"/>
+            <a:endParaRPr lang="en-US"/>
+          </a:p>
+        </p:txBody>
+      </p:sp>
+      <p:sp>
+        <p:nvSpPr>
+          <p:cNvPr id="2" name="Title 1">
+            <a:extLst>
+              <a:ext uri="{FF2B5EF4-FFF2-40B4-BE49-F238E27FC236}">
+                <a16:creationId xmlns:a16="http://schemas.microsoft.com/office/drawing/2014/main" id="{38208835-A1CE-4493-9233-21F2AF45C013}"/>
+              </a:ext>
+            </a:extLst>
+          </p:cNvPr>
+          <p:cNvSpPr>
+            <a:spLocks noGrp="1"/>
+          </p:cNvSpPr>
+          <p:nvPr>
+            <p:ph type="title"/>
+          </p:nvPr>
+        </p:nvSpPr>
+        <p:spPr>
+          <a:xfrm>
+            <a:off x="833002" y="448253"/>
+            <a:ext cx="10520702" cy="1325563"/>
+          </a:xfrm>
+        </p:spPr>
+        <p:txBody>
+          <a:bodyPr vert="horz" lIns="91440" tIns="45720" rIns="91440" bIns="45720" rtlCol="0" anchor="ctr">
+            <a:normAutofit/>
+          </a:bodyPr>
+          <a:lstStyle/>
+          <a:p>
+            <a:r>
+              <a:rPr lang="en-US" kern="1200">
+                <a:solidFill>
+                  <a:schemeClr val="tx1"/>
+                </a:solidFill>
+                <a:latin typeface="+mj-lt"/>
+                <a:ea typeface="+mj-ea"/>
+                <a:cs typeface="+mj-cs"/>
+              </a:rPr>
+              <a:t>Do Natural Disasters Affect Real-Estate Prices?</a:t>
+            </a:r>
+          </a:p>
+        </p:txBody>
+      </p:sp>
+      <p:sp>
+        <p:nvSpPr>
+          <p:cNvPr id="6" name="Content Placeholder 5">
+            <a:extLst>
+              <a:ext uri="{FF2B5EF4-FFF2-40B4-BE49-F238E27FC236}">
+                <a16:creationId xmlns:a16="http://schemas.microsoft.com/office/drawing/2014/main" id="{E356EA7B-8730-4531-A87D-781ACC0D7728}"/>
+              </a:ext>
+            </a:extLst>
+          </p:cNvPr>
+          <p:cNvSpPr>
+            <a:spLocks noGrp="1"/>
+          </p:cNvSpPr>
+          <p:nvPr>
+            <p:ph sz="half" idx="2"/>
+          </p:nvPr>
+        </p:nvSpPr>
+        <p:spPr>
+          <a:xfrm>
+            <a:off x="838200" y="2191807"/>
+            <a:ext cx="4936067" cy="3985155"/>
+          </a:xfrm>
+        </p:spPr>
+        <p:txBody>
+          <a:bodyPr vert="horz" lIns="91440" tIns="45720" rIns="91440" bIns="45720" rtlCol="0">
+            <a:normAutofit/>
+          </a:bodyPr>
+          <a:lstStyle/>
+          <a:p>
+            <a:r>
+              <a:rPr lang="en-US" sz="2000"/>
+              <a:t>Every single FEMA classified event appears to have an effect on Real-Estate prices. </a:t>
+            </a:r>
+          </a:p>
+          <a:p>
+            <a:r>
+              <a:rPr lang="en-US" sz="2000"/>
+              <a:t>Some appear to have a greater affect than others.</a:t>
+            </a:r>
+          </a:p>
+          <a:p>
+            <a:r>
+              <a:rPr lang="en-US" sz="2000"/>
+              <a:t>The frequency of these events could have an impact on prices, as well as the location these event occur. </a:t>
             </a:r>
           </a:p>
         </p:txBody>
       </p:sp>
       <p:pic>
         <p:nvPicPr>
-          <p:cNvPr id="5" name="Content Placeholder 4">
+          <p:cNvPr id="10" name="Content Placeholder 9">
             <a:extLst>
               <a:ext uri="{FF2B5EF4-FFF2-40B4-BE49-F238E27FC236}">
-                <a16:creationId xmlns:a16="http://schemas.microsoft.com/office/drawing/2014/main" id="{EA03AADF-B618-4CE6-B75C-277FBFA7FA44}"/>
+                <a16:creationId xmlns:a16="http://schemas.microsoft.com/office/drawing/2014/main" id="{C083516A-D2E3-4D9D-9F9F-4A49A72DEC4F}"/>
               </a:ext>
             </a:extLst>
           </p:cNvPr>
@@ -4032,70 +9332,41 @@
         </p:blipFill>
         <p:spPr>
           <a:xfrm>
-            <a:off x="838200" y="1980470"/>
-            <a:ext cx="5181600" cy="4041648"/>
+            <a:off x="6417734" y="2406143"/>
+            <a:ext cx="4935970" cy="3556484"/>
           </a:xfrm>
           <a:prstGeom prst="rect">
             <a:avLst/>
           </a:prstGeom>
         </p:spPr>
       </p:pic>
-      <p:sp>
-        <p:nvSpPr>
-          <p:cNvPr id="4" name="Content Placeholder 3">
-            <a:extLst>
-              <a:ext uri="{FF2B5EF4-FFF2-40B4-BE49-F238E27FC236}">
-                <a16:creationId xmlns:a16="http://schemas.microsoft.com/office/drawing/2014/main" id="{04C03F19-BEF6-4F61-80B7-C6528A69EC17}"/>
-              </a:ext>
-            </a:extLst>
-          </p:cNvPr>
-          <p:cNvSpPr>
-            <a:spLocks noGrp="1"/>
-          </p:cNvSpPr>
-          <p:nvPr>
-            <p:ph sz="half" idx="2"/>
-          </p:nvPr>
-        </p:nvSpPr>
-        <p:spPr/>
-        <p:txBody>
-          <a:bodyPr/>
-          <a:lstStyle/>
-          <a:p>
-            <a:r>
-              <a:rPr lang="en-US" dirty="0"/>
-              <a:t>This was our most volatile dataset of all observations.</a:t>
-            </a:r>
-          </a:p>
-          <a:p>
-            <a:r>
-              <a:rPr lang="en-US" dirty="0"/>
-              <a:t>Null Hypothesis was rejected for every month.</a:t>
-            </a:r>
-          </a:p>
-          <a:p>
-            <a:r>
-              <a:rPr lang="en-US" dirty="0"/>
-              <a:t>One possibility for the higher home price growth in this data set could be due to a lower supply of homes, with little to no change in demand. Further research is required. </a:t>
-            </a:r>
-          </a:p>
-        </p:txBody>
-      </p:sp>
     </p:spTree>
     <p:extLst>
       <p:ext uri="{BB962C8B-B14F-4D97-AF65-F5344CB8AC3E}">
-        <p14:creationId xmlns:p14="http://schemas.microsoft.com/office/powerpoint/2010/main" val="3845825140"/>
+        <p14:creationId xmlns:p14="http://schemas.microsoft.com/office/powerpoint/2010/main" val="1502022977"/>
       </p:ext>
     </p:extLst>
   </p:cSld>
   <p:clrMapOvr>
-    <a:masterClrMapping/>
+    <a:overrideClrMapping bg1="dk1" tx1="lt1" bg2="dk2" tx2="lt2" accent1="accent1" accent2="accent2" accent3="accent3" accent4="accent4" accent5="accent5" accent6="accent6" hlink="hlink" folHlink="folHlink"/>
   </p:clrMapOvr>
 </p:sld>
 </file>
 
-<file path=ppt/slides/slide7.xml><?xml version="1.0" encoding="utf-8"?>
+<file path=ppt/slides/slide5.xml><?xml version="1.0" encoding="utf-8"?>
 <p:sld xmlns:a="http://schemas.openxmlformats.org/drawingml/2006/main" xmlns:r="http://schemas.openxmlformats.org/officeDocument/2006/relationships" xmlns:p="http://schemas.openxmlformats.org/presentationml/2006/main">
   <p:cSld>
+    <p:bg>
+      <p:bgPr>
+        <a:solidFill>
+          <a:schemeClr val="bg1">
+            <a:tint val="95000"/>
+            <a:satMod val="170000"/>
+          </a:schemeClr>
+        </a:solidFill>
+        <a:effectLst/>
+      </p:bgPr>
+    </p:bg>
     <p:spTree>
       <p:nvGrpSpPr>
         <p:cNvPr id="1" name=""/>
@@ -4112,10 +9383,380 @@
       </p:grpSpPr>
       <p:sp>
         <p:nvSpPr>
+          <p:cNvPr id="25" name="Rectangle 18">
+            <a:extLst>
+              <a:ext uri="{FF2B5EF4-FFF2-40B4-BE49-F238E27FC236}">
+                <a16:creationId xmlns:a16="http://schemas.microsoft.com/office/drawing/2014/main" id="{EE1FC7B4-E4A7-4452-B413-1A623E3A7230}"/>
+              </a:ext>
+              <a:ext uri="{C183D7F6-B498-43B3-948B-1728B52AA6E4}">
+                <adec:decorative xmlns:adec="http://schemas.microsoft.com/office/drawing/2017/decorative" val="1"/>
+              </a:ext>
+            </a:extLst>
+          </p:cNvPr>
+          <p:cNvSpPr>
+            <a:spLocks noGrp="1" noRot="1" noChangeAspect="1" noMove="1" noResize="1" noEditPoints="1" noAdjustHandles="1" noChangeArrowheads="1" noChangeShapeType="1" noTextEdit="1"/>
+          </p:cNvSpPr>
+          <p:nvPr>
+            <p:extLst>
+              <p:ext uri="{386F3935-93C4-4BCD-93E2-E3B085C9AB24}">
+                <p16:designElem xmlns:p16="http://schemas.microsoft.com/office/powerpoint/2015/main" val="1"/>
+              </p:ext>
+            </p:extLst>
+          </p:nvPr>
+        </p:nvSpPr>
+        <p:spPr>
+          <a:xfrm>
+            <a:off x="0" y="-3324"/>
+            <a:ext cx="12192000" cy="6861324"/>
+          </a:xfrm>
+          <a:prstGeom prst="rect">
+            <a:avLst/>
+          </a:prstGeom>
+          <a:solidFill>
+            <a:schemeClr val="bg1">
+              <a:alpha val="9000"/>
+            </a:schemeClr>
+          </a:solidFill>
+          <a:ln>
+            <a:noFill/>
+          </a:ln>
+        </p:spPr>
+        <p:style>
+          <a:lnRef idx="2">
+            <a:schemeClr val="accent1">
+              <a:shade val="50000"/>
+            </a:schemeClr>
+          </a:lnRef>
+          <a:fillRef idx="1">
+            <a:schemeClr val="accent1"/>
+          </a:fillRef>
+          <a:effectRef idx="0">
+            <a:schemeClr val="accent1"/>
+          </a:effectRef>
+          <a:fontRef idx="minor">
+            <a:schemeClr val="lt1"/>
+          </a:fontRef>
+        </p:style>
+        <p:txBody>
+          <a:bodyPr rtlCol="0" anchor="ctr"/>
+          <a:lstStyle/>
+          <a:p>
+            <a:pPr marL="0" marR="0" lvl="0" indent="0" algn="ctr" defTabSz="914400" rtl="0" eaLnBrk="1" fontAlgn="auto" latinLnBrk="0" hangingPunct="1">
+              <a:lnSpc>
+                <a:spcPct val="100000"/>
+              </a:lnSpc>
+              <a:spcBef>
+                <a:spcPts val="0"/>
+              </a:spcBef>
+              <a:spcAft>
+                <a:spcPts val="0"/>
+              </a:spcAft>
+              <a:buClrTx/>
+              <a:buSzTx/>
+              <a:buFontTx/>
+              <a:buNone/>
+              <a:tabLst/>
+              <a:defRPr/>
+            </a:pPr>
+            <a:endParaRPr kumimoji="0" lang="en-US" sz="1800" b="0" i="0" u="none" strike="noStrike" kern="1200" cap="none" spc="0" normalizeH="0" baseline="0" noProof="0">
+              <a:ln>
+                <a:noFill/>
+              </a:ln>
+              <a:solidFill>
+                <a:prstClr val="white"/>
+              </a:solidFill>
+              <a:effectLst/>
+              <a:uLnTx/>
+              <a:uFillTx/>
+              <a:latin typeface="Calibri" panose="020F0502020204030204"/>
+              <a:ea typeface="+mn-ea"/>
+              <a:cs typeface="+mn-cs"/>
+            </a:endParaRPr>
+          </a:p>
+        </p:txBody>
+      </p:sp>
+      <p:sp>
+        <p:nvSpPr>
+          <p:cNvPr id="26" name="Freeform 13">
+            <a:extLst>
+              <a:ext uri="{FF2B5EF4-FFF2-40B4-BE49-F238E27FC236}">
+                <a16:creationId xmlns:a16="http://schemas.microsoft.com/office/drawing/2014/main" id="{E0709AF0-24F0-4486-B189-BE6386BDB198}"/>
+              </a:ext>
+              <a:ext uri="{C183D7F6-B498-43B3-948B-1728B52AA6E4}">
+                <adec:decorative xmlns:adec="http://schemas.microsoft.com/office/drawing/2017/decorative" val="1"/>
+              </a:ext>
+            </a:extLst>
+          </p:cNvPr>
+          <p:cNvSpPr>
+            <a:spLocks noGrp="1" noRot="1" noChangeAspect="1" noMove="1" noResize="1" noEditPoints="1" noAdjustHandles="1" noChangeArrowheads="1" noChangeShapeType="1" noTextEdit="1"/>
+          </p:cNvSpPr>
+          <p:nvPr>
+            <p:extLst>
+              <p:ext uri="{386F3935-93C4-4BCD-93E2-E3B085C9AB24}">
+                <p16:designElem xmlns:p16="http://schemas.microsoft.com/office/powerpoint/2015/main" val="1"/>
+              </p:ext>
+            </p:extLst>
+          </p:nvPr>
+        </p:nvSpPr>
+        <p:spPr>
+          <a:xfrm>
+            <a:off x="0" y="0"/>
+            <a:ext cx="11786754" cy="6858000"/>
+          </a:xfrm>
+          <a:custGeom>
+            <a:avLst/>
+            <a:gdLst>
+              <a:gd name="connsiteX0" fmla="*/ 0 w 11786754"/>
+              <a:gd name="connsiteY0" fmla="*/ 0 h 6858000"/>
+              <a:gd name="connsiteX1" fmla="*/ 8610600 w 11786754"/>
+              <a:gd name="connsiteY1" fmla="*/ 0 h 6858000"/>
+              <a:gd name="connsiteX2" fmla="*/ 11786754 w 11786754"/>
+              <a:gd name="connsiteY2" fmla="*/ 6858000 h 6858000"/>
+              <a:gd name="connsiteX3" fmla="*/ 0 w 11786754"/>
+              <a:gd name="connsiteY3" fmla="*/ 6858000 h 6858000"/>
+            </a:gdLst>
+            <a:ahLst/>
+            <a:cxnLst>
+              <a:cxn ang="0">
+                <a:pos x="connsiteX0" y="connsiteY0"/>
+              </a:cxn>
+              <a:cxn ang="0">
+                <a:pos x="connsiteX1" y="connsiteY1"/>
+              </a:cxn>
+              <a:cxn ang="0">
+                <a:pos x="connsiteX2" y="connsiteY2"/>
+              </a:cxn>
+              <a:cxn ang="0">
+                <a:pos x="connsiteX3" y="connsiteY3"/>
+              </a:cxn>
+            </a:cxnLst>
+            <a:rect l="l" t="t" r="r" b="b"/>
+            <a:pathLst>
+              <a:path w="11786754" h="6858000">
+                <a:moveTo>
+                  <a:pt x="0" y="0"/>
+                </a:moveTo>
+                <a:lnTo>
+                  <a:pt x="8610600" y="0"/>
+                </a:lnTo>
+                <a:lnTo>
+                  <a:pt x="11786754" y="6858000"/>
+                </a:lnTo>
+                <a:lnTo>
+                  <a:pt x="0" y="6858000"/>
+                </a:lnTo>
+                <a:close/>
+              </a:path>
+            </a:pathLst>
+          </a:custGeom>
+          <a:solidFill>
+            <a:schemeClr val="bg1">
+              <a:alpha val="30000"/>
+            </a:schemeClr>
+          </a:solidFill>
+          <a:ln>
+            <a:noFill/>
+          </a:ln>
+        </p:spPr>
+        <p:style>
+          <a:lnRef idx="2">
+            <a:schemeClr val="accent1">
+              <a:shade val="50000"/>
+            </a:schemeClr>
+          </a:lnRef>
+          <a:fillRef idx="1">
+            <a:schemeClr val="accent1"/>
+          </a:fillRef>
+          <a:effectRef idx="0">
+            <a:schemeClr val="accent1"/>
+          </a:effectRef>
+          <a:fontRef idx="minor">
+            <a:schemeClr val="lt1"/>
+          </a:fontRef>
+        </p:style>
+        <p:txBody>
+          <a:bodyPr rtlCol="0" anchor="ctr"/>
+          <a:lstStyle/>
+          <a:p>
+            <a:pPr marL="0" marR="0" lvl="0" indent="0" algn="ctr" defTabSz="914400" rtl="0" eaLnBrk="1" fontAlgn="auto" latinLnBrk="0" hangingPunct="1">
+              <a:lnSpc>
+                <a:spcPct val="100000"/>
+              </a:lnSpc>
+              <a:spcBef>
+                <a:spcPts val="0"/>
+              </a:spcBef>
+              <a:spcAft>
+                <a:spcPts val="0"/>
+              </a:spcAft>
+              <a:buClrTx/>
+              <a:buSzTx/>
+              <a:buFontTx/>
+              <a:buNone/>
+              <a:tabLst/>
+              <a:defRPr/>
+            </a:pPr>
+            <a:endParaRPr kumimoji="0" lang="en-US" sz="1800" b="0" i="0" u="none" strike="noStrike" kern="1200" cap="none" spc="0" normalizeH="0" baseline="0" noProof="0">
+              <a:ln>
+                <a:noFill/>
+              </a:ln>
+              <a:solidFill>
+                <a:prstClr val="white"/>
+              </a:solidFill>
+              <a:effectLst/>
+              <a:uLnTx/>
+              <a:uFillTx/>
+              <a:latin typeface="Calibri" panose="020F0502020204030204"/>
+              <a:ea typeface="+mn-ea"/>
+              <a:cs typeface="+mn-cs"/>
+            </a:endParaRPr>
+          </a:p>
+        </p:txBody>
+      </p:sp>
+      <p:sp>
+        <p:nvSpPr>
+          <p:cNvPr id="27" name="Freeform 11">
+            <a:extLst>
+              <a:ext uri="{FF2B5EF4-FFF2-40B4-BE49-F238E27FC236}">
+                <a16:creationId xmlns:a16="http://schemas.microsoft.com/office/drawing/2014/main" id="{FBE3B62F-5853-4A3C-B050-6186351A7176}"/>
+              </a:ext>
+              <a:ext uri="{C183D7F6-B498-43B3-948B-1728B52AA6E4}">
+                <adec:decorative xmlns:adec="http://schemas.microsoft.com/office/drawing/2017/decorative" val="1"/>
+              </a:ext>
+            </a:extLst>
+          </p:cNvPr>
+          <p:cNvSpPr>
+            <a:spLocks noGrp="1" noRot="1" noChangeAspect="1" noMove="1" noResize="1" noEditPoints="1" noAdjustHandles="1" noChangeArrowheads="1" noChangeShapeType="1" noTextEdit="1"/>
+          </p:cNvSpPr>
+          <p:nvPr>
+            <p:extLst>
+              <p:ext uri="{386F3935-93C4-4BCD-93E2-E3B085C9AB24}">
+                <p16:designElem xmlns:p16="http://schemas.microsoft.com/office/powerpoint/2015/main" val="1"/>
+              </p:ext>
+            </p:extLst>
+          </p:nvPr>
+        </p:nvSpPr>
+        <p:spPr>
+          <a:xfrm>
+            <a:off x="0" y="0"/>
+            <a:ext cx="3581400" cy="6858000"/>
+          </a:xfrm>
+          <a:custGeom>
+            <a:avLst/>
+            <a:gdLst>
+              <a:gd name="connsiteX0" fmla="*/ 0 w 3581400"/>
+              <a:gd name="connsiteY0" fmla="*/ 0 h 6858000"/>
+              <a:gd name="connsiteX1" fmla="*/ 405246 w 3581400"/>
+              <a:gd name="connsiteY1" fmla="*/ 0 h 6858000"/>
+              <a:gd name="connsiteX2" fmla="*/ 3581400 w 3581400"/>
+              <a:gd name="connsiteY2" fmla="*/ 6858000 h 6858000"/>
+              <a:gd name="connsiteX3" fmla="*/ 0 w 3581400"/>
+              <a:gd name="connsiteY3" fmla="*/ 6858000 h 6858000"/>
+            </a:gdLst>
+            <a:ahLst/>
+            <a:cxnLst>
+              <a:cxn ang="0">
+                <a:pos x="connsiteX0" y="connsiteY0"/>
+              </a:cxn>
+              <a:cxn ang="0">
+                <a:pos x="connsiteX1" y="connsiteY1"/>
+              </a:cxn>
+              <a:cxn ang="0">
+                <a:pos x="connsiteX2" y="connsiteY2"/>
+              </a:cxn>
+              <a:cxn ang="0">
+                <a:pos x="connsiteX3" y="connsiteY3"/>
+              </a:cxn>
+            </a:cxnLst>
+            <a:rect l="l" t="t" r="r" b="b"/>
+            <a:pathLst>
+              <a:path w="3581400" h="6858000">
+                <a:moveTo>
+                  <a:pt x="0" y="0"/>
+                </a:moveTo>
+                <a:lnTo>
+                  <a:pt x="405246" y="0"/>
+                </a:lnTo>
+                <a:lnTo>
+                  <a:pt x="3581400" y="6858000"/>
+                </a:lnTo>
+                <a:lnTo>
+                  <a:pt x="0" y="6858000"/>
+                </a:lnTo>
+                <a:close/>
+              </a:path>
+            </a:pathLst>
+          </a:custGeom>
+          <a:solidFill>
+            <a:schemeClr val="bg1">
+              <a:alpha val="30000"/>
+            </a:schemeClr>
+          </a:solidFill>
+          <a:ln>
+            <a:noFill/>
+          </a:ln>
+        </p:spPr>
+        <p:style>
+          <a:lnRef idx="2">
+            <a:schemeClr val="accent1">
+              <a:shade val="50000"/>
+            </a:schemeClr>
+          </a:lnRef>
+          <a:fillRef idx="1">
+            <a:schemeClr val="accent1"/>
+          </a:fillRef>
+          <a:effectRef idx="0">
+            <a:schemeClr val="accent1"/>
+          </a:effectRef>
+          <a:fontRef idx="minor">
+            <a:schemeClr val="lt1"/>
+          </a:fontRef>
+        </p:style>
+        <p:txBody>
+          <a:bodyPr wrap="square" rtlCol="0" anchor="ctr">
+            <a:noAutofit/>
+          </a:bodyPr>
+          <a:lstStyle/>
+          <a:p>
+            <a:pPr marL="0" marR="0" lvl="0" indent="0" algn="ctr" defTabSz="914400" rtl="0" eaLnBrk="1" fontAlgn="auto" latinLnBrk="0" hangingPunct="1">
+              <a:lnSpc>
+                <a:spcPct val="100000"/>
+              </a:lnSpc>
+              <a:spcBef>
+                <a:spcPts val="0"/>
+              </a:spcBef>
+              <a:spcAft>
+                <a:spcPts val="0"/>
+              </a:spcAft>
+              <a:buClrTx/>
+              <a:buSzTx/>
+              <a:buFontTx/>
+              <a:buNone/>
+              <a:tabLst/>
+              <a:defRPr/>
+            </a:pPr>
+            <a:endParaRPr kumimoji="0" lang="en-US" sz="1800" b="0" i="0" u="none" strike="noStrike" kern="1200" cap="none" spc="0" normalizeH="0" baseline="0" noProof="0">
+              <a:ln>
+                <a:noFill/>
+              </a:ln>
+              <a:solidFill>
+                <a:prstClr val="white"/>
+              </a:solidFill>
+              <a:effectLst/>
+              <a:uLnTx/>
+              <a:uFillTx/>
+              <a:latin typeface="Calibri" panose="020F0502020204030204"/>
+              <a:ea typeface="+mn-ea"/>
+              <a:cs typeface="+mn-cs"/>
+            </a:endParaRPr>
+          </a:p>
+        </p:txBody>
+      </p:sp>
+      <p:sp>
+        <p:nvSpPr>
           <p:cNvPr id="2" name="Title 1">
             <a:extLst>
               <a:ext uri="{FF2B5EF4-FFF2-40B4-BE49-F238E27FC236}">
-                <a16:creationId xmlns:a16="http://schemas.microsoft.com/office/drawing/2014/main" id="{C592A71F-FECD-412E-A7C3-806FD90139FF}"/>
+                <a16:creationId xmlns:a16="http://schemas.microsoft.com/office/drawing/2014/main" id="{EAB581DF-5FCE-4D52-AFC3-678C9AB14262}"/>
               </a:ext>
             </a:extLst>
           </p:cNvPr>
@@ -4126,15 +9767,28 @@
             <p:ph type="title"/>
           </p:nvPr>
         </p:nvSpPr>
-        <p:spPr/>
+        <p:spPr>
+          <a:xfrm>
+            <a:off x="958660" y="939474"/>
+            <a:ext cx="10395044" cy="1325563"/>
+          </a:xfrm>
+        </p:spPr>
         <p:txBody>
-          <a:bodyPr/>
+          <a:bodyPr vert="horz" lIns="91440" tIns="45720" rIns="91440" bIns="45720" rtlCol="0" anchor="ctr">
+            <a:normAutofit/>
+          </a:bodyPr>
           <a:lstStyle/>
           <a:p>
-            <a:pPr algn="ctr"/>
             <a:r>
-              <a:rPr lang="en-US" dirty="0"/>
-              <a:t>Severe Storms Output</a:t>
+              <a:rPr lang="en-US" kern="1200">
+                <a:solidFill>
+                  <a:schemeClr val="tx1"/>
+                </a:solidFill>
+                <a:latin typeface="+mj-lt"/>
+                <a:ea typeface="+mj-ea"/>
+                <a:cs typeface="+mj-cs"/>
+              </a:rPr>
+              <a:t>Hurricane Output</a:t>
             </a:r>
           </a:p>
         </p:txBody>
@@ -4144,7 +9798,7 @@
           <p:cNvPr id="5" name="Content Placeholder 4">
             <a:extLst>
               <a:ext uri="{FF2B5EF4-FFF2-40B4-BE49-F238E27FC236}">
-                <a16:creationId xmlns:a16="http://schemas.microsoft.com/office/drawing/2014/main" id="{3F90635A-81BA-46FF-B197-E161C654A074}"/>
+                <a16:creationId xmlns:a16="http://schemas.microsoft.com/office/drawing/2014/main" id="{0BE029A7-1021-418B-B716-9A34A8296399}"/>
               </a:ext>
             </a:extLst>
           </p:cNvPr>
@@ -4163,8 +9817,8 @@
         </p:blipFill>
         <p:spPr>
           <a:xfrm>
-            <a:off x="838200" y="1994074"/>
-            <a:ext cx="5181600" cy="4014439"/>
+            <a:off x="616179" y="2065123"/>
+            <a:ext cx="5613201" cy="4392330"/>
           </a:xfrm>
           <a:prstGeom prst="rect">
             <a:avLst/>
@@ -4176,7 +9830,7 @@
           <p:cNvPr id="4" name="Content Placeholder 3">
             <a:extLst>
               <a:ext uri="{FF2B5EF4-FFF2-40B4-BE49-F238E27FC236}">
-                <a16:creationId xmlns:a16="http://schemas.microsoft.com/office/drawing/2014/main" id="{98749716-3247-42E2-A689-702909F013CA}"/>
+                <a16:creationId xmlns:a16="http://schemas.microsoft.com/office/drawing/2014/main" id="{9EE10065-5E0B-486A-B3D2-1BF7DCA8E498}"/>
               </a:ext>
             </a:extLst>
           </p:cNvPr>
@@ -4187,46 +9841,70 @@
             <p:ph sz="half" idx="2"/>
           </p:nvPr>
         </p:nvSpPr>
-        <p:spPr/>
+        <p:spPr>
+          <a:xfrm>
+            <a:off x="6690047" y="2265037"/>
+            <a:ext cx="4885773" cy="3762539"/>
+          </a:xfrm>
+        </p:spPr>
         <p:txBody>
-          <a:bodyPr/>
+          <a:bodyPr vert="horz" lIns="91440" tIns="45720" rIns="91440" bIns="45720" rtlCol="0">
+            <a:normAutofit/>
+          </a:bodyPr>
           <a:lstStyle/>
           <a:p>
             <a:r>
-              <a:rPr lang="en-US" dirty="0"/>
+              <a:rPr lang="en-US" sz="2000" dirty="0"/>
               <a:t>Null Hypothesis of no affect on real-estate prices was  rejected for all 6 months in this data set.</a:t>
             </a:r>
           </a:p>
           <a:p>
             <a:r>
-              <a:rPr lang="en-US" dirty="0"/>
-              <a:t>The effect on home prices appears to be normally distributed. </a:t>
+              <a:rPr lang="en-US" sz="2000" dirty="0"/>
+              <a:t>Zip codes affected clearly showed significant volatility.</a:t>
             </a:r>
           </a:p>
           <a:p>
-            <a:pPr marL="0" indent="0">
-              <a:buNone/>
-            </a:pPr>
-            <a:endParaRPr lang="en-US" dirty="0"/>
+            <a:r>
+              <a:rPr lang="en-US" sz="2000" dirty="0"/>
+              <a:t>Median home price growth was significantly lower. </a:t>
+            </a:r>
+          </a:p>
+          <a:p>
+            <a:r>
+              <a:rPr lang="en-US" sz="2000" dirty="0"/>
+              <a:t>Research into what drives the skewness of this distribution as it is not normally distributed. </a:t>
+            </a:r>
           </a:p>
         </p:txBody>
       </p:sp>
     </p:spTree>
     <p:extLst>
       <p:ext uri="{BB962C8B-B14F-4D97-AF65-F5344CB8AC3E}">
-        <p14:creationId xmlns:p14="http://schemas.microsoft.com/office/powerpoint/2010/main" val="4246509160"/>
+        <p14:creationId xmlns:p14="http://schemas.microsoft.com/office/powerpoint/2010/main" val="1351042067"/>
       </p:ext>
     </p:extLst>
   </p:cSld>
   <p:clrMapOvr>
-    <a:masterClrMapping/>
+    <a:overrideClrMapping bg1="dk1" tx1="lt1" bg2="dk2" tx2="lt2" accent1="accent1" accent2="accent2" accent3="accent3" accent4="accent4" accent5="accent5" accent6="accent6" hlink="hlink" folHlink="folHlink"/>
   </p:clrMapOvr>
 </p:sld>
 </file>
 
-<file path=ppt/slides/slide8.xml><?xml version="1.0" encoding="utf-8"?>
+<file path=ppt/slides/slide6.xml><?xml version="1.0" encoding="utf-8"?>
 <p:sld xmlns:a="http://schemas.openxmlformats.org/drawingml/2006/main" xmlns:r="http://schemas.openxmlformats.org/officeDocument/2006/relationships" xmlns:p="http://schemas.openxmlformats.org/presentationml/2006/main">
   <p:cSld>
+    <p:bg>
+      <p:bgPr>
+        <a:solidFill>
+          <a:schemeClr val="bg1">
+            <a:tint val="95000"/>
+            <a:satMod val="170000"/>
+          </a:schemeClr>
+        </a:solidFill>
+        <a:effectLst/>
+      </p:bgPr>
+    </p:bg>
     <p:spTree>
       <p:nvGrpSpPr>
         <p:cNvPr id="1" name=""/>
@@ -4243,10 +9921,293 @@
       </p:grpSpPr>
       <p:sp>
         <p:nvSpPr>
+          <p:cNvPr id="18" name="Rectangle 11">
+            <a:extLst>
+              <a:ext uri="{FF2B5EF4-FFF2-40B4-BE49-F238E27FC236}">
+                <a16:creationId xmlns:a16="http://schemas.microsoft.com/office/drawing/2014/main" id="{EE1FC7B4-E4A7-4452-B413-1A623E3A7230}"/>
+              </a:ext>
+              <a:ext uri="{C183D7F6-B498-43B3-948B-1728B52AA6E4}">
+                <adec:decorative xmlns:adec="http://schemas.microsoft.com/office/drawing/2017/decorative" val="1"/>
+              </a:ext>
+            </a:extLst>
+          </p:cNvPr>
+          <p:cNvSpPr>
+            <a:spLocks noGrp="1" noRot="1" noChangeAspect="1" noMove="1" noResize="1" noEditPoints="1" noAdjustHandles="1" noChangeArrowheads="1" noChangeShapeType="1" noTextEdit="1"/>
+          </p:cNvSpPr>
+          <p:nvPr>
+            <p:extLst>
+              <p:ext uri="{386F3935-93C4-4BCD-93E2-E3B085C9AB24}">
+                <p16:designElem xmlns:p16="http://schemas.microsoft.com/office/powerpoint/2015/main" val="1"/>
+              </p:ext>
+            </p:extLst>
+          </p:nvPr>
+        </p:nvSpPr>
+        <p:spPr>
+          <a:xfrm>
+            <a:off x="0" y="-3324"/>
+            <a:ext cx="12192000" cy="6861324"/>
+          </a:xfrm>
+          <a:prstGeom prst="rect">
+            <a:avLst/>
+          </a:prstGeom>
+          <a:solidFill>
+            <a:schemeClr val="bg1">
+              <a:alpha val="9000"/>
+            </a:schemeClr>
+          </a:solidFill>
+          <a:ln>
+            <a:noFill/>
+          </a:ln>
+        </p:spPr>
+        <p:style>
+          <a:lnRef idx="2">
+            <a:schemeClr val="accent1">
+              <a:shade val="50000"/>
+            </a:schemeClr>
+          </a:lnRef>
+          <a:fillRef idx="1">
+            <a:schemeClr val="accent1"/>
+          </a:fillRef>
+          <a:effectRef idx="0">
+            <a:schemeClr val="accent1"/>
+          </a:effectRef>
+          <a:fontRef idx="minor">
+            <a:schemeClr val="lt1"/>
+          </a:fontRef>
+        </p:style>
+        <p:txBody>
+          <a:bodyPr rtlCol="0" anchor="ctr"/>
+          <a:lstStyle/>
+          <a:p>
+            <a:pPr algn="ctr"/>
+            <a:endParaRPr lang="en-US"/>
+          </a:p>
+        </p:txBody>
+      </p:sp>
+      <p:sp>
+        <p:nvSpPr>
+          <p:cNvPr id="19" name="Freeform 13">
+            <a:extLst>
+              <a:ext uri="{FF2B5EF4-FFF2-40B4-BE49-F238E27FC236}">
+                <a16:creationId xmlns:a16="http://schemas.microsoft.com/office/drawing/2014/main" id="{E0709AF0-24F0-4486-B189-BE6386BDB198}"/>
+              </a:ext>
+              <a:ext uri="{C183D7F6-B498-43B3-948B-1728B52AA6E4}">
+                <adec:decorative xmlns:adec="http://schemas.microsoft.com/office/drawing/2017/decorative" val="1"/>
+              </a:ext>
+            </a:extLst>
+          </p:cNvPr>
+          <p:cNvSpPr>
+            <a:spLocks noGrp="1" noRot="1" noChangeAspect="1" noMove="1" noResize="1" noEditPoints="1" noAdjustHandles="1" noChangeArrowheads="1" noChangeShapeType="1" noTextEdit="1"/>
+          </p:cNvSpPr>
+          <p:nvPr>
+            <p:extLst>
+              <p:ext uri="{386F3935-93C4-4BCD-93E2-E3B085C9AB24}">
+                <p16:designElem xmlns:p16="http://schemas.microsoft.com/office/powerpoint/2015/main" val="1"/>
+              </p:ext>
+            </p:extLst>
+          </p:nvPr>
+        </p:nvSpPr>
+        <p:spPr>
+          <a:xfrm>
+            <a:off x="0" y="0"/>
+            <a:ext cx="11786754" cy="6858000"/>
+          </a:xfrm>
+          <a:custGeom>
+            <a:avLst/>
+            <a:gdLst>
+              <a:gd name="connsiteX0" fmla="*/ 0 w 11786754"/>
+              <a:gd name="connsiteY0" fmla="*/ 0 h 6858000"/>
+              <a:gd name="connsiteX1" fmla="*/ 8610600 w 11786754"/>
+              <a:gd name="connsiteY1" fmla="*/ 0 h 6858000"/>
+              <a:gd name="connsiteX2" fmla="*/ 11786754 w 11786754"/>
+              <a:gd name="connsiteY2" fmla="*/ 6858000 h 6858000"/>
+              <a:gd name="connsiteX3" fmla="*/ 0 w 11786754"/>
+              <a:gd name="connsiteY3" fmla="*/ 6858000 h 6858000"/>
+            </a:gdLst>
+            <a:ahLst/>
+            <a:cxnLst>
+              <a:cxn ang="0">
+                <a:pos x="connsiteX0" y="connsiteY0"/>
+              </a:cxn>
+              <a:cxn ang="0">
+                <a:pos x="connsiteX1" y="connsiteY1"/>
+              </a:cxn>
+              <a:cxn ang="0">
+                <a:pos x="connsiteX2" y="connsiteY2"/>
+              </a:cxn>
+              <a:cxn ang="0">
+                <a:pos x="connsiteX3" y="connsiteY3"/>
+              </a:cxn>
+            </a:cxnLst>
+            <a:rect l="l" t="t" r="r" b="b"/>
+            <a:pathLst>
+              <a:path w="11786754" h="6858000">
+                <a:moveTo>
+                  <a:pt x="0" y="0"/>
+                </a:moveTo>
+                <a:lnTo>
+                  <a:pt x="8610600" y="0"/>
+                </a:lnTo>
+                <a:lnTo>
+                  <a:pt x="11786754" y="6858000"/>
+                </a:lnTo>
+                <a:lnTo>
+                  <a:pt x="0" y="6858000"/>
+                </a:lnTo>
+                <a:close/>
+              </a:path>
+            </a:pathLst>
+          </a:custGeom>
+          <a:solidFill>
+            <a:schemeClr val="bg1">
+              <a:alpha val="30000"/>
+            </a:schemeClr>
+          </a:solidFill>
+          <a:ln>
+            <a:noFill/>
+          </a:ln>
+        </p:spPr>
+        <p:style>
+          <a:lnRef idx="2">
+            <a:schemeClr val="accent1">
+              <a:shade val="50000"/>
+            </a:schemeClr>
+          </a:lnRef>
+          <a:fillRef idx="1">
+            <a:schemeClr val="accent1"/>
+          </a:fillRef>
+          <a:effectRef idx="0">
+            <a:schemeClr val="accent1"/>
+          </a:effectRef>
+          <a:fontRef idx="minor">
+            <a:schemeClr val="lt1"/>
+          </a:fontRef>
+        </p:style>
+        <p:txBody>
+          <a:bodyPr rtlCol="0" anchor="ctr"/>
+          <a:lstStyle/>
+          <a:p>
+            <a:pPr algn="ctr"/>
+            <a:endParaRPr lang="en-US"/>
+          </a:p>
+        </p:txBody>
+      </p:sp>
+      <p:sp>
+        <p:nvSpPr>
+          <p:cNvPr id="20" name="Freeform 11">
+            <a:extLst>
+              <a:ext uri="{FF2B5EF4-FFF2-40B4-BE49-F238E27FC236}">
+                <a16:creationId xmlns:a16="http://schemas.microsoft.com/office/drawing/2014/main" id="{FBE3B62F-5853-4A3C-B050-6186351A7176}"/>
+              </a:ext>
+              <a:ext uri="{C183D7F6-B498-43B3-948B-1728B52AA6E4}">
+                <adec:decorative xmlns:adec="http://schemas.microsoft.com/office/drawing/2017/decorative" val="1"/>
+              </a:ext>
+            </a:extLst>
+          </p:cNvPr>
+          <p:cNvSpPr>
+            <a:spLocks noGrp="1" noRot="1" noChangeAspect="1" noMove="1" noResize="1" noEditPoints="1" noAdjustHandles="1" noChangeArrowheads="1" noChangeShapeType="1" noTextEdit="1"/>
+          </p:cNvSpPr>
+          <p:nvPr>
+            <p:extLst>
+              <p:ext uri="{386F3935-93C4-4BCD-93E2-E3B085C9AB24}">
+                <p16:designElem xmlns:p16="http://schemas.microsoft.com/office/powerpoint/2015/main" val="1"/>
+              </p:ext>
+            </p:extLst>
+          </p:nvPr>
+        </p:nvSpPr>
+        <p:spPr>
+          <a:xfrm>
+            <a:off x="0" y="0"/>
+            <a:ext cx="3581400" cy="6858000"/>
+          </a:xfrm>
+          <a:custGeom>
+            <a:avLst/>
+            <a:gdLst>
+              <a:gd name="connsiteX0" fmla="*/ 0 w 3581400"/>
+              <a:gd name="connsiteY0" fmla="*/ 0 h 6858000"/>
+              <a:gd name="connsiteX1" fmla="*/ 405246 w 3581400"/>
+              <a:gd name="connsiteY1" fmla="*/ 0 h 6858000"/>
+              <a:gd name="connsiteX2" fmla="*/ 3581400 w 3581400"/>
+              <a:gd name="connsiteY2" fmla="*/ 6858000 h 6858000"/>
+              <a:gd name="connsiteX3" fmla="*/ 0 w 3581400"/>
+              <a:gd name="connsiteY3" fmla="*/ 6858000 h 6858000"/>
+            </a:gdLst>
+            <a:ahLst/>
+            <a:cxnLst>
+              <a:cxn ang="0">
+                <a:pos x="connsiteX0" y="connsiteY0"/>
+              </a:cxn>
+              <a:cxn ang="0">
+                <a:pos x="connsiteX1" y="connsiteY1"/>
+              </a:cxn>
+              <a:cxn ang="0">
+                <a:pos x="connsiteX2" y="connsiteY2"/>
+              </a:cxn>
+              <a:cxn ang="0">
+                <a:pos x="connsiteX3" y="connsiteY3"/>
+              </a:cxn>
+            </a:cxnLst>
+            <a:rect l="l" t="t" r="r" b="b"/>
+            <a:pathLst>
+              <a:path w="3581400" h="6858000">
+                <a:moveTo>
+                  <a:pt x="0" y="0"/>
+                </a:moveTo>
+                <a:lnTo>
+                  <a:pt x="405246" y="0"/>
+                </a:lnTo>
+                <a:lnTo>
+                  <a:pt x="3581400" y="6858000"/>
+                </a:lnTo>
+                <a:lnTo>
+                  <a:pt x="0" y="6858000"/>
+                </a:lnTo>
+                <a:close/>
+              </a:path>
+            </a:pathLst>
+          </a:custGeom>
+          <a:solidFill>
+            <a:schemeClr val="bg1">
+              <a:alpha val="30000"/>
+            </a:schemeClr>
+          </a:solidFill>
+          <a:ln>
+            <a:noFill/>
+          </a:ln>
+        </p:spPr>
+        <p:style>
+          <a:lnRef idx="2">
+            <a:schemeClr val="accent1">
+              <a:shade val="50000"/>
+            </a:schemeClr>
+          </a:lnRef>
+          <a:fillRef idx="1">
+            <a:schemeClr val="accent1"/>
+          </a:fillRef>
+          <a:effectRef idx="0">
+            <a:schemeClr val="accent1"/>
+          </a:effectRef>
+          <a:fontRef idx="minor">
+            <a:schemeClr val="lt1"/>
+          </a:fontRef>
+        </p:style>
+        <p:txBody>
+          <a:bodyPr wrap="square" rtlCol="0" anchor="ctr">
+            <a:noAutofit/>
+          </a:bodyPr>
+          <a:lstStyle/>
+          <a:p>
+            <a:pPr algn="ctr"/>
+            <a:endParaRPr lang="en-US"/>
+          </a:p>
+        </p:txBody>
+      </p:sp>
+      <p:sp>
+        <p:nvSpPr>
           <p:cNvPr id="2" name="Title 1">
             <a:extLst>
               <a:ext uri="{FF2B5EF4-FFF2-40B4-BE49-F238E27FC236}">
-                <a16:creationId xmlns:a16="http://schemas.microsoft.com/office/drawing/2014/main" id="{061AC211-1A89-46DF-8A6A-15498C4C8F26}"/>
+                <a16:creationId xmlns:a16="http://schemas.microsoft.com/office/drawing/2014/main" id="{43242FCD-0018-4BA2-8F9B-6434D6DB4412}"/>
               </a:ext>
             </a:extLst>
           </p:cNvPr>
@@ -4257,25 +10218,88 @@
             <p:ph type="title"/>
           </p:nvPr>
         </p:nvSpPr>
-        <p:spPr/>
+        <p:spPr>
+          <a:xfrm>
+            <a:off x="833002" y="448253"/>
+            <a:ext cx="10520702" cy="1325563"/>
+          </a:xfrm>
+        </p:spPr>
         <p:txBody>
-          <a:bodyPr/>
+          <a:bodyPr vert="horz" lIns="91440" tIns="45720" rIns="91440" bIns="45720" rtlCol="0" anchor="ctr">
+            <a:normAutofit/>
+          </a:bodyPr>
           <a:lstStyle/>
           <a:p>
-            <a:pPr algn="ctr"/>
             <a:r>
-              <a:rPr lang="en-US" dirty="0"/>
-              <a:t>Snow Storm Output</a:t>
+              <a:rPr lang="en-US" kern="1200">
+                <a:solidFill>
+                  <a:schemeClr val="tx1"/>
+                </a:solidFill>
+                <a:latin typeface="+mj-lt"/>
+                <a:ea typeface="+mj-ea"/>
+                <a:cs typeface="+mj-cs"/>
+              </a:rPr>
+              <a:t>Flood Output</a:t>
             </a:r>
+          </a:p>
+        </p:txBody>
+      </p:sp>
+      <p:sp>
+        <p:nvSpPr>
+          <p:cNvPr id="4" name="Content Placeholder 3">
+            <a:extLst>
+              <a:ext uri="{FF2B5EF4-FFF2-40B4-BE49-F238E27FC236}">
+                <a16:creationId xmlns:a16="http://schemas.microsoft.com/office/drawing/2014/main" id="{2AEC88C6-A1D9-4C43-99A2-9D914E512B17}"/>
+              </a:ext>
+            </a:extLst>
+          </p:cNvPr>
+          <p:cNvSpPr>
+            <a:spLocks noGrp="1"/>
+          </p:cNvSpPr>
+          <p:nvPr>
+            <p:ph sz="half" idx="2"/>
+          </p:nvPr>
+        </p:nvSpPr>
+        <p:spPr>
+          <a:xfrm>
+            <a:off x="838200" y="2191807"/>
+            <a:ext cx="4936067" cy="3985155"/>
+          </a:xfrm>
+        </p:spPr>
+        <p:txBody>
+          <a:bodyPr vert="horz" lIns="91440" tIns="45720" rIns="91440" bIns="45720" rtlCol="0">
+            <a:normAutofit/>
+          </a:bodyPr>
+          <a:lstStyle/>
+          <a:p>
+            <a:r>
+              <a:rPr lang="en-US" sz="2000"/>
+              <a:t>Null Hypothesis of no affect on real-estate prices was  rejected for all 6 months in this data set.</a:t>
+            </a:r>
+          </a:p>
+          <a:p>
+            <a:r>
+              <a:rPr lang="en-US" sz="2000"/>
+              <a:t>Zip codes affected clearly showed significant volatility.</a:t>
+            </a:r>
+          </a:p>
+          <a:p>
+            <a:r>
+              <a:rPr lang="en-US" sz="2000"/>
+              <a:t>Like with hurricanes there was a negative impact on median home prices.</a:t>
+            </a:r>
+          </a:p>
+          <a:p>
+            <a:endParaRPr lang="en-US" sz="2000"/>
           </a:p>
         </p:txBody>
       </p:sp>
       <p:pic>
         <p:nvPicPr>
-          <p:cNvPr id="5" name="Content Placeholder 4">
+          <p:cNvPr id="7" name="Content Placeholder 6">
             <a:extLst>
               <a:ext uri="{FF2B5EF4-FFF2-40B4-BE49-F238E27FC236}">
-                <a16:creationId xmlns:a16="http://schemas.microsoft.com/office/drawing/2014/main" id="{94375741-EAA9-480D-8569-E6B9865D68DA}"/>
+                <a16:creationId xmlns:a16="http://schemas.microsoft.com/office/drawing/2014/main" id="{B8B9595B-7C59-4A75-A342-E27B4BF30A3A}"/>
               </a:ext>
             </a:extLst>
           </p:cNvPr>
@@ -4294,8 +10318,1468 @@
         </p:blipFill>
         <p:spPr>
           <a:xfrm>
-            <a:off x="838200" y="1983353"/>
-            <a:ext cx="5181600" cy="4035882"/>
+            <a:off x="6417734" y="2234677"/>
+            <a:ext cx="4935970" cy="3899415"/>
+          </a:xfrm>
+          <a:prstGeom prst="rect">
+            <a:avLst/>
+          </a:prstGeom>
+        </p:spPr>
+      </p:pic>
+    </p:spTree>
+    <p:extLst>
+      <p:ext uri="{BB962C8B-B14F-4D97-AF65-F5344CB8AC3E}">
+        <p14:creationId xmlns:p14="http://schemas.microsoft.com/office/powerpoint/2010/main" val="2000318982"/>
+      </p:ext>
+    </p:extLst>
+  </p:cSld>
+  <p:clrMapOvr>
+    <a:overrideClrMapping bg1="dk1" tx1="lt1" bg2="dk2" tx2="lt2" accent1="accent1" accent2="accent2" accent3="accent3" accent4="accent4" accent5="accent5" accent6="accent6" hlink="hlink" folHlink="folHlink"/>
+  </p:clrMapOvr>
+</p:sld>
+</file>
+
+<file path=ppt/slides/slide7.xml><?xml version="1.0" encoding="utf-8"?>
+<p:sld xmlns:a="http://schemas.openxmlformats.org/drawingml/2006/main" xmlns:r="http://schemas.openxmlformats.org/officeDocument/2006/relationships" xmlns:p="http://schemas.openxmlformats.org/presentationml/2006/main">
+  <p:cSld>
+    <p:bg>
+      <p:bgPr>
+        <a:solidFill>
+          <a:schemeClr val="bg1">
+            <a:tint val="95000"/>
+            <a:satMod val="170000"/>
+          </a:schemeClr>
+        </a:solidFill>
+        <a:effectLst/>
+      </p:bgPr>
+    </p:bg>
+    <p:spTree>
+      <p:nvGrpSpPr>
+        <p:cNvPr id="1" name=""/>
+        <p:cNvGrpSpPr/>
+        <p:nvPr/>
+      </p:nvGrpSpPr>
+      <p:grpSpPr>
+        <a:xfrm>
+          <a:off x="0" y="0"/>
+          <a:ext cx="0" cy="0"/>
+          <a:chOff x="0" y="0"/>
+          <a:chExt cx="0" cy="0"/>
+        </a:xfrm>
+      </p:grpSpPr>
+      <p:sp>
+        <p:nvSpPr>
+          <p:cNvPr id="13" name="Rectangle 12">
+            <a:extLst>
+              <a:ext uri="{FF2B5EF4-FFF2-40B4-BE49-F238E27FC236}">
+                <a16:creationId xmlns:a16="http://schemas.microsoft.com/office/drawing/2014/main" id="{EE1FC7B4-E4A7-4452-B413-1A623E3A7230}"/>
+              </a:ext>
+              <a:ext uri="{C183D7F6-B498-43B3-948B-1728B52AA6E4}">
+                <adec:decorative xmlns:adec="http://schemas.microsoft.com/office/drawing/2017/decorative" val="1"/>
+              </a:ext>
+            </a:extLst>
+          </p:cNvPr>
+          <p:cNvSpPr>
+            <a:spLocks noGrp="1" noRot="1" noChangeAspect="1" noMove="1" noResize="1" noEditPoints="1" noAdjustHandles="1" noChangeArrowheads="1" noChangeShapeType="1" noTextEdit="1"/>
+          </p:cNvSpPr>
+          <p:nvPr>
+            <p:extLst>
+              <p:ext uri="{386F3935-93C4-4BCD-93E2-E3B085C9AB24}">
+                <p16:designElem xmlns:p16="http://schemas.microsoft.com/office/powerpoint/2015/main" val="1"/>
+              </p:ext>
+            </p:extLst>
+          </p:nvPr>
+        </p:nvSpPr>
+        <p:spPr>
+          <a:xfrm>
+            <a:off x="0" y="-3324"/>
+            <a:ext cx="12192000" cy="6861324"/>
+          </a:xfrm>
+          <a:prstGeom prst="rect">
+            <a:avLst/>
+          </a:prstGeom>
+          <a:solidFill>
+            <a:schemeClr val="bg1">
+              <a:alpha val="9000"/>
+            </a:schemeClr>
+          </a:solidFill>
+          <a:ln>
+            <a:noFill/>
+          </a:ln>
+        </p:spPr>
+        <p:style>
+          <a:lnRef idx="2">
+            <a:schemeClr val="accent1">
+              <a:shade val="50000"/>
+            </a:schemeClr>
+          </a:lnRef>
+          <a:fillRef idx="1">
+            <a:schemeClr val="accent1"/>
+          </a:fillRef>
+          <a:effectRef idx="0">
+            <a:schemeClr val="accent1"/>
+          </a:effectRef>
+          <a:fontRef idx="minor">
+            <a:schemeClr val="lt1"/>
+          </a:fontRef>
+        </p:style>
+        <p:txBody>
+          <a:bodyPr rtlCol="0" anchor="ctr"/>
+          <a:lstStyle/>
+          <a:p>
+            <a:pPr marL="0" marR="0" lvl="0" indent="0" algn="ctr" defTabSz="914400" rtl="0" eaLnBrk="1" fontAlgn="auto" latinLnBrk="0" hangingPunct="1">
+              <a:lnSpc>
+                <a:spcPct val="100000"/>
+              </a:lnSpc>
+              <a:spcBef>
+                <a:spcPts val="0"/>
+              </a:spcBef>
+              <a:spcAft>
+                <a:spcPts val="0"/>
+              </a:spcAft>
+              <a:buClrTx/>
+              <a:buSzTx/>
+              <a:buFontTx/>
+              <a:buNone/>
+              <a:tabLst/>
+              <a:defRPr/>
+            </a:pPr>
+            <a:endParaRPr kumimoji="0" lang="en-US" sz="1800" b="0" i="0" u="none" strike="noStrike" kern="1200" cap="none" spc="0" normalizeH="0" baseline="0" noProof="0">
+              <a:ln>
+                <a:noFill/>
+              </a:ln>
+              <a:solidFill>
+                <a:prstClr val="white"/>
+              </a:solidFill>
+              <a:effectLst/>
+              <a:uLnTx/>
+              <a:uFillTx/>
+              <a:latin typeface="Calibri" panose="020F0502020204030204"/>
+              <a:ea typeface="+mn-ea"/>
+              <a:cs typeface="+mn-cs"/>
+            </a:endParaRPr>
+          </a:p>
+        </p:txBody>
+      </p:sp>
+      <p:sp>
+        <p:nvSpPr>
+          <p:cNvPr id="15" name="Freeform 13">
+            <a:extLst>
+              <a:ext uri="{FF2B5EF4-FFF2-40B4-BE49-F238E27FC236}">
+                <a16:creationId xmlns:a16="http://schemas.microsoft.com/office/drawing/2014/main" id="{E0709AF0-24F0-4486-B189-BE6386BDB198}"/>
+              </a:ext>
+              <a:ext uri="{C183D7F6-B498-43B3-948B-1728B52AA6E4}">
+                <adec:decorative xmlns:adec="http://schemas.microsoft.com/office/drawing/2017/decorative" val="1"/>
+              </a:ext>
+            </a:extLst>
+          </p:cNvPr>
+          <p:cNvSpPr>
+            <a:spLocks noGrp="1" noRot="1" noChangeAspect="1" noMove="1" noResize="1" noEditPoints="1" noAdjustHandles="1" noChangeArrowheads="1" noChangeShapeType="1" noTextEdit="1"/>
+          </p:cNvSpPr>
+          <p:nvPr>
+            <p:extLst>
+              <p:ext uri="{386F3935-93C4-4BCD-93E2-E3B085C9AB24}">
+                <p16:designElem xmlns:p16="http://schemas.microsoft.com/office/powerpoint/2015/main" val="1"/>
+              </p:ext>
+            </p:extLst>
+          </p:nvPr>
+        </p:nvSpPr>
+        <p:spPr>
+          <a:xfrm>
+            <a:off x="0" y="0"/>
+            <a:ext cx="11786754" cy="6858000"/>
+          </a:xfrm>
+          <a:custGeom>
+            <a:avLst/>
+            <a:gdLst>
+              <a:gd name="connsiteX0" fmla="*/ 0 w 11786754"/>
+              <a:gd name="connsiteY0" fmla="*/ 0 h 6858000"/>
+              <a:gd name="connsiteX1" fmla="*/ 8610600 w 11786754"/>
+              <a:gd name="connsiteY1" fmla="*/ 0 h 6858000"/>
+              <a:gd name="connsiteX2" fmla="*/ 11786754 w 11786754"/>
+              <a:gd name="connsiteY2" fmla="*/ 6858000 h 6858000"/>
+              <a:gd name="connsiteX3" fmla="*/ 0 w 11786754"/>
+              <a:gd name="connsiteY3" fmla="*/ 6858000 h 6858000"/>
+            </a:gdLst>
+            <a:ahLst/>
+            <a:cxnLst>
+              <a:cxn ang="0">
+                <a:pos x="connsiteX0" y="connsiteY0"/>
+              </a:cxn>
+              <a:cxn ang="0">
+                <a:pos x="connsiteX1" y="connsiteY1"/>
+              </a:cxn>
+              <a:cxn ang="0">
+                <a:pos x="connsiteX2" y="connsiteY2"/>
+              </a:cxn>
+              <a:cxn ang="0">
+                <a:pos x="connsiteX3" y="connsiteY3"/>
+              </a:cxn>
+            </a:cxnLst>
+            <a:rect l="l" t="t" r="r" b="b"/>
+            <a:pathLst>
+              <a:path w="11786754" h="6858000">
+                <a:moveTo>
+                  <a:pt x="0" y="0"/>
+                </a:moveTo>
+                <a:lnTo>
+                  <a:pt x="8610600" y="0"/>
+                </a:lnTo>
+                <a:lnTo>
+                  <a:pt x="11786754" y="6858000"/>
+                </a:lnTo>
+                <a:lnTo>
+                  <a:pt x="0" y="6858000"/>
+                </a:lnTo>
+                <a:close/>
+              </a:path>
+            </a:pathLst>
+          </a:custGeom>
+          <a:solidFill>
+            <a:schemeClr val="bg1">
+              <a:alpha val="30000"/>
+            </a:schemeClr>
+          </a:solidFill>
+          <a:ln>
+            <a:noFill/>
+          </a:ln>
+        </p:spPr>
+        <p:style>
+          <a:lnRef idx="2">
+            <a:schemeClr val="accent1">
+              <a:shade val="50000"/>
+            </a:schemeClr>
+          </a:lnRef>
+          <a:fillRef idx="1">
+            <a:schemeClr val="accent1"/>
+          </a:fillRef>
+          <a:effectRef idx="0">
+            <a:schemeClr val="accent1"/>
+          </a:effectRef>
+          <a:fontRef idx="minor">
+            <a:schemeClr val="lt1"/>
+          </a:fontRef>
+        </p:style>
+        <p:txBody>
+          <a:bodyPr rtlCol="0" anchor="ctr"/>
+          <a:lstStyle/>
+          <a:p>
+            <a:pPr marL="0" marR="0" lvl="0" indent="0" algn="ctr" defTabSz="914400" rtl="0" eaLnBrk="1" fontAlgn="auto" latinLnBrk="0" hangingPunct="1">
+              <a:lnSpc>
+                <a:spcPct val="100000"/>
+              </a:lnSpc>
+              <a:spcBef>
+                <a:spcPts val="0"/>
+              </a:spcBef>
+              <a:spcAft>
+                <a:spcPts val="0"/>
+              </a:spcAft>
+              <a:buClrTx/>
+              <a:buSzTx/>
+              <a:buFontTx/>
+              <a:buNone/>
+              <a:tabLst/>
+              <a:defRPr/>
+            </a:pPr>
+            <a:endParaRPr kumimoji="0" lang="en-US" sz="1800" b="0" i="0" u="none" strike="noStrike" kern="1200" cap="none" spc="0" normalizeH="0" baseline="0" noProof="0">
+              <a:ln>
+                <a:noFill/>
+              </a:ln>
+              <a:solidFill>
+                <a:prstClr val="white"/>
+              </a:solidFill>
+              <a:effectLst/>
+              <a:uLnTx/>
+              <a:uFillTx/>
+              <a:latin typeface="Calibri" panose="020F0502020204030204"/>
+              <a:ea typeface="+mn-ea"/>
+              <a:cs typeface="+mn-cs"/>
+            </a:endParaRPr>
+          </a:p>
+        </p:txBody>
+      </p:sp>
+      <p:sp>
+        <p:nvSpPr>
+          <p:cNvPr id="17" name="Freeform 11">
+            <a:extLst>
+              <a:ext uri="{FF2B5EF4-FFF2-40B4-BE49-F238E27FC236}">
+                <a16:creationId xmlns:a16="http://schemas.microsoft.com/office/drawing/2014/main" id="{FBE3B62F-5853-4A3C-B050-6186351A7176}"/>
+              </a:ext>
+              <a:ext uri="{C183D7F6-B498-43B3-948B-1728B52AA6E4}">
+                <adec:decorative xmlns:adec="http://schemas.microsoft.com/office/drawing/2017/decorative" val="1"/>
+              </a:ext>
+            </a:extLst>
+          </p:cNvPr>
+          <p:cNvSpPr>
+            <a:spLocks noGrp="1" noRot="1" noChangeAspect="1" noMove="1" noResize="1" noEditPoints="1" noAdjustHandles="1" noChangeArrowheads="1" noChangeShapeType="1" noTextEdit="1"/>
+          </p:cNvSpPr>
+          <p:nvPr>
+            <p:extLst>
+              <p:ext uri="{386F3935-93C4-4BCD-93E2-E3B085C9AB24}">
+                <p16:designElem xmlns:p16="http://schemas.microsoft.com/office/powerpoint/2015/main" val="1"/>
+              </p:ext>
+            </p:extLst>
+          </p:nvPr>
+        </p:nvSpPr>
+        <p:spPr>
+          <a:xfrm>
+            <a:off x="0" y="0"/>
+            <a:ext cx="3581400" cy="6858000"/>
+          </a:xfrm>
+          <a:custGeom>
+            <a:avLst/>
+            <a:gdLst>
+              <a:gd name="connsiteX0" fmla="*/ 0 w 3581400"/>
+              <a:gd name="connsiteY0" fmla="*/ 0 h 6858000"/>
+              <a:gd name="connsiteX1" fmla="*/ 405246 w 3581400"/>
+              <a:gd name="connsiteY1" fmla="*/ 0 h 6858000"/>
+              <a:gd name="connsiteX2" fmla="*/ 3581400 w 3581400"/>
+              <a:gd name="connsiteY2" fmla="*/ 6858000 h 6858000"/>
+              <a:gd name="connsiteX3" fmla="*/ 0 w 3581400"/>
+              <a:gd name="connsiteY3" fmla="*/ 6858000 h 6858000"/>
+            </a:gdLst>
+            <a:ahLst/>
+            <a:cxnLst>
+              <a:cxn ang="0">
+                <a:pos x="connsiteX0" y="connsiteY0"/>
+              </a:cxn>
+              <a:cxn ang="0">
+                <a:pos x="connsiteX1" y="connsiteY1"/>
+              </a:cxn>
+              <a:cxn ang="0">
+                <a:pos x="connsiteX2" y="connsiteY2"/>
+              </a:cxn>
+              <a:cxn ang="0">
+                <a:pos x="connsiteX3" y="connsiteY3"/>
+              </a:cxn>
+            </a:cxnLst>
+            <a:rect l="l" t="t" r="r" b="b"/>
+            <a:pathLst>
+              <a:path w="3581400" h="6858000">
+                <a:moveTo>
+                  <a:pt x="0" y="0"/>
+                </a:moveTo>
+                <a:lnTo>
+                  <a:pt x="405246" y="0"/>
+                </a:lnTo>
+                <a:lnTo>
+                  <a:pt x="3581400" y="6858000"/>
+                </a:lnTo>
+                <a:lnTo>
+                  <a:pt x="0" y="6858000"/>
+                </a:lnTo>
+                <a:close/>
+              </a:path>
+            </a:pathLst>
+          </a:custGeom>
+          <a:solidFill>
+            <a:schemeClr val="bg1">
+              <a:alpha val="30000"/>
+            </a:schemeClr>
+          </a:solidFill>
+          <a:ln>
+            <a:noFill/>
+          </a:ln>
+        </p:spPr>
+        <p:style>
+          <a:lnRef idx="2">
+            <a:schemeClr val="accent1">
+              <a:shade val="50000"/>
+            </a:schemeClr>
+          </a:lnRef>
+          <a:fillRef idx="1">
+            <a:schemeClr val="accent1"/>
+          </a:fillRef>
+          <a:effectRef idx="0">
+            <a:schemeClr val="accent1"/>
+          </a:effectRef>
+          <a:fontRef idx="minor">
+            <a:schemeClr val="lt1"/>
+          </a:fontRef>
+        </p:style>
+        <p:txBody>
+          <a:bodyPr wrap="square" rtlCol="0" anchor="ctr">
+            <a:noAutofit/>
+          </a:bodyPr>
+          <a:lstStyle/>
+          <a:p>
+            <a:pPr marL="0" marR="0" lvl="0" indent="0" algn="ctr" defTabSz="914400" rtl="0" eaLnBrk="1" fontAlgn="auto" latinLnBrk="0" hangingPunct="1">
+              <a:lnSpc>
+                <a:spcPct val="100000"/>
+              </a:lnSpc>
+              <a:spcBef>
+                <a:spcPts val="0"/>
+              </a:spcBef>
+              <a:spcAft>
+                <a:spcPts val="0"/>
+              </a:spcAft>
+              <a:buClrTx/>
+              <a:buSzTx/>
+              <a:buFontTx/>
+              <a:buNone/>
+              <a:tabLst/>
+              <a:defRPr/>
+            </a:pPr>
+            <a:endParaRPr kumimoji="0" lang="en-US" sz="1800" b="0" i="0" u="none" strike="noStrike" kern="1200" cap="none" spc="0" normalizeH="0" baseline="0" noProof="0">
+              <a:ln>
+                <a:noFill/>
+              </a:ln>
+              <a:solidFill>
+                <a:prstClr val="white"/>
+              </a:solidFill>
+              <a:effectLst/>
+              <a:uLnTx/>
+              <a:uFillTx/>
+              <a:latin typeface="Calibri" panose="020F0502020204030204"/>
+              <a:ea typeface="+mn-ea"/>
+              <a:cs typeface="+mn-cs"/>
+            </a:endParaRPr>
+          </a:p>
+        </p:txBody>
+      </p:sp>
+      <p:sp>
+        <p:nvSpPr>
+          <p:cNvPr id="2" name="Title 1">
+            <a:extLst>
+              <a:ext uri="{FF2B5EF4-FFF2-40B4-BE49-F238E27FC236}">
+                <a16:creationId xmlns:a16="http://schemas.microsoft.com/office/drawing/2014/main" id="{22DF8108-ABAC-4698-887D-79F9370A19CF}"/>
+              </a:ext>
+            </a:extLst>
+          </p:cNvPr>
+          <p:cNvSpPr>
+            <a:spLocks noGrp="1"/>
+          </p:cNvSpPr>
+          <p:nvPr>
+            <p:ph type="title"/>
+          </p:nvPr>
+        </p:nvSpPr>
+        <p:spPr>
+          <a:xfrm>
+            <a:off x="958660" y="939474"/>
+            <a:ext cx="10395044" cy="1325563"/>
+          </a:xfrm>
+        </p:spPr>
+        <p:txBody>
+          <a:bodyPr vert="horz" lIns="91440" tIns="45720" rIns="91440" bIns="45720" rtlCol="0" anchor="ctr">
+            <a:normAutofit/>
+          </a:bodyPr>
+          <a:lstStyle/>
+          <a:p>
+            <a:r>
+              <a:rPr lang="en-US" kern="1200">
+                <a:solidFill>
+                  <a:schemeClr val="tx1"/>
+                </a:solidFill>
+                <a:latin typeface="+mj-lt"/>
+                <a:ea typeface="+mj-ea"/>
+                <a:cs typeface="+mj-cs"/>
+              </a:rPr>
+              <a:t>Fire Output</a:t>
+            </a:r>
+          </a:p>
+        </p:txBody>
+      </p:sp>
+      <p:pic>
+        <p:nvPicPr>
+          <p:cNvPr id="8" name="Content Placeholder 7">
+            <a:extLst>
+              <a:ext uri="{FF2B5EF4-FFF2-40B4-BE49-F238E27FC236}">
+                <a16:creationId xmlns:a16="http://schemas.microsoft.com/office/drawing/2014/main" id="{A672BC04-CC14-4696-A9EE-7E625F9DB04E}"/>
+              </a:ext>
+            </a:extLst>
+          </p:cNvPr>
+          <p:cNvPicPr>
+            <a:picLocks noGrp="1" noChangeAspect="1"/>
+          </p:cNvPicPr>
+          <p:nvPr>
+            <p:ph sz="half" idx="1"/>
+          </p:nvPr>
+        </p:nvPicPr>
+        <p:blipFill>
+          <a:blip r:embed="rId2"/>
+          <a:stretch>
+            <a:fillRect/>
+          </a:stretch>
+        </p:blipFill>
+        <p:spPr>
+          <a:xfrm>
+            <a:off x="849873" y="2303652"/>
+            <a:ext cx="4940407" cy="3915272"/>
+          </a:xfrm>
+          <a:prstGeom prst="rect">
+            <a:avLst/>
+          </a:prstGeom>
+        </p:spPr>
+      </p:pic>
+      <p:sp>
+        <p:nvSpPr>
+          <p:cNvPr id="4" name="Content Placeholder 3">
+            <a:extLst>
+              <a:ext uri="{FF2B5EF4-FFF2-40B4-BE49-F238E27FC236}">
+                <a16:creationId xmlns:a16="http://schemas.microsoft.com/office/drawing/2014/main" id="{04C03F19-BEF6-4F61-80B7-C6528A69EC17}"/>
+              </a:ext>
+            </a:extLst>
+          </p:cNvPr>
+          <p:cNvSpPr>
+            <a:spLocks noGrp="1"/>
+          </p:cNvSpPr>
+          <p:nvPr>
+            <p:ph sz="half" idx="2"/>
+          </p:nvPr>
+        </p:nvSpPr>
+        <p:spPr>
+          <a:xfrm>
+            <a:off x="6195526" y="2683029"/>
+            <a:ext cx="4940407" cy="3156519"/>
+          </a:xfrm>
+        </p:spPr>
+        <p:txBody>
+          <a:bodyPr vert="horz" lIns="91440" tIns="45720" rIns="91440" bIns="45720" rtlCol="0">
+            <a:normAutofit/>
+          </a:bodyPr>
+          <a:lstStyle/>
+          <a:p>
+            <a:r>
+              <a:rPr lang="en-US" sz="2000" dirty="0"/>
+              <a:t>This was our most volatile dataset of all observations.</a:t>
+            </a:r>
+          </a:p>
+          <a:p>
+            <a:r>
+              <a:rPr lang="en-US" sz="2000" dirty="0"/>
+              <a:t>Null Hypothesis was rejected for every month.</a:t>
+            </a:r>
+          </a:p>
+          <a:p>
+            <a:r>
+              <a:rPr lang="en-US" sz="2000" dirty="0"/>
+              <a:t>One possibility for the higher home price growth in this data set could be due to a lower supply of homes, with little to no change in demand. Further research is required. </a:t>
+            </a:r>
+          </a:p>
+        </p:txBody>
+      </p:sp>
+    </p:spTree>
+    <p:extLst>
+      <p:ext uri="{BB962C8B-B14F-4D97-AF65-F5344CB8AC3E}">
+        <p14:creationId xmlns:p14="http://schemas.microsoft.com/office/powerpoint/2010/main" val="3845825140"/>
+      </p:ext>
+    </p:extLst>
+  </p:cSld>
+  <p:clrMapOvr>
+    <a:overrideClrMapping bg1="dk1" tx1="lt1" bg2="dk2" tx2="lt2" accent1="accent1" accent2="accent2" accent3="accent3" accent4="accent4" accent5="accent5" accent6="accent6" hlink="hlink" folHlink="folHlink"/>
+  </p:clrMapOvr>
+</p:sld>
+</file>
+
+<file path=ppt/slides/slide8.xml><?xml version="1.0" encoding="utf-8"?>
+<p:sld xmlns:a="http://schemas.openxmlformats.org/drawingml/2006/main" xmlns:r="http://schemas.openxmlformats.org/officeDocument/2006/relationships" xmlns:p="http://schemas.openxmlformats.org/presentationml/2006/main">
+  <p:cSld>
+    <p:bg>
+      <p:bgPr>
+        <a:solidFill>
+          <a:schemeClr val="bg1">
+            <a:tint val="95000"/>
+            <a:satMod val="170000"/>
+          </a:schemeClr>
+        </a:solidFill>
+        <a:effectLst/>
+      </p:bgPr>
+    </p:bg>
+    <p:spTree>
+      <p:nvGrpSpPr>
+        <p:cNvPr id="1" name=""/>
+        <p:cNvGrpSpPr/>
+        <p:nvPr/>
+      </p:nvGrpSpPr>
+      <p:grpSpPr>
+        <a:xfrm>
+          <a:off x="0" y="0"/>
+          <a:ext cx="0" cy="0"/>
+          <a:chOff x="0" y="0"/>
+          <a:chExt cx="0" cy="0"/>
+        </a:xfrm>
+      </p:grpSpPr>
+      <p:sp>
+        <p:nvSpPr>
+          <p:cNvPr id="23" name="Rectangle 22">
+            <a:extLst>
+              <a:ext uri="{FF2B5EF4-FFF2-40B4-BE49-F238E27FC236}">
+                <a16:creationId xmlns:a16="http://schemas.microsoft.com/office/drawing/2014/main" id="{EE1FC7B4-E4A7-4452-B413-1A623E3A7230}"/>
+              </a:ext>
+              <a:ext uri="{C183D7F6-B498-43B3-948B-1728B52AA6E4}">
+                <adec:decorative xmlns:adec="http://schemas.microsoft.com/office/drawing/2017/decorative" val="1"/>
+              </a:ext>
+            </a:extLst>
+          </p:cNvPr>
+          <p:cNvSpPr>
+            <a:spLocks noGrp="1" noRot="1" noChangeAspect="1" noMove="1" noResize="1" noEditPoints="1" noAdjustHandles="1" noChangeArrowheads="1" noChangeShapeType="1" noTextEdit="1"/>
+          </p:cNvSpPr>
+          <p:nvPr>
+            <p:extLst>
+              <p:ext uri="{386F3935-93C4-4BCD-93E2-E3B085C9AB24}">
+                <p16:designElem xmlns:p16="http://schemas.microsoft.com/office/powerpoint/2015/main" val="1"/>
+              </p:ext>
+            </p:extLst>
+          </p:nvPr>
+        </p:nvSpPr>
+        <p:spPr>
+          <a:xfrm>
+            <a:off x="0" y="-3324"/>
+            <a:ext cx="12192000" cy="6861324"/>
+          </a:xfrm>
+          <a:prstGeom prst="rect">
+            <a:avLst/>
+          </a:prstGeom>
+          <a:solidFill>
+            <a:schemeClr val="bg1">
+              <a:alpha val="9000"/>
+            </a:schemeClr>
+          </a:solidFill>
+          <a:ln>
+            <a:noFill/>
+          </a:ln>
+        </p:spPr>
+        <p:style>
+          <a:lnRef idx="2">
+            <a:schemeClr val="accent1">
+              <a:shade val="50000"/>
+            </a:schemeClr>
+          </a:lnRef>
+          <a:fillRef idx="1">
+            <a:schemeClr val="accent1"/>
+          </a:fillRef>
+          <a:effectRef idx="0">
+            <a:schemeClr val="accent1"/>
+          </a:effectRef>
+          <a:fontRef idx="minor">
+            <a:schemeClr val="lt1"/>
+          </a:fontRef>
+        </p:style>
+        <p:txBody>
+          <a:bodyPr rtlCol="0" anchor="ctr"/>
+          <a:lstStyle/>
+          <a:p>
+            <a:pPr algn="ctr"/>
+            <a:endParaRPr lang="en-US"/>
+          </a:p>
+        </p:txBody>
+      </p:sp>
+      <p:sp>
+        <p:nvSpPr>
+          <p:cNvPr id="25" name="Freeform 13">
+            <a:extLst>
+              <a:ext uri="{FF2B5EF4-FFF2-40B4-BE49-F238E27FC236}">
+                <a16:creationId xmlns:a16="http://schemas.microsoft.com/office/drawing/2014/main" id="{E0709AF0-24F0-4486-B189-BE6386BDB198}"/>
+              </a:ext>
+              <a:ext uri="{C183D7F6-B498-43B3-948B-1728B52AA6E4}">
+                <adec:decorative xmlns:adec="http://schemas.microsoft.com/office/drawing/2017/decorative" val="1"/>
+              </a:ext>
+            </a:extLst>
+          </p:cNvPr>
+          <p:cNvSpPr>
+            <a:spLocks noGrp="1" noRot="1" noChangeAspect="1" noMove="1" noResize="1" noEditPoints="1" noAdjustHandles="1" noChangeArrowheads="1" noChangeShapeType="1" noTextEdit="1"/>
+          </p:cNvSpPr>
+          <p:nvPr>
+            <p:extLst>
+              <p:ext uri="{386F3935-93C4-4BCD-93E2-E3B085C9AB24}">
+                <p16:designElem xmlns:p16="http://schemas.microsoft.com/office/powerpoint/2015/main" val="1"/>
+              </p:ext>
+            </p:extLst>
+          </p:nvPr>
+        </p:nvSpPr>
+        <p:spPr>
+          <a:xfrm>
+            <a:off x="0" y="0"/>
+            <a:ext cx="11786754" cy="6858000"/>
+          </a:xfrm>
+          <a:custGeom>
+            <a:avLst/>
+            <a:gdLst>
+              <a:gd name="connsiteX0" fmla="*/ 0 w 11786754"/>
+              <a:gd name="connsiteY0" fmla="*/ 0 h 6858000"/>
+              <a:gd name="connsiteX1" fmla="*/ 8610600 w 11786754"/>
+              <a:gd name="connsiteY1" fmla="*/ 0 h 6858000"/>
+              <a:gd name="connsiteX2" fmla="*/ 11786754 w 11786754"/>
+              <a:gd name="connsiteY2" fmla="*/ 6858000 h 6858000"/>
+              <a:gd name="connsiteX3" fmla="*/ 0 w 11786754"/>
+              <a:gd name="connsiteY3" fmla="*/ 6858000 h 6858000"/>
+            </a:gdLst>
+            <a:ahLst/>
+            <a:cxnLst>
+              <a:cxn ang="0">
+                <a:pos x="connsiteX0" y="connsiteY0"/>
+              </a:cxn>
+              <a:cxn ang="0">
+                <a:pos x="connsiteX1" y="connsiteY1"/>
+              </a:cxn>
+              <a:cxn ang="0">
+                <a:pos x="connsiteX2" y="connsiteY2"/>
+              </a:cxn>
+              <a:cxn ang="0">
+                <a:pos x="connsiteX3" y="connsiteY3"/>
+              </a:cxn>
+            </a:cxnLst>
+            <a:rect l="l" t="t" r="r" b="b"/>
+            <a:pathLst>
+              <a:path w="11786754" h="6858000">
+                <a:moveTo>
+                  <a:pt x="0" y="0"/>
+                </a:moveTo>
+                <a:lnTo>
+                  <a:pt x="8610600" y="0"/>
+                </a:lnTo>
+                <a:lnTo>
+                  <a:pt x="11786754" y="6858000"/>
+                </a:lnTo>
+                <a:lnTo>
+                  <a:pt x="0" y="6858000"/>
+                </a:lnTo>
+                <a:close/>
+              </a:path>
+            </a:pathLst>
+          </a:custGeom>
+          <a:solidFill>
+            <a:schemeClr val="bg1">
+              <a:alpha val="30000"/>
+            </a:schemeClr>
+          </a:solidFill>
+          <a:ln>
+            <a:noFill/>
+          </a:ln>
+        </p:spPr>
+        <p:style>
+          <a:lnRef idx="2">
+            <a:schemeClr val="accent1">
+              <a:shade val="50000"/>
+            </a:schemeClr>
+          </a:lnRef>
+          <a:fillRef idx="1">
+            <a:schemeClr val="accent1"/>
+          </a:fillRef>
+          <a:effectRef idx="0">
+            <a:schemeClr val="accent1"/>
+          </a:effectRef>
+          <a:fontRef idx="minor">
+            <a:schemeClr val="lt1"/>
+          </a:fontRef>
+        </p:style>
+        <p:txBody>
+          <a:bodyPr rtlCol="0" anchor="ctr"/>
+          <a:lstStyle/>
+          <a:p>
+            <a:pPr algn="ctr"/>
+            <a:endParaRPr lang="en-US"/>
+          </a:p>
+        </p:txBody>
+      </p:sp>
+      <p:sp>
+        <p:nvSpPr>
+          <p:cNvPr id="27" name="Freeform 11">
+            <a:extLst>
+              <a:ext uri="{FF2B5EF4-FFF2-40B4-BE49-F238E27FC236}">
+                <a16:creationId xmlns:a16="http://schemas.microsoft.com/office/drawing/2014/main" id="{FBE3B62F-5853-4A3C-B050-6186351A7176}"/>
+              </a:ext>
+              <a:ext uri="{C183D7F6-B498-43B3-948B-1728B52AA6E4}">
+                <adec:decorative xmlns:adec="http://schemas.microsoft.com/office/drawing/2017/decorative" val="1"/>
+              </a:ext>
+            </a:extLst>
+          </p:cNvPr>
+          <p:cNvSpPr>
+            <a:spLocks noGrp="1" noRot="1" noChangeAspect="1" noMove="1" noResize="1" noEditPoints="1" noAdjustHandles="1" noChangeArrowheads="1" noChangeShapeType="1" noTextEdit="1"/>
+          </p:cNvSpPr>
+          <p:nvPr>
+            <p:extLst>
+              <p:ext uri="{386F3935-93C4-4BCD-93E2-E3B085C9AB24}">
+                <p16:designElem xmlns:p16="http://schemas.microsoft.com/office/powerpoint/2015/main" val="1"/>
+              </p:ext>
+            </p:extLst>
+          </p:nvPr>
+        </p:nvSpPr>
+        <p:spPr>
+          <a:xfrm>
+            <a:off x="0" y="0"/>
+            <a:ext cx="3581400" cy="6858000"/>
+          </a:xfrm>
+          <a:custGeom>
+            <a:avLst/>
+            <a:gdLst>
+              <a:gd name="connsiteX0" fmla="*/ 0 w 3581400"/>
+              <a:gd name="connsiteY0" fmla="*/ 0 h 6858000"/>
+              <a:gd name="connsiteX1" fmla="*/ 405246 w 3581400"/>
+              <a:gd name="connsiteY1" fmla="*/ 0 h 6858000"/>
+              <a:gd name="connsiteX2" fmla="*/ 3581400 w 3581400"/>
+              <a:gd name="connsiteY2" fmla="*/ 6858000 h 6858000"/>
+              <a:gd name="connsiteX3" fmla="*/ 0 w 3581400"/>
+              <a:gd name="connsiteY3" fmla="*/ 6858000 h 6858000"/>
+            </a:gdLst>
+            <a:ahLst/>
+            <a:cxnLst>
+              <a:cxn ang="0">
+                <a:pos x="connsiteX0" y="connsiteY0"/>
+              </a:cxn>
+              <a:cxn ang="0">
+                <a:pos x="connsiteX1" y="connsiteY1"/>
+              </a:cxn>
+              <a:cxn ang="0">
+                <a:pos x="connsiteX2" y="connsiteY2"/>
+              </a:cxn>
+              <a:cxn ang="0">
+                <a:pos x="connsiteX3" y="connsiteY3"/>
+              </a:cxn>
+            </a:cxnLst>
+            <a:rect l="l" t="t" r="r" b="b"/>
+            <a:pathLst>
+              <a:path w="3581400" h="6858000">
+                <a:moveTo>
+                  <a:pt x="0" y="0"/>
+                </a:moveTo>
+                <a:lnTo>
+                  <a:pt x="405246" y="0"/>
+                </a:lnTo>
+                <a:lnTo>
+                  <a:pt x="3581400" y="6858000"/>
+                </a:lnTo>
+                <a:lnTo>
+                  <a:pt x="0" y="6858000"/>
+                </a:lnTo>
+                <a:close/>
+              </a:path>
+            </a:pathLst>
+          </a:custGeom>
+          <a:solidFill>
+            <a:schemeClr val="bg1">
+              <a:alpha val="30000"/>
+            </a:schemeClr>
+          </a:solidFill>
+          <a:ln>
+            <a:noFill/>
+          </a:ln>
+        </p:spPr>
+        <p:style>
+          <a:lnRef idx="2">
+            <a:schemeClr val="accent1">
+              <a:shade val="50000"/>
+            </a:schemeClr>
+          </a:lnRef>
+          <a:fillRef idx="1">
+            <a:schemeClr val="accent1"/>
+          </a:fillRef>
+          <a:effectRef idx="0">
+            <a:schemeClr val="accent1"/>
+          </a:effectRef>
+          <a:fontRef idx="minor">
+            <a:schemeClr val="lt1"/>
+          </a:fontRef>
+        </p:style>
+        <p:txBody>
+          <a:bodyPr wrap="square" rtlCol="0" anchor="ctr">
+            <a:noAutofit/>
+          </a:bodyPr>
+          <a:lstStyle/>
+          <a:p>
+            <a:pPr algn="ctr"/>
+            <a:endParaRPr lang="en-US"/>
+          </a:p>
+        </p:txBody>
+      </p:sp>
+      <p:sp>
+        <p:nvSpPr>
+          <p:cNvPr id="2" name="Title 1">
+            <a:extLst>
+              <a:ext uri="{FF2B5EF4-FFF2-40B4-BE49-F238E27FC236}">
+                <a16:creationId xmlns:a16="http://schemas.microsoft.com/office/drawing/2014/main" id="{C592A71F-FECD-412E-A7C3-806FD90139FF}"/>
+              </a:ext>
+            </a:extLst>
+          </p:cNvPr>
+          <p:cNvSpPr>
+            <a:spLocks noGrp="1"/>
+          </p:cNvSpPr>
+          <p:nvPr>
+            <p:ph type="title"/>
+          </p:nvPr>
+        </p:nvSpPr>
+        <p:spPr>
+          <a:xfrm>
+            <a:off x="833002" y="448253"/>
+            <a:ext cx="10520702" cy="1325563"/>
+          </a:xfrm>
+        </p:spPr>
+        <p:txBody>
+          <a:bodyPr vert="horz" lIns="91440" tIns="45720" rIns="91440" bIns="45720" rtlCol="0" anchor="ctr">
+            <a:normAutofit/>
+          </a:bodyPr>
+          <a:lstStyle/>
+          <a:p>
+            <a:r>
+              <a:rPr lang="en-US" kern="1200">
+                <a:solidFill>
+                  <a:schemeClr val="tx1"/>
+                </a:solidFill>
+                <a:latin typeface="+mj-lt"/>
+                <a:ea typeface="+mj-ea"/>
+                <a:cs typeface="+mj-cs"/>
+              </a:rPr>
+              <a:t>Severe Storms Output</a:t>
+            </a:r>
+          </a:p>
+        </p:txBody>
+      </p:sp>
+      <p:sp>
+        <p:nvSpPr>
+          <p:cNvPr id="4" name="Content Placeholder 3">
+            <a:extLst>
+              <a:ext uri="{FF2B5EF4-FFF2-40B4-BE49-F238E27FC236}">
+                <a16:creationId xmlns:a16="http://schemas.microsoft.com/office/drawing/2014/main" id="{98749716-3247-42E2-A689-702909F013CA}"/>
+              </a:ext>
+            </a:extLst>
+          </p:cNvPr>
+          <p:cNvSpPr>
+            <a:spLocks noGrp="1"/>
+          </p:cNvSpPr>
+          <p:nvPr>
+            <p:ph sz="half" idx="2"/>
+          </p:nvPr>
+        </p:nvSpPr>
+        <p:spPr>
+          <a:xfrm>
+            <a:off x="838200" y="2191807"/>
+            <a:ext cx="4936067" cy="3985155"/>
+          </a:xfrm>
+        </p:spPr>
+        <p:txBody>
+          <a:bodyPr vert="horz" lIns="91440" tIns="45720" rIns="91440" bIns="45720" rtlCol="0">
+            <a:normAutofit/>
+          </a:bodyPr>
+          <a:lstStyle/>
+          <a:p>
+            <a:r>
+              <a:rPr lang="en-US" sz="2000" dirty="0"/>
+              <a:t>Null Hypothesis of no affect on real-estate prices was  rejected for all 6 months in this data set.</a:t>
+            </a:r>
+          </a:p>
+          <a:p>
+            <a:r>
+              <a:rPr lang="en-US" sz="2000" dirty="0"/>
+              <a:t>The effect on home prices appears to be normally distributed. </a:t>
+            </a:r>
+          </a:p>
+          <a:p>
+            <a:pPr marL="0"/>
+            <a:endParaRPr lang="en-US" sz="2000" dirty="0"/>
+          </a:p>
+        </p:txBody>
+      </p:sp>
+      <p:pic>
+        <p:nvPicPr>
+          <p:cNvPr id="9" name="Content Placeholder 8">
+            <a:extLst>
+              <a:ext uri="{FF2B5EF4-FFF2-40B4-BE49-F238E27FC236}">
+                <a16:creationId xmlns:a16="http://schemas.microsoft.com/office/drawing/2014/main" id="{F1FB85D2-600F-4B8D-9136-BDBFD896D5E4}"/>
+              </a:ext>
+            </a:extLst>
+          </p:cNvPr>
+          <p:cNvPicPr>
+            <a:picLocks noGrp="1" noChangeAspect="1"/>
+          </p:cNvPicPr>
+          <p:nvPr>
+            <p:ph sz="half" idx="1"/>
+          </p:nvPr>
+        </p:nvPicPr>
+        <p:blipFill>
+          <a:blip r:embed="rId2"/>
+          <a:stretch>
+            <a:fillRect/>
+          </a:stretch>
+        </p:blipFill>
+        <p:spPr>
+          <a:xfrm>
+            <a:off x="6417734" y="2222337"/>
+            <a:ext cx="4935970" cy="3924096"/>
+          </a:xfrm>
+          <a:prstGeom prst="rect">
+            <a:avLst/>
+          </a:prstGeom>
+        </p:spPr>
+      </p:pic>
+    </p:spTree>
+    <p:extLst>
+      <p:ext uri="{BB962C8B-B14F-4D97-AF65-F5344CB8AC3E}">
+        <p14:creationId xmlns:p14="http://schemas.microsoft.com/office/powerpoint/2010/main" val="4246509160"/>
+      </p:ext>
+    </p:extLst>
+  </p:cSld>
+  <p:clrMapOvr>
+    <a:overrideClrMapping bg1="dk1" tx1="lt1" bg2="dk2" tx2="lt2" accent1="accent1" accent2="accent2" accent3="accent3" accent4="accent4" accent5="accent5" accent6="accent6" hlink="hlink" folHlink="folHlink"/>
+  </p:clrMapOvr>
+</p:sld>
+</file>
+
+<file path=ppt/slides/slide9.xml><?xml version="1.0" encoding="utf-8"?>
+<p:sld xmlns:a="http://schemas.openxmlformats.org/drawingml/2006/main" xmlns:r="http://schemas.openxmlformats.org/officeDocument/2006/relationships" xmlns:p="http://schemas.openxmlformats.org/presentationml/2006/main">
+  <p:cSld>
+    <p:bg>
+      <p:bgPr>
+        <a:solidFill>
+          <a:schemeClr val="bg1">
+            <a:tint val="95000"/>
+            <a:satMod val="170000"/>
+          </a:schemeClr>
+        </a:solidFill>
+        <a:effectLst/>
+      </p:bgPr>
+    </p:bg>
+    <p:spTree>
+      <p:nvGrpSpPr>
+        <p:cNvPr id="1" name=""/>
+        <p:cNvGrpSpPr/>
+        <p:nvPr/>
+      </p:nvGrpSpPr>
+      <p:grpSpPr>
+        <a:xfrm>
+          <a:off x="0" y="0"/>
+          <a:ext cx="0" cy="0"/>
+          <a:chOff x="0" y="0"/>
+          <a:chExt cx="0" cy="0"/>
+        </a:xfrm>
+      </p:grpSpPr>
+      <p:sp>
+        <p:nvSpPr>
+          <p:cNvPr id="12" name="Rectangle 11">
+            <a:extLst>
+              <a:ext uri="{FF2B5EF4-FFF2-40B4-BE49-F238E27FC236}">
+                <a16:creationId xmlns:a16="http://schemas.microsoft.com/office/drawing/2014/main" id="{EE1FC7B4-E4A7-4452-B413-1A623E3A7230}"/>
+              </a:ext>
+              <a:ext uri="{C183D7F6-B498-43B3-948B-1728B52AA6E4}">
+                <adec:decorative xmlns:adec="http://schemas.microsoft.com/office/drawing/2017/decorative" val="1"/>
+              </a:ext>
+            </a:extLst>
+          </p:cNvPr>
+          <p:cNvSpPr>
+            <a:spLocks noGrp="1" noRot="1" noChangeAspect="1" noMove="1" noResize="1" noEditPoints="1" noAdjustHandles="1" noChangeArrowheads="1" noChangeShapeType="1" noTextEdit="1"/>
+          </p:cNvSpPr>
+          <p:nvPr>
+            <p:extLst>
+              <p:ext uri="{386F3935-93C4-4BCD-93E2-E3B085C9AB24}">
+                <p16:designElem xmlns:p16="http://schemas.microsoft.com/office/powerpoint/2015/main" val="1"/>
+              </p:ext>
+            </p:extLst>
+          </p:nvPr>
+        </p:nvSpPr>
+        <p:spPr>
+          <a:xfrm>
+            <a:off x="0" y="-3324"/>
+            <a:ext cx="12192000" cy="6861324"/>
+          </a:xfrm>
+          <a:prstGeom prst="rect">
+            <a:avLst/>
+          </a:prstGeom>
+          <a:solidFill>
+            <a:schemeClr val="bg1">
+              <a:alpha val="9000"/>
+            </a:schemeClr>
+          </a:solidFill>
+          <a:ln>
+            <a:noFill/>
+          </a:ln>
+        </p:spPr>
+        <p:style>
+          <a:lnRef idx="2">
+            <a:schemeClr val="accent1">
+              <a:shade val="50000"/>
+            </a:schemeClr>
+          </a:lnRef>
+          <a:fillRef idx="1">
+            <a:schemeClr val="accent1"/>
+          </a:fillRef>
+          <a:effectRef idx="0">
+            <a:schemeClr val="accent1"/>
+          </a:effectRef>
+          <a:fontRef idx="minor">
+            <a:schemeClr val="lt1"/>
+          </a:fontRef>
+        </p:style>
+        <p:txBody>
+          <a:bodyPr rtlCol="0" anchor="ctr"/>
+          <a:lstStyle/>
+          <a:p>
+            <a:pPr marL="0" marR="0" lvl="0" indent="0" algn="ctr" defTabSz="914400" rtl="0" eaLnBrk="1" fontAlgn="auto" latinLnBrk="0" hangingPunct="1">
+              <a:lnSpc>
+                <a:spcPct val="100000"/>
+              </a:lnSpc>
+              <a:spcBef>
+                <a:spcPts val="0"/>
+              </a:spcBef>
+              <a:spcAft>
+                <a:spcPts val="0"/>
+              </a:spcAft>
+              <a:buClrTx/>
+              <a:buSzTx/>
+              <a:buFontTx/>
+              <a:buNone/>
+              <a:tabLst/>
+              <a:defRPr/>
+            </a:pPr>
+            <a:endParaRPr kumimoji="0" lang="en-US" sz="1800" b="0" i="0" u="none" strike="noStrike" kern="1200" cap="none" spc="0" normalizeH="0" baseline="0" noProof="0">
+              <a:ln>
+                <a:noFill/>
+              </a:ln>
+              <a:solidFill>
+                <a:prstClr val="white"/>
+              </a:solidFill>
+              <a:effectLst/>
+              <a:uLnTx/>
+              <a:uFillTx/>
+              <a:latin typeface="Calibri" panose="020F0502020204030204"/>
+              <a:ea typeface="+mn-ea"/>
+              <a:cs typeface="+mn-cs"/>
+            </a:endParaRPr>
+          </a:p>
+        </p:txBody>
+      </p:sp>
+      <p:sp>
+        <p:nvSpPr>
+          <p:cNvPr id="14" name="Freeform 13">
+            <a:extLst>
+              <a:ext uri="{FF2B5EF4-FFF2-40B4-BE49-F238E27FC236}">
+                <a16:creationId xmlns:a16="http://schemas.microsoft.com/office/drawing/2014/main" id="{E0709AF0-24F0-4486-B189-BE6386BDB198}"/>
+              </a:ext>
+              <a:ext uri="{C183D7F6-B498-43B3-948B-1728B52AA6E4}">
+                <adec:decorative xmlns:adec="http://schemas.microsoft.com/office/drawing/2017/decorative" val="1"/>
+              </a:ext>
+            </a:extLst>
+          </p:cNvPr>
+          <p:cNvSpPr>
+            <a:spLocks noGrp="1" noRot="1" noChangeAspect="1" noMove="1" noResize="1" noEditPoints="1" noAdjustHandles="1" noChangeArrowheads="1" noChangeShapeType="1" noTextEdit="1"/>
+          </p:cNvSpPr>
+          <p:nvPr>
+            <p:extLst>
+              <p:ext uri="{386F3935-93C4-4BCD-93E2-E3B085C9AB24}">
+                <p16:designElem xmlns:p16="http://schemas.microsoft.com/office/powerpoint/2015/main" val="1"/>
+              </p:ext>
+            </p:extLst>
+          </p:nvPr>
+        </p:nvSpPr>
+        <p:spPr>
+          <a:xfrm>
+            <a:off x="0" y="0"/>
+            <a:ext cx="11786754" cy="6858000"/>
+          </a:xfrm>
+          <a:custGeom>
+            <a:avLst/>
+            <a:gdLst>
+              <a:gd name="connsiteX0" fmla="*/ 0 w 11786754"/>
+              <a:gd name="connsiteY0" fmla="*/ 0 h 6858000"/>
+              <a:gd name="connsiteX1" fmla="*/ 8610600 w 11786754"/>
+              <a:gd name="connsiteY1" fmla="*/ 0 h 6858000"/>
+              <a:gd name="connsiteX2" fmla="*/ 11786754 w 11786754"/>
+              <a:gd name="connsiteY2" fmla="*/ 6858000 h 6858000"/>
+              <a:gd name="connsiteX3" fmla="*/ 0 w 11786754"/>
+              <a:gd name="connsiteY3" fmla="*/ 6858000 h 6858000"/>
+            </a:gdLst>
+            <a:ahLst/>
+            <a:cxnLst>
+              <a:cxn ang="0">
+                <a:pos x="connsiteX0" y="connsiteY0"/>
+              </a:cxn>
+              <a:cxn ang="0">
+                <a:pos x="connsiteX1" y="connsiteY1"/>
+              </a:cxn>
+              <a:cxn ang="0">
+                <a:pos x="connsiteX2" y="connsiteY2"/>
+              </a:cxn>
+              <a:cxn ang="0">
+                <a:pos x="connsiteX3" y="connsiteY3"/>
+              </a:cxn>
+            </a:cxnLst>
+            <a:rect l="l" t="t" r="r" b="b"/>
+            <a:pathLst>
+              <a:path w="11786754" h="6858000">
+                <a:moveTo>
+                  <a:pt x="0" y="0"/>
+                </a:moveTo>
+                <a:lnTo>
+                  <a:pt x="8610600" y="0"/>
+                </a:lnTo>
+                <a:lnTo>
+                  <a:pt x="11786754" y="6858000"/>
+                </a:lnTo>
+                <a:lnTo>
+                  <a:pt x="0" y="6858000"/>
+                </a:lnTo>
+                <a:close/>
+              </a:path>
+            </a:pathLst>
+          </a:custGeom>
+          <a:solidFill>
+            <a:schemeClr val="bg1">
+              <a:alpha val="30000"/>
+            </a:schemeClr>
+          </a:solidFill>
+          <a:ln>
+            <a:noFill/>
+          </a:ln>
+        </p:spPr>
+        <p:style>
+          <a:lnRef idx="2">
+            <a:schemeClr val="accent1">
+              <a:shade val="50000"/>
+            </a:schemeClr>
+          </a:lnRef>
+          <a:fillRef idx="1">
+            <a:schemeClr val="accent1"/>
+          </a:fillRef>
+          <a:effectRef idx="0">
+            <a:schemeClr val="accent1"/>
+          </a:effectRef>
+          <a:fontRef idx="minor">
+            <a:schemeClr val="lt1"/>
+          </a:fontRef>
+        </p:style>
+        <p:txBody>
+          <a:bodyPr rtlCol="0" anchor="ctr"/>
+          <a:lstStyle/>
+          <a:p>
+            <a:pPr marL="0" marR="0" lvl="0" indent="0" algn="ctr" defTabSz="914400" rtl="0" eaLnBrk="1" fontAlgn="auto" latinLnBrk="0" hangingPunct="1">
+              <a:lnSpc>
+                <a:spcPct val="100000"/>
+              </a:lnSpc>
+              <a:spcBef>
+                <a:spcPts val="0"/>
+              </a:spcBef>
+              <a:spcAft>
+                <a:spcPts val="0"/>
+              </a:spcAft>
+              <a:buClrTx/>
+              <a:buSzTx/>
+              <a:buFontTx/>
+              <a:buNone/>
+              <a:tabLst/>
+              <a:defRPr/>
+            </a:pPr>
+            <a:endParaRPr kumimoji="0" lang="en-US" sz="1800" b="0" i="0" u="none" strike="noStrike" kern="1200" cap="none" spc="0" normalizeH="0" baseline="0" noProof="0">
+              <a:ln>
+                <a:noFill/>
+              </a:ln>
+              <a:solidFill>
+                <a:prstClr val="white"/>
+              </a:solidFill>
+              <a:effectLst/>
+              <a:uLnTx/>
+              <a:uFillTx/>
+              <a:latin typeface="Calibri" panose="020F0502020204030204"/>
+              <a:ea typeface="+mn-ea"/>
+              <a:cs typeface="+mn-cs"/>
+            </a:endParaRPr>
+          </a:p>
+        </p:txBody>
+      </p:sp>
+      <p:sp>
+        <p:nvSpPr>
+          <p:cNvPr id="16" name="Freeform 11">
+            <a:extLst>
+              <a:ext uri="{FF2B5EF4-FFF2-40B4-BE49-F238E27FC236}">
+                <a16:creationId xmlns:a16="http://schemas.microsoft.com/office/drawing/2014/main" id="{FBE3B62F-5853-4A3C-B050-6186351A7176}"/>
+              </a:ext>
+              <a:ext uri="{C183D7F6-B498-43B3-948B-1728B52AA6E4}">
+                <adec:decorative xmlns:adec="http://schemas.microsoft.com/office/drawing/2017/decorative" val="1"/>
+              </a:ext>
+            </a:extLst>
+          </p:cNvPr>
+          <p:cNvSpPr>
+            <a:spLocks noGrp="1" noRot="1" noChangeAspect="1" noMove="1" noResize="1" noEditPoints="1" noAdjustHandles="1" noChangeArrowheads="1" noChangeShapeType="1" noTextEdit="1"/>
+          </p:cNvSpPr>
+          <p:nvPr>
+            <p:extLst>
+              <p:ext uri="{386F3935-93C4-4BCD-93E2-E3B085C9AB24}">
+                <p16:designElem xmlns:p16="http://schemas.microsoft.com/office/powerpoint/2015/main" val="1"/>
+              </p:ext>
+            </p:extLst>
+          </p:nvPr>
+        </p:nvSpPr>
+        <p:spPr>
+          <a:xfrm>
+            <a:off x="0" y="0"/>
+            <a:ext cx="3581400" cy="6858000"/>
+          </a:xfrm>
+          <a:custGeom>
+            <a:avLst/>
+            <a:gdLst>
+              <a:gd name="connsiteX0" fmla="*/ 0 w 3581400"/>
+              <a:gd name="connsiteY0" fmla="*/ 0 h 6858000"/>
+              <a:gd name="connsiteX1" fmla="*/ 405246 w 3581400"/>
+              <a:gd name="connsiteY1" fmla="*/ 0 h 6858000"/>
+              <a:gd name="connsiteX2" fmla="*/ 3581400 w 3581400"/>
+              <a:gd name="connsiteY2" fmla="*/ 6858000 h 6858000"/>
+              <a:gd name="connsiteX3" fmla="*/ 0 w 3581400"/>
+              <a:gd name="connsiteY3" fmla="*/ 6858000 h 6858000"/>
+            </a:gdLst>
+            <a:ahLst/>
+            <a:cxnLst>
+              <a:cxn ang="0">
+                <a:pos x="connsiteX0" y="connsiteY0"/>
+              </a:cxn>
+              <a:cxn ang="0">
+                <a:pos x="connsiteX1" y="connsiteY1"/>
+              </a:cxn>
+              <a:cxn ang="0">
+                <a:pos x="connsiteX2" y="connsiteY2"/>
+              </a:cxn>
+              <a:cxn ang="0">
+                <a:pos x="connsiteX3" y="connsiteY3"/>
+              </a:cxn>
+            </a:cxnLst>
+            <a:rect l="l" t="t" r="r" b="b"/>
+            <a:pathLst>
+              <a:path w="3581400" h="6858000">
+                <a:moveTo>
+                  <a:pt x="0" y="0"/>
+                </a:moveTo>
+                <a:lnTo>
+                  <a:pt x="405246" y="0"/>
+                </a:lnTo>
+                <a:lnTo>
+                  <a:pt x="3581400" y="6858000"/>
+                </a:lnTo>
+                <a:lnTo>
+                  <a:pt x="0" y="6858000"/>
+                </a:lnTo>
+                <a:close/>
+              </a:path>
+            </a:pathLst>
+          </a:custGeom>
+          <a:solidFill>
+            <a:schemeClr val="bg1">
+              <a:alpha val="30000"/>
+            </a:schemeClr>
+          </a:solidFill>
+          <a:ln>
+            <a:noFill/>
+          </a:ln>
+        </p:spPr>
+        <p:style>
+          <a:lnRef idx="2">
+            <a:schemeClr val="accent1">
+              <a:shade val="50000"/>
+            </a:schemeClr>
+          </a:lnRef>
+          <a:fillRef idx="1">
+            <a:schemeClr val="accent1"/>
+          </a:fillRef>
+          <a:effectRef idx="0">
+            <a:schemeClr val="accent1"/>
+          </a:effectRef>
+          <a:fontRef idx="minor">
+            <a:schemeClr val="lt1"/>
+          </a:fontRef>
+        </p:style>
+        <p:txBody>
+          <a:bodyPr wrap="square" rtlCol="0" anchor="ctr">
+            <a:noAutofit/>
+          </a:bodyPr>
+          <a:lstStyle/>
+          <a:p>
+            <a:pPr marL="0" marR="0" lvl="0" indent="0" algn="ctr" defTabSz="914400" rtl="0" eaLnBrk="1" fontAlgn="auto" latinLnBrk="0" hangingPunct="1">
+              <a:lnSpc>
+                <a:spcPct val="100000"/>
+              </a:lnSpc>
+              <a:spcBef>
+                <a:spcPts val="0"/>
+              </a:spcBef>
+              <a:spcAft>
+                <a:spcPts val="0"/>
+              </a:spcAft>
+              <a:buClrTx/>
+              <a:buSzTx/>
+              <a:buFontTx/>
+              <a:buNone/>
+              <a:tabLst/>
+              <a:defRPr/>
+            </a:pPr>
+            <a:endParaRPr kumimoji="0" lang="en-US" sz="1800" b="0" i="0" u="none" strike="noStrike" kern="1200" cap="none" spc="0" normalizeH="0" baseline="0" noProof="0">
+              <a:ln>
+                <a:noFill/>
+              </a:ln>
+              <a:solidFill>
+                <a:prstClr val="white"/>
+              </a:solidFill>
+              <a:effectLst/>
+              <a:uLnTx/>
+              <a:uFillTx/>
+              <a:latin typeface="Calibri" panose="020F0502020204030204"/>
+              <a:ea typeface="+mn-ea"/>
+              <a:cs typeface="+mn-cs"/>
+            </a:endParaRPr>
+          </a:p>
+        </p:txBody>
+      </p:sp>
+      <p:sp>
+        <p:nvSpPr>
+          <p:cNvPr id="2" name="Title 1">
+            <a:extLst>
+              <a:ext uri="{FF2B5EF4-FFF2-40B4-BE49-F238E27FC236}">
+                <a16:creationId xmlns:a16="http://schemas.microsoft.com/office/drawing/2014/main" id="{061AC211-1A89-46DF-8A6A-15498C4C8F26}"/>
+              </a:ext>
+            </a:extLst>
+          </p:cNvPr>
+          <p:cNvSpPr>
+            <a:spLocks noGrp="1"/>
+          </p:cNvSpPr>
+          <p:nvPr>
+            <p:ph type="title"/>
+          </p:nvPr>
+        </p:nvSpPr>
+        <p:spPr>
+          <a:xfrm>
+            <a:off x="958660" y="939474"/>
+            <a:ext cx="10395044" cy="1325563"/>
+          </a:xfrm>
+        </p:spPr>
+        <p:txBody>
+          <a:bodyPr vert="horz" lIns="91440" tIns="45720" rIns="91440" bIns="45720" rtlCol="0" anchor="ctr">
+            <a:normAutofit/>
+          </a:bodyPr>
+          <a:lstStyle/>
+          <a:p>
+            <a:r>
+              <a:rPr lang="en-US" kern="1200">
+                <a:solidFill>
+                  <a:schemeClr val="tx1"/>
+                </a:solidFill>
+                <a:latin typeface="+mj-lt"/>
+                <a:ea typeface="+mj-ea"/>
+                <a:cs typeface="+mj-cs"/>
+              </a:rPr>
+              <a:t>Snow Storm Output</a:t>
+            </a:r>
+          </a:p>
+        </p:txBody>
+      </p:sp>
+      <p:pic>
+        <p:nvPicPr>
+          <p:cNvPr id="7" name="Content Placeholder 6">
+            <a:extLst>
+              <a:ext uri="{FF2B5EF4-FFF2-40B4-BE49-F238E27FC236}">
+                <a16:creationId xmlns:a16="http://schemas.microsoft.com/office/drawing/2014/main" id="{A789B720-8D36-4B48-9BB8-7426CC501992}"/>
+              </a:ext>
+            </a:extLst>
+          </p:cNvPr>
+          <p:cNvPicPr>
+            <a:picLocks noGrp="1" noChangeAspect="1"/>
+          </p:cNvPicPr>
+          <p:nvPr>
+            <p:ph sz="half" idx="1"/>
+          </p:nvPr>
+        </p:nvPicPr>
+        <p:blipFill>
+          <a:blip r:embed="rId2"/>
+          <a:stretch>
+            <a:fillRect/>
+          </a:stretch>
+        </p:blipFill>
+        <p:spPr>
+          <a:xfrm>
+            <a:off x="1229219" y="2405265"/>
+            <a:ext cx="5109608" cy="4049364"/>
           </a:xfrm>
           <a:prstGeom prst="rect">
             <a:avLst/>
@@ -4318,30 +11802,37 @@
             <p:ph sz="half" idx="2"/>
           </p:nvPr>
         </p:nvSpPr>
-        <p:spPr/>
+        <p:spPr>
+          <a:xfrm>
+            <a:off x="7035281" y="2683029"/>
+            <a:ext cx="4469363" cy="3493836"/>
+          </a:xfrm>
+        </p:spPr>
         <p:txBody>
-          <a:bodyPr/>
+          <a:bodyPr vert="horz" lIns="91440" tIns="45720" rIns="91440" bIns="45720" rtlCol="0">
+            <a:normAutofit/>
+          </a:bodyPr>
           <a:lstStyle/>
           <a:p>
             <a:r>
-              <a:rPr lang="en-US" dirty="0"/>
+              <a:rPr lang="en-US" sz="2000" dirty="0"/>
               <a:t>Like with severe storms, the null hypothesis was rejected for all six months.</a:t>
             </a:r>
           </a:p>
           <a:p>
             <a:r>
-              <a:rPr lang="en-US" dirty="0"/>
+              <a:rPr lang="en-US" sz="2000" dirty="0"/>
               <a:t>Like with severe storms, the results appear to be normally distributed. </a:t>
             </a:r>
           </a:p>
           <a:p>
             <a:r>
-              <a:rPr lang="en-US" dirty="0"/>
+              <a:rPr lang="en-US" sz="2000" dirty="0"/>
               <a:t>The later months appear to start to show a slightly increasing negative impact. </a:t>
             </a:r>
           </a:p>
           <a:p>
-            <a:endParaRPr lang="en-US" dirty="0"/>
+            <a:endParaRPr lang="en-US" sz="2000" dirty="0"/>
           </a:p>
         </p:txBody>
       </p:sp>
@@ -4353,7 +11844,7 @@
     </p:extLst>
   </p:cSld>
   <p:clrMapOvr>
-    <a:masterClrMapping/>
+    <a:overrideClrMapping bg1="dk1" tx1="lt1" bg2="dk2" tx2="lt2" accent1="accent1" accent2="accent2" accent3="accent3" accent4="accent4" accent5="accent5" accent6="accent6" hlink="hlink" folHlink="folHlink"/>
   </p:clrMapOvr>
 </p:sld>
 </file>

--- a/Are Housing Prices Affected by Natural Disasters.pptx
+++ b/Are Housing Prices Affected by Natural Disasters.pptx
@@ -1044,7 +1044,7 @@
 <dgm:dataModel xmlns:dgm="http://schemas.openxmlformats.org/drawingml/2006/diagram" xmlns:a="http://schemas.openxmlformats.org/drawingml/2006/main">
   <dgm:ptLst>
     <dgm:pt modelId="{FDF78E5B-080A-40C9-BF30-C0C18E9C186A}" type="doc">
-      <dgm:prSet loTypeId="urn:microsoft.com/office/officeart/2016/7/layout/ChevronBlockProcess" loCatId="process" qsTypeId="urn:microsoft.com/office/officeart/2005/8/quickstyle/simple4" qsCatId="simple" csTypeId="urn:microsoft.com/office/officeart/2005/8/colors/colorful1" csCatId="colorful"/>
+      <dgm:prSet loTypeId="urn:microsoft.com/office/officeart/2016/7/layout/ChevronBlockProcess" loCatId="process" qsTypeId="urn:microsoft.com/office/officeart/2005/8/quickstyle/simple4" qsCatId="simple" csTypeId="urn:microsoft.com/office/officeart/2005/8/colors/colorful1" csCatId="colorful" phldr="1"/>
       <dgm:spPr/>
       <dgm:t>
         <a:bodyPr/>
@@ -1062,8 +1062,8 @@
         <a:lstStyle/>
         <a:p>
           <a:r>
-            <a:rPr lang="en-US"/>
-            <a:t>Mine and clean</a:t>
+            <a:rPr lang="en-US" dirty="0"/>
+            <a:t>Mine and Clean</a:t>
           </a:r>
         </a:p>
       </dgm:t>
@@ -1134,8 +1134,8 @@
         <a:lstStyle/>
         <a:p>
           <a:r>
-            <a:rPr lang="en-US"/>
-            <a:t>Create</a:t>
+            <a:rPr lang="en-US" dirty="0"/>
+            <a:t>Create Control</a:t>
           </a:r>
         </a:p>
       </dgm:t>
@@ -1170,7 +1170,7 @@
         <a:lstStyle/>
         <a:p>
           <a:r>
-            <a:rPr lang="en-US"/>
+            <a:rPr lang="en-US" dirty="0"/>
             <a:t>Create a control group by taking the population average for each month.</a:t>
           </a:r>
         </a:p>
@@ -1206,8 +1206,8 @@
         <a:lstStyle/>
         <a:p>
           <a:r>
-            <a:rPr lang="en-US"/>
-            <a:t>Merge</a:t>
+            <a:rPr lang="en-US" dirty="0"/>
+            <a:t>Merge Data</a:t>
           </a:r>
         </a:p>
       </dgm:t>
@@ -1278,8 +1278,8 @@
         <a:lstStyle/>
         <a:p>
           <a:r>
-            <a:rPr lang="en-US"/>
-            <a:t>Loop through</a:t>
+            <a:rPr lang="en-US" dirty="0"/>
+            <a:t>Loop Through</a:t>
           </a:r>
         </a:p>
       </dgm:t>
@@ -1350,8 +1350,8 @@
         <a:lstStyle/>
         <a:p>
           <a:r>
-            <a:rPr lang="en-US"/>
-            <a:t>Conduct</a:t>
+            <a:rPr lang="en-US" dirty="0"/>
+            <a:t>Conduct Test</a:t>
           </a:r>
         </a:p>
       </dgm:t>
@@ -1603,7 +1603,7 @@
       </dsp:nvSpPr>
       <dsp:spPr>
         <a:xfrm>
-          <a:off x="8879" y="773078"/>
+          <a:off x="8879" y="830897"/>
           <a:ext cx="2141589" cy="642476"/>
         </a:xfrm>
         <a:prstGeom prst="chevron">
@@ -1683,7 +1683,7 @@
         </a:bodyPr>
         <a:lstStyle/>
         <a:p>
-          <a:pPr marL="0" lvl="0" indent="0" algn="ctr" defTabSz="889000">
+          <a:pPr marL="0" lvl="0" indent="0" algn="ctr" defTabSz="844550">
             <a:lnSpc>
               <a:spcPct val="90000"/>
             </a:lnSpc>
@@ -1696,13 +1696,13 @@
             <a:buNone/>
           </a:pPr>
           <a:r>
-            <a:rPr lang="en-US" sz="2000" kern="1200"/>
-            <a:t>Mine and clean</a:t>
+            <a:rPr lang="en-US" sz="1900" kern="1200" dirty="0"/>
+            <a:t>Mine and Clean</a:t>
           </a:r>
         </a:p>
       </dsp:txBody>
       <dsp:txXfrm>
-        <a:off x="201622" y="773078"/>
+        <a:off x="201622" y="830897"/>
         <a:ext cx="1756103" cy="642476"/>
       </dsp:txXfrm>
     </dsp:sp>
@@ -1713,8 +1713,8 @@
       </dsp:nvSpPr>
       <dsp:spPr>
         <a:xfrm>
-          <a:off x="8879" y="1415555"/>
-          <a:ext cx="1948846" cy="1965854"/>
+          <a:off x="8879" y="1473374"/>
+          <a:ext cx="1948846" cy="1850215"/>
         </a:xfrm>
         <a:prstGeom prst="rect">
           <a:avLst/>
@@ -1763,7 +1763,7 @@
         </a:bodyPr>
         <a:lstStyle/>
         <a:p>
-          <a:pPr marL="0" lvl="0" indent="0" algn="l" defTabSz="666750">
+          <a:pPr marL="0" lvl="0" indent="0" algn="l" defTabSz="622300">
             <a:lnSpc>
               <a:spcPct val="90000"/>
             </a:lnSpc>
@@ -1776,14 +1776,14 @@
             <a:buNone/>
           </a:pPr>
           <a:r>
-            <a:rPr lang="en-US" sz="1500" kern="1200"/>
+            <a:rPr lang="en-US" sz="1400" kern="1200"/>
             <a:t>Mine and clean data from FEMA and Zillow</a:t>
           </a:r>
         </a:p>
       </dsp:txBody>
       <dsp:txXfrm>
-        <a:off x="8879" y="1415555"/>
-        <a:ext cx="1948846" cy="1965854"/>
+        <a:off x="8879" y="1473374"/>
+        <a:ext cx="1948846" cy="1850215"/>
       </dsp:txXfrm>
     </dsp:sp>
     <dsp:sp modelId="{26CF5FBA-32B6-46A9-9F0A-ED69207C9F21}">
@@ -1793,7 +1793,7 @@
       </dsp:nvSpPr>
       <dsp:spPr>
         <a:xfrm>
-          <a:off x="2097942" y="773078"/>
+          <a:off x="2097942" y="830897"/>
           <a:ext cx="2141589" cy="642476"/>
         </a:xfrm>
         <a:prstGeom prst="chevron">
@@ -1873,7 +1873,7 @@
         </a:bodyPr>
         <a:lstStyle/>
         <a:p>
-          <a:pPr marL="0" lvl="0" indent="0" algn="ctr" defTabSz="889000">
+          <a:pPr marL="0" lvl="0" indent="0" algn="ctr" defTabSz="844550">
             <a:lnSpc>
               <a:spcPct val="90000"/>
             </a:lnSpc>
@@ -1886,13 +1886,13 @@
             <a:buNone/>
           </a:pPr>
           <a:r>
-            <a:rPr lang="en-US" sz="2000" kern="1200"/>
-            <a:t>Create</a:t>
+            <a:rPr lang="en-US" sz="1900" kern="1200" dirty="0"/>
+            <a:t>Create Control</a:t>
           </a:r>
         </a:p>
       </dsp:txBody>
       <dsp:txXfrm>
-        <a:off x="2290685" y="773078"/>
+        <a:off x="2290685" y="830897"/>
         <a:ext cx="1756103" cy="642476"/>
       </dsp:txXfrm>
     </dsp:sp>
@@ -1903,8 +1903,8 @@
       </dsp:nvSpPr>
       <dsp:spPr>
         <a:xfrm>
-          <a:off x="2097942" y="1415555"/>
-          <a:ext cx="1948846" cy="1965854"/>
+          <a:off x="2097942" y="1473374"/>
+          <a:ext cx="1948846" cy="1850215"/>
         </a:xfrm>
         <a:prstGeom prst="rect">
           <a:avLst/>
@@ -1953,7 +1953,7 @@
         </a:bodyPr>
         <a:lstStyle/>
         <a:p>
-          <a:pPr marL="0" lvl="0" indent="0" algn="l" defTabSz="666750">
+          <a:pPr marL="0" lvl="0" indent="0" algn="l" defTabSz="622300">
             <a:lnSpc>
               <a:spcPct val="90000"/>
             </a:lnSpc>
@@ -1966,14 +1966,14 @@
             <a:buNone/>
           </a:pPr>
           <a:r>
-            <a:rPr lang="en-US" sz="1500" kern="1200"/>
+            <a:rPr lang="en-US" sz="1400" kern="1200" dirty="0"/>
             <a:t>Create a control group by taking the population average for each month.</a:t>
           </a:r>
         </a:p>
       </dsp:txBody>
       <dsp:txXfrm>
-        <a:off x="2097942" y="1415555"/>
-        <a:ext cx="1948846" cy="1965854"/>
+        <a:off x="2097942" y="1473374"/>
+        <a:ext cx="1948846" cy="1850215"/>
       </dsp:txXfrm>
     </dsp:sp>
     <dsp:sp modelId="{1B91FF8B-8EC3-4A6A-9C6B-9F02750B3C7C}">
@@ -1983,7 +1983,7 @@
       </dsp:nvSpPr>
       <dsp:spPr>
         <a:xfrm>
-          <a:off x="4187005" y="773078"/>
+          <a:off x="4187005" y="830897"/>
           <a:ext cx="2141589" cy="642476"/>
         </a:xfrm>
         <a:prstGeom prst="chevron">
@@ -2063,7 +2063,7 @@
         </a:bodyPr>
         <a:lstStyle/>
         <a:p>
-          <a:pPr marL="0" lvl="0" indent="0" algn="ctr" defTabSz="889000">
+          <a:pPr marL="0" lvl="0" indent="0" algn="ctr" defTabSz="844550">
             <a:lnSpc>
               <a:spcPct val="90000"/>
             </a:lnSpc>
@@ -2076,13 +2076,13 @@
             <a:buNone/>
           </a:pPr>
           <a:r>
-            <a:rPr lang="en-US" sz="2000" kern="1200"/>
-            <a:t>Merge</a:t>
+            <a:rPr lang="en-US" sz="1900" kern="1200" dirty="0"/>
+            <a:t>Merge Data</a:t>
           </a:r>
         </a:p>
       </dsp:txBody>
       <dsp:txXfrm>
-        <a:off x="4379748" y="773078"/>
+        <a:off x="4379748" y="830897"/>
         <a:ext cx="1756103" cy="642476"/>
       </dsp:txXfrm>
     </dsp:sp>
@@ -2093,8 +2093,8 @@
       </dsp:nvSpPr>
       <dsp:spPr>
         <a:xfrm>
-          <a:off x="4187005" y="1415555"/>
-          <a:ext cx="1948846" cy="1965854"/>
+          <a:off x="4187005" y="1473374"/>
+          <a:ext cx="1948846" cy="1850215"/>
         </a:xfrm>
         <a:prstGeom prst="rect">
           <a:avLst/>
@@ -2143,7 +2143,7 @@
         </a:bodyPr>
         <a:lstStyle/>
         <a:p>
-          <a:pPr marL="0" lvl="0" indent="0" algn="l" defTabSz="666750">
+          <a:pPr marL="0" lvl="0" indent="0" algn="l" defTabSz="622300">
             <a:lnSpc>
               <a:spcPct val="90000"/>
             </a:lnSpc>
@@ -2156,14 +2156,14 @@
             <a:buNone/>
           </a:pPr>
           <a:r>
-            <a:rPr lang="en-US" sz="1500" kern="1200"/>
+            <a:rPr lang="en-US" sz="1400" kern="1200"/>
             <a:t>Merge the FEMA and total Zillow data sets together based on County and State.</a:t>
           </a:r>
         </a:p>
       </dsp:txBody>
       <dsp:txXfrm>
-        <a:off x="4187005" y="1415555"/>
-        <a:ext cx="1948846" cy="1965854"/>
+        <a:off x="4187005" y="1473374"/>
+        <a:ext cx="1948846" cy="1850215"/>
       </dsp:txXfrm>
     </dsp:sp>
     <dsp:sp modelId="{E65B64E7-D04D-4E81-9AF5-0FC44DCC588C}">
@@ -2173,7 +2173,7 @@
       </dsp:nvSpPr>
       <dsp:spPr>
         <a:xfrm>
-          <a:off x="6276068" y="773078"/>
+          <a:off x="6276068" y="830897"/>
           <a:ext cx="2141589" cy="642476"/>
         </a:xfrm>
         <a:prstGeom prst="chevron">
@@ -2253,7 +2253,7 @@
         </a:bodyPr>
         <a:lstStyle/>
         <a:p>
-          <a:pPr marL="0" lvl="0" indent="0" algn="ctr" defTabSz="889000">
+          <a:pPr marL="0" lvl="0" indent="0" algn="ctr" defTabSz="844550">
             <a:lnSpc>
               <a:spcPct val="90000"/>
             </a:lnSpc>
@@ -2266,13 +2266,13 @@
             <a:buNone/>
           </a:pPr>
           <a:r>
-            <a:rPr lang="en-US" sz="2000" kern="1200"/>
-            <a:t>Loop through</a:t>
+            <a:rPr lang="en-US" sz="1900" kern="1200" dirty="0"/>
+            <a:t>Loop Through</a:t>
           </a:r>
         </a:p>
       </dsp:txBody>
       <dsp:txXfrm>
-        <a:off x="6468811" y="773078"/>
+        <a:off x="6468811" y="830897"/>
         <a:ext cx="1756103" cy="642476"/>
       </dsp:txXfrm>
     </dsp:sp>
@@ -2283,8 +2283,8 @@
       </dsp:nvSpPr>
       <dsp:spPr>
         <a:xfrm>
-          <a:off x="6276068" y="1415555"/>
-          <a:ext cx="1948846" cy="1965854"/>
+          <a:off x="6276068" y="1473374"/>
+          <a:ext cx="1948846" cy="1850215"/>
         </a:xfrm>
         <a:prstGeom prst="rect">
           <a:avLst/>
@@ -2333,7 +2333,7 @@
         </a:bodyPr>
         <a:lstStyle/>
         <a:p>
-          <a:pPr marL="0" lvl="0" indent="0" algn="l" defTabSz="666750">
+          <a:pPr marL="0" lvl="0" indent="0" algn="l" defTabSz="622300">
             <a:lnSpc>
               <a:spcPct val="90000"/>
             </a:lnSpc>
@@ -2346,14 +2346,14 @@
             <a:buNone/>
           </a:pPr>
           <a:r>
-            <a:rPr lang="en-US" sz="1500" kern="1200"/>
+            <a:rPr lang="en-US" sz="1400" kern="1200"/>
             <a:t>Loop through the data set to find 6 months returns for each zip code affected by an event, as well as for the control group. </a:t>
           </a:r>
         </a:p>
       </dsp:txBody>
       <dsp:txXfrm>
-        <a:off x="6276068" y="1415555"/>
-        <a:ext cx="1948846" cy="1965854"/>
+        <a:off x="6276068" y="1473374"/>
+        <a:ext cx="1948846" cy="1850215"/>
       </dsp:txXfrm>
     </dsp:sp>
     <dsp:sp modelId="{70BA5F09-8C09-4C24-A9DF-E75F82B54176}">
@@ -2363,7 +2363,7 @@
       </dsp:nvSpPr>
       <dsp:spPr>
         <a:xfrm>
-          <a:off x="8365131" y="773078"/>
+          <a:off x="8365131" y="830897"/>
           <a:ext cx="2141589" cy="642476"/>
         </a:xfrm>
         <a:prstGeom prst="chevron">
@@ -2443,7 +2443,7 @@
         </a:bodyPr>
         <a:lstStyle/>
         <a:p>
-          <a:pPr marL="0" lvl="0" indent="0" algn="ctr" defTabSz="889000">
+          <a:pPr marL="0" lvl="0" indent="0" algn="ctr" defTabSz="844550">
             <a:lnSpc>
               <a:spcPct val="90000"/>
             </a:lnSpc>
@@ -2456,13 +2456,13 @@
             <a:buNone/>
           </a:pPr>
           <a:r>
-            <a:rPr lang="en-US" sz="2000" kern="1200"/>
-            <a:t>Conduct</a:t>
+            <a:rPr lang="en-US" sz="1900" kern="1200" dirty="0"/>
+            <a:t>Conduct Test</a:t>
           </a:r>
         </a:p>
       </dsp:txBody>
       <dsp:txXfrm>
-        <a:off x="8557874" y="773078"/>
+        <a:off x="8557874" y="830897"/>
         <a:ext cx="1756103" cy="642476"/>
       </dsp:txXfrm>
     </dsp:sp>
@@ -2473,8 +2473,8 @@
       </dsp:nvSpPr>
       <dsp:spPr>
         <a:xfrm>
-          <a:off x="8365131" y="1415555"/>
-          <a:ext cx="1948846" cy="1965854"/>
+          <a:off x="8365131" y="1473374"/>
+          <a:ext cx="1948846" cy="1850215"/>
         </a:xfrm>
         <a:prstGeom prst="rect">
           <a:avLst/>
@@ -2523,7 +2523,7 @@
         </a:bodyPr>
         <a:lstStyle/>
         <a:p>
-          <a:pPr marL="0" lvl="0" indent="0" algn="l" defTabSz="666750">
+          <a:pPr marL="0" lvl="0" indent="0" algn="l" defTabSz="622300">
             <a:lnSpc>
               <a:spcPct val="90000"/>
             </a:lnSpc>
@@ -2536,14 +2536,14 @@
             <a:buNone/>
           </a:pPr>
           <a:r>
-            <a:rPr lang="en-US" sz="1500" kern="1200"/>
+            <a:rPr lang="en-US" sz="1400" kern="1200"/>
             <a:t>Conduct Moods Median test to find if we were able to “prove” a positive or negative effect. </a:t>
           </a:r>
         </a:p>
       </dsp:txBody>
       <dsp:txXfrm>
-        <a:off x="8365131" y="1415555"/>
-        <a:ext cx="1948846" cy="1965854"/>
+        <a:off x="8365131" y="1473374"/>
+        <a:ext cx="1948846" cy="1850215"/>
       </dsp:txXfrm>
     </dsp:sp>
   </dsp:spTree>
@@ -8519,7 +8519,7 @@
             <p:ph idx="1"/>
             <p:extLst>
               <p:ext uri="{D42A27DB-BD31-4B8C-83A1-F6EECF244321}">
-                <p14:modId xmlns:p14="http://schemas.microsoft.com/office/powerpoint/2010/main" val="2591957861"/>
+                <p14:modId xmlns:p14="http://schemas.microsoft.com/office/powerpoint/2010/main" val="4115603778"/>
               </p:ext>
             </p:extLst>
           </p:nvPr>
